--- a/Group4-Presentation.pptx
+++ b/Group4-Presentation.pptx
@@ -1,6 +1,6 @@
 
 <file path=ppt/presentation.xml><?xml version="1.0" encoding="utf-8"?>
-<p:presentation xmlns:a="http://schemas.openxmlformats.org/drawingml/2006/main" xmlns:r="http://schemas.openxmlformats.org/officeDocument/2006/relationships" xmlns:p="http://schemas.openxmlformats.org/presentationml/2006/main">
+<p:presentation xmlns:a="http://schemas.openxmlformats.org/drawingml/2006/main" xmlns:r="http://schemas.openxmlformats.org/officeDocument/2006/relationships" xmlns:p="http://schemas.openxmlformats.org/presentationml/2006/main" embedTrueTypeFonts="1" saveSubsetFonts="1">
   <p:sldMasterIdLst>
     <p:sldMasterId id="2147483648" r:id="rId1"/>
   </p:sldMasterIdLst>
@@ -14,11 +14,20 @@
     <p:sldId id="262" r:id="rId9"/>
     <p:sldId id="263" r:id="rId10"/>
     <p:sldId id="264" r:id="rId11"/>
-    <p:sldId id="265" r:id="rId12"/>
-    <p:sldId id="266" r:id="rId13"/>
+    <p:sldId id="267" r:id="rId12"/>
+    <p:sldId id="268" r:id="rId13"/>
+    <p:sldId id="269" r:id="rId14"/>
+    <p:sldId id="270" r:id="rId15"/>
+    <p:sldId id="271" r:id="rId16"/>
   </p:sldIdLst>
   <p:sldSz cx="12192000" cy="6858000"/>
   <p:notesSz cx="6858000" cy="9144000"/>
+  <p:embeddedFontLst>
+    <p:embeddedFont>
+      <p:font typeface="Arial Rounded MT Bold" panose="020F0704030504030204" charset="0"/>
+      <p:regular r:id="rId20"/>
+    </p:embeddedFont>
+  </p:embeddedFontLst>
   <p:defaultTextStyle>
     <a:defPPr>
       <a:defRPr lang="en-US"/>
@@ -2990,12 +2999,13 @@
         </p:nvSpPr>
         <p:spPr/>
         <p:txBody>
-          <a:bodyPr/>
+          <a:bodyPr>
+            <a:normAutofit fontScale="90000"/>
+          </a:bodyPr>
           <a:p>
             <a:pPr algn="ctr"/>
             <a:r>
               <a:rPr lang="en-US" sz="4500">
-                <a:ln/>
                 <a:solidFill>
                   <a:schemeClr val="tx1"/>
                 </a:solidFill>
@@ -3012,8 +3022,24 @@
               </a:rPr>
               <a:t>CLASSIFICATION</a:t>
             </a:r>
+            <a:br>
+              <a:rPr lang="en-US" sz="4500">
+                <a:solidFill>
+                  <a:schemeClr val="tx1"/>
+                </a:solidFill>
+                <a:effectLst>
+                  <a:outerShdw blurRad="38100" dist="19050" dir="2700000" algn="tl" rotWithShape="0">
+                    <a:schemeClr val="dk1">
+                      <a:alpha val="40000"/>
+                      <a:alpha val="40000"/>
+                    </a:schemeClr>
+                  </a:outerShdw>
+                </a:effectLst>
+                <a:latin typeface="Times New Roman Regular" panose="02020603050405020304" charset="0"/>
+                <a:cs typeface="Times New Roman Regular" panose="02020603050405020304" charset="0"/>
+              </a:rPr>
+            </a:br>
             <a:endParaRPr lang="en-US" sz="4500">
-              <a:ln/>
               <a:solidFill>
                 <a:schemeClr val="tx1"/>
               </a:solidFill>
@@ -3041,11 +3067,59 @@
             <p:ph idx="1"/>
           </p:nvPr>
         </p:nvSpPr>
-        <p:spPr/>
-        <p:txBody>
-          <a:bodyPr/>
-          <a:p>
-            <a:endParaRPr lang="en-US"/>
+        <p:spPr>
+          <a:xfrm>
+            <a:off x="838200" y="1300480"/>
+            <a:ext cx="10515600" cy="4852035"/>
+          </a:xfrm>
+        </p:spPr>
+        <p:txBody>
+          <a:bodyPr>
+            <a:noAutofit/>
+          </a:bodyPr>
+          <a:p>
+            <a:pPr marL="0" indent="0">
+              <a:buNone/>
+            </a:pPr>
+            <a:r>
+              <a:rPr lang="en-US" sz="2300"/>
+              <a:t>Classification refers to the process of categorizing data into classes or groups based on certain features or attributes. It's a fundamental task in data analysis and machine learning where the goal is to predict the category or class of a given dataset based on its characteristics.</a:t>
+            </a:r>
+            <a:endParaRPr lang="en-US" sz="2300"/>
+          </a:p>
+          <a:p>
+            <a:r>
+              <a:rPr lang="en-US" sz="2300"/>
+              <a:t>The R code sets up and compares two different machine learning models for a classification task using customer shopping data: Random Forest model (rf_model) and Naive Bayes model (nb_model).</a:t>
+            </a:r>
+            <a:endParaRPr lang="en-US" sz="2300"/>
+          </a:p>
+          <a:p>
+            <a:pPr marL="0" indent="0">
+              <a:buNone/>
+            </a:pPr>
+            <a:endParaRPr lang="en-US" sz="2300"/>
+          </a:p>
+          <a:p>
+            <a:pPr marL="0" indent="0">
+              <a:buNone/>
+            </a:pPr>
+            <a:endParaRPr lang="en-US" sz="2300">
+              <a:latin typeface="Arial Rounded MT Bold" panose="020F0704030504030204" charset="0"/>
+              <a:cs typeface="Arial Rounded MT Bold" panose="020F0704030504030204" charset="0"/>
+            </a:endParaRPr>
+          </a:p>
+          <a:p>
+            <a:pPr marL="0" indent="0">
+              <a:buNone/>
+            </a:pPr>
+            <a:endParaRPr lang="en-US" sz="2300">
+              <a:latin typeface="Arial Rounded MT Bold" panose="020F0704030504030204" charset="0"/>
+              <a:cs typeface="Arial Rounded MT Bold" panose="020F0704030504030204" charset="0"/>
+            </a:endParaRPr>
+          </a:p>
+          <a:p>
+            <a:endParaRPr lang="en-US" sz="2300"/>
           </a:p>
         </p:txBody>
       </p:sp>
@@ -3079,8 +3153,14 @@
         </p:nvSpPr>
         <p:spPr/>
         <p:txBody>
-          <a:bodyPr/>
-          <a:p>
+          <a:bodyPr>
+            <a:normAutofit fontScale="90000"/>
+          </a:bodyPr>
+          <a:p>
+            <a:r>
+              <a:rPr lang="en-US"/>
+              <a:t>RANDOM FOREST MODEL EVALUATION</a:t>
+            </a:r>
             <a:endParaRPr lang="en-US"/>
           </a:p>
         </p:txBody>
@@ -3095,9 +3175,366 @@
             <p:ph idx="1"/>
           </p:nvPr>
         </p:nvSpPr>
-        <p:spPr/>
-        <p:txBody>
-          <a:bodyPr/>
+        <p:spPr>
+          <a:xfrm>
+            <a:off x="266065" y="1691005"/>
+            <a:ext cx="11334115" cy="4892675"/>
+          </a:xfrm>
+        </p:spPr>
+        <p:txBody>
+          <a:bodyPr>
+            <a:normAutofit/>
+          </a:bodyPr>
+          <a:p>
+            <a:pPr marL="0" indent="0">
+              <a:buNone/>
+            </a:pPr>
+            <a:endParaRPr lang="en-US" sz="2400"/>
+          </a:p>
+          <a:p>
+            <a:pPr marL="0" indent="0">
+              <a:buNone/>
+            </a:pPr>
+            <a:endParaRPr lang="en-US" sz="2400"/>
+          </a:p>
+          <a:p>
+            <a:pPr marL="0" indent="0">
+              <a:buNone/>
+            </a:pPr>
+            <a:endParaRPr lang="en-US" sz="2400"/>
+          </a:p>
+        </p:txBody>
+      </p:sp>
+      <p:pic>
+        <p:nvPicPr>
+          <p:cNvPr id="5" name="Picture 4" descr="WhatsApp Image 2023-12-05 at 5.14.52 PM (1)"/>
+          <p:cNvPicPr>
+            <a:picLocks noChangeAspect="1"/>
+          </p:cNvPicPr>
+          <p:nvPr/>
+        </p:nvPicPr>
+        <p:blipFill>
+          <a:blip r:embed="rId1"/>
+          <a:stretch>
+            <a:fillRect/>
+          </a:stretch>
+        </p:blipFill>
+        <p:spPr>
+          <a:xfrm>
+            <a:off x="6282055" y="1891665"/>
+            <a:ext cx="4484370" cy="4091940"/>
+          </a:xfrm>
+          <a:prstGeom prst="rect">
+            <a:avLst/>
+          </a:prstGeom>
+        </p:spPr>
+      </p:pic>
+      <p:pic>
+        <p:nvPicPr>
+          <p:cNvPr id="6" name="Picture 5" descr="WhatsApp Image 2023-12-05 at 5.21.40 PM"/>
+          <p:cNvPicPr>
+            <a:picLocks noChangeAspect="1"/>
+          </p:cNvPicPr>
+          <p:nvPr/>
+        </p:nvPicPr>
+        <p:blipFill>
+          <a:blip r:embed="rId2"/>
+          <a:stretch>
+            <a:fillRect/>
+          </a:stretch>
+        </p:blipFill>
+        <p:spPr>
+          <a:xfrm>
+            <a:off x="461645" y="2065655"/>
+            <a:ext cx="5487670" cy="3039745"/>
+          </a:xfrm>
+          <a:prstGeom prst="rect">
+            <a:avLst/>
+          </a:prstGeom>
+        </p:spPr>
+      </p:pic>
+    </p:spTree>
+  </p:cSld>
+  <p:clrMapOvr>
+    <a:masterClrMapping/>
+  </p:clrMapOvr>
+</p:sld>
+</file>
+
+<file path=ppt/slides/slide12.xml><?xml version="1.0" encoding="utf-8"?>
+<p:sld xmlns:a="http://schemas.openxmlformats.org/drawingml/2006/main" xmlns:r="http://schemas.openxmlformats.org/officeDocument/2006/relationships" xmlns:p="http://schemas.openxmlformats.org/presentationml/2006/main">
+  <p:cSld>
+    <p:spTree>
+      <p:nvGrpSpPr>
+        <p:cNvPr id="1" name=""/>
+        <p:cNvGrpSpPr/>
+        <p:nvPr/>
+      </p:nvGrpSpPr>
+      <p:grpSpPr/>
+      <p:sp>
+        <p:nvSpPr>
+          <p:cNvPr id="2" name="Title 1"/>
+          <p:cNvSpPr>
+            <a:spLocks noGrp="1"/>
+          </p:cNvSpPr>
+          <p:nvPr>
+            <p:ph type="title"/>
+          </p:nvPr>
+        </p:nvSpPr>
+        <p:spPr/>
+        <p:txBody>
+          <a:bodyPr/>
+          <a:p>
+            <a:r>
+              <a:rPr lang="en-US"/>
+              <a:t>NAIVE BAYES MODEL EVALUATION</a:t>
+            </a:r>
+            <a:endParaRPr lang="en-US"/>
+          </a:p>
+        </p:txBody>
+      </p:sp>
+      <p:pic>
+        <p:nvPicPr>
+          <p:cNvPr id="6" name="Content Placeholder 5" descr="WhatsApp Image 2023-12-05 at 5.43.52 PM"/>
+          <p:cNvPicPr>
+            <a:picLocks noChangeAspect="1"/>
+          </p:cNvPicPr>
+          <p:nvPr>
+            <p:ph idx="1"/>
+          </p:nvPr>
+        </p:nvPicPr>
+        <p:blipFill>
+          <a:blip r:embed="rId1"/>
+          <a:stretch>
+            <a:fillRect/>
+          </a:stretch>
+        </p:blipFill>
+        <p:spPr>
+          <a:xfrm>
+            <a:off x="838200" y="2016760"/>
+            <a:ext cx="5503545" cy="2859405"/>
+          </a:xfrm>
+          <a:prstGeom prst="rect">
+            <a:avLst/>
+          </a:prstGeom>
+        </p:spPr>
+      </p:pic>
+      <p:pic>
+        <p:nvPicPr>
+          <p:cNvPr id="4" name="Picture 3" descr="WhatsApp Image 2023-12-05 at 5.19.45 PM"/>
+          <p:cNvPicPr>
+            <a:picLocks noChangeAspect="1"/>
+          </p:cNvPicPr>
+          <p:nvPr/>
+        </p:nvPicPr>
+        <p:blipFill>
+          <a:blip r:embed="rId2"/>
+          <a:stretch>
+            <a:fillRect/>
+          </a:stretch>
+        </p:blipFill>
+        <p:spPr>
+          <a:xfrm>
+            <a:off x="6187440" y="1691005"/>
+            <a:ext cx="4653280" cy="3989705"/>
+          </a:xfrm>
+          <a:prstGeom prst="rect">
+            <a:avLst/>
+          </a:prstGeom>
+        </p:spPr>
+      </p:pic>
+    </p:spTree>
+  </p:cSld>
+  <p:clrMapOvr>
+    <a:masterClrMapping/>
+  </p:clrMapOvr>
+</p:sld>
+</file>
+
+<file path=ppt/slides/slide13.xml><?xml version="1.0" encoding="utf-8"?>
+<p:sld xmlns:a="http://schemas.openxmlformats.org/drawingml/2006/main" xmlns:r="http://schemas.openxmlformats.org/officeDocument/2006/relationships" xmlns:p="http://schemas.openxmlformats.org/presentationml/2006/main">
+  <p:cSld>
+    <p:spTree>
+      <p:nvGrpSpPr>
+        <p:cNvPr id="1" name=""/>
+        <p:cNvGrpSpPr/>
+        <p:nvPr/>
+      </p:nvGrpSpPr>
+      <p:grpSpPr/>
+      <p:sp>
+        <p:nvSpPr>
+          <p:cNvPr id="2" name="Title 1"/>
+          <p:cNvSpPr>
+            <a:spLocks noGrp="1"/>
+          </p:cNvSpPr>
+          <p:nvPr>
+            <p:ph type="title"/>
+          </p:nvPr>
+        </p:nvSpPr>
+        <p:spPr/>
+        <p:txBody>
+          <a:bodyPr/>
+          <a:p>
+            <a:r>
+              <a:rPr lang="en-US"/>
+              <a:t>                      CLUSTERING</a:t>
+            </a:r>
+            <a:endParaRPr lang="en-US"/>
+          </a:p>
+        </p:txBody>
+      </p:sp>
+      <p:sp>
+        <p:nvSpPr>
+          <p:cNvPr id="3" name="Content Placeholder 2"/>
+          <p:cNvSpPr>
+            <a:spLocks noGrp="1"/>
+          </p:cNvSpPr>
+          <p:nvPr>
+            <p:ph idx="1"/>
+          </p:nvPr>
+        </p:nvSpPr>
+        <p:spPr>
+          <a:xfrm>
+            <a:off x="838200" y="1691005"/>
+            <a:ext cx="10515600" cy="4351338"/>
+          </a:xfrm>
+        </p:spPr>
+        <p:txBody>
+          <a:bodyPr>
+            <a:normAutofit lnSpcReduction="20000"/>
+          </a:bodyPr>
+          <a:p>
+            <a:pPr marL="0" indent="0" algn="just">
+              <a:buNone/>
+            </a:pPr>
+            <a:r>
+              <a:rPr lang="en-US"/>
+              <a:t>Clustering is the process of grouping similar data points together based on certain characteristics or features they share. It's an unsupervised learning technique used to find hidden patterns or structures within a dataset.</a:t>
+            </a:r>
+            <a:endParaRPr lang="en-US"/>
+          </a:p>
+          <a:p>
+            <a:pPr marL="0" indent="0" algn="just">
+              <a:buNone/>
+            </a:pPr>
+            <a:r>
+              <a:rPr lang="en-US"/>
+              <a:t>Selects specific columns ("age," "quantity," "price") from the shopping_data dataset to be used for clustering.</a:t>
+            </a:r>
+            <a:endParaRPr lang="en-US"/>
+          </a:p>
+          <a:p>
+            <a:pPr marL="0" indent="0" algn="just">
+              <a:buNone/>
+            </a:pPr>
+            <a:endParaRPr lang="en-US"/>
+          </a:p>
+          <a:p>
+            <a:pPr marL="0" indent="0" algn="just">
+              <a:buNone/>
+            </a:pPr>
+            <a:r>
+              <a:rPr lang="en-US">
+                <a:latin typeface="+mj-ea"/>
+                <a:cs typeface="+mj-ea"/>
+              </a:rPr>
+              <a:t>DBSCAN:</a:t>
+            </a:r>
+            <a:endParaRPr lang="en-US"/>
+          </a:p>
+          <a:p>
+            <a:pPr marL="0" indent="0" algn="just">
+              <a:buNone/>
+            </a:pPr>
+            <a:r>
+              <a:rPr lang="en-US"/>
+              <a:t>Applies the DBSCAN algorithm to the selected features. eps specifies the maximum distance between two points for them to be considered part of the same neighborhood, and minPts is the minimum number of points required to form a dense region.</a:t>
+            </a:r>
+            <a:endParaRPr lang="en-US"/>
+          </a:p>
+          <a:p>
+            <a:pPr marL="0" indent="0" algn="just">
+              <a:buNone/>
+            </a:pPr>
+            <a:endParaRPr lang="en-US"/>
+          </a:p>
+        </p:txBody>
+      </p:sp>
+    </p:spTree>
+  </p:cSld>
+  <p:clrMapOvr>
+    <a:masterClrMapping/>
+  </p:clrMapOvr>
+</p:sld>
+</file>
+
+<file path=ppt/slides/slide14.xml><?xml version="1.0" encoding="utf-8"?>
+<p:sld xmlns:a="http://schemas.openxmlformats.org/drawingml/2006/main" xmlns:r="http://schemas.openxmlformats.org/officeDocument/2006/relationships" xmlns:p="http://schemas.openxmlformats.org/presentationml/2006/main">
+  <p:cSld>
+    <p:spTree>
+      <p:nvGrpSpPr>
+        <p:cNvPr id="1" name=""/>
+        <p:cNvGrpSpPr/>
+        <p:nvPr/>
+      </p:nvGrpSpPr>
+      <p:grpSpPr/>
+      <p:sp>
+        <p:nvSpPr>
+          <p:cNvPr id="2" name="Title 1"/>
+          <p:cNvSpPr>
+            <a:spLocks noGrp="1"/>
+          </p:cNvSpPr>
+          <p:nvPr>
+            <p:ph type="title"/>
+          </p:nvPr>
+        </p:nvSpPr>
+        <p:spPr/>
+        <p:txBody>
+          <a:bodyPr/>
+          <a:p>
+            <a:endParaRPr lang="en-US"/>
+          </a:p>
+        </p:txBody>
+      </p:sp>
+      <p:sp>
+        <p:nvSpPr>
+          <p:cNvPr id="3" name="Content Placeholder 2"/>
+          <p:cNvSpPr>
+            <a:spLocks noGrp="1"/>
+          </p:cNvSpPr>
+          <p:nvPr>
+            <p:ph idx="1"/>
+          </p:nvPr>
+        </p:nvSpPr>
+        <p:spPr/>
+        <p:txBody>
+          <a:bodyPr>
+            <a:normAutofit lnSpcReduction="10000"/>
+          </a:bodyPr>
+          <a:p>
+            <a:r>
+              <a:rPr lang="en-US"/>
+              <a:t>Displays the distribution of clusters formed by DBSCAN (table()) and provides information about the resulting clusters (dbscan_result).</a:t>
+            </a:r>
+            <a:endParaRPr lang="en-US"/>
+          </a:p>
+          <a:p>
+            <a:r>
+              <a:rPr lang="en-US"/>
+              <a:t>Creates a new data frame (cluster_data) combining the selected features with the assigned cluster labels from the DBSCAN results.</a:t>
+            </a:r>
+            <a:endParaRPr lang="en-US"/>
+          </a:p>
+          <a:p>
+            <a:r>
+              <a:rPr lang="en-US"/>
+              <a:t>Utilizes ggplot2 to create a scatter plot visualizing the clusters formed by DBSCAN. Each data point is represented by a point on the plot, where the x-axis is "quantity," the y-axis is "age," and the color of the points represents different clusters identified by DBSCAN.</a:t>
+            </a:r>
+            <a:endParaRPr lang="en-US"/>
+          </a:p>
+          <a:p>
+            <a:endParaRPr lang="en-US"/>
+          </a:p>
           <a:p>
             <a:endParaRPr lang="en-US"/>
           </a:p>

--- a/Group4-Presentation.pptx
+++ b/Group4-Presentation.pptx
@@ -5,27 +5,39 @@
     <p:sldMasterId id="2147483648" r:id="rId1"/>
   </p:sldMasterIdLst>
   <p:sldIdLst>
-    <p:sldId id="256" r:id="rId3"/>
-    <p:sldId id="257" r:id="rId4"/>
-    <p:sldId id="258" r:id="rId5"/>
-    <p:sldId id="259" r:id="rId6"/>
-    <p:sldId id="260" r:id="rId7"/>
-    <p:sldId id="261" r:id="rId8"/>
-    <p:sldId id="262" r:id="rId9"/>
-    <p:sldId id="263" r:id="rId10"/>
-    <p:sldId id="264" r:id="rId11"/>
-    <p:sldId id="267" r:id="rId12"/>
-    <p:sldId id="268" r:id="rId13"/>
-    <p:sldId id="269" r:id="rId14"/>
-    <p:sldId id="270" r:id="rId15"/>
-    <p:sldId id="271" r:id="rId16"/>
+    <p:sldId id="256" r:id="rId2"/>
+    <p:sldId id="257" r:id="rId3"/>
+    <p:sldId id="258" r:id="rId4"/>
+    <p:sldId id="259" r:id="rId5"/>
+    <p:sldId id="260" r:id="rId6"/>
+    <p:sldId id="261" r:id="rId7"/>
+    <p:sldId id="262" r:id="rId8"/>
+    <p:sldId id="263" r:id="rId9"/>
+    <p:sldId id="264" r:id="rId10"/>
+    <p:sldId id="267" r:id="rId11"/>
+    <p:sldId id="268" r:id="rId12"/>
+    <p:sldId id="269" r:id="rId13"/>
+    <p:sldId id="270" r:id="rId14"/>
+    <p:sldId id="271" r:id="rId15"/>
   </p:sldIdLst>
   <p:sldSz cx="12192000" cy="6858000"/>
   <p:notesSz cx="6858000" cy="9144000"/>
   <p:embeddedFontLst>
     <p:embeddedFont>
-      <p:font typeface="Arial Rounded MT Bold" panose="020F0704030504030204" charset="0"/>
-      <p:regular r:id="rId20"/>
+      <p:font typeface="Arial Rounded MT Bold" panose="020F0704030504030204" pitchFamily="34" charset="0"/>
+      <p:regular r:id="rId16"/>
+    </p:embeddedFont>
+    <p:embeddedFont>
+      <p:font typeface="Calibri" panose="020F0502020204030204" pitchFamily="34" charset="0"/>
+      <p:regular r:id="rId17"/>
+      <p:bold r:id="rId18"/>
+      <p:italic r:id="rId19"/>
+      <p:boldItalic r:id="rId20"/>
+    </p:embeddedFont>
+    <p:embeddedFont>
+      <p:font typeface="Calibri Light" panose="020F0302020204030204" pitchFamily="34" charset="0"/>
+      <p:regular r:id="rId21"/>
+      <p:italic r:id="rId22"/>
     </p:embeddedFont>
   </p:embeddedFontLst>
   <p:defaultTextStyle>
@@ -123,6 +135,11 @@
       </a:defRPr>
     </a:lvl9pPr>
   </p:defaultTextStyle>
+  <p:extLst>
+    <p:ext uri="{EFAFB233-063F-42B5-8137-9DF3F51BA10A}">
+      <p15:sldGuideLst xmlns:p15="http://schemas.microsoft.com/office/powerpoint/2012/main"/>
+    </p:ext>
+  </p:extLst>
 </p:presentation>
 </file>
 
@@ -168,10 +185,9 @@
           </a:lstStyle>
           <a:p>
             <a:r>
-              <a:rPr lang="en-US" smtClean="0"/>
+              <a:rPr lang="en-US"/>
               <a:t>Click to edit Master title style</a:t>
             </a:r>
-            <a:endParaRPr lang="en-US"/>
           </a:p>
         </p:txBody>
       </p:sp>
@@ -233,10 +249,9 @@
           </a:lstStyle>
           <a:p>
             <a:r>
-              <a:rPr lang="en-US" smtClean="0"/>
+              <a:rPr lang="en-US"/>
               <a:t>Click to edit Master subtitle style</a:t>
             </a:r>
-            <a:endParaRPr lang="en-US"/>
           </a:p>
         </p:txBody>
       </p:sp>
@@ -257,6 +272,7 @@
           <a:p>
             <a:fld id="{63A1C593-65D0-4073-BCC9-577B9352EA97}" type="datetimeFigureOut">
               <a:rPr lang="en-US" smtClean="0"/>
+              <a:t>12/5/2023</a:t>
             </a:fld>
             <a:endParaRPr lang="en-US"/>
           </a:p>
@@ -298,6 +314,7 @@
           <a:p>
             <a:fld id="{9B618960-8005-486C-9A75-10CB2AAC16F9}" type="slidenum">
               <a:rPr lang="en-US" smtClean="0"/>
+              <a:t>‹#›</a:t>
             </a:fld>
             <a:endParaRPr lang="en-US"/>
           </a:p>
@@ -344,10 +361,9 @@
           <a:lstStyle/>
           <a:p>
             <a:r>
-              <a:rPr lang="en-US" smtClean="0"/>
+              <a:rPr lang="en-US"/>
               <a:t>Click to edit Master title style</a:t>
             </a:r>
-            <a:endParaRPr lang="en-US"/>
           </a:p>
         </p:txBody>
       </p:sp>
@@ -368,42 +384,37 @@
           <a:p>
             <a:pPr lvl="0"/>
             <a:r>
-              <a:rPr lang="en-US" smtClean="0"/>
+              <a:rPr lang="en-US"/>
               <a:t>Click to edit Master text styles</a:t>
             </a:r>
-            <a:endParaRPr lang="en-US" smtClean="0"/>
           </a:p>
           <a:p>
             <a:pPr lvl="1"/>
             <a:r>
-              <a:rPr lang="en-US" smtClean="0"/>
+              <a:rPr lang="en-US"/>
               <a:t>Second level</a:t>
             </a:r>
-            <a:endParaRPr lang="en-US" smtClean="0"/>
           </a:p>
           <a:p>
             <a:pPr lvl="2"/>
             <a:r>
-              <a:rPr lang="en-US" smtClean="0"/>
+              <a:rPr lang="en-US"/>
               <a:t>Third level</a:t>
             </a:r>
-            <a:endParaRPr lang="en-US" smtClean="0"/>
           </a:p>
           <a:p>
             <a:pPr lvl="3"/>
             <a:r>
-              <a:rPr lang="en-US" smtClean="0"/>
+              <a:rPr lang="en-US"/>
               <a:t>Fourth level</a:t>
             </a:r>
-            <a:endParaRPr lang="en-US" smtClean="0"/>
           </a:p>
           <a:p>
             <a:pPr lvl="4"/>
             <a:r>
-              <a:rPr lang="en-US" smtClean="0"/>
+              <a:rPr lang="en-US"/>
               <a:t>Fifth level</a:t>
             </a:r>
-            <a:endParaRPr lang="en-US"/>
           </a:p>
         </p:txBody>
       </p:sp>
@@ -424,6 +435,7 @@
           <a:p>
             <a:fld id="{63A1C593-65D0-4073-BCC9-577B9352EA97}" type="datetimeFigureOut">
               <a:rPr lang="en-US" smtClean="0"/>
+              <a:t>12/5/2023</a:t>
             </a:fld>
             <a:endParaRPr lang="en-US"/>
           </a:p>
@@ -465,6 +477,7 @@
           <a:p>
             <a:fld id="{9B618960-8005-486C-9A75-10CB2AAC16F9}" type="slidenum">
               <a:rPr lang="en-US" smtClean="0"/>
+              <a:t>‹#›</a:t>
             </a:fld>
             <a:endParaRPr lang="en-US"/>
           </a:p>
@@ -516,10 +529,9 @@
           <a:lstStyle/>
           <a:p>
             <a:r>
-              <a:rPr lang="en-US" smtClean="0"/>
+              <a:rPr lang="en-US"/>
               <a:t>Click to edit Master title style</a:t>
             </a:r>
-            <a:endParaRPr lang="en-US"/>
           </a:p>
         </p:txBody>
       </p:sp>
@@ -545,42 +557,37 @@
           <a:p>
             <a:pPr lvl="0"/>
             <a:r>
-              <a:rPr lang="en-US" smtClean="0"/>
+              <a:rPr lang="en-US"/>
               <a:t>Click to edit Master text styles</a:t>
             </a:r>
-            <a:endParaRPr lang="en-US" smtClean="0"/>
           </a:p>
           <a:p>
             <a:pPr lvl="1"/>
             <a:r>
-              <a:rPr lang="en-US" smtClean="0"/>
+              <a:rPr lang="en-US"/>
               <a:t>Second level</a:t>
             </a:r>
-            <a:endParaRPr lang="en-US" smtClean="0"/>
           </a:p>
           <a:p>
             <a:pPr lvl="2"/>
             <a:r>
-              <a:rPr lang="en-US" smtClean="0"/>
+              <a:rPr lang="en-US"/>
               <a:t>Third level</a:t>
             </a:r>
-            <a:endParaRPr lang="en-US" smtClean="0"/>
           </a:p>
           <a:p>
             <a:pPr lvl="3"/>
             <a:r>
-              <a:rPr lang="en-US" smtClean="0"/>
+              <a:rPr lang="en-US"/>
               <a:t>Fourth level</a:t>
             </a:r>
-            <a:endParaRPr lang="en-US" smtClean="0"/>
           </a:p>
           <a:p>
             <a:pPr lvl="4"/>
             <a:r>
-              <a:rPr lang="en-US" smtClean="0"/>
+              <a:rPr lang="en-US"/>
               <a:t>Fifth level</a:t>
             </a:r>
-            <a:endParaRPr lang="en-US"/>
           </a:p>
         </p:txBody>
       </p:sp>
@@ -601,6 +608,7 @@
           <a:p>
             <a:fld id="{63A1C593-65D0-4073-BCC9-577B9352EA97}" type="datetimeFigureOut">
               <a:rPr lang="en-US" smtClean="0"/>
+              <a:t>12/5/2023</a:t>
             </a:fld>
             <a:endParaRPr lang="en-US"/>
           </a:p>
@@ -642,6 +650,7 @@
           <a:p>
             <a:fld id="{9B618960-8005-486C-9A75-10CB2AAC16F9}" type="slidenum">
               <a:rPr lang="en-US" smtClean="0"/>
+              <a:t>‹#›</a:t>
             </a:fld>
             <a:endParaRPr lang="en-US"/>
           </a:p>
@@ -688,10 +697,9 @@
           <a:lstStyle/>
           <a:p>
             <a:r>
-              <a:rPr lang="en-US" smtClean="0"/>
+              <a:rPr lang="en-US"/>
               <a:t>Click to edit Master title style</a:t>
             </a:r>
-            <a:endParaRPr lang="en-US"/>
           </a:p>
         </p:txBody>
       </p:sp>
@@ -712,42 +720,37 @@
           <a:p>
             <a:pPr lvl="0"/>
             <a:r>
-              <a:rPr lang="en-US" smtClean="0"/>
+              <a:rPr lang="en-US"/>
               <a:t>Click to edit Master text styles</a:t>
             </a:r>
-            <a:endParaRPr lang="en-US" smtClean="0"/>
           </a:p>
           <a:p>
             <a:pPr lvl="1"/>
             <a:r>
-              <a:rPr lang="en-US" smtClean="0"/>
+              <a:rPr lang="en-US"/>
               <a:t>Second level</a:t>
             </a:r>
-            <a:endParaRPr lang="en-US" smtClean="0"/>
           </a:p>
           <a:p>
             <a:pPr lvl="2"/>
             <a:r>
-              <a:rPr lang="en-US" smtClean="0"/>
+              <a:rPr lang="en-US"/>
               <a:t>Third level</a:t>
             </a:r>
-            <a:endParaRPr lang="en-US" smtClean="0"/>
           </a:p>
           <a:p>
             <a:pPr lvl="3"/>
             <a:r>
-              <a:rPr lang="en-US" smtClean="0"/>
+              <a:rPr lang="en-US"/>
               <a:t>Fourth level</a:t>
             </a:r>
-            <a:endParaRPr lang="en-US" smtClean="0"/>
           </a:p>
           <a:p>
             <a:pPr lvl="4"/>
             <a:r>
-              <a:rPr lang="en-US" smtClean="0"/>
+              <a:rPr lang="en-US"/>
               <a:t>Fifth level</a:t>
             </a:r>
-            <a:endParaRPr lang="en-US"/>
           </a:p>
         </p:txBody>
       </p:sp>
@@ -768,6 +771,7 @@
           <a:p>
             <a:fld id="{63A1C593-65D0-4073-BCC9-577B9352EA97}" type="datetimeFigureOut">
               <a:rPr lang="en-US" smtClean="0"/>
+              <a:t>12/5/2023</a:t>
             </a:fld>
             <a:endParaRPr lang="en-US"/>
           </a:p>
@@ -809,6 +813,7 @@
           <a:p>
             <a:fld id="{9B618960-8005-486C-9A75-10CB2AAC16F9}" type="slidenum">
               <a:rPr lang="en-US" smtClean="0"/>
+              <a:t>‹#›</a:t>
             </a:fld>
             <a:endParaRPr lang="en-US"/>
           </a:p>
@@ -864,10 +869,9 @@
           </a:lstStyle>
           <a:p>
             <a:r>
-              <a:rPr lang="en-US" smtClean="0"/>
+              <a:rPr lang="en-US"/>
               <a:t>Click to edit Master title style</a:t>
             </a:r>
-            <a:endParaRPr lang="en-US"/>
           </a:p>
         </p:txBody>
       </p:sp>
@@ -984,10 +988,9 @@
           <a:p>
             <a:pPr lvl="0"/>
             <a:r>
-              <a:rPr lang="en-US" smtClean="0"/>
+              <a:rPr lang="en-US"/>
               <a:t>Click to edit Master text styles</a:t>
             </a:r>
-            <a:endParaRPr lang="en-US" smtClean="0"/>
           </a:p>
         </p:txBody>
       </p:sp>
@@ -1008,6 +1011,7 @@
           <a:p>
             <a:fld id="{63A1C593-65D0-4073-BCC9-577B9352EA97}" type="datetimeFigureOut">
               <a:rPr lang="en-US" smtClean="0"/>
+              <a:t>12/5/2023</a:t>
             </a:fld>
             <a:endParaRPr lang="en-US"/>
           </a:p>
@@ -1049,6 +1053,7 @@
           <a:p>
             <a:fld id="{9B618960-8005-486C-9A75-10CB2AAC16F9}" type="slidenum">
               <a:rPr lang="en-US" smtClean="0"/>
+              <a:t>‹#›</a:t>
             </a:fld>
             <a:endParaRPr lang="en-US"/>
           </a:p>
@@ -1095,10 +1100,9 @@
           <a:lstStyle/>
           <a:p>
             <a:r>
-              <a:rPr lang="en-US" smtClean="0"/>
+              <a:rPr lang="en-US"/>
               <a:t>Click to edit Master title style</a:t>
             </a:r>
-            <a:endParaRPr lang="en-US"/>
           </a:p>
         </p:txBody>
       </p:sp>
@@ -1124,42 +1128,37 @@
           <a:p>
             <a:pPr lvl="0"/>
             <a:r>
-              <a:rPr lang="en-US" smtClean="0"/>
+              <a:rPr lang="en-US"/>
               <a:t>Click to edit Master text styles</a:t>
             </a:r>
-            <a:endParaRPr lang="en-US" smtClean="0"/>
           </a:p>
           <a:p>
             <a:pPr lvl="1"/>
             <a:r>
-              <a:rPr lang="en-US" smtClean="0"/>
+              <a:rPr lang="en-US"/>
               <a:t>Second level</a:t>
             </a:r>
-            <a:endParaRPr lang="en-US" smtClean="0"/>
           </a:p>
           <a:p>
             <a:pPr lvl="2"/>
             <a:r>
-              <a:rPr lang="en-US" smtClean="0"/>
+              <a:rPr lang="en-US"/>
               <a:t>Third level</a:t>
             </a:r>
-            <a:endParaRPr lang="en-US" smtClean="0"/>
           </a:p>
           <a:p>
             <a:pPr lvl="3"/>
             <a:r>
-              <a:rPr lang="en-US" smtClean="0"/>
+              <a:rPr lang="en-US"/>
               <a:t>Fourth level</a:t>
             </a:r>
-            <a:endParaRPr lang="en-US" smtClean="0"/>
           </a:p>
           <a:p>
             <a:pPr lvl="4"/>
             <a:r>
-              <a:rPr lang="en-US" smtClean="0"/>
+              <a:rPr lang="en-US"/>
               <a:t>Fifth level</a:t>
             </a:r>
-            <a:endParaRPr lang="en-US"/>
           </a:p>
         </p:txBody>
       </p:sp>
@@ -1185,42 +1184,37 @@
           <a:p>
             <a:pPr lvl="0"/>
             <a:r>
-              <a:rPr lang="en-US" smtClean="0"/>
+              <a:rPr lang="en-US"/>
               <a:t>Click to edit Master text styles</a:t>
             </a:r>
-            <a:endParaRPr lang="en-US" smtClean="0"/>
           </a:p>
           <a:p>
             <a:pPr lvl="1"/>
             <a:r>
-              <a:rPr lang="en-US" smtClean="0"/>
+              <a:rPr lang="en-US"/>
               <a:t>Second level</a:t>
             </a:r>
-            <a:endParaRPr lang="en-US" smtClean="0"/>
           </a:p>
           <a:p>
             <a:pPr lvl="2"/>
             <a:r>
-              <a:rPr lang="en-US" smtClean="0"/>
+              <a:rPr lang="en-US"/>
               <a:t>Third level</a:t>
             </a:r>
-            <a:endParaRPr lang="en-US" smtClean="0"/>
           </a:p>
           <a:p>
             <a:pPr lvl="3"/>
             <a:r>
-              <a:rPr lang="en-US" smtClean="0"/>
+              <a:rPr lang="en-US"/>
               <a:t>Fourth level</a:t>
             </a:r>
-            <a:endParaRPr lang="en-US" smtClean="0"/>
           </a:p>
           <a:p>
             <a:pPr lvl="4"/>
             <a:r>
-              <a:rPr lang="en-US" smtClean="0"/>
+              <a:rPr lang="en-US"/>
               <a:t>Fifth level</a:t>
             </a:r>
-            <a:endParaRPr lang="en-US"/>
           </a:p>
         </p:txBody>
       </p:sp>
@@ -1241,6 +1235,7 @@
           <a:p>
             <a:fld id="{63A1C593-65D0-4073-BCC9-577B9352EA97}" type="datetimeFigureOut">
               <a:rPr lang="en-US" smtClean="0"/>
+              <a:t>12/5/2023</a:t>
             </a:fld>
             <a:endParaRPr lang="en-US"/>
           </a:p>
@@ -1282,6 +1277,7 @@
           <a:p>
             <a:fld id="{9B618960-8005-486C-9A75-10CB2AAC16F9}" type="slidenum">
               <a:rPr lang="en-US" smtClean="0"/>
+              <a:t>‹#›</a:t>
             </a:fld>
             <a:endParaRPr lang="en-US"/>
           </a:p>
@@ -1333,10 +1329,9 @@
           <a:lstStyle/>
           <a:p>
             <a:r>
-              <a:rPr lang="en-US" smtClean="0"/>
+              <a:rPr lang="en-US"/>
               <a:t>Click to edit Master title style</a:t>
             </a:r>
-            <a:endParaRPr lang="en-US"/>
           </a:p>
         </p:txBody>
       </p:sp>
@@ -1399,10 +1394,9 @@
           <a:p>
             <a:pPr lvl="0"/>
             <a:r>
-              <a:rPr lang="en-US" smtClean="0"/>
+              <a:rPr lang="en-US"/>
               <a:t>Click to edit Master text styles</a:t>
             </a:r>
-            <a:endParaRPr lang="en-US" smtClean="0"/>
           </a:p>
         </p:txBody>
       </p:sp>
@@ -1428,42 +1422,37 @@
           <a:p>
             <a:pPr lvl="0"/>
             <a:r>
-              <a:rPr lang="en-US" smtClean="0"/>
+              <a:rPr lang="en-US"/>
               <a:t>Click to edit Master text styles</a:t>
             </a:r>
-            <a:endParaRPr lang="en-US" smtClean="0"/>
           </a:p>
           <a:p>
             <a:pPr lvl="1"/>
             <a:r>
-              <a:rPr lang="en-US" smtClean="0"/>
+              <a:rPr lang="en-US"/>
               <a:t>Second level</a:t>
             </a:r>
-            <a:endParaRPr lang="en-US" smtClean="0"/>
           </a:p>
           <a:p>
             <a:pPr lvl="2"/>
             <a:r>
-              <a:rPr lang="en-US" smtClean="0"/>
+              <a:rPr lang="en-US"/>
               <a:t>Third level</a:t>
             </a:r>
-            <a:endParaRPr lang="en-US" smtClean="0"/>
           </a:p>
           <a:p>
             <a:pPr lvl="3"/>
             <a:r>
-              <a:rPr lang="en-US" smtClean="0"/>
+              <a:rPr lang="en-US"/>
               <a:t>Fourth level</a:t>
             </a:r>
-            <a:endParaRPr lang="en-US" smtClean="0"/>
           </a:p>
           <a:p>
             <a:pPr lvl="4"/>
             <a:r>
-              <a:rPr lang="en-US" smtClean="0"/>
+              <a:rPr lang="en-US"/>
               <a:t>Fifth level</a:t>
             </a:r>
-            <a:endParaRPr lang="en-US"/>
           </a:p>
         </p:txBody>
       </p:sp>
@@ -1526,10 +1515,9 @@
           <a:p>
             <a:pPr lvl="0"/>
             <a:r>
-              <a:rPr lang="en-US" smtClean="0"/>
+              <a:rPr lang="en-US"/>
               <a:t>Click to edit Master text styles</a:t>
             </a:r>
-            <a:endParaRPr lang="en-US" smtClean="0"/>
           </a:p>
         </p:txBody>
       </p:sp>
@@ -1555,42 +1543,37 @@
           <a:p>
             <a:pPr lvl="0"/>
             <a:r>
-              <a:rPr lang="en-US" smtClean="0"/>
+              <a:rPr lang="en-US"/>
               <a:t>Click to edit Master text styles</a:t>
             </a:r>
-            <a:endParaRPr lang="en-US" smtClean="0"/>
           </a:p>
           <a:p>
             <a:pPr lvl="1"/>
             <a:r>
-              <a:rPr lang="en-US" smtClean="0"/>
+              <a:rPr lang="en-US"/>
               <a:t>Second level</a:t>
             </a:r>
-            <a:endParaRPr lang="en-US" smtClean="0"/>
           </a:p>
           <a:p>
             <a:pPr lvl="2"/>
             <a:r>
-              <a:rPr lang="en-US" smtClean="0"/>
+              <a:rPr lang="en-US"/>
               <a:t>Third level</a:t>
             </a:r>
-            <a:endParaRPr lang="en-US" smtClean="0"/>
           </a:p>
           <a:p>
             <a:pPr lvl="3"/>
             <a:r>
-              <a:rPr lang="en-US" smtClean="0"/>
+              <a:rPr lang="en-US"/>
               <a:t>Fourth level</a:t>
             </a:r>
-            <a:endParaRPr lang="en-US" smtClean="0"/>
           </a:p>
           <a:p>
             <a:pPr lvl="4"/>
             <a:r>
-              <a:rPr lang="en-US" smtClean="0"/>
+              <a:rPr lang="en-US"/>
               <a:t>Fifth level</a:t>
             </a:r>
-            <a:endParaRPr lang="en-US"/>
           </a:p>
         </p:txBody>
       </p:sp>
@@ -1611,6 +1594,7 @@
           <a:p>
             <a:fld id="{63A1C593-65D0-4073-BCC9-577B9352EA97}" type="datetimeFigureOut">
               <a:rPr lang="en-US" smtClean="0"/>
+              <a:t>12/5/2023</a:t>
             </a:fld>
             <a:endParaRPr lang="en-US"/>
           </a:p>
@@ -1652,6 +1636,7 @@
           <a:p>
             <a:fld id="{9B618960-8005-486C-9A75-10CB2AAC16F9}" type="slidenum">
               <a:rPr lang="en-US" smtClean="0"/>
+              <a:t>‹#›</a:t>
             </a:fld>
             <a:endParaRPr lang="en-US"/>
           </a:p>
@@ -1698,10 +1683,9 @@
           <a:lstStyle/>
           <a:p>
             <a:r>
-              <a:rPr lang="en-US" smtClean="0"/>
+              <a:rPr lang="en-US"/>
               <a:t>Click to edit Master title style</a:t>
             </a:r>
-            <a:endParaRPr lang="en-US"/>
           </a:p>
         </p:txBody>
       </p:sp>
@@ -1722,6 +1706,7 @@
           <a:p>
             <a:fld id="{63A1C593-65D0-4073-BCC9-577B9352EA97}" type="datetimeFigureOut">
               <a:rPr lang="en-US" smtClean="0"/>
+              <a:t>12/5/2023</a:t>
             </a:fld>
             <a:endParaRPr lang="en-US"/>
           </a:p>
@@ -1763,6 +1748,7 @@
           <a:p>
             <a:fld id="{9B618960-8005-486C-9A75-10CB2AAC16F9}" type="slidenum">
               <a:rPr lang="en-US" smtClean="0"/>
+              <a:t>‹#›</a:t>
             </a:fld>
             <a:endParaRPr lang="en-US"/>
           </a:p>
@@ -1810,6 +1796,7 @@
           <a:p>
             <a:fld id="{63A1C593-65D0-4073-BCC9-577B9352EA97}" type="datetimeFigureOut">
               <a:rPr lang="en-US" smtClean="0"/>
+              <a:t>12/5/2023</a:t>
             </a:fld>
             <a:endParaRPr lang="en-US"/>
           </a:p>
@@ -1851,6 +1838,7 @@
           <a:p>
             <a:fld id="{9B618960-8005-486C-9A75-10CB2AAC16F9}" type="slidenum">
               <a:rPr lang="en-US" smtClean="0"/>
+              <a:t>‹#›</a:t>
             </a:fld>
             <a:endParaRPr lang="en-US"/>
           </a:p>
@@ -1906,10 +1894,9 @@
           </a:lstStyle>
           <a:p>
             <a:r>
-              <a:rPr lang="en-US" smtClean="0"/>
+              <a:rPr lang="en-US"/>
               <a:t>Click to edit Master title style</a:t>
             </a:r>
-            <a:endParaRPr lang="en-US"/>
           </a:p>
         </p:txBody>
       </p:sp>
@@ -1963,42 +1950,37 @@
           <a:p>
             <a:pPr lvl="0"/>
             <a:r>
-              <a:rPr lang="en-US" smtClean="0"/>
+              <a:rPr lang="en-US"/>
               <a:t>Click to edit Master text styles</a:t>
             </a:r>
-            <a:endParaRPr lang="en-US" smtClean="0"/>
           </a:p>
           <a:p>
             <a:pPr lvl="1"/>
             <a:r>
-              <a:rPr lang="en-US" smtClean="0"/>
+              <a:rPr lang="en-US"/>
               <a:t>Second level</a:t>
             </a:r>
-            <a:endParaRPr lang="en-US" smtClean="0"/>
           </a:p>
           <a:p>
             <a:pPr lvl="2"/>
             <a:r>
-              <a:rPr lang="en-US" smtClean="0"/>
+              <a:rPr lang="en-US"/>
               <a:t>Third level</a:t>
             </a:r>
-            <a:endParaRPr lang="en-US" smtClean="0"/>
           </a:p>
           <a:p>
             <a:pPr lvl="3"/>
             <a:r>
-              <a:rPr lang="en-US" smtClean="0"/>
+              <a:rPr lang="en-US"/>
               <a:t>Fourth level</a:t>
             </a:r>
-            <a:endParaRPr lang="en-US" smtClean="0"/>
           </a:p>
           <a:p>
             <a:pPr lvl="4"/>
             <a:r>
-              <a:rPr lang="en-US" smtClean="0"/>
+              <a:rPr lang="en-US"/>
               <a:t>Fifth level</a:t>
             </a:r>
-            <a:endParaRPr lang="en-US"/>
           </a:p>
         </p:txBody>
       </p:sp>
@@ -2061,10 +2043,9 @@
           <a:p>
             <a:pPr lvl="0"/>
             <a:r>
-              <a:rPr lang="en-US" smtClean="0"/>
+              <a:rPr lang="en-US"/>
               <a:t>Click to edit Master text styles</a:t>
             </a:r>
-            <a:endParaRPr lang="en-US" smtClean="0"/>
           </a:p>
         </p:txBody>
       </p:sp>
@@ -2085,6 +2066,7 @@
           <a:p>
             <a:fld id="{63A1C593-65D0-4073-BCC9-577B9352EA97}" type="datetimeFigureOut">
               <a:rPr lang="en-US" smtClean="0"/>
+              <a:t>12/5/2023</a:t>
             </a:fld>
             <a:endParaRPr lang="en-US"/>
           </a:p>
@@ -2126,6 +2108,7 @@
           <a:p>
             <a:fld id="{9B618960-8005-486C-9A75-10CB2AAC16F9}" type="slidenum">
               <a:rPr lang="en-US" smtClean="0"/>
+              <a:t>‹#›</a:t>
             </a:fld>
             <a:endParaRPr lang="en-US"/>
           </a:p>
@@ -2181,10 +2164,9 @@
           </a:lstStyle>
           <a:p>
             <a:r>
-              <a:rPr lang="en-US" smtClean="0"/>
+              <a:rPr lang="en-US"/>
               <a:t>Click to edit Master title style</a:t>
             </a:r>
-            <a:endParaRPr lang="en-US"/>
           </a:p>
         </p:txBody>
       </p:sp>
@@ -2308,10 +2290,9 @@
           <a:p>
             <a:pPr lvl="0"/>
             <a:r>
-              <a:rPr lang="en-US" smtClean="0"/>
+              <a:rPr lang="en-US"/>
               <a:t>Click to edit Master text styles</a:t>
             </a:r>
-            <a:endParaRPr lang="en-US" smtClean="0"/>
           </a:p>
         </p:txBody>
       </p:sp>
@@ -2332,6 +2313,7 @@
           <a:p>
             <a:fld id="{63A1C593-65D0-4073-BCC9-577B9352EA97}" type="datetimeFigureOut">
               <a:rPr lang="en-US" smtClean="0"/>
+              <a:t>12/5/2023</a:t>
             </a:fld>
             <a:endParaRPr lang="en-US"/>
           </a:p>
@@ -2373,6 +2355,7 @@
           <a:p>
             <a:fld id="{9B618960-8005-486C-9A75-10CB2AAC16F9}" type="slidenum">
               <a:rPr lang="en-US" smtClean="0"/>
+              <a:t>‹#›</a:t>
             </a:fld>
             <a:endParaRPr lang="en-US"/>
           </a:p>
@@ -2434,10 +2417,9 @@
           <a:lstStyle/>
           <a:p>
             <a:r>
-              <a:rPr lang="en-US" smtClean="0"/>
+              <a:rPr lang="en-US"/>
               <a:t>Click to edit Master title style</a:t>
             </a:r>
-            <a:endParaRPr lang="en-US"/>
           </a:p>
         </p:txBody>
       </p:sp>
@@ -2468,42 +2450,37 @@
           <a:p>
             <a:pPr lvl="0"/>
             <a:r>
-              <a:rPr lang="en-US" smtClean="0"/>
+              <a:rPr lang="en-US"/>
               <a:t>Click to edit Master text styles</a:t>
             </a:r>
-            <a:endParaRPr lang="en-US" smtClean="0"/>
           </a:p>
           <a:p>
             <a:pPr lvl="1"/>
             <a:r>
-              <a:rPr lang="en-US" smtClean="0"/>
+              <a:rPr lang="en-US"/>
               <a:t>Second level</a:t>
             </a:r>
-            <a:endParaRPr lang="en-US" smtClean="0"/>
           </a:p>
           <a:p>
             <a:pPr lvl="2"/>
             <a:r>
-              <a:rPr lang="en-US" smtClean="0"/>
+              <a:rPr lang="en-US"/>
               <a:t>Third level</a:t>
             </a:r>
-            <a:endParaRPr lang="en-US" smtClean="0"/>
           </a:p>
           <a:p>
             <a:pPr lvl="3"/>
             <a:r>
-              <a:rPr lang="en-US" smtClean="0"/>
+              <a:rPr lang="en-US"/>
               <a:t>Fourth level</a:t>
             </a:r>
-            <a:endParaRPr lang="en-US" smtClean="0"/>
           </a:p>
           <a:p>
             <a:pPr lvl="4"/>
             <a:r>
-              <a:rPr lang="en-US" smtClean="0"/>
+              <a:rPr lang="en-US"/>
               <a:t>Fifth level</a:t>
             </a:r>
-            <a:endParaRPr lang="en-US"/>
           </a:p>
         </p:txBody>
       </p:sp>
@@ -2542,6 +2519,7 @@
           <a:p>
             <a:fld id="{63A1C593-65D0-4073-BCC9-577B9352EA97}" type="datetimeFigureOut">
               <a:rPr lang="en-US" smtClean="0"/>
+              <a:t>12/5/2023</a:t>
             </a:fld>
             <a:endParaRPr lang="en-US"/>
           </a:p>
@@ -2619,6 +2597,7 @@
           <a:p>
             <a:fld id="{9B618960-8005-486C-9A75-10CB2AAC16F9}" type="slidenum">
               <a:rPr lang="en-US" smtClean="0"/>
+              <a:t>‹#›</a:t>
             </a:fld>
             <a:endParaRPr lang="en-US"/>
           </a:p>
@@ -2932,7 +2911,14 @@
         <p:cNvGrpSpPr/>
         <p:nvPr/>
       </p:nvGrpSpPr>
-      <p:grpSpPr/>
+      <p:grpSpPr>
+        <a:xfrm>
+          <a:off x="0" y="0"/>
+          <a:ext cx="0" cy="0"/>
+          <a:chOff x="0" y="0"/>
+          <a:chExt cx="0" cy="0"/>
+        </a:xfrm>
+      </p:grpSpPr>
       <p:sp>
         <p:nvSpPr>
           <p:cNvPr id="2" name="Title 1"/>
@@ -2945,9 +2931,23 @@
         </p:nvSpPr>
         <p:spPr/>
         <p:txBody>
-          <a:bodyPr/>
-          <a:p>
-            <a:endParaRPr lang="en-US"/>
+          <a:bodyPr>
+            <a:normAutofit/>
+          </a:bodyPr>
+          <a:lstStyle/>
+          <a:p>
+            <a:r>
+              <a:rPr lang="en-US" sz="4800" b="0" i="0" dirty="0">
+                <a:effectLst/>
+                <a:latin typeface="Times New Roman" panose="02020603050405020304" pitchFamily="18" charset="0"/>
+                <a:cs typeface="Times New Roman" panose="02020603050405020304" pitchFamily="18" charset="0"/>
+              </a:rPr>
+              <a:t>Istanbul Shopper's Atlas: Unveiling Trends Across 10 Malls</a:t>
+            </a:r>
+            <a:endParaRPr lang="en-US" sz="4800" dirty="0">
+              <a:latin typeface="Times New Roman" panose="02020603050405020304" pitchFamily="18" charset="0"/>
+              <a:cs typeface="Times New Roman" panose="02020603050405020304" pitchFamily="18" charset="0"/>
+            </a:endParaRPr>
           </a:p>
         </p:txBody>
       </p:sp>
@@ -2963,9 +2963,65 @@
         </p:nvSpPr>
         <p:spPr/>
         <p:txBody>
-          <a:bodyPr/>
-          <a:p>
-            <a:endParaRPr lang="en-US"/>
+          <a:bodyPr>
+            <a:normAutofit fontScale="70000" lnSpcReduction="20000"/>
+          </a:bodyPr>
+          <a:lstStyle/>
+          <a:p>
+            <a:r>
+              <a:rPr lang="en-US" b="0" i="0" dirty="0">
+                <a:effectLst/>
+                <a:latin typeface="Times New Roman" panose="02020603050405020304" pitchFamily="18" charset="0"/>
+                <a:cs typeface="Times New Roman" panose="02020603050405020304" pitchFamily="18" charset="0"/>
+              </a:rPr>
+              <a:t>A Comprehensive Exploration of Shopping Patterns from 2021 to 2023 by Age, Gender, and Location</a:t>
+            </a:r>
+          </a:p>
+          <a:p>
+            <a:r>
+              <a:rPr lang="en-US" dirty="0">
+                <a:latin typeface="Times New Roman" panose="02020603050405020304" pitchFamily="18" charset="0"/>
+                <a:cs typeface="Times New Roman" panose="02020603050405020304" pitchFamily="18" charset="0"/>
+              </a:rPr>
+              <a:t>By</a:t>
+            </a:r>
+          </a:p>
+          <a:p>
+            <a:r>
+              <a:rPr lang="en-US" dirty="0">
+                <a:latin typeface="Times New Roman" panose="02020603050405020304" pitchFamily="18" charset="0"/>
+                <a:cs typeface="Times New Roman" panose="02020603050405020304" pitchFamily="18" charset="0"/>
+              </a:rPr>
+              <a:t>Jothish Kumar Polaki</a:t>
+            </a:r>
+          </a:p>
+          <a:p>
+            <a:r>
+              <a:rPr lang="en-US" dirty="0">
+                <a:latin typeface="Times New Roman" panose="02020603050405020304" pitchFamily="18" charset="0"/>
+                <a:cs typeface="Times New Roman" panose="02020603050405020304" pitchFamily="18" charset="0"/>
+              </a:rPr>
+              <a:t>Rohit</a:t>
+            </a:r>
+          </a:p>
+          <a:p>
+            <a:r>
+              <a:rPr lang="en-US" dirty="0" err="1">
+                <a:latin typeface="Times New Roman" panose="02020603050405020304" pitchFamily="18" charset="0"/>
+                <a:cs typeface="Times New Roman" panose="02020603050405020304" pitchFamily="18" charset="0"/>
+              </a:rPr>
+              <a:t>Vidhyananth</a:t>
+            </a:r>
+            <a:endParaRPr lang="en-US" dirty="0">
+              <a:latin typeface="Times New Roman" panose="02020603050405020304" pitchFamily="18" charset="0"/>
+              <a:cs typeface="Times New Roman" panose="02020603050405020304" pitchFamily="18" charset="0"/>
+            </a:endParaRPr>
+          </a:p>
+          <a:p>
+            <a:endParaRPr lang="en-US" dirty="0">
+              <a:latin typeface="Times New Roman" panose="02020603050405020304" pitchFamily="18" charset="0"/>
+              <a:cs typeface="Times New Roman" panose="02020603050405020304" pitchFamily="18" charset="0"/>
+            </a:endParaRPr>
           </a:p>
         </p:txBody>
       </p:sp>
@@ -2986,7 +3042,14 @@
         <p:cNvGrpSpPr/>
         <p:nvPr/>
       </p:nvGrpSpPr>
-      <p:grpSpPr/>
+      <p:grpSpPr>
+        <a:xfrm>
+          <a:off x="0" y="0"/>
+          <a:ext cx="0" cy="0"/>
+          <a:chOff x="0" y="0"/>
+          <a:chExt cx="0" cy="0"/>
+        </a:xfrm>
+      </p:grpSpPr>
       <p:sp>
         <p:nvSpPr>
           <p:cNvPr id="2" name="Title 1"/>
@@ -3002,6 +3065,7 @@
           <a:bodyPr>
             <a:normAutofit fontScale="90000"/>
           </a:bodyPr>
+          <a:lstStyle/>
           <a:p>
             <a:pPr algn="ctr"/>
             <a:r>
@@ -3077,34 +3141,45 @@
           <a:bodyPr>
             <a:noAutofit/>
           </a:bodyPr>
+          <a:lstStyle/>
           <a:p>
             <a:pPr marL="0" indent="0">
               <a:buNone/>
             </a:pPr>
             <a:r>
-              <a:rPr lang="en-US" sz="2300"/>
+              <a:rPr lang="en-US" sz="2300" dirty="0"/>
               <a:t>Classification refers to the process of categorizing data into classes or groups based on certain features or attributes. It's a fundamental task in data analysis and machine learning where the goal is to predict the category or class of a given dataset based on its characteristics.</a:t>
             </a:r>
-            <a:endParaRPr lang="en-US" sz="2300"/>
-          </a:p>
-          <a:p>
-            <a:r>
-              <a:rPr lang="en-US" sz="2300"/>
-              <a:t>The R code sets up and compares two different machine learning models for a classification task using customer shopping data: Random Forest model (rf_model) and Naive Bayes model (nb_model).</a:t>
-            </a:r>
-            <a:endParaRPr lang="en-US" sz="2300"/>
+          </a:p>
+          <a:p>
+            <a:r>
+              <a:rPr lang="en-US" sz="2300" dirty="0"/>
+              <a:t>In this project, we set up and compare two different machine learning models for a classification task using customer shopping data: </a:t>
+            </a:r>
+            <a:r>
+              <a:rPr lang="en-US" sz="2300" b="1" dirty="0"/>
+              <a:t>Random Forest model </a:t>
+            </a:r>
+            <a:r>
+              <a:rPr lang="en-US" sz="2300" dirty="0"/>
+              <a:t>and </a:t>
+            </a:r>
+            <a:r>
+              <a:rPr lang="en-US" sz="2300" b="1" dirty="0"/>
+              <a:t>Naive Bayes model.</a:t>
+            </a:r>
           </a:p>
           <a:p>
             <a:pPr marL="0" indent="0">
               <a:buNone/>
             </a:pPr>
-            <a:endParaRPr lang="en-US" sz="2300"/>
+            <a:endParaRPr lang="en-US" sz="2300" dirty="0"/>
           </a:p>
           <a:p>
             <a:pPr marL="0" indent="0">
               <a:buNone/>
             </a:pPr>
-            <a:endParaRPr lang="en-US" sz="2300">
+            <a:endParaRPr lang="en-US" sz="2300" dirty="0">
               <a:latin typeface="Arial Rounded MT Bold" panose="020F0704030504030204" charset="0"/>
               <a:cs typeface="Arial Rounded MT Bold" panose="020F0704030504030204" charset="0"/>
             </a:endParaRPr>
@@ -3113,13 +3188,13 @@
             <a:pPr marL="0" indent="0">
               <a:buNone/>
             </a:pPr>
-            <a:endParaRPr lang="en-US" sz="2300">
+            <a:endParaRPr lang="en-US" sz="2300" dirty="0">
               <a:latin typeface="Arial Rounded MT Bold" panose="020F0704030504030204" charset="0"/>
               <a:cs typeface="Arial Rounded MT Bold" panose="020F0704030504030204" charset="0"/>
             </a:endParaRPr>
           </a:p>
           <a:p>
-            <a:endParaRPr lang="en-US" sz="2300"/>
+            <a:endParaRPr lang="en-US" sz="2300" dirty="0"/>
           </a:p>
         </p:txBody>
       </p:sp>
@@ -3140,7 +3215,14 @@
         <p:cNvGrpSpPr/>
         <p:nvPr/>
       </p:nvGrpSpPr>
-      <p:grpSpPr/>
+      <p:grpSpPr>
+        <a:xfrm>
+          <a:off x="0" y="0"/>
+          <a:ext cx="0" cy="0"/>
+          <a:chOff x="0" y="0"/>
+          <a:chExt cx="0" cy="0"/>
+        </a:xfrm>
+      </p:grpSpPr>
       <p:sp>
         <p:nvSpPr>
           <p:cNvPr id="2" name="Title 1"/>
@@ -3154,14 +3236,14 @@
         <p:spPr/>
         <p:txBody>
           <a:bodyPr>
-            <a:normAutofit fontScale="90000"/>
+            <a:normAutofit/>
           </a:bodyPr>
+          <a:lstStyle/>
           <a:p>
             <a:r>
               <a:rPr lang="en-US"/>
               <a:t>RANDOM FOREST MODEL EVALUATION</a:t>
             </a:r>
-            <a:endParaRPr lang="en-US"/>
           </a:p>
         </p:txBody>
       </p:sp>
@@ -3185,6 +3267,7 @@
           <a:bodyPr>
             <a:normAutofit/>
           </a:bodyPr>
+          <a:lstStyle/>
           <a:p>
             <a:pPr marL="0" indent="0">
               <a:buNone/>
@@ -3214,7 +3297,7 @@
           <p:nvPr/>
         </p:nvPicPr>
         <p:blipFill>
-          <a:blip r:embed="rId1"/>
+          <a:blip r:embed="rId2"/>
           <a:stretch>
             <a:fillRect/>
           </a:stretch>
@@ -3238,7 +3321,7 @@
           <p:nvPr/>
         </p:nvPicPr>
         <p:blipFill>
-          <a:blip r:embed="rId2"/>
+          <a:blip r:embed="rId3"/>
           <a:stretch>
             <a:fillRect/>
           </a:stretch>
@@ -3270,7 +3353,14 @@
         <p:cNvGrpSpPr/>
         <p:nvPr/>
       </p:nvGrpSpPr>
-      <p:grpSpPr/>
+      <p:grpSpPr>
+        <a:xfrm>
+          <a:off x="0" y="0"/>
+          <a:ext cx="0" cy="0"/>
+          <a:chOff x="0" y="0"/>
+          <a:chExt cx="0" cy="0"/>
+        </a:xfrm>
+      </p:grpSpPr>
       <p:sp>
         <p:nvSpPr>
           <p:cNvPr id="2" name="Title 1"/>
@@ -3284,12 +3374,12 @@
         <p:spPr/>
         <p:txBody>
           <a:bodyPr/>
+          <a:lstStyle/>
           <a:p>
             <a:r>
               <a:rPr lang="en-US"/>
               <a:t>NAIVE BAYES MODEL EVALUATION</a:t>
             </a:r>
-            <a:endParaRPr lang="en-US"/>
           </a:p>
         </p:txBody>
       </p:sp>
@@ -3297,14 +3387,14 @@
         <p:nvPicPr>
           <p:cNvPr id="6" name="Content Placeholder 5" descr="WhatsApp Image 2023-12-05 at 5.43.52 PM"/>
           <p:cNvPicPr>
-            <a:picLocks noChangeAspect="1"/>
+            <a:picLocks noGrp="1" noChangeAspect="1"/>
           </p:cNvPicPr>
           <p:nvPr>
             <p:ph idx="1"/>
           </p:nvPr>
         </p:nvPicPr>
         <p:blipFill>
-          <a:blip r:embed="rId1"/>
+          <a:blip r:embed="rId2"/>
           <a:stretch>
             <a:fillRect/>
           </a:stretch>
@@ -3328,7 +3418,7 @@
           <p:nvPr/>
         </p:nvPicPr>
         <p:blipFill>
-          <a:blip r:embed="rId2"/>
+          <a:blip r:embed="rId3"/>
           <a:stretch>
             <a:fillRect/>
           </a:stretch>
@@ -3360,7 +3450,14 @@
         <p:cNvGrpSpPr/>
         <p:nvPr/>
       </p:nvGrpSpPr>
-      <p:grpSpPr/>
+      <p:grpSpPr>
+        <a:xfrm>
+          <a:off x="0" y="0"/>
+          <a:ext cx="0" cy="0"/>
+          <a:chOff x="0" y="0"/>
+          <a:chExt cx="0" cy="0"/>
+        </a:xfrm>
+      </p:grpSpPr>
       <p:sp>
         <p:nvSpPr>
           <p:cNvPr id="2" name="Title 1"/>
@@ -3374,12 +3471,12 @@
         <p:spPr/>
         <p:txBody>
           <a:bodyPr/>
+          <a:lstStyle/>
           <a:p>
             <a:r>
               <a:rPr lang="en-US"/>
               <a:t>                      CLUSTERING</a:t>
             </a:r>
-            <a:endParaRPr lang="en-US"/>
           </a:p>
         </p:txBody>
       </p:sp>
@@ -3401,8 +3498,9 @@
         </p:spPr>
         <p:txBody>
           <a:bodyPr>
-            <a:normAutofit lnSpcReduction="20000"/>
+            <a:normAutofit fontScale="92500"/>
           </a:bodyPr>
+          <a:lstStyle/>
           <a:p>
             <a:pPr marL="0" indent="0" algn="just">
               <a:buNone/>
@@ -3411,7 +3509,6 @@
               <a:rPr lang="en-US"/>
               <a:t>Clustering is the process of grouping similar data points together based on certain characteristics or features they share. It's an unsupervised learning technique used to find hidden patterns or structures within a dataset.</a:t>
             </a:r>
-            <a:endParaRPr lang="en-US"/>
           </a:p>
           <a:p>
             <a:pPr marL="0" indent="0" algn="just">
@@ -3421,7 +3518,6 @@
               <a:rPr lang="en-US"/>
               <a:t>Selects specific columns ("age," "quantity," "price") from the shopping_data dataset to be used for clustering.</a:t>
             </a:r>
-            <a:endParaRPr lang="en-US"/>
           </a:p>
           <a:p>
             <a:pPr marL="0" indent="0" algn="just">
@@ -3450,7 +3546,6 @@
               <a:rPr lang="en-US"/>
               <a:t>Applies the DBSCAN algorithm to the selected features. eps specifies the maximum distance between two points for them to be considered part of the same neighborhood, and minPts is the minimum number of points required to form a dense region.</a:t>
             </a:r>
-            <a:endParaRPr lang="en-US"/>
           </a:p>
           <a:p>
             <a:pPr marL="0" indent="0" algn="just">
@@ -3477,7 +3572,14 @@
         <p:cNvGrpSpPr/>
         <p:nvPr/>
       </p:nvGrpSpPr>
-      <p:grpSpPr/>
+      <p:grpSpPr>
+        <a:xfrm>
+          <a:off x="0" y="0"/>
+          <a:ext cx="0" cy="0"/>
+          <a:chOff x="0" y="0"/>
+          <a:chExt cx="0" cy="0"/>
+        </a:xfrm>
+      </p:grpSpPr>
       <p:sp>
         <p:nvSpPr>
           <p:cNvPr id="2" name="Title 1"/>
@@ -3491,6 +3593,7 @@
         <p:spPr/>
         <p:txBody>
           <a:bodyPr/>
+          <a:lstStyle/>
           <a:p>
             <a:endParaRPr lang="en-US"/>
           </a:p>
@@ -3509,28 +3612,26 @@
         <p:spPr/>
         <p:txBody>
           <a:bodyPr>
-            <a:normAutofit lnSpcReduction="10000"/>
+            <a:normAutofit/>
           </a:bodyPr>
+          <a:lstStyle/>
           <a:p>
             <a:r>
               <a:rPr lang="en-US"/>
               <a:t>Displays the distribution of clusters formed by DBSCAN (table()) and provides information about the resulting clusters (dbscan_result).</a:t>
             </a:r>
-            <a:endParaRPr lang="en-US"/>
           </a:p>
           <a:p>
             <a:r>
               <a:rPr lang="en-US"/>
               <a:t>Creates a new data frame (cluster_data) combining the selected features with the assigned cluster labels from the DBSCAN results.</a:t>
             </a:r>
-            <a:endParaRPr lang="en-US"/>
           </a:p>
           <a:p>
             <a:r>
               <a:rPr lang="en-US"/>
               <a:t>Utilizes ggplot2 to create a scatter plot visualizing the clusters formed by DBSCAN. Each data point is represented by a point on the plot, where the x-axis is "quantity," the y-axis is "age," and the color of the points represents different clusters identified by DBSCAN.</a:t>
             </a:r>
-            <a:endParaRPr lang="en-US"/>
           </a:p>
           <a:p>
             <a:endParaRPr lang="en-US"/>
@@ -3557,7 +3658,14 @@
         <p:cNvGrpSpPr/>
         <p:nvPr/>
       </p:nvGrpSpPr>
-      <p:grpSpPr/>
+      <p:grpSpPr>
+        <a:xfrm>
+          <a:off x="0" y="0"/>
+          <a:ext cx="0" cy="0"/>
+          <a:chOff x="0" y="0"/>
+          <a:chExt cx="0" cy="0"/>
+        </a:xfrm>
+      </p:grpSpPr>
       <p:sp>
         <p:nvSpPr>
           <p:cNvPr id="2" name="Title 1"/>
@@ -3571,6 +3679,7 @@
         <p:spPr/>
         <p:txBody>
           <a:bodyPr/>
+          <a:lstStyle/>
           <a:p>
             <a:pPr algn="ctr"/>
             <a:r>
@@ -3592,22 +3701,6 @@
               </a:rPr>
               <a:t>ABOUT DATA</a:t>
             </a:r>
-            <a:endParaRPr lang="en-US" sz="4500">
-              <a:ln/>
-              <a:solidFill>
-                <a:schemeClr val="tx1"/>
-              </a:solidFill>
-              <a:effectLst>
-                <a:outerShdw blurRad="38100" dist="19050" dir="2700000" algn="tl" rotWithShape="0">
-                  <a:schemeClr val="dk1">
-                    <a:alpha val="40000"/>
-                    <a:alpha val="40000"/>
-                  </a:schemeClr>
-                </a:outerShdw>
-              </a:effectLst>
-              <a:latin typeface="Times New Roman Regular" panose="02020603050405020304" charset="0"/>
-              <a:cs typeface="Times New Roman Regular" panose="02020603050405020304" charset="0"/>
-            </a:endParaRPr>
           </a:p>
         </p:txBody>
       </p:sp>
@@ -3621,11 +3714,46 @@
             <p:ph idx="1"/>
           </p:nvPr>
         </p:nvSpPr>
-        <p:spPr/>
-        <p:txBody>
-          <a:bodyPr/>
-          <a:p>
-            <a:endParaRPr lang="en-US"/>
+        <p:spPr>
+          <a:xfrm>
+            <a:off x="838200" y="1564640"/>
+            <a:ext cx="10515600" cy="4612323"/>
+          </a:xfrm>
+        </p:spPr>
+        <p:txBody>
+          <a:bodyPr>
+            <a:normAutofit fontScale="92500" lnSpcReduction="10000"/>
+          </a:bodyPr>
+          <a:lstStyle/>
+          <a:p>
+            <a:r>
+              <a:rPr lang="en-US" dirty="0"/>
+              <a:t>The dataset encompasses shopping data from 10 distinct shopping malls in Istanbul between 2021 and 2023.</a:t>
+            </a:r>
+          </a:p>
+          <a:p>
+            <a:r>
+              <a:rPr lang="en-US" dirty="0"/>
+              <a:t>It includes information gathered from various age groups and genders to provide a comprehensive view of shopping habits in the city.</a:t>
+            </a:r>
+          </a:p>
+          <a:p>
+            <a:r>
+              <a:rPr lang="en-US" dirty="0"/>
+              <a:t>Key data points within the dataset consist of invoice numbers, customer IDs, age groups, genders, payment methods, product categories, quantities, prices, order dates, and shopping mall locations.</a:t>
+            </a:r>
+          </a:p>
+          <a:p>
+            <a:r>
+              <a:rPr lang="en-US" dirty="0"/>
+              <a:t>This dataset is aimed at serving as a valuable resource for researchers, data analysts, and machine learning enthusiasts interested in exploring shopping trends and patterns specific to Istanbul.</a:t>
+            </a:r>
+          </a:p>
+          <a:p>
+            <a:r>
+              <a:rPr lang="en-US" dirty="0"/>
+              <a:t>Researchers and analysts can leverage this dataset to gain insights into the diverse shopping behaviors prevalent in Istanbul over the specified period.</a:t>
+            </a:r>
           </a:p>
         </p:txBody>
       </p:sp>
@@ -3646,7 +3774,14 @@
         <p:cNvGrpSpPr/>
         <p:nvPr/>
       </p:nvGrpSpPr>
-      <p:grpSpPr/>
+      <p:grpSpPr>
+        <a:xfrm>
+          <a:off x="0" y="0"/>
+          <a:ext cx="0" cy="0"/>
+          <a:chOff x="0" y="0"/>
+          <a:chExt cx="0" cy="0"/>
+        </a:xfrm>
+      </p:grpSpPr>
       <p:sp>
         <p:nvSpPr>
           <p:cNvPr id="2" name="Title 1"/>
@@ -3660,6 +3795,7 @@
         <p:spPr/>
         <p:txBody>
           <a:bodyPr/>
+          <a:lstStyle/>
           <a:p>
             <a:pPr algn="ctr"/>
             <a:r>
@@ -3681,22 +3817,6 @@
               </a:rPr>
               <a:t>DATA EXPLORATION</a:t>
             </a:r>
-            <a:endParaRPr lang="en-US" sz="4500">
-              <a:ln/>
-              <a:solidFill>
-                <a:schemeClr val="tx1"/>
-              </a:solidFill>
-              <a:effectLst>
-                <a:outerShdw blurRad="38100" dist="19050" dir="2700000" algn="tl" rotWithShape="0">
-                  <a:schemeClr val="dk1">
-                    <a:alpha val="40000"/>
-                    <a:alpha val="40000"/>
-                  </a:schemeClr>
-                </a:outerShdw>
-              </a:effectLst>
-              <a:latin typeface="Times New Roman Regular" panose="02020603050405020304" charset="0"/>
-              <a:cs typeface="Times New Roman Regular" panose="02020603050405020304" charset="0"/>
-            </a:endParaRPr>
           </a:p>
         </p:txBody>
       </p:sp>
@@ -3709,7 +3829,7 @@
           <p:nvPr/>
         </p:nvPicPr>
         <p:blipFill>
-          <a:blip r:embed="rId1"/>
+          <a:blip r:embed="rId2"/>
           <a:stretch>
             <a:fillRect/>
           </a:stretch>
@@ -3728,14 +3848,14 @@
         <p:nvPicPr>
           <p:cNvPr id="4" name="Content Placeholder 3" descr="Screenshot 2023-12-05 at 2.15.47 PM"/>
           <p:cNvPicPr>
-            <a:picLocks noChangeAspect="1"/>
+            <a:picLocks noGrp="1" noChangeAspect="1"/>
           </p:cNvPicPr>
           <p:nvPr>
             <p:ph idx="1"/>
           </p:nvPr>
         </p:nvPicPr>
         <p:blipFill>
-          <a:blip r:embed="rId2"/>
+          <a:blip r:embed="rId3"/>
           <a:stretch>
             <a:fillRect/>
           </a:stretch>
@@ -3767,7 +3887,14 @@
         <p:cNvGrpSpPr/>
         <p:nvPr/>
       </p:nvGrpSpPr>
-      <p:grpSpPr/>
+      <p:grpSpPr>
+        <a:xfrm>
+          <a:off x="0" y="0"/>
+          <a:ext cx="0" cy="0"/>
+          <a:chOff x="0" y="0"/>
+          <a:chExt cx="0" cy="0"/>
+        </a:xfrm>
+      </p:grpSpPr>
       <p:sp>
         <p:nvSpPr>
           <p:cNvPr id="2" name="Title 1"/>
@@ -3781,6 +3908,7 @@
         <p:spPr/>
         <p:txBody>
           <a:bodyPr/>
+          <a:lstStyle/>
           <a:p>
             <a:pPr algn="ctr"/>
             <a:r>
@@ -3807,14 +3935,14 @@
         <p:nvPicPr>
           <p:cNvPr id="4" name="Content Placeholder 3" descr="Screenshot 2023-12-05 at 2.18.09 PM"/>
           <p:cNvPicPr>
-            <a:picLocks noChangeAspect="1"/>
+            <a:picLocks noGrp="1" noChangeAspect="1"/>
           </p:cNvPicPr>
           <p:nvPr>
             <p:ph idx="1"/>
           </p:nvPr>
         </p:nvPicPr>
         <p:blipFill>
-          <a:blip r:embed="rId1"/>
+          <a:blip r:embed="rId2"/>
           <a:stretch>
             <a:fillRect/>
           </a:stretch>
@@ -3846,7 +3974,14 @@
         <p:cNvGrpSpPr/>
         <p:nvPr/>
       </p:nvGrpSpPr>
-      <p:grpSpPr/>
+      <p:grpSpPr>
+        <a:xfrm>
+          <a:off x="0" y="0"/>
+          <a:ext cx="0" cy="0"/>
+          <a:chOff x="0" y="0"/>
+          <a:chExt cx="0" cy="0"/>
+        </a:xfrm>
+      </p:grpSpPr>
       <p:sp>
         <p:nvSpPr>
           <p:cNvPr id="2" name="Title 1"/>
@@ -3857,13 +3992,21 @@
             <p:ph type="title"/>
           </p:nvPr>
         </p:nvSpPr>
-        <p:spPr/>
-        <p:txBody>
-          <a:bodyPr/>
+        <p:spPr>
+          <a:xfrm>
+            <a:off x="838200" y="365125"/>
+            <a:ext cx="10515600" cy="691515"/>
+          </a:xfrm>
+        </p:spPr>
+        <p:txBody>
+          <a:bodyPr>
+            <a:normAutofit fontScale="90000"/>
+          </a:bodyPr>
+          <a:lstStyle/>
           <a:p>
             <a:pPr algn="ctr"/>
             <a:r>
-              <a:rPr lang="en-US" sz="4500">
+              <a:rPr lang="en-US" sz="4500" dirty="0">
                 <a:ln/>
                 <a:solidFill>
                   <a:schemeClr val="tx1"/>
@@ -3881,40 +4024,179 @@
               </a:rPr>
               <a:t>ASSOCIATION RULE</a:t>
             </a:r>
-            <a:endParaRPr lang="en-US" sz="4500">
-              <a:ln/>
-              <a:solidFill>
-                <a:schemeClr val="tx1"/>
-              </a:solidFill>
-              <a:effectLst>
-                <a:outerShdw blurRad="38100" dist="19050" dir="2700000" algn="tl" rotWithShape="0">
-                  <a:schemeClr val="dk1">
-                    <a:alpha val="40000"/>
-                    <a:alpha val="40000"/>
-                  </a:schemeClr>
-                </a:outerShdw>
-              </a:effectLst>
-              <a:latin typeface="Times New Roman Regular" panose="02020603050405020304" charset="0"/>
-              <a:cs typeface="Times New Roman Regular" panose="02020603050405020304" charset="0"/>
-            </a:endParaRPr>
-          </a:p>
-        </p:txBody>
-      </p:sp>
-      <p:sp>
-        <p:nvSpPr>
-          <p:cNvPr id="3" name="Content Placeholder 2"/>
-          <p:cNvSpPr>
-            <a:spLocks noGrp="1"/>
-          </p:cNvSpPr>
-          <p:nvPr>
-            <p:ph idx="1"/>
-          </p:nvPr>
-        </p:nvSpPr>
-        <p:spPr/>
-        <p:txBody>
-          <a:bodyPr/>
-          <a:p>
-            <a:endParaRPr lang="en-US"/>
+          </a:p>
+        </p:txBody>
+      </p:sp>
+      <p:sp>
+        <p:nvSpPr>
+          <p:cNvPr id="8" name="Content Placeholder 7">
+            <a:extLst>
+              <a:ext uri="{FF2B5EF4-FFF2-40B4-BE49-F238E27FC236}">
+                <a16:creationId xmlns:a16="http://schemas.microsoft.com/office/drawing/2014/main" id="{1462FDBC-FA61-83FF-EA22-A6060B13F5E7}"/>
+              </a:ext>
+            </a:extLst>
+          </p:cNvPr>
+          <p:cNvSpPr>
+            <a:spLocks noGrp="1"/>
+          </p:cNvSpPr>
+          <p:nvPr>
+            <p:ph sz="half" idx="2"/>
+          </p:nvPr>
+        </p:nvSpPr>
+        <p:spPr>
+          <a:xfrm>
+            <a:off x="5811520" y="2072559"/>
+            <a:ext cx="5542280" cy="3291922"/>
+          </a:xfrm>
+        </p:spPr>
+        <p:txBody>
+          <a:bodyPr>
+            <a:normAutofit lnSpcReduction="10000"/>
+          </a:bodyPr>
+          <a:lstStyle/>
+          <a:p>
+            <a:r>
+              <a:rPr lang="en-US" sz="1800" b="1" dirty="0">
+                <a:latin typeface="Times New Roman" panose="02020603050405020304" pitchFamily="18" charset="0"/>
+                <a:cs typeface="Times New Roman" panose="02020603050405020304" pitchFamily="18" charset="0"/>
+              </a:rPr>
+              <a:t>Shopping Mall Preferences</a:t>
+            </a:r>
+            <a:r>
+              <a:rPr lang="en-US" sz="1800" dirty="0">
+                <a:latin typeface="Times New Roman" panose="02020603050405020304" pitchFamily="18" charset="0"/>
+                <a:cs typeface="Times New Roman" panose="02020603050405020304" pitchFamily="18" charset="0"/>
+              </a:rPr>
+              <a:t>: Different shopping malls exhibit varying associations with clothing purchases. </a:t>
+            </a:r>
+            <a:r>
+              <a:rPr lang="en-US" sz="1800" dirty="0" err="1">
+                <a:latin typeface="Times New Roman" panose="02020603050405020304" pitchFamily="18" charset="0"/>
+                <a:cs typeface="Times New Roman" panose="02020603050405020304" pitchFamily="18" charset="0"/>
+              </a:rPr>
+              <a:t>Metrocity</a:t>
+            </a:r>
+            <a:r>
+              <a:rPr lang="en-US" sz="1800" dirty="0">
+                <a:latin typeface="Times New Roman" panose="02020603050405020304" pitchFamily="18" charset="0"/>
+                <a:cs typeface="Times New Roman" panose="02020603050405020304" pitchFamily="18" charset="0"/>
+              </a:rPr>
+              <a:t>, </a:t>
+            </a:r>
+            <a:r>
+              <a:rPr lang="en-US" sz="1800" dirty="0" err="1">
+                <a:latin typeface="Times New Roman" panose="02020603050405020304" pitchFamily="18" charset="0"/>
+                <a:cs typeface="Times New Roman" panose="02020603050405020304" pitchFamily="18" charset="0"/>
+              </a:rPr>
+              <a:t>Kanyon</a:t>
+            </a:r>
+            <a:r>
+              <a:rPr lang="en-US" sz="1800" dirty="0">
+                <a:latin typeface="Times New Roman" panose="02020603050405020304" pitchFamily="18" charset="0"/>
+                <a:cs typeface="Times New Roman" panose="02020603050405020304" pitchFamily="18" charset="0"/>
+              </a:rPr>
+              <a:t>, and Mall of Istanbul show significant connections with customers buying clothing items.</a:t>
+            </a:r>
+          </a:p>
+          <a:p>
+            <a:r>
+              <a:rPr lang="en-US" sz="1800" b="1" dirty="0">
+                <a:latin typeface="Times New Roman" panose="02020603050405020304" pitchFamily="18" charset="0"/>
+                <a:cs typeface="Times New Roman" panose="02020603050405020304" pitchFamily="18" charset="0"/>
+              </a:rPr>
+              <a:t>Payment Method Usage</a:t>
+            </a:r>
+            <a:r>
+              <a:rPr lang="en-US" sz="1800" dirty="0">
+                <a:latin typeface="Times New Roman" panose="02020603050405020304" pitchFamily="18" charset="0"/>
+                <a:cs typeface="Times New Roman" panose="02020603050405020304" pitchFamily="18" charset="0"/>
+              </a:rPr>
+              <a:t>: There's a notable preference for payment methods when purchasing clothing. Debit cards emerge as a favored payment mode among customers.</a:t>
+            </a:r>
+          </a:p>
+          <a:p>
+            <a:r>
+              <a:rPr lang="en-US" sz="1800" b="1" dirty="0">
+                <a:latin typeface="Times New Roman" panose="02020603050405020304" pitchFamily="18" charset="0"/>
+                <a:cs typeface="Times New Roman" panose="02020603050405020304" pitchFamily="18" charset="0"/>
+              </a:rPr>
+              <a:t>Quantity and Price Range Associations</a:t>
+            </a:r>
+            <a:r>
+              <a:rPr lang="en-US" sz="1800" dirty="0">
+                <a:latin typeface="Times New Roman" panose="02020603050405020304" pitchFamily="18" charset="0"/>
+                <a:cs typeface="Times New Roman" panose="02020603050405020304" pitchFamily="18" charset="0"/>
+              </a:rPr>
+              <a:t>: Patterns in the quantity of clothing items bought (e.g., 1-2 items) and their price ranges (e.g., $81.3 to $900) shed light on customer preferences and spending habits.</a:t>
+            </a:r>
+          </a:p>
+        </p:txBody>
+      </p:sp>
+      <p:pic>
+        <p:nvPicPr>
+          <p:cNvPr id="5" name="Picture 4">
+            <a:extLst>
+              <a:ext uri="{FF2B5EF4-FFF2-40B4-BE49-F238E27FC236}">
+                <a16:creationId xmlns:a16="http://schemas.microsoft.com/office/drawing/2014/main" id="{E16EED45-0F6D-B6D0-CCB4-BE27C274A0A8}"/>
+              </a:ext>
+            </a:extLst>
+          </p:cNvPr>
+          <p:cNvPicPr>
+            <a:picLocks noChangeAspect="1"/>
+          </p:cNvPicPr>
+          <p:nvPr/>
+        </p:nvPicPr>
+        <p:blipFill>
+          <a:blip r:embed="rId2"/>
+          <a:stretch>
+            <a:fillRect/>
+          </a:stretch>
+        </p:blipFill>
+        <p:spPr>
+          <a:xfrm>
+            <a:off x="568961" y="2072558"/>
+            <a:ext cx="5242559" cy="3291922"/>
+          </a:xfrm>
+          <a:prstGeom prst="rect">
+            <a:avLst/>
+          </a:prstGeom>
+        </p:spPr>
+      </p:pic>
+      <p:sp>
+        <p:nvSpPr>
+          <p:cNvPr id="9" name="TextBox 8">
+            <a:extLst>
+              <a:ext uri="{FF2B5EF4-FFF2-40B4-BE49-F238E27FC236}">
+                <a16:creationId xmlns:a16="http://schemas.microsoft.com/office/drawing/2014/main" id="{B52B758B-4815-A63E-7BE7-E81160A35FA7}"/>
+              </a:ext>
+            </a:extLst>
+          </p:cNvPr>
+          <p:cNvSpPr txBox="1"/>
+          <p:nvPr/>
+        </p:nvSpPr>
+        <p:spPr>
+          <a:xfrm>
+            <a:off x="1381760" y="1645920"/>
+            <a:ext cx="7396480" cy="369332"/>
+          </a:xfrm>
+          <a:prstGeom prst="rect">
+            <a:avLst/>
+          </a:prstGeom>
+          <a:noFill/>
+        </p:spPr>
+        <p:txBody>
+          <a:bodyPr wrap="square" rtlCol="0">
+            <a:spAutoFit/>
+          </a:bodyPr>
+          <a:lstStyle/>
+          <a:p>
+            <a:r>
+              <a:rPr lang="en-US" dirty="0">
+                <a:latin typeface="Times New Roman" panose="02020603050405020304" pitchFamily="18" charset="0"/>
+                <a:cs typeface="Times New Roman" panose="02020603050405020304" pitchFamily="18" charset="0"/>
+              </a:rPr>
+              <a:t>	                       Maximal Rules associated with Clothing category</a:t>
+            </a:r>
           </a:p>
         </p:txBody>
       </p:sp>
@@ -3935,25 +4217,14 @@
         <p:cNvGrpSpPr/>
         <p:nvPr/>
       </p:nvGrpSpPr>
-      <p:grpSpPr/>
-      <p:sp>
-        <p:nvSpPr>
-          <p:cNvPr id="2" name="Title 1"/>
-          <p:cNvSpPr>
-            <a:spLocks noGrp="1"/>
-          </p:cNvSpPr>
-          <p:nvPr>
-            <p:ph type="title"/>
-          </p:nvPr>
-        </p:nvSpPr>
-        <p:spPr/>
-        <p:txBody>
-          <a:bodyPr/>
-          <a:p>
-            <a:endParaRPr lang="en-US"/>
-          </a:p>
-        </p:txBody>
-      </p:sp>
+      <p:grpSpPr>
+        <a:xfrm>
+          <a:off x="0" y="0"/>
+          <a:ext cx="0" cy="0"/>
+          <a:chOff x="0" y="0"/>
+          <a:chExt cx="0" cy="0"/>
+        </a:xfrm>
+      </p:grpSpPr>
       <p:sp>
         <p:nvSpPr>
           <p:cNvPr id="3" name="Content Placeholder 2"/>
@@ -3964,14 +4235,141 @@
             <p:ph idx="1"/>
           </p:nvPr>
         </p:nvSpPr>
-        <p:spPr/>
-        <p:txBody>
-          <a:bodyPr/>
-          <a:p>
-            <a:endParaRPr lang="en-US"/>
-          </a:p>
-        </p:txBody>
-      </p:sp>
+        <p:spPr>
+          <a:xfrm>
+            <a:off x="6096000" y="1479458"/>
+            <a:ext cx="4912360" cy="4718142"/>
+          </a:xfrm>
+        </p:spPr>
+        <p:txBody>
+          <a:bodyPr>
+            <a:normAutofit fontScale="92500" lnSpcReduction="20000"/>
+          </a:bodyPr>
+          <a:lstStyle/>
+          <a:p>
+            <a:r>
+              <a:rPr lang="en-US" sz="1800" b="1" dirty="0">
+                <a:latin typeface="Times New Roman" panose="02020603050405020304" pitchFamily="18" charset="0"/>
+                <a:cs typeface="Times New Roman" panose="02020603050405020304" pitchFamily="18" charset="0"/>
+              </a:rPr>
+              <a:t>Shopping Mall Preferences for Females</a:t>
+            </a:r>
+            <a:r>
+              <a:rPr lang="en-US" sz="1800" dirty="0">
+                <a:latin typeface="Times New Roman" panose="02020603050405020304" pitchFamily="18" charset="0"/>
+                <a:cs typeface="Times New Roman" panose="02020603050405020304" pitchFamily="18" charset="0"/>
+              </a:rPr>
+              <a:t>: There is a strong association of females with specific shopping malls. </a:t>
+            </a:r>
+            <a:r>
+              <a:rPr lang="en-US" sz="1800" dirty="0" err="1">
+                <a:latin typeface="Times New Roman" panose="02020603050405020304" pitchFamily="18" charset="0"/>
+                <a:cs typeface="Times New Roman" panose="02020603050405020304" pitchFamily="18" charset="0"/>
+              </a:rPr>
+              <a:t>Metrocity</a:t>
+            </a:r>
+            <a:r>
+              <a:rPr lang="en-US" sz="1800" dirty="0">
+                <a:latin typeface="Times New Roman" panose="02020603050405020304" pitchFamily="18" charset="0"/>
+                <a:cs typeface="Times New Roman" panose="02020603050405020304" pitchFamily="18" charset="0"/>
+              </a:rPr>
+              <a:t>, </a:t>
+            </a:r>
+            <a:r>
+              <a:rPr lang="en-US" sz="1800" dirty="0" err="1">
+                <a:latin typeface="Times New Roman" panose="02020603050405020304" pitchFamily="18" charset="0"/>
+                <a:cs typeface="Times New Roman" panose="02020603050405020304" pitchFamily="18" charset="0"/>
+              </a:rPr>
+              <a:t>Istinye</a:t>
+            </a:r>
+            <a:r>
+              <a:rPr lang="en-US" sz="1800" dirty="0">
+                <a:latin typeface="Times New Roman" panose="02020603050405020304" pitchFamily="18" charset="0"/>
+                <a:cs typeface="Times New Roman" panose="02020603050405020304" pitchFamily="18" charset="0"/>
+              </a:rPr>
+              <a:t> Park, and Metropol AVM indicate a significant correlation with female shoppers, portraying preferences among this demographic for these malls.</a:t>
+            </a:r>
+          </a:p>
+          <a:p>
+            <a:r>
+              <a:rPr lang="en-US" sz="1800" b="1" dirty="0">
+                <a:latin typeface="Times New Roman" panose="02020603050405020304" pitchFamily="18" charset="0"/>
+                <a:cs typeface="Times New Roman" panose="02020603050405020304" pitchFamily="18" charset="0"/>
+              </a:rPr>
+              <a:t>Payment Method Preference</a:t>
+            </a:r>
+            <a:r>
+              <a:rPr lang="en-US" sz="1800" dirty="0">
+                <a:latin typeface="Times New Roman" panose="02020603050405020304" pitchFamily="18" charset="0"/>
+                <a:cs typeface="Times New Roman" panose="02020603050405020304" pitchFamily="18" charset="0"/>
+              </a:rPr>
+              <a:t>: Female customers exhibit a distinct preference for payment methods. Debit cards emerge prominently as the favored payment mode among female shoppers.</a:t>
+            </a:r>
+          </a:p>
+          <a:p>
+            <a:r>
+              <a:rPr lang="en-US" sz="1800" b="1" dirty="0">
+                <a:latin typeface="Times New Roman" panose="02020603050405020304" pitchFamily="18" charset="0"/>
+                <a:cs typeface="Times New Roman" panose="02020603050405020304" pitchFamily="18" charset="0"/>
+              </a:rPr>
+              <a:t>Age Group Preferences</a:t>
+            </a:r>
+            <a:r>
+              <a:rPr lang="en-US" sz="1800" dirty="0">
+                <a:latin typeface="Times New Roman" panose="02020603050405020304" pitchFamily="18" charset="0"/>
+                <a:cs typeface="Times New Roman" panose="02020603050405020304" pitchFamily="18" charset="0"/>
+              </a:rPr>
+              <a:t>: The analysis highlights particular age groups within females that show consistent associations with shopping patterns. Females between 18-35, 35-52, and 52-69 exhibit diverse preferences in purchasing behavior, especially in terms of item categories and price ranges.</a:t>
+            </a:r>
+          </a:p>
+          <a:p>
+            <a:r>
+              <a:rPr lang="en-US" sz="1800" b="1" dirty="0">
+                <a:latin typeface="Times New Roman" panose="02020603050405020304" pitchFamily="18" charset="0"/>
+                <a:cs typeface="Times New Roman" panose="02020603050405020304" pitchFamily="18" charset="0"/>
+              </a:rPr>
+              <a:t>Category-Specific Preferences</a:t>
+            </a:r>
+            <a:r>
+              <a:rPr lang="en-US" sz="1800" dirty="0">
+                <a:latin typeface="Times New Roman" panose="02020603050405020304" pitchFamily="18" charset="0"/>
+                <a:cs typeface="Times New Roman" panose="02020603050405020304" pitchFamily="18" charset="0"/>
+              </a:rPr>
+              <a:t>: Female shoppers exhibit strong associations with specific categories such as Clothing, Shoes, Toys, Cosmetics, and Food &amp; Beverage, showcasing distinct preferences for these product categories.</a:t>
+            </a:r>
+          </a:p>
+        </p:txBody>
+      </p:sp>
+      <p:pic>
+        <p:nvPicPr>
+          <p:cNvPr id="5" name="Picture 4">
+            <a:extLst>
+              <a:ext uri="{FF2B5EF4-FFF2-40B4-BE49-F238E27FC236}">
+                <a16:creationId xmlns:a16="http://schemas.microsoft.com/office/drawing/2014/main" id="{1A4014DD-0CAB-5FB9-18FD-8F706D5F4FCE}"/>
+              </a:ext>
+            </a:extLst>
+          </p:cNvPr>
+          <p:cNvPicPr>
+            <a:picLocks noChangeAspect="1"/>
+          </p:cNvPicPr>
+          <p:nvPr/>
+        </p:nvPicPr>
+        <p:blipFill>
+          <a:blip r:embed="rId2"/>
+          <a:stretch>
+            <a:fillRect/>
+          </a:stretch>
+        </p:blipFill>
+        <p:spPr>
+          <a:xfrm>
+            <a:off x="838200" y="1479458"/>
+            <a:ext cx="4841240" cy="3519262"/>
+          </a:xfrm>
+          <a:prstGeom prst="rect">
+            <a:avLst/>
+          </a:prstGeom>
+        </p:spPr>
+      </p:pic>
     </p:spTree>
   </p:cSld>
   <p:clrMapOvr>
@@ -3989,25 +4387,14 @@
         <p:cNvGrpSpPr/>
         <p:nvPr/>
       </p:nvGrpSpPr>
-      <p:grpSpPr/>
-      <p:sp>
-        <p:nvSpPr>
-          <p:cNvPr id="2" name="Title 1"/>
-          <p:cNvSpPr>
-            <a:spLocks noGrp="1"/>
-          </p:cNvSpPr>
-          <p:nvPr>
-            <p:ph type="title"/>
-          </p:nvPr>
-        </p:nvSpPr>
-        <p:spPr/>
-        <p:txBody>
-          <a:bodyPr/>
-          <a:p>
-            <a:endParaRPr lang="en-US"/>
-          </a:p>
-        </p:txBody>
-      </p:sp>
+      <p:grpSpPr>
+        <a:xfrm>
+          <a:off x="0" y="0"/>
+          <a:ext cx="0" cy="0"/>
+          <a:chOff x="0" y="0"/>
+          <a:chExt cx="0" cy="0"/>
+        </a:xfrm>
+      </p:grpSpPr>
       <p:sp>
         <p:nvSpPr>
           <p:cNvPr id="3" name="Content Placeholder 2"/>
@@ -4018,14 +4405,127 @@
             <p:ph idx="1"/>
           </p:nvPr>
         </p:nvSpPr>
-        <p:spPr/>
-        <p:txBody>
-          <a:bodyPr/>
-          <a:p>
-            <a:endParaRPr lang="en-US"/>
-          </a:p>
-        </p:txBody>
-      </p:sp>
+        <p:spPr>
+          <a:xfrm>
+            <a:off x="5750560" y="1651584"/>
+            <a:ext cx="5603240" cy="4525379"/>
+          </a:xfrm>
+        </p:spPr>
+        <p:txBody>
+          <a:bodyPr>
+            <a:normAutofit fontScale="62500" lnSpcReduction="20000"/>
+          </a:bodyPr>
+          <a:lstStyle/>
+          <a:p>
+            <a:r>
+              <a:rPr lang="en-US" b="1" dirty="0">
+                <a:latin typeface="Times New Roman" panose="02020603050405020304" pitchFamily="18" charset="0"/>
+                <a:cs typeface="Times New Roman" panose="02020603050405020304" pitchFamily="18" charset="0"/>
+              </a:rPr>
+              <a:t>Association between Product Categories and Price Ranges: </a:t>
+            </a:r>
+            <a:r>
+              <a:rPr lang="en-US" dirty="0">
+                <a:latin typeface="Times New Roman" panose="02020603050405020304" pitchFamily="18" charset="0"/>
+                <a:cs typeface="Times New Roman" panose="02020603050405020304" pitchFamily="18" charset="0"/>
+              </a:rPr>
+              <a:t>Certain categories like Books, Technology, and Souvenir are associated with specific price ranges (e.g., Books tend to be within the price range of 5.23 to 81.3)</a:t>
+            </a:r>
+          </a:p>
+          <a:p>
+            <a:r>
+              <a:rPr lang="en-US" b="1" dirty="0">
+                <a:latin typeface="Times New Roman" panose="02020603050405020304" pitchFamily="18" charset="0"/>
+                <a:cs typeface="Times New Roman" panose="02020603050405020304" pitchFamily="18" charset="0"/>
+              </a:rPr>
+              <a:t>Shopping Mall Preferences and Gender </a:t>
+            </a:r>
+            <a:r>
+              <a:rPr lang="en-US" dirty="0">
+                <a:latin typeface="Times New Roman" panose="02020603050405020304" pitchFamily="18" charset="0"/>
+                <a:cs typeface="Times New Roman" panose="02020603050405020304" pitchFamily="18" charset="0"/>
+              </a:rPr>
+              <a:t>: There are gender preferences observed in certain shopping malls. For instance, at </a:t>
+            </a:r>
+            <a:r>
+              <a:rPr lang="en-US" dirty="0" err="1">
+                <a:latin typeface="Times New Roman" panose="02020603050405020304" pitchFamily="18" charset="0"/>
+                <a:cs typeface="Times New Roman" panose="02020603050405020304" pitchFamily="18" charset="0"/>
+              </a:rPr>
+              <a:t>Istinye</a:t>
+            </a:r>
+            <a:r>
+              <a:rPr lang="en-US" dirty="0">
+                <a:latin typeface="Times New Roman" panose="02020603050405020304" pitchFamily="18" charset="0"/>
+                <a:cs typeface="Times New Roman" panose="02020603050405020304" pitchFamily="18" charset="0"/>
+              </a:rPr>
+              <a:t> Park, there's a higher tendency for female shoppers.</a:t>
+            </a:r>
+          </a:p>
+          <a:p>
+            <a:r>
+              <a:rPr lang="en-US" b="1" dirty="0">
+                <a:latin typeface="Times New Roman" panose="02020603050405020304" pitchFamily="18" charset="0"/>
+                <a:cs typeface="Times New Roman" panose="02020603050405020304" pitchFamily="18" charset="0"/>
+              </a:rPr>
+              <a:t>Association between Product Categories and Price Ranges with Gender: </a:t>
+            </a:r>
+            <a:r>
+              <a:rPr lang="en-US" dirty="0">
+                <a:latin typeface="Times New Roman" panose="02020603050405020304" pitchFamily="18" charset="0"/>
+                <a:cs typeface="Times New Roman" panose="02020603050405020304" pitchFamily="18" charset="0"/>
+              </a:rPr>
+              <a:t>Shoes and Toys categories have associations with price ranges and gender. Females tend to purchase Shoes within the price range of 900 to 5250 and Toys within the price range of 81.3 to 900</a:t>
+            </a:r>
+          </a:p>
+          <a:p>
+            <a:r>
+              <a:rPr lang="en-US" b="1" dirty="0">
+                <a:latin typeface="Times New Roman" panose="02020603050405020304" pitchFamily="18" charset="0"/>
+                <a:cs typeface="Times New Roman" panose="02020603050405020304" pitchFamily="18" charset="0"/>
+              </a:rPr>
+              <a:t>Age Group Preferences and Shopping Patterns: </a:t>
+            </a:r>
+            <a:r>
+              <a:rPr lang="en-US" dirty="0">
+                <a:latin typeface="Times New Roman" panose="02020603050405020304" pitchFamily="18" charset="0"/>
+                <a:cs typeface="Times New Roman" panose="02020603050405020304" pitchFamily="18" charset="0"/>
+              </a:rPr>
+              <a:t>Different age groups exhibit distinct shopping patterns. For instance, individuals aged 18 to 35 are inclined towards Clothing within the price range of 900 to 5250, while those aged 52 to 69 exhibit a similar preference but with a wider price range of 81.3 to 900. Moreover, certain age groups, like 35 to 52, exhibit preferences for Food &amp; Beverage within a specific price range.</a:t>
+            </a:r>
+          </a:p>
+        </p:txBody>
+      </p:sp>
+      <p:pic>
+        <p:nvPicPr>
+          <p:cNvPr id="5" name="Picture 4">
+            <a:extLst>
+              <a:ext uri="{FF2B5EF4-FFF2-40B4-BE49-F238E27FC236}">
+                <a16:creationId xmlns:a16="http://schemas.microsoft.com/office/drawing/2014/main" id="{9C622735-45DD-EADC-AFCA-A6FA9F7705C1}"/>
+              </a:ext>
+            </a:extLst>
+          </p:cNvPr>
+          <p:cNvPicPr>
+            <a:picLocks noChangeAspect="1"/>
+          </p:cNvPicPr>
+          <p:nvPr/>
+        </p:nvPicPr>
+        <p:blipFill>
+          <a:blip r:embed="rId2"/>
+          <a:stretch>
+            <a:fillRect/>
+          </a:stretch>
+        </p:blipFill>
+        <p:spPr>
+          <a:xfrm>
+            <a:off x="585974" y="1651584"/>
+            <a:ext cx="5086611" cy="4078656"/>
+          </a:xfrm>
+          <a:prstGeom prst="rect">
+            <a:avLst/>
+          </a:prstGeom>
+        </p:spPr>
+      </p:pic>
     </p:spTree>
   </p:cSld>
   <p:clrMapOvr>
@@ -4043,25 +4543,14 @@
         <p:cNvGrpSpPr/>
         <p:nvPr/>
       </p:nvGrpSpPr>
-      <p:grpSpPr/>
-      <p:sp>
-        <p:nvSpPr>
-          <p:cNvPr id="2" name="Title 1"/>
-          <p:cNvSpPr>
-            <a:spLocks noGrp="1"/>
-          </p:cNvSpPr>
-          <p:nvPr>
-            <p:ph type="title"/>
-          </p:nvPr>
-        </p:nvSpPr>
-        <p:spPr/>
-        <p:txBody>
-          <a:bodyPr/>
-          <a:p>
-            <a:endParaRPr lang="en-US"/>
-          </a:p>
-        </p:txBody>
-      </p:sp>
+      <p:grpSpPr>
+        <a:xfrm>
+          <a:off x="0" y="0"/>
+          <a:ext cx="0" cy="0"/>
+          <a:chOff x="0" y="0"/>
+          <a:chExt cx="0" cy="0"/>
+        </a:xfrm>
+      </p:grpSpPr>
       <p:sp>
         <p:nvSpPr>
           <p:cNvPr id="3" name="Content Placeholder 2"/>
@@ -4072,14 +4561,113 @@
             <p:ph idx="1"/>
           </p:nvPr>
         </p:nvSpPr>
-        <p:spPr/>
-        <p:txBody>
-          <a:bodyPr/>
-          <a:p>
-            <a:endParaRPr lang="en-US"/>
-          </a:p>
-        </p:txBody>
-      </p:sp>
+        <p:spPr>
+          <a:xfrm>
+            <a:off x="6014720" y="1485210"/>
+            <a:ext cx="5339080" cy="5017190"/>
+          </a:xfrm>
+        </p:spPr>
+        <p:txBody>
+          <a:bodyPr>
+            <a:normAutofit fontScale="92500" lnSpcReduction="20000"/>
+          </a:bodyPr>
+          <a:lstStyle/>
+          <a:p>
+            <a:r>
+              <a:rPr lang="en-US" sz="1800" b="1" dirty="0">
+                <a:latin typeface="Times New Roman" panose="02020603050405020304" pitchFamily="18" charset="0"/>
+                <a:cs typeface="Times New Roman" panose="02020603050405020304" pitchFamily="18" charset="0"/>
+              </a:rPr>
+              <a:t>Category-Price Range Associations</a:t>
+            </a:r>
+            <a:r>
+              <a:rPr lang="en-US" sz="1800" dirty="0">
+                <a:latin typeface="Times New Roman" panose="02020603050405020304" pitchFamily="18" charset="0"/>
+                <a:cs typeface="Times New Roman" panose="02020603050405020304" pitchFamily="18" charset="0"/>
+              </a:rPr>
+              <a:t>: Books, Technology, Souvenir, and Food &amp; Beverage categories exhibit associations with specific price ranges. For instance, Books are typically priced between 5.23 to 81.3 units, while Technology items are commonly within the price range of 900 to 5250 units.</a:t>
+            </a:r>
+          </a:p>
+          <a:p>
+            <a:r>
+              <a:rPr lang="en-US" sz="1800" b="1" dirty="0">
+                <a:latin typeface="Times New Roman" panose="02020603050405020304" pitchFamily="18" charset="0"/>
+                <a:cs typeface="Times New Roman" panose="02020603050405020304" pitchFamily="18" charset="0"/>
+              </a:rPr>
+              <a:t>Gender-Category Associations:</a:t>
+            </a:r>
+            <a:r>
+              <a:rPr lang="en-US" sz="1800" dirty="0">
+                <a:latin typeface="Times New Roman" panose="02020603050405020304" pitchFamily="18" charset="0"/>
+                <a:cs typeface="Times New Roman" panose="02020603050405020304" pitchFamily="18" charset="0"/>
+              </a:rPr>
+              <a:t> There are gender-specific preferences observed within certain product categories. For instance, there's a clear association between Female shoppers and categories like Food &amp; Beverage, Clothing, Cosmetics, and Toys within various price ranges.</a:t>
+            </a:r>
+          </a:p>
+          <a:p>
+            <a:r>
+              <a:rPr lang="en-US" sz="1800" b="1" dirty="0">
+                <a:latin typeface="Times New Roman" panose="02020603050405020304" pitchFamily="18" charset="0"/>
+                <a:cs typeface="Times New Roman" panose="02020603050405020304" pitchFamily="18" charset="0"/>
+              </a:rPr>
+              <a:t>Age Group Preferences and Categories</a:t>
+            </a:r>
+            <a:r>
+              <a:rPr lang="en-US" sz="1800" dirty="0">
+                <a:latin typeface="Times New Roman" panose="02020603050405020304" pitchFamily="18" charset="0"/>
+                <a:cs typeface="Times New Roman" panose="02020603050405020304" pitchFamily="18" charset="0"/>
+              </a:rPr>
+              <a:t>: Different age groups show distinct preferences for specific categories. For instance, individuals aged 52 to 69 tend to favor Clothing items priced between 900 to 5250 units, whereas those aged 18 to 35 exhibit preferences for Clothing within a wider price range of 81.3 to 900 units.</a:t>
+            </a:r>
+          </a:p>
+          <a:p>
+            <a:r>
+              <a:rPr lang="en-US" sz="1800" b="1" dirty="0">
+                <a:latin typeface="Times New Roman" panose="02020603050405020304" pitchFamily="18" charset="0"/>
+                <a:cs typeface="Times New Roman" panose="02020603050405020304" pitchFamily="18" charset="0"/>
+              </a:rPr>
+              <a:t>Payment Method and Gender Associations</a:t>
+            </a:r>
+            <a:r>
+              <a:rPr lang="en-US" sz="1800" dirty="0">
+                <a:latin typeface="Times New Roman" panose="02020603050405020304" pitchFamily="18" charset="0"/>
+                <a:cs typeface="Times New Roman" panose="02020603050405020304" pitchFamily="18" charset="0"/>
+              </a:rPr>
+              <a:t>: There's a discernible relationship between payment methods and gender. Female shoppers tend to use specific payment methods, such as Cash or Credit Card, for certain categories like Clothing, Cosmetics, and Food &amp; Beverage across varied price ranges.</a:t>
+            </a:r>
+          </a:p>
+        </p:txBody>
+      </p:sp>
+      <p:pic>
+        <p:nvPicPr>
+          <p:cNvPr id="5" name="Picture 4">
+            <a:extLst>
+              <a:ext uri="{FF2B5EF4-FFF2-40B4-BE49-F238E27FC236}">
+                <a16:creationId xmlns:a16="http://schemas.microsoft.com/office/drawing/2014/main" id="{F49BD585-6B13-7D2A-1694-0AC6693F5615}"/>
+              </a:ext>
+            </a:extLst>
+          </p:cNvPr>
+          <p:cNvPicPr>
+            <a:picLocks noChangeAspect="1"/>
+          </p:cNvPicPr>
+          <p:nvPr/>
+        </p:nvPicPr>
+        <p:blipFill>
+          <a:blip r:embed="rId2"/>
+          <a:stretch>
+            <a:fillRect/>
+          </a:stretch>
+        </p:blipFill>
+        <p:spPr>
+          <a:xfrm>
+            <a:off x="838200" y="1485210"/>
+            <a:ext cx="4892040" cy="3940230"/>
+          </a:xfrm>
+          <a:prstGeom prst="rect">
+            <a:avLst/>
+          </a:prstGeom>
+        </p:spPr>
+      </p:pic>
     </p:spTree>
   </p:cSld>
   <p:clrMapOvr>
@@ -4097,7 +4685,14 @@
         <p:cNvGrpSpPr/>
         <p:nvPr/>
       </p:nvGrpSpPr>
-      <p:grpSpPr/>
+      <p:grpSpPr>
+        <a:xfrm>
+          <a:off x="0" y="0"/>
+          <a:ext cx="0" cy="0"/>
+          <a:chOff x="0" y="0"/>
+          <a:chExt cx="0" cy="0"/>
+        </a:xfrm>
+      </p:grpSpPr>
       <p:sp>
         <p:nvSpPr>
           <p:cNvPr id="2" name="Title 1"/>
@@ -4111,6 +4706,7 @@
         <p:spPr/>
         <p:txBody>
           <a:bodyPr/>
+          <a:lstStyle/>
           <a:p>
             <a:endParaRPr lang="en-US"/>
           </a:p>
@@ -4129,6 +4725,7 @@
         <p:spPr/>
         <p:txBody>
           <a:bodyPr/>
+          <a:lstStyle/>
           <a:p>
             <a:endParaRPr lang="en-US"/>
           </a:p>
@@ -4393,6 +4990,8 @@
       </a:bgFillStyleLst>
     </a:fmtScheme>
   </a:themeElements>
+  <a:objectDefaults/>
+  <a:extraClrSchemeLst/>
   <a:extLst>
     <a:ext uri="{05A4C25C-085E-4340-85A3-A5531E510DB2}">
       <thm15:themeFamily xmlns:thm15="http://schemas.microsoft.com/office/thememl/2012/main" name="Office Theme" id="{62F939B6-93AF-4DB8-9C6B-D6C7DFDC589F}" vid="{4A3C46E8-61CC-4603-A589-7422A47A8E4A}"/>

--- a/Group4-Presentation.pptx
+++ b/Group4-Presentation.pptx
@@ -4104,14 +4104,28 @@
                 <a:latin typeface="Times New Roman" panose="02020603050405020304" pitchFamily="18" charset="0"/>
                 <a:cs typeface="Times New Roman" panose="02020603050405020304" pitchFamily="18" charset="0"/>
               </a:rPr>
-              <a:t>Payment Method Usage</a:t>
+              <a:t>Payment </a:t>
+            </a:r>
+            <a:r>
+              <a:rPr lang="en-US" sz="1800" b="1">
+                <a:latin typeface="Times New Roman" panose="02020603050405020304" pitchFamily="18" charset="0"/>
+                <a:cs typeface="Times New Roman" panose="02020603050405020304" pitchFamily="18" charset="0"/>
+              </a:rPr>
+              <a:t>Method Usage </a:t>
+            </a:r>
+            <a:r>
+              <a:rPr lang="en-US" sz="1800">
+                <a:latin typeface="Times New Roman" panose="02020603050405020304" pitchFamily="18" charset="0"/>
+                <a:cs typeface="Times New Roman" panose="02020603050405020304" pitchFamily="18" charset="0"/>
+              </a:rPr>
+              <a:t>: </a:t>
             </a:r>
             <a:r>
               <a:rPr lang="en-US" sz="1800" dirty="0">
                 <a:latin typeface="Times New Roman" panose="02020603050405020304" pitchFamily="18" charset="0"/>
                 <a:cs typeface="Times New Roman" panose="02020603050405020304" pitchFamily="18" charset="0"/>
               </a:rPr>
-              <a:t>: There's a notable preference for payment methods when purchasing clothing. Debit cards emerge as a favored payment mode among customers.</a:t>
+              <a:t>There's a notable preference for payment methods when purchasing clothing. Debit cards emerge as a favored payment mode among customers.</a:t>
             </a:r>
           </a:p>
           <a:p>

--- a/Group4-Presentation.pptx
+++ b/Group4-Presentation.pptx
@@ -5,39 +5,36 @@
     <p:sldMasterId id="2147483648" r:id="rId1"/>
   </p:sldMasterIdLst>
   <p:sldIdLst>
-    <p:sldId id="256" r:id="rId2"/>
-    <p:sldId id="257" r:id="rId3"/>
-    <p:sldId id="258" r:id="rId4"/>
-    <p:sldId id="259" r:id="rId5"/>
-    <p:sldId id="260" r:id="rId6"/>
-    <p:sldId id="261" r:id="rId7"/>
-    <p:sldId id="262" r:id="rId8"/>
-    <p:sldId id="263" r:id="rId9"/>
-    <p:sldId id="264" r:id="rId10"/>
-    <p:sldId id="267" r:id="rId11"/>
-    <p:sldId id="268" r:id="rId12"/>
-    <p:sldId id="269" r:id="rId13"/>
-    <p:sldId id="270" r:id="rId14"/>
-    <p:sldId id="271" r:id="rId15"/>
+    <p:sldId id="256" r:id="rId3"/>
+    <p:sldId id="257" r:id="rId4"/>
+    <p:sldId id="258" r:id="rId5"/>
+    <p:sldId id="259" r:id="rId6"/>
+    <p:sldId id="260" r:id="rId7"/>
+    <p:sldId id="261" r:id="rId8"/>
+    <p:sldId id="262" r:id="rId9"/>
+    <p:sldId id="263" r:id="rId10"/>
+    <p:sldId id="264" r:id="rId11"/>
+    <p:sldId id="267" r:id="rId12"/>
+    <p:sldId id="268" r:id="rId13"/>
+    <p:sldId id="269" r:id="rId14"/>
+    <p:sldId id="272" r:id="rId15"/>
+    <p:sldId id="273" r:id="rId16"/>
+    <p:sldId id="274" r:id="rId17"/>
   </p:sldIdLst>
   <p:sldSz cx="12192000" cy="6858000"/>
   <p:notesSz cx="6858000" cy="9144000"/>
   <p:embeddedFontLst>
     <p:embeddedFont>
-      <p:font typeface="Arial Rounded MT Bold" panose="020F0704030504030204" pitchFamily="34" charset="0"/>
-      <p:regular r:id="rId16"/>
+      <p:font typeface="Arial Rounded MT Bold" panose="020F0704030504030204" charset="0"/>
+      <p:regular r:id="rId21"/>
     </p:embeddedFont>
     <p:embeddedFont>
-      <p:font typeface="Calibri" panose="020F0502020204030204" pitchFamily="34" charset="0"/>
-      <p:regular r:id="rId17"/>
-      <p:bold r:id="rId18"/>
-      <p:italic r:id="rId19"/>
-      <p:boldItalic r:id="rId20"/>
+      <p:font typeface="Calibri Light" charset="0"/>
+      <p:regular r:id="rId22"/>
     </p:embeddedFont>
     <p:embeddedFont>
-      <p:font typeface="Calibri Light" panose="020F0302020204030204" pitchFamily="34" charset="0"/>
-      <p:regular r:id="rId21"/>
-      <p:italic r:id="rId22"/>
+      <p:font typeface="Calibri" panose="020F0502020204030204" charset="0"/>
+      <p:regular r:id="rId23"/>
     </p:embeddedFont>
   </p:embeddedFontLst>
   <p:defaultTextStyle>
@@ -135,11 +132,6 @@
       </a:defRPr>
     </a:lvl9pPr>
   </p:defaultTextStyle>
-  <p:extLst>
-    <p:ext uri="{EFAFB233-063F-42B5-8137-9DF3F51BA10A}">
-      <p15:sldGuideLst xmlns:p15="http://schemas.microsoft.com/office/powerpoint/2012/main"/>
-    </p:ext>
-  </p:extLst>
 </p:presentation>
 </file>
 
@@ -188,6 +180,7 @@
               <a:rPr lang="en-US"/>
               <a:t>Click to edit Master title style</a:t>
             </a:r>
+            <a:endParaRPr lang="en-US"/>
           </a:p>
         </p:txBody>
       </p:sp>
@@ -252,6 +245,7 @@
               <a:rPr lang="en-US"/>
               <a:t>Click to edit Master subtitle style</a:t>
             </a:r>
+            <a:endParaRPr lang="en-US"/>
           </a:p>
         </p:txBody>
       </p:sp>
@@ -272,7 +266,6 @@
           <a:p>
             <a:fld id="{63A1C593-65D0-4073-BCC9-577B9352EA97}" type="datetimeFigureOut">
               <a:rPr lang="en-US" smtClean="0"/>
-              <a:t>12/5/2023</a:t>
             </a:fld>
             <a:endParaRPr lang="en-US"/>
           </a:p>
@@ -314,7 +307,6 @@
           <a:p>
             <a:fld id="{9B618960-8005-486C-9A75-10CB2AAC16F9}" type="slidenum">
               <a:rPr lang="en-US" smtClean="0"/>
-              <a:t>‹#›</a:t>
             </a:fld>
             <a:endParaRPr lang="en-US"/>
           </a:p>
@@ -364,6 +356,7 @@
               <a:rPr lang="en-US"/>
               <a:t>Click to edit Master title style</a:t>
             </a:r>
+            <a:endParaRPr lang="en-US"/>
           </a:p>
         </p:txBody>
       </p:sp>
@@ -387,6 +380,7 @@
               <a:rPr lang="en-US"/>
               <a:t>Click to edit Master text styles</a:t>
             </a:r>
+            <a:endParaRPr lang="en-US"/>
           </a:p>
           <a:p>
             <a:pPr lvl="1"/>
@@ -394,6 +388,7 @@
               <a:rPr lang="en-US"/>
               <a:t>Second level</a:t>
             </a:r>
+            <a:endParaRPr lang="en-US"/>
           </a:p>
           <a:p>
             <a:pPr lvl="2"/>
@@ -401,6 +396,7 @@
               <a:rPr lang="en-US"/>
               <a:t>Third level</a:t>
             </a:r>
+            <a:endParaRPr lang="en-US"/>
           </a:p>
           <a:p>
             <a:pPr lvl="3"/>
@@ -408,6 +404,7 @@
               <a:rPr lang="en-US"/>
               <a:t>Fourth level</a:t>
             </a:r>
+            <a:endParaRPr lang="en-US"/>
           </a:p>
           <a:p>
             <a:pPr lvl="4"/>
@@ -415,6 +412,7 @@
               <a:rPr lang="en-US"/>
               <a:t>Fifth level</a:t>
             </a:r>
+            <a:endParaRPr lang="en-US"/>
           </a:p>
         </p:txBody>
       </p:sp>
@@ -435,7 +433,6 @@
           <a:p>
             <a:fld id="{63A1C593-65D0-4073-BCC9-577B9352EA97}" type="datetimeFigureOut">
               <a:rPr lang="en-US" smtClean="0"/>
-              <a:t>12/5/2023</a:t>
             </a:fld>
             <a:endParaRPr lang="en-US"/>
           </a:p>
@@ -477,7 +474,6 @@
           <a:p>
             <a:fld id="{9B618960-8005-486C-9A75-10CB2AAC16F9}" type="slidenum">
               <a:rPr lang="en-US" smtClean="0"/>
-              <a:t>‹#›</a:t>
             </a:fld>
             <a:endParaRPr lang="en-US"/>
           </a:p>
@@ -532,6 +528,7 @@
               <a:rPr lang="en-US"/>
               <a:t>Click to edit Master title style</a:t>
             </a:r>
+            <a:endParaRPr lang="en-US"/>
           </a:p>
         </p:txBody>
       </p:sp>
@@ -560,6 +557,7 @@
               <a:rPr lang="en-US"/>
               <a:t>Click to edit Master text styles</a:t>
             </a:r>
+            <a:endParaRPr lang="en-US"/>
           </a:p>
           <a:p>
             <a:pPr lvl="1"/>
@@ -567,6 +565,7 @@
               <a:rPr lang="en-US"/>
               <a:t>Second level</a:t>
             </a:r>
+            <a:endParaRPr lang="en-US"/>
           </a:p>
           <a:p>
             <a:pPr lvl="2"/>
@@ -574,6 +573,7 @@
               <a:rPr lang="en-US"/>
               <a:t>Third level</a:t>
             </a:r>
+            <a:endParaRPr lang="en-US"/>
           </a:p>
           <a:p>
             <a:pPr lvl="3"/>
@@ -581,6 +581,7 @@
               <a:rPr lang="en-US"/>
               <a:t>Fourth level</a:t>
             </a:r>
+            <a:endParaRPr lang="en-US"/>
           </a:p>
           <a:p>
             <a:pPr lvl="4"/>
@@ -588,6 +589,7 @@
               <a:rPr lang="en-US"/>
               <a:t>Fifth level</a:t>
             </a:r>
+            <a:endParaRPr lang="en-US"/>
           </a:p>
         </p:txBody>
       </p:sp>
@@ -608,7 +610,6 @@
           <a:p>
             <a:fld id="{63A1C593-65D0-4073-BCC9-577B9352EA97}" type="datetimeFigureOut">
               <a:rPr lang="en-US" smtClean="0"/>
-              <a:t>12/5/2023</a:t>
             </a:fld>
             <a:endParaRPr lang="en-US"/>
           </a:p>
@@ -650,7 +651,6 @@
           <a:p>
             <a:fld id="{9B618960-8005-486C-9A75-10CB2AAC16F9}" type="slidenum">
               <a:rPr lang="en-US" smtClean="0"/>
-              <a:t>‹#›</a:t>
             </a:fld>
             <a:endParaRPr lang="en-US"/>
           </a:p>
@@ -700,6 +700,7 @@
               <a:rPr lang="en-US"/>
               <a:t>Click to edit Master title style</a:t>
             </a:r>
+            <a:endParaRPr lang="en-US"/>
           </a:p>
         </p:txBody>
       </p:sp>
@@ -723,6 +724,7 @@
               <a:rPr lang="en-US"/>
               <a:t>Click to edit Master text styles</a:t>
             </a:r>
+            <a:endParaRPr lang="en-US"/>
           </a:p>
           <a:p>
             <a:pPr lvl="1"/>
@@ -730,6 +732,7 @@
               <a:rPr lang="en-US"/>
               <a:t>Second level</a:t>
             </a:r>
+            <a:endParaRPr lang="en-US"/>
           </a:p>
           <a:p>
             <a:pPr lvl="2"/>
@@ -737,6 +740,7 @@
               <a:rPr lang="en-US"/>
               <a:t>Third level</a:t>
             </a:r>
+            <a:endParaRPr lang="en-US"/>
           </a:p>
           <a:p>
             <a:pPr lvl="3"/>
@@ -744,6 +748,7 @@
               <a:rPr lang="en-US"/>
               <a:t>Fourth level</a:t>
             </a:r>
+            <a:endParaRPr lang="en-US"/>
           </a:p>
           <a:p>
             <a:pPr lvl="4"/>
@@ -751,6 +756,7 @@
               <a:rPr lang="en-US"/>
               <a:t>Fifth level</a:t>
             </a:r>
+            <a:endParaRPr lang="en-US"/>
           </a:p>
         </p:txBody>
       </p:sp>
@@ -771,7 +777,6 @@
           <a:p>
             <a:fld id="{63A1C593-65D0-4073-BCC9-577B9352EA97}" type="datetimeFigureOut">
               <a:rPr lang="en-US" smtClean="0"/>
-              <a:t>12/5/2023</a:t>
             </a:fld>
             <a:endParaRPr lang="en-US"/>
           </a:p>
@@ -813,7 +818,6 @@
           <a:p>
             <a:fld id="{9B618960-8005-486C-9A75-10CB2AAC16F9}" type="slidenum">
               <a:rPr lang="en-US" smtClean="0"/>
-              <a:t>‹#›</a:t>
             </a:fld>
             <a:endParaRPr lang="en-US"/>
           </a:p>
@@ -872,6 +876,7 @@
               <a:rPr lang="en-US"/>
               <a:t>Click to edit Master title style</a:t>
             </a:r>
+            <a:endParaRPr lang="en-US"/>
           </a:p>
         </p:txBody>
       </p:sp>
@@ -991,6 +996,7 @@
               <a:rPr lang="en-US"/>
               <a:t>Click to edit Master text styles</a:t>
             </a:r>
+            <a:endParaRPr lang="en-US"/>
           </a:p>
         </p:txBody>
       </p:sp>
@@ -1011,7 +1017,6 @@
           <a:p>
             <a:fld id="{63A1C593-65D0-4073-BCC9-577B9352EA97}" type="datetimeFigureOut">
               <a:rPr lang="en-US" smtClean="0"/>
-              <a:t>12/5/2023</a:t>
             </a:fld>
             <a:endParaRPr lang="en-US"/>
           </a:p>
@@ -1053,7 +1058,6 @@
           <a:p>
             <a:fld id="{9B618960-8005-486C-9A75-10CB2AAC16F9}" type="slidenum">
               <a:rPr lang="en-US" smtClean="0"/>
-              <a:t>‹#›</a:t>
             </a:fld>
             <a:endParaRPr lang="en-US"/>
           </a:p>
@@ -1103,6 +1107,7 @@
               <a:rPr lang="en-US"/>
               <a:t>Click to edit Master title style</a:t>
             </a:r>
+            <a:endParaRPr lang="en-US"/>
           </a:p>
         </p:txBody>
       </p:sp>
@@ -1131,6 +1136,7 @@
               <a:rPr lang="en-US"/>
               <a:t>Click to edit Master text styles</a:t>
             </a:r>
+            <a:endParaRPr lang="en-US"/>
           </a:p>
           <a:p>
             <a:pPr lvl="1"/>
@@ -1138,6 +1144,7 @@
               <a:rPr lang="en-US"/>
               <a:t>Second level</a:t>
             </a:r>
+            <a:endParaRPr lang="en-US"/>
           </a:p>
           <a:p>
             <a:pPr lvl="2"/>
@@ -1145,6 +1152,7 @@
               <a:rPr lang="en-US"/>
               <a:t>Third level</a:t>
             </a:r>
+            <a:endParaRPr lang="en-US"/>
           </a:p>
           <a:p>
             <a:pPr lvl="3"/>
@@ -1152,6 +1160,7 @@
               <a:rPr lang="en-US"/>
               <a:t>Fourth level</a:t>
             </a:r>
+            <a:endParaRPr lang="en-US"/>
           </a:p>
           <a:p>
             <a:pPr lvl="4"/>
@@ -1159,6 +1168,7 @@
               <a:rPr lang="en-US"/>
               <a:t>Fifth level</a:t>
             </a:r>
+            <a:endParaRPr lang="en-US"/>
           </a:p>
         </p:txBody>
       </p:sp>
@@ -1187,6 +1197,7 @@
               <a:rPr lang="en-US"/>
               <a:t>Click to edit Master text styles</a:t>
             </a:r>
+            <a:endParaRPr lang="en-US"/>
           </a:p>
           <a:p>
             <a:pPr lvl="1"/>
@@ -1194,6 +1205,7 @@
               <a:rPr lang="en-US"/>
               <a:t>Second level</a:t>
             </a:r>
+            <a:endParaRPr lang="en-US"/>
           </a:p>
           <a:p>
             <a:pPr lvl="2"/>
@@ -1201,6 +1213,7 @@
               <a:rPr lang="en-US"/>
               <a:t>Third level</a:t>
             </a:r>
+            <a:endParaRPr lang="en-US"/>
           </a:p>
           <a:p>
             <a:pPr lvl="3"/>
@@ -1208,6 +1221,7 @@
               <a:rPr lang="en-US"/>
               <a:t>Fourth level</a:t>
             </a:r>
+            <a:endParaRPr lang="en-US"/>
           </a:p>
           <a:p>
             <a:pPr lvl="4"/>
@@ -1215,6 +1229,7 @@
               <a:rPr lang="en-US"/>
               <a:t>Fifth level</a:t>
             </a:r>
+            <a:endParaRPr lang="en-US"/>
           </a:p>
         </p:txBody>
       </p:sp>
@@ -1235,7 +1250,6 @@
           <a:p>
             <a:fld id="{63A1C593-65D0-4073-BCC9-577B9352EA97}" type="datetimeFigureOut">
               <a:rPr lang="en-US" smtClean="0"/>
-              <a:t>12/5/2023</a:t>
             </a:fld>
             <a:endParaRPr lang="en-US"/>
           </a:p>
@@ -1277,7 +1291,6 @@
           <a:p>
             <a:fld id="{9B618960-8005-486C-9A75-10CB2AAC16F9}" type="slidenum">
               <a:rPr lang="en-US" smtClean="0"/>
-              <a:t>‹#›</a:t>
             </a:fld>
             <a:endParaRPr lang="en-US"/>
           </a:p>
@@ -1332,6 +1345,7 @@
               <a:rPr lang="en-US"/>
               <a:t>Click to edit Master title style</a:t>
             </a:r>
+            <a:endParaRPr lang="en-US"/>
           </a:p>
         </p:txBody>
       </p:sp>
@@ -1397,6 +1411,7 @@
               <a:rPr lang="en-US"/>
               <a:t>Click to edit Master text styles</a:t>
             </a:r>
+            <a:endParaRPr lang="en-US"/>
           </a:p>
         </p:txBody>
       </p:sp>
@@ -1425,6 +1440,7 @@
               <a:rPr lang="en-US"/>
               <a:t>Click to edit Master text styles</a:t>
             </a:r>
+            <a:endParaRPr lang="en-US"/>
           </a:p>
           <a:p>
             <a:pPr lvl="1"/>
@@ -1432,6 +1448,7 @@
               <a:rPr lang="en-US"/>
               <a:t>Second level</a:t>
             </a:r>
+            <a:endParaRPr lang="en-US"/>
           </a:p>
           <a:p>
             <a:pPr lvl="2"/>
@@ -1439,6 +1456,7 @@
               <a:rPr lang="en-US"/>
               <a:t>Third level</a:t>
             </a:r>
+            <a:endParaRPr lang="en-US"/>
           </a:p>
           <a:p>
             <a:pPr lvl="3"/>
@@ -1446,6 +1464,7 @@
               <a:rPr lang="en-US"/>
               <a:t>Fourth level</a:t>
             </a:r>
+            <a:endParaRPr lang="en-US"/>
           </a:p>
           <a:p>
             <a:pPr lvl="4"/>
@@ -1453,6 +1472,7 @@
               <a:rPr lang="en-US"/>
               <a:t>Fifth level</a:t>
             </a:r>
+            <a:endParaRPr lang="en-US"/>
           </a:p>
         </p:txBody>
       </p:sp>
@@ -1518,6 +1538,7 @@
               <a:rPr lang="en-US"/>
               <a:t>Click to edit Master text styles</a:t>
             </a:r>
+            <a:endParaRPr lang="en-US"/>
           </a:p>
         </p:txBody>
       </p:sp>
@@ -1546,6 +1567,7 @@
               <a:rPr lang="en-US"/>
               <a:t>Click to edit Master text styles</a:t>
             </a:r>
+            <a:endParaRPr lang="en-US"/>
           </a:p>
           <a:p>
             <a:pPr lvl="1"/>
@@ -1553,6 +1575,7 @@
               <a:rPr lang="en-US"/>
               <a:t>Second level</a:t>
             </a:r>
+            <a:endParaRPr lang="en-US"/>
           </a:p>
           <a:p>
             <a:pPr lvl="2"/>
@@ -1560,6 +1583,7 @@
               <a:rPr lang="en-US"/>
               <a:t>Third level</a:t>
             </a:r>
+            <a:endParaRPr lang="en-US"/>
           </a:p>
           <a:p>
             <a:pPr lvl="3"/>
@@ -1567,6 +1591,7 @@
               <a:rPr lang="en-US"/>
               <a:t>Fourth level</a:t>
             </a:r>
+            <a:endParaRPr lang="en-US"/>
           </a:p>
           <a:p>
             <a:pPr lvl="4"/>
@@ -1574,6 +1599,7 @@
               <a:rPr lang="en-US"/>
               <a:t>Fifth level</a:t>
             </a:r>
+            <a:endParaRPr lang="en-US"/>
           </a:p>
         </p:txBody>
       </p:sp>
@@ -1594,7 +1620,6 @@
           <a:p>
             <a:fld id="{63A1C593-65D0-4073-BCC9-577B9352EA97}" type="datetimeFigureOut">
               <a:rPr lang="en-US" smtClean="0"/>
-              <a:t>12/5/2023</a:t>
             </a:fld>
             <a:endParaRPr lang="en-US"/>
           </a:p>
@@ -1636,7 +1661,6 @@
           <a:p>
             <a:fld id="{9B618960-8005-486C-9A75-10CB2AAC16F9}" type="slidenum">
               <a:rPr lang="en-US" smtClean="0"/>
-              <a:t>‹#›</a:t>
             </a:fld>
             <a:endParaRPr lang="en-US"/>
           </a:p>
@@ -1686,6 +1710,7 @@
               <a:rPr lang="en-US"/>
               <a:t>Click to edit Master title style</a:t>
             </a:r>
+            <a:endParaRPr lang="en-US"/>
           </a:p>
         </p:txBody>
       </p:sp>
@@ -1706,7 +1731,6 @@
           <a:p>
             <a:fld id="{63A1C593-65D0-4073-BCC9-577B9352EA97}" type="datetimeFigureOut">
               <a:rPr lang="en-US" smtClean="0"/>
-              <a:t>12/5/2023</a:t>
             </a:fld>
             <a:endParaRPr lang="en-US"/>
           </a:p>
@@ -1748,7 +1772,6 @@
           <a:p>
             <a:fld id="{9B618960-8005-486C-9A75-10CB2AAC16F9}" type="slidenum">
               <a:rPr lang="en-US" smtClean="0"/>
-              <a:t>‹#›</a:t>
             </a:fld>
             <a:endParaRPr lang="en-US"/>
           </a:p>
@@ -1796,7 +1819,6 @@
           <a:p>
             <a:fld id="{63A1C593-65D0-4073-BCC9-577B9352EA97}" type="datetimeFigureOut">
               <a:rPr lang="en-US" smtClean="0"/>
-              <a:t>12/5/2023</a:t>
             </a:fld>
             <a:endParaRPr lang="en-US"/>
           </a:p>
@@ -1838,7 +1860,6 @@
           <a:p>
             <a:fld id="{9B618960-8005-486C-9A75-10CB2AAC16F9}" type="slidenum">
               <a:rPr lang="en-US" smtClean="0"/>
-              <a:t>‹#›</a:t>
             </a:fld>
             <a:endParaRPr lang="en-US"/>
           </a:p>
@@ -1897,6 +1918,7 @@
               <a:rPr lang="en-US"/>
               <a:t>Click to edit Master title style</a:t>
             </a:r>
+            <a:endParaRPr lang="en-US"/>
           </a:p>
         </p:txBody>
       </p:sp>
@@ -1953,6 +1975,7 @@
               <a:rPr lang="en-US"/>
               <a:t>Click to edit Master text styles</a:t>
             </a:r>
+            <a:endParaRPr lang="en-US"/>
           </a:p>
           <a:p>
             <a:pPr lvl="1"/>
@@ -1960,6 +1983,7 @@
               <a:rPr lang="en-US"/>
               <a:t>Second level</a:t>
             </a:r>
+            <a:endParaRPr lang="en-US"/>
           </a:p>
           <a:p>
             <a:pPr lvl="2"/>
@@ -1967,6 +1991,7 @@
               <a:rPr lang="en-US"/>
               <a:t>Third level</a:t>
             </a:r>
+            <a:endParaRPr lang="en-US"/>
           </a:p>
           <a:p>
             <a:pPr lvl="3"/>
@@ -1974,6 +1999,7 @@
               <a:rPr lang="en-US"/>
               <a:t>Fourth level</a:t>
             </a:r>
+            <a:endParaRPr lang="en-US"/>
           </a:p>
           <a:p>
             <a:pPr lvl="4"/>
@@ -1981,6 +2007,7 @@
               <a:rPr lang="en-US"/>
               <a:t>Fifth level</a:t>
             </a:r>
+            <a:endParaRPr lang="en-US"/>
           </a:p>
         </p:txBody>
       </p:sp>
@@ -2046,6 +2073,7 @@
               <a:rPr lang="en-US"/>
               <a:t>Click to edit Master text styles</a:t>
             </a:r>
+            <a:endParaRPr lang="en-US"/>
           </a:p>
         </p:txBody>
       </p:sp>
@@ -2066,7 +2094,6 @@
           <a:p>
             <a:fld id="{63A1C593-65D0-4073-BCC9-577B9352EA97}" type="datetimeFigureOut">
               <a:rPr lang="en-US" smtClean="0"/>
-              <a:t>12/5/2023</a:t>
             </a:fld>
             <a:endParaRPr lang="en-US"/>
           </a:p>
@@ -2108,7 +2135,6 @@
           <a:p>
             <a:fld id="{9B618960-8005-486C-9A75-10CB2AAC16F9}" type="slidenum">
               <a:rPr lang="en-US" smtClean="0"/>
-              <a:t>‹#›</a:t>
             </a:fld>
             <a:endParaRPr lang="en-US"/>
           </a:p>
@@ -2167,6 +2193,7 @@
               <a:rPr lang="en-US"/>
               <a:t>Click to edit Master title style</a:t>
             </a:r>
+            <a:endParaRPr lang="en-US"/>
           </a:p>
         </p:txBody>
       </p:sp>
@@ -2293,6 +2320,7 @@
               <a:rPr lang="en-US"/>
               <a:t>Click to edit Master text styles</a:t>
             </a:r>
+            <a:endParaRPr lang="en-US"/>
           </a:p>
         </p:txBody>
       </p:sp>
@@ -2313,7 +2341,6 @@
           <a:p>
             <a:fld id="{63A1C593-65D0-4073-BCC9-577B9352EA97}" type="datetimeFigureOut">
               <a:rPr lang="en-US" smtClean="0"/>
-              <a:t>12/5/2023</a:t>
             </a:fld>
             <a:endParaRPr lang="en-US"/>
           </a:p>
@@ -2355,7 +2382,6 @@
           <a:p>
             <a:fld id="{9B618960-8005-486C-9A75-10CB2AAC16F9}" type="slidenum">
               <a:rPr lang="en-US" smtClean="0"/>
-              <a:t>‹#›</a:t>
             </a:fld>
             <a:endParaRPr lang="en-US"/>
           </a:p>
@@ -2420,6 +2446,7 @@
               <a:rPr lang="en-US"/>
               <a:t>Click to edit Master title style</a:t>
             </a:r>
+            <a:endParaRPr lang="en-US"/>
           </a:p>
         </p:txBody>
       </p:sp>
@@ -2453,6 +2480,7 @@
               <a:rPr lang="en-US"/>
               <a:t>Click to edit Master text styles</a:t>
             </a:r>
+            <a:endParaRPr lang="en-US"/>
           </a:p>
           <a:p>
             <a:pPr lvl="1"/>
@@ -2460,6 +2488,7 @@
               <a:rPr lang="en-US"/>
               <a:t>Second level</a:t>
             </a:r>
+            <a:endParaRPr lang="en-US"/>
           </a:p>
           <a:p>
             <a:pPr lvl="2"/>
@@ -2467,6 +2496,7 @@
               <a:rPr lang="en-US"/>
               <a:t>Third level</a:t>
             </a:r>
+            <a:endParaRPr lang="en-US"/>
           </a:p>
           <a:p>
             <a:pPr lvl="3"/>
@@ -2474,6 +2504,7 @@
               <a:rPr lang="en-US"/>
               <a:t>Fourth level</a:t>
             </a:r>
+            <a:endParaRPr lang="en-US"/>
           </a:p>
           <a:p>
             <a:pPr lvl="4"/>
@@ -2481,6 +2512,7 @@
               <a:rPr lang="en-US"/>
               <a:t>Fifth level</a:t>
             </a:r>
+            <a:endParaRPr lang="en-US"/>
           </a:p>
         </p:txBody>
       </p:sp>
@@ -2519,7 +2551,6 @@
           <a:p>
             <a:fld id="{63A1C593-65D0-4073-BCC9-577B9352EA97}" type="datetimeFigureOut">
               <a:rPr lang="en-US" smtClean="0"/>
-              <a:t>12/5/2023</a:t>
             </a:fld>
             <a:endParaRPr lang="en-US"/>
           </a:p>
@@ -2597,7 +2628,6 @@
           <a:p>
             <a:fld id="{9B618960-8005-486C-9A75-10CB2AAC16F9}" type="slidenum">
               <a:rPr lang="en-US" smtClean="0"/>
-              <a:t>‹#›</a:t>
             </a:fld>
             <a:endParaRPr lang="en-US"/>
           </a:p>
@@ -2929,10 +2959,15 @@
             <p:ph type="ctrTitle"/>
           </p:nvPr>
         </p:nvSpPr>
-        <p:spPr/>
+        <p:spPr>
+          <a:xfrm>
+            <a:off x="1524000" y="572135"/>
+            <a:ext cx="9144000" cy="1374775"/>
+          </a:xfrm>
+        </p:spPr>
         <p:txBody>
           <a:bodyPr>
-            <a:normAutofit/>
+            <a:normAutofit fontScale="90000"/>
           </a:bodyPr>
           <a:lstStyle/>
           <a:p>
@@ -2961,10 +2996,15 @@
             <p:ph type="subTitle" idx="1"/>
           </p:nvPr>
         </p:nvSpPr>
-        <p:spPr/>
+        <p:spPr>
+          <a:xfrm>
+            <a:off x="1630680" y="2304098"/>
+            <a:ext cx="9144000" cy="1655762"/>
+          </a:xfrm>
+        </p:spPr>
         <p:txBody>
           <a:bodyPr>
-            <a:normAutofit fontScale="70000" lnSpcReduction="20000"/>
+            <a:noAutofit/>
           </a:bodyPr>
           <a:lstStyle/>
           <a:p>
@@ -2976,6 +3016,18 @@
               </a:rPr>
               <a:t>A Comprehensive Exploration of Shopping Patterns from 2021 to 2023 by Age, Gender, and Location</a:t>
             </a:r>
+            <a:endParaRPr lang="en-US" b="0" i="0" dirty="0">
+              <a:effectLst/>
+              <a:latin typeface="Times New Roman" panose="02020603050405020304" pitchFamily="18" charset="0"/>
+              <a:cs typeface="Times New Roman" panose="02020603050405020304" pitchFamily="18" charset="0"/>
+            </a:endParaRPr>
+          </a:p>
+          <a:p>
+            <a:endParaRPr lang="en-US" b="0" i="0" dirty="0">
+              <a:effectLst/>
+              <a:latin typeface="Times New Roman" panose="02020603050405020304" pitchFamily="18" charset="0"/>
+              <a:cs typeface="Times New Roman" panose="02020603050405020304" pitchFamily="18" charset="0"/>
+            </a:endParaRPr>
           </a:p>
           <a:p>
             <a:r>
@@ -2984,33 +3036,6 @@
                 <a:cs typeface="Times New Roman" panose="02020603050405020304" pitchFamily="18" charset="0"/>
               </a:rPr>
               <a:t>By</a:t>
-            </a:r>
-          </a:p>
-          <a:p>
-            <a:r>
-              <a:rPr lang="en-US" dirty="0">
-                <a:latin typeface="Times New Roman" panose="02020603050405020304" pitchFamily="18" charset="0"/>
-                <a:cs typeface="Times New Roman" panose="02020603050405020304" pitchFamily="18" charset="0"/>
-              </a:rPr>
-              <a:t>Jothish Kumar Polaki</a:t>
-            </a:r>
-          </a:p>
-          <a:p>
-            <a:r>
-              <a:rPr lang="en-US" dirty="0">
-                <a:latin typeface="Times New Roman" panose="02020603050405020304" pitchFamily="18" charset="0"/>
-                <a:cs typeface="Times New Roman" panose="02020603050405020304" pitchFamily="18" charset="0"/>
-              </a:rPr>
-              <a:t>Rohit</a:t>
-            </a:r>
-          </a:p>
-          <a:p>
-            <a:r>
-              <a:rPr lang="en-US" dirty="0" err="1">
-                <a:latin typeface="Times New Roman" panose="02020603050405020304" pitchFamily="18" charset="0"/>
-                <a:cs typeface="Times New Roman" panose="02020603050405020304" pitchFamily="18" charset="0"/>
-              </a:rPr>
-              <a:t>Vidhyananth</a:t>
             </a:r>
             <a:endParaRPr lang="en-US" dirty="0">
               <a:latin typeface="Times New Roman" panose="02020603050405020304" pitchFamily="18" charset="0"/>
@@ -3018,7 +3043,46 @@
             </a:endParaRPr>
           </a:p>
           <a:p>
+            <a:r>
+              <a:rPr lang="en-US" dirty="0">
+                <a:latin typeface="Times New Roman" panose="02020603050405020304" pitchFamily="18" charset="0"/>
+                <a:cs typeface="Times New Roman" panose="02020603050405020304" pitchFamily="18" charset="0"/>
+              </a:rPr>
+              <a:t>Jothish Kumar Polaki</a:t>
+            </a:r>
             <a:endParaRPr lang="en-US" dirty="0">
+              <a:latin typeface="Times New Roman" panose="02020603050405020304" pitchFamily="18" charset="0"/>
+              <a:cs typeface="Times New Roman" panose="02020603050405020304" pitchFamily="18" charset="0"/>
+            </a:endParaRPr>
+          </a:p>
+          <a:p>
+            <a:r>
+              <a:rPr lang="en-US" dirty="0">
+                <a:latin typeface="Times New Roman" panose="02020603050405020304" pitchFamily="18" charset="0"/>
+                <a:cs typeface="Times New Roman" panose="02020603050405020304" pitchFamily="18" charset="0"/>
+              </a:rPr>
+              <a:t>Rohit vatsava Kalakala</a:t>
+            </a:r>
+            <a:endParaRPr lang="en-US" dirty="0">
+              <a:latin typeface="Times New Roman" panose="02020603050405020304" pitchFamily="18" charset="0"/>
+              <a:cs typeface="Times New Roman" panose="02020603050405020304" pitchFamily="18" charset="0"/>
+            </a:endParaRPr>
+          </a:p>
+          <a:p>
+            <a:r>
+              <a:rPr lang="en-US" dirty="0" err="1">
+                <a:latin typeface="Times New Roman" panose="02020603050405020304" pitchFamily="18" charset="0"/>
+                <a:cs typeface="Times New Roman" panose="02020603050405020304" pitchFamily="18" charset="0"/>
+              </a:rPr>
+              <a:t>Vidhyananth Sivashanmugam</a:t>
+            </a:r>
+            <a:endParaRPr lang="en-US" dirty="0">
+              <a:latin typeface="Times New Roman" panose="02020603050405020304" pitchFamily="18" charset="0"/>
+              <a:cs typeface="Times New Roman" panose="02020603050405020304" pitchFamily="18" charset="0"/>
+            </a:endParaRPr>
+          </a:p>
+          <a:p>
+            <a:endParaRPr lang="en-US" sz="1600" dirty="0">
               <a:latin typeface="Times New Roman" panose="02020603050405020304" pitchFamily="18" charset="0"/>
               <a:cs typeface="Times New Roman" panose="02020603050405020304" pitchFamily="18" charset="0"/>
             </a:endParaRPr>
@@ -3143,31 +3207,105 @@
           </a:bodyPr>
           <a:lstStyle/>
           <a:p>
-            <a:pPr marL="0" indent="0">
+            <a:pPr marL="0" indent="0" algn="just">
               <a:buNone/>
             </a:pPr>
             <a:r>
-              <a:rPr lang="en-US" sz="2300" dirty="0"/>
+              <a:rPr lang="en-US" sz="2300" dirty="0">
+                <a:latin typeface="Times New Roman Regular" panose="02020603050405020304" charset="0"/>
+                <a:cs typeface="Times New Roman Regular" panose="02020603050405020304" charset="0"/>
+              </a:rPr>
               <a:t>Classification refers to the process of categorizing data into classes or groups based on certain features or attributes. It's a fundamental task in data analysis and machine learning where the goal is to predict the category or class of a given dataset based on its characteristics.</a:t>
             </a:r>
-          </a:p>
-          <a:p>
-            <a:r>
-              <a:rPr lang="en-US" sz="2300" dirty="0"/>
+            <a:endParaRPr lang="en-US" sz="2300" dirty="0">
+              <a:latin typeface="Times New Roman Regular" panose="02020603050405020304" charset="0"/>
+              <a:cs typeface="Times New Roman Regular" panose="02020603050405020304" charset="0"/>
+            </a:endParaRPr>
+          </a:p>
+          <a:p>
+            <a:pPr algn="just"/>
+            <a:r>
+              <a:rPr lang="en-US" sz="2300" dirty="0">
+                <a:latin typeface="Times New Roman Regular" panose="02020603050405020304" charset="0"/>
+                <a:cs typeface="Times New Roman Regular" panose="02020603050405020304" charset="0"/>
+              </a:rPr>
               <a:t>In this project, we set up and compare two different machine learning models for a classification task using customer shopping data: </a:t>
             </a:r>
             <a:r>
-              <a:rPr lang="en-US" sz="2300" b="1" dirty="0"/>
+              <a:rPr lang="en-US" sz="2300" b="1" dirty="0">
+                <a:latin typeface="Times New Roman Regular" panose="02020603050405020304" charset="0"/>
+                <a:cs typeface="Times New Roman Regular" panose="02020603050405020304" charset="0"/>
+              </a:rPr>
               <a:t>Random Forest model </a:t>
             </a:r>
             <a:r>
-              <a:rPr lang="en-US" sz="2300" dirty="0"/>
+              <a:rPr lang="en-US" sz="2300" dirty="0">
+                <a:latin typeface="Times New Roman Regular" panose="02020603050405020304" charset="0"/>
+                <a:cs typeface="Times New Roman Regular" panose="02020603050405020304" charset="0"/>
+              </a:rPr>
               <a:t>and </a:t>
             </a:r>
             <a:r>
-              <a:rPr lang="en-US" sz="2300" b="1" dirty="0"/>
+              <a:rPr lang="en-US" sz="2300" b="1" dirty="0">
+                <a:latin typeface="Times New Roman Regular" panose="02020603050405020304" charset="0"/>
+                <a:cs typeface="Times New Roman Regular" panose="02020603050405020304" charset="0"/>
+              </a:rPr>
               <a:t>Naive Bayes model.</a:t>
             </a:r>
+            <a:endParaRPr lang="en-US" sz="2300" b="1" dirty="0">
+              <a:latin typeface="Times New Roman Regular" panose="02020603050405020304" charset="0"/>
+              <a:cs typeface="Times New Roman Regular" panose="02020603050405020304" charset="0"/>
+            </a:endParaRPr>
+          </a:p>
+          <a:p>
+            <a:pPr algn="just"/>
+            <a:r>
+              <a:rPr lang="en-US" sz="2300" b="1" dirty="0">
+                <a:latin typeface="Times New Roman Regular" panose="02020603050405020304" charset="0"/>
+                <a:cs typeface="Times New Roman Regular" panose="02020603050405020304" charset="0"/>
+                <a:sym typeface="+mn-ea"/>
+              </a:rPr>
+              <a:t>RANDOM FOREST MODEL: </a:t>
+            </a:r>
+            <a:r>
+              <a:rPr lang="en-US" sz="2300" dirty="0">
+                <a:latin typeface="Times New Roman Regular" panose="02020603050405020304" charset="0"/>
+                <a:cs typeface="Times New Roman Regular" panose="02020603050405020304" charset="0"/>
+                <a:sym typeface="+mn-ea"/>
+              </a:rPr>
+              <a:t>Random Forest is an ensemble learning method that constructs multiple decision trees during training and outputs the mode of the classes (classification) or the mean prediction (regression) of the individual trees.</a:t>
+            </a:r>
+            <a:endParaRPr lang="en-US" sz="2300" dirty="0">
+              <a:latin typeface="Times New Roman Regular" panose="02020603050405020304" charset="0"/>
+              <a:cs typeface="Times New Roman Regular" panose="02020603050405020304" charset="0"/>
+            </a:endParaRPr>
+          </a:p>
+          <a:p>
+            <a:pPr algn="just"/>
+            <a:r>
+              <a:rPr lang="en-US" sz="2300" b="1" dirty="0">
+                <a:latin typeface="Times New Roman Regular" panose="02020603050405020304" charset="0"/>
+                <a:cs typeface="Times New Roman Regular" panose="02020603050405020304" charset="0"/>
+                <a:sym typeface="+mn-ea"/>
+              </a:rPr>
+              <a:t>NAIVE BAYES MODEL: </a:t>
+            </a:r>
+            <a:r>
+              <a:rPr lang="en-US" sz="2300" dirty="0">
+                <a:latin typeface="Times New Roman Regular" panose="02020603050405020304" charset="0"/>
+                <a:cs typeface="Times New Roman Regular" panose="02020603050405020304" charset="0"/>
+                <a:sym typeface="+mn-ea"/>
+              </a:rPr>
+              <a:t>Naive Bayes is a probabilistic classifier based on Bayes' theorem. It assumes independence among features given the class and calculates the probability of a class based on the feature values.</a:t>
+            </a:r>
+            <a:endParaRPr lang="en-US" sz="2300" dirty="0">
+              <a:latin typeface="Times New Roman Regular" panose="02020603050405020304" charset="0"/>
+              <a:cs typeface="Times New Roman Regular" panose="02020603050405020304" charset="0"/>
+            </a:endParaRPr>
+          </a:p>
+          <a:p>
+            <a:pPr algn="just"/>
+            <a:endParaRPr lang="en-US" sz="2300" b="1" dirty="0"/>
           </a:p>
           <a:p>
             <a:pPr marL="0" indent="0">
@@ -3236,14 +3374,46 @@
         <p:spPr/>
         <p:txBody>
           <a:bodyPr>
-            <a:normAutofit/>
+            <a:normAutofit fontScale="90000"/>
           </a:bodyPr>
           <a:lstStyle/>
           <a:p>
-            <a:r>
-              <a:rPr lang="en-US"/>
+            <a:pPr algn="ctr"/>
+            <a:r>
+              <a:rPr lang="en-US">
+                <a:ln/>
+                <a:solidFill>
+                  <a:schemeClr val="tx1"/>
+                </a:solidFill>
+                <a:effectLst>
+                  <a:outerShdw blurRad="38100" dist="19050" dir="2700000" algn="tl" rotWithShape="0">
+                    <a:schemeClr val="dk1">
+                      <a:alpha val="40000"/>
+                      <a:alpha val="40000"/>
+                    </a:schemeClr>
+                  </a:outerShdw>
+                </a:effectLst>
+                <a:latin typeface="Times New Roman Regular" panose="02020603050405020304" charset="0"/>
+                <a:cs typeface="Times New Roman Regular" panose="02020603050405020304" charset="0"/>
+              </a:rPr>
               <a:t>RANDOM FOREST MODEL EVALUATION</a:t>
             </a:r>
+            <a:endParaRPr lang="en-US">
+              <a:ln/>
+              <a:solidFill>
+                <a:schemeClr val="tx1"/>
+              </a:solidFill>
+              <a:effectLst>
+                <a:outerShdw blurRad="38100" dist="19050" dir="2700000" algn="tl" rotWithShape="0">
+                  <a:schemeClr val="dk1">
+                    <a:alpha val="40000"/>
+                    <a:alpha val="40000"/>
+                  </a:schemeClr>
+                </a:outerShdw>
+              </a:effectLst>
+              <a:latin typeface="Times New Roman Regular" panose="02020603050405020304" charset="0"/>
+              <a:cs typeface="Times New Roman Regular" panose="02020603050405020304" charset="0"/>
+            </a:endParaRPr>
           </a:p>
         </p:txBody>
       </p:sp>
@@ -3297,15 +3467,15 @@
           <p:nvPr/>
         </p:nvPicPr>
         <p:blipFill>
-          <a:blip r:embed="rId2"/>
+          <a:blip r:embed="rId1"/>
           <a:stretch>
             <a:fillRect/>
           </a:stretch>
         </p:blipFill>
         <p:spPr>
           <a:xfrm>
-            <a:off x="6282055" y="1891665"/>
-            <a:ext cx="4484370" cy="4091940"/>
+            <a:off x="5949315" y="1891665"/>
+            <a:ext cx="5650865" cy="4091940"/>
           </a:xfrm>
           <a:prstGeom prst="rect">
             <a:avLst/>
@@ -3321,7 +3491,7 @@
           <p:nvPr/>
         </p:nvPicPr>
         <p:blipFill>
-          <a:blip r:embed="rId3"/>
+          <a:blip r:embed="rId2"/>
           <a:stretch>
             <a:fillRect/>
           </a:stretch>
@@ -3376,10 +3546,42 @@
           <a:bodyPr/>
           <a:lstStyle/>
           <a:p>
-            <a:r>
-              <a:rPr lang="en-US"/>
+            <a:pPr algn="ctr"/>
+            <a:r>
+              <a:rPr lang="en-US">
+                <a:ln/>
+                <a:solidFill>
+                  <a:schemeClr val="tx1"/>
+                </a:solidFill>
+                <a:effectLst>
+                  <a:outerShdw blurRad="38100" dist="19050" dir="2700000" algn="tl" rotWithShape="0">
+                    <a:schemeClr val="dk1">
+                      <a:alpha val="40000"/>
+                      <a:alpha val="40000"/>
+                    </a:schemeClr>
+                  </a:outerShdw>
+                </a:effectLst>
+                <a:latin typeface="Times New Roman Regular" panose="02020603050405020304" charset="0"/>
+                <a:cs typeface="Times New Roman Regular" panose="02020603050405020304" charset="0"/>
+              </a:rPr>
               <a:t>NAIVE BAYES MODEL EVALUATION</a:t>
             </a:r>
+            <a:endParaRPr lang="en-US">
+              <a:ln/>
+              <a:solidFill>
+                <a:schemeClr val="tx1"/>
+              </a:solidFill>
+              <a:effectLst>
+                <a:outerShdw blurRad="38100" dist="19050" dir="2700000" algn="tl" rotWithShape="0">
+                  <a:schemeClr val="dk1">
+                    <a:alpha val="40000"/>
+                    <a:alpha val="40000"/>
+                  </a:schemeClr>
+                </a:outerShdw>
+              </a:effectLst>
+              <a:latin typeface="Times New Roman Regular" panose="02020603050405020304" charset="0"/>
+              <a:cs typeface="Times New Roman Regular" panose="02020603050405020304" charset="0"/>
+            </a:endParaRPr>
           </a:p>
         </p:txBody>
       </p:sp>
@@ -3394,7 +3596,7 @@
           </p:nvPr>
         </p:nvPicPr>
         <p:blipFill>
-          <a:blip r:embed="rId2"/>
+          <a:blip r:embed="rId1"/>
           <a:stretch>
             <a:fillRect/>
           </a:stretch>
@@ -3418,15 +3620,15 @@
           <p:nvPr/>
         </p:nvPicPr>
         <p:blipFill>
-          <a:blip r:embed="rId3"/>
+          <a:blip r:embed="rId2"/>
           <a:stretch>
             <a:fillRect/>
           </a:stretch>
         </p:blipFill>
         <p:spPr>
           <a:xfrm>
-            <a:off x="6187440" y="1691005"/>
-            <a:ext cx="4653280" cy="3989705"/>
+            <a:off x="5974715" y="1691005"/>
+            <a:ext cx="5379085" cy="4024630"/>
           </a:xfrm>
           <a:prstGeom prst="rect">
             <a:avLst/>
@@ -3450,14 +3652,7 @@
         <p:cNvGrpSpPr/>
         <p:nvPr/>
       </p:nvGrpSpPr>
-      <p:grpSpPr>
-        <a:xfrm>
-          <a:off x="0" y="0"/>
-          <a:ext cx="0" cy="0"/>
-          <a:chOff x="0" y="0"/>
-          <a:chExt cx="0" cy="0"/>
-        </a:xfrm>
-      </p:grpSpPr>
+      <p:grpSpPr/>
       <p:sp>
         <p:nvSpPr>
           <p:cNvPr id="2" name="Title 1"/>
@@ -3471,12 +3666,46 @@
         <p:spPr/>
         <p:txBody>
           <a:bodyPr/>
-          <a:lstStyle/>
-          <a:p>
-            <a:r>
-              <a:rPr lang="en-US"/>
-              <a:t>                      CLUSTERING</a:t>
-            </a:r>
+          <a:p>
+            <a:r>
+              <a:rPr lang="en-US"/>
+              <a:t>                      </a:t>
+            </a:r>
+            <a:r>
+              <a:rPr lang="en-US">
+                <a:ln/>
+                <a:solidFill>
+                  <a:schemeClr val="tx1"/>
+                </a:solidFill>
+                <a:effectLst>
+                  <a:outerShdw blurRad="38100" dist="19050" dir="2700000" algn="tl" rotWithShape="0">
+                    <a:schemeClr val="dk1">
+                      <a:alpha val="40000"/>
+                      <a:alpha val="40000"/>
+                    </a:schemeClr>
+                  </a:outerShdw>
+                </a:effectLst>
+                <a:latin typeface="Times New Roman Regular" panose="02020603050405020304" charset="0"/>
+                <a:cs typeface="Times New Roman Regular" panose="02020603050405020304" charset="0"/>
+              </a:rPr>
+              <a:t>CLUSTERING</a:t>
+            </a:r>
+            <a:endParaRPr lang="en-US">
+              <a:ln/>
+              <a:solidFill>
+                <a:schemeClr val="tx1"/>
+              </a:solidFill>
+              <a:effectLst>
+                <a:outerShdw blurRad="38100" dist="19050" dir="2700000" algn="tl" rotWithShape="0">
+                  <a:schemeClr val="dk1">
+                    <a:alpha val="40000"/>
+                    <a:alpha val="40000"/>
+                  </a:schemeClr>
+                </a:outerShdw>
+              </a:effectLst>
+              <a:latin typeface="Times New Roman Regular" panose="02020603050405020304" charset="0"/>
+              <a:cs typeface="Times New Roman Regular" panose="02020603050405020304" charset="0"/>
+            </a:endParaRPr>
           </a:p>
         </p:txBody>
       </p:sp>
@@ -3493,31 +3722,37 @@
         <p:spPr>
           <a:xfrm>
             <a:off x="838200" y="1691005"/>
-            <a:ext cx="10515600" cy="4351338"/>
+            <a:ext cx="10515600" cy="5833110"/>
           </a:xfrm>
         </p:spPr>
         <p:txBody>
           <a:bodyPr>
-            <a:normAutofit fontScale="92500"/>
+            <a:normAutofit lnSpcReduction="20000"/>
           </a:bodyPr>
-          <a:lstStyle/>
           <a:p>
             <a:pPr marL="0" indent="0" algn="just">
+              <a:lnSpc>
+                <a:spcPct val="100000"/>
+              </a:lnSpc>
               <a:buNone/>
             </a:pPr>
             <a:r>
-              <a:rPr lang="en-US"/>
+              <a:rPr lang="en-US">
+                <a:latin typeface="Times New Roman Regular" panose="02020603050405020304" charset="0"/>
+                <a:cs typeface="Times New Roman Regular" panose="02020603050405020304" charset="0"/>
+              </a:rPr>
               <a:t>Clustering is the process of grouping similar data points together based on certain characteristics or features they share. It's an unsupervised learning technique used to find hidden patterns or structures within a dataset.</a:t>
             </a:r>
+            <a:endParaRPr lang="en-US">
+              <a:latin typeface="Times New Roman Regular" panose="02020603050405020304" charset="0"/>
+              <a:cs typeface="Times New Roman Regular" panose="02020603050405020304" charset="0"/>
+            </a:endParaRPr>
           </a:p>
           <a:p>
             <a:pPr marL="0" indent="0" algn="just">
               <a:buNone/>
             </a:pPr>
-            <a:r>
-              <a:rPr lang="en-US"/>
-              <a:t>Selects specific columns ("age," "quantity," "price") from the shopping_data dataset to be used for clustering.</a:t>
-            </a:r>
+            <a:endParaRPr lang="en-US"/>
           </a:p>
           <a:p>
             <a:pPr marL="0" indent="0" algn="just">
@@ -3529,23 +3764,7 @@
             <a:pPr marL="0" indent="0" algn="just">
               <a:buNone/>
             </a:pPr>
-            <a:r>
-              <a:rPr lang="en-US">
-                <a:latin typeface="+mj-ea"/>
-                <a:cs typeface="+mj-ea"/>
-              </a:rPr>
-              <a:t>DBSCAN:</a:t>
-            </a:r>
-            <a:endParaRPr lang="en-US"/>
-          </a:p>
-          <a:p>
-            <a:pPr marL="0" indent="0" algn="just">
-              <a:buNone/>
-            </a:pPr>
-            <a:r>
-              <a:rPr lang="en-US"/>
-              <a:t>Applies the DBSCAN algorithm to the selected features. eps specifies the maximum distance between two points for them to be considered part of the same neighborhood, and minPts is the minimum number of points required to form a dense region.</a:t>
-            </a:r>
+            <a:endParaRPr lang="en-US"/>
           </a:p>
           <a:p>
             <a:pPr marL="0" indent="0" algn="just">
@@ -3572,14 +3791,7 @@
         <p:cNvGrpSpPr/>
         <p:nvPr/>
       </p:nvGrpSpPr>
-      <p:grpSpPr>
-        <a:xfrm>
-          <a:off x="0" y="0"/>
-          <a:ext cx="0" cy="0"/>
-          <a:chOff x="0" y="0"/>
-          <a:chExt cx="0" cy="0"/>
-        </a:xfrm>
-      </p:grpSpPr>
+      <p:grpSpPr/>
       <p:sp>
         <p:nvSpPr>
           <p:cNvPr id="2" name="Title 1"/>
@@ -3592,9 +3804,144 @@
         </p:nvSpPr>
         <p:spPr/>
         <p:txBody>
+          <a:bodyPr>
+            <a:normAutofit fontScale="90000"/>
+          </a:bodyPr>
+          <a:p>
+            <a:r>
+              <a:rPr lang="en-US">
+                <a:latin typeface="Times New Roman Regular" panose="02020603050405020304" charset="0"/>
+                <a:cs typeface="Times New Roman Regular" panose="02020603050405020304" charset="0"/>
+                <a:sym typeface="+mn-ea"/>
+              </a:rPr>
+              <a:t>DBSCAN:</a:t>
+            </a:r>
+            <a:br>
+              <a:rPr lang="en-US"/>
+            </a:br>
+            <a:endParaRPr lang="en-US"/>
+          </a:p>
+        </p:txBody>
+      </p:sp>
+      <p:sp>
+        <p:nvSpPr>
+          <p:cNvPr id="3" name="Content Placeholder 2"/>
+          <p:cNvSpPr>
+            <a:spLocks noGrp="1"/>
+          </p:cNvSpPr>
+          <p:nvPr>
+            <p:ph idx="1"/>
+          </p:nvPr>
+        </p:nvSpPr>
+        <p:spPr>
+          <a:xfrm>
+            <a:off x="838200" y="1130935"/>
+            <a:ext cx="10515600" cy="5046345"/>
+          </a:xfrm>
+        </p:spPr>
+        <p:txBody>
+          <a:bodyPr>
+            <a:normAutofit lnSpcReduction="10000"/>
+          </a:bodyPr>
+          <a:p>
+            <a:pPr marL="0" indent="0" algn="just">
+              <a:lnSpc>
+                <a:spcPct val="100000"/>
+              </a:lnSpc>
+              <a:buNone/>
+            </a:pPr>
+            <a:r>
+              <a:rPr lang="en-US">
+                <a:latin typeface="Times New Roman Regular" panose="02020603050405020304" charset="0"/>
+                <a:cs typeface="Times New Roman Regular" panose="02020603050405020304" charset="0"/>
+              </a:rPr>
+              <a:t>Density-Based Spatial Clustering of Applications with Noise is a density-based clustering algorithm used in machine learning for grouping points in a dataset based on their spatial density. It's particularly effective at identifying clusters of arbitrary shapes and handling noise within the data.</a:t>
+            </a:r>
+            <a:endParaRPr lang="en-US">
+              <a:latin typeface="Times New Roman Regular" panose="02020603050405020304" charset="0"/>
+              <a:cs typeface="Times New Roman Regular" panose="02020603050405020304" charset="0"/>
+            </a:endParaRPr>
+          </a:p>
+          <a:p>
+            <a:pPr algn="just">
+              <a:lnSpc>
+                <a:spcPct val="100000"/>
+              </a:lnSpc>
+            </a:pPr>
+            <a:endParaRPr lang="en-US">
+              <a:latin typeface="Times New Roman Regular" panose="02020603050405020304" charset="0"/>
+              <a:cs typeface="Times New Roman Regular" panose="02020603050405020304" charset="0"/>
+            </a:endParaRPr>
+          </a:p>
+        </p:txBody>
+      </p:sp>
+      <p:pic>
+        <p:nvPicPr>
+          <p:cNvPr id="4" name="Picture 3" descr="WhatsApp Image 2023-12-05 at 10.18.21 PM"/>
+          <p:cNvPicPr>
+            <a:picLocks noChangeAspect="1"/>
+          </p:cNvPicPr>
+          <p:nvPr/>
+        </p:nvPicPr>
+        <p:blipFill>
+          <a:blip r:embed="rId1"/>
+          <a:stretch>
+            <a:fillRect/>
+          </a:stretch>
+        </p:blipFill>
+        <p:spPr>
+          <a:xfrm>
+            <a:off x="3048000" y="3131185"/>
+            <a:ext cx="5868670" cy="3566795"/>
+          </a:xfrm>
+          <a:prstGeom prst="rect">
+            <a:avLst/>
+          </a:prstGeom>
+        </p:spPr>
+      </p:pic>
+    </p:spTree>
+  </p:cSld>
+  <p:clrMapOvr>
+    <a:masterClrMapping/>
+  </p:clrMapOvr>
+</p:sld>
+</file>
+
+<file path=ppt/slides/slide15.xml><?xml version="1.0" encoding="utf-8"?>
+<p:sld xmlns:a="http://schemas.openxmlformats.org/drawingml/2006/main" xmlns:r="http://schemas.openxmlformats.org/officeDocument/2006/relationships" xmlns:p="http://schemas.openxmlformats.org/presentationml/2006/main">
+  <p:cSld>
+    <p:spTree>
+      <p:nvGrpSpPr>
+        <p:cNvPr id="1" name=""/>
+        <p:cNvGrpSpPr/>
+        <p:nvPr/>
+      </p:nvGrpSpPr>
+      <p:grpSpPr/>
+      <p:sp>
+        <p:nvSpPr>
+          <p:cNvPr id="2" name="Title 1"/>
+          <p:cNvSpPr>
+            <a:spLocks noGrp="1"/>
+          </p:cNvSpPr>
+          <p:nvPr>
+            <p:ph type="title"/>
+          </p:nvPr>
+        </p:nvSpPr>
+        <p:spPr/>
+        <p:txBody>
           <a:bodyPr/>
-          <a:lstStyle/>
-          <a:p>
+          <a:p>
+            <a:r>
+              <a:rPr lang="en-US">
+                <a:latin typeface="Times New Roman Regular" panose="02020603050405020304" charset="0"/>
+                <a:cs typeface="Times New Roman Regular" panose="02020603050405020304" charset="0"/>
+              </a:rPr>
+              <a:t>K-means</a:t>
+            </a:r>
+            <a:r>
+              <a:rPr lang="en-US"/>
+              <a:t>:</a:t>
+            </a:r>
             <a:endParaRPr lang="en-US"/>
           </a:p>
         </p:txBody>
@@ -3609,38 +3956,56 @@
             <p:ph idx="1"/>
           </p:nvPr>
         </p:nvSpPr>
-        <p:spPr/>
-        <p:txBody>
-          <a:bodyPr>
-            <a:normAutofit/>
-          </a:bodyPr>
-          <a:lstStyle/>
-          <a:p>
-            <a:r>
-              <a:rPr lang="en-US"/>
-              <a:t>Displays the distribution of clusters formed by DBSCAN (table()) and provides information about the resulting clusters (dbscan_result).</a:t>
-            </a:r>
-          </a:p>
-          <a:p>
-            <a:r>
-              <a:rPr lang="en-US"/>
-              <a:t>Creates a new data frame (cluster_data) combining the selected features with the assigned cluster labels from the DBSCAN results.</a:t>
-            </a:r>
-          </a:p>
-          <a:p>
-            <a:r>
-              <a:rPr lang="en-US"/>
-              <a:t>Utilizes ggplot2 to create a scatter plot visualizing the clusters formed by DBSCAN. Each data point is represented by a point on the plot, where the x-axis is "quantity," the y-axis is "age," and the color of the points represents different clusters identified by DBSCAN.</a:t>
-            </a:r>
-          </a:p>
-          <a:p>
-            <a:endParaRPr lang="en-US"/>
-          </a:p>
-          <a:p>
-            <a:endParaRPr lang="en-US"/>
-          </a:p>
-        </p:txBody>
-      </p:sp>
+        <p:spPr>
+          <a:xfrm>
+            <a:off x="838200" y="1469390"/>
+            <a:ext cx="10515600" cy="4707890"/>
+          </a:xfrm>
+        </p:spPr>
+        <p:txBody>
+          <a:bodyPr/>
+          <a:p>
+            <a:pPr marL="0" indent="0" algn="just">
+              <a:buNone/>
+            </a:pPr>
+            <a:r>
+              <a:rPr lang="en-US">
+                <a:latin typeface="Times New Roman Regular" panose="02020603050405020304" charset="0"/>
+                <a:cs typeface="Times New Roman Regular" panose="02020603050405020304" charset="0"/>
+              </a:rPr>
+              <a:t>k-means clustering aims to partition data into k clusters by iteratively updating centroids and assigning data points to the nearest centroid until convergence, providing insights into the inherent structure of the data.</a:t>
+            </a:r>
+            <a:endParaRPr lang="en-US">
+              <a:latin typeface="Times New Roman Regular" panose="02020603050405020304" charset="0"/>
+              <a:cs typeface="Times New Roman Regular" panose="02020603050405020304" charset="0"/>
+            </a:endParaRPr>
+          </a:p>
+        </p:txBody>
+      </p:sp>
+      <p:pic>
+        <p:nvPicPr>
+          <p:cNvPr id="5" name="Picture 4" descr="WhatsApp Image 2023-12-05 at 10.28.18 PM"/>
+          <p:cNvPicPr>
+            <a:picLocks noChangeAspect="1"/>
+          </p:cNvPicPr>
+          <p:nvPr/>
+        </p:nvPicPr>
+        <p:blipFill>
+          <a:blip r:embed="rId1"/>
+          <a:stretch>
+            <a:fillRect/>
+          </a:stretch>
+        </p:blipFill>
+        <p:spPr>
+          <a:xfrm>
+            <a:off x="2830830" y="3032760"/>
+            <a:ext cx="6210300" cy="3683000"/>
+          </a:xfrm>
+          <a:prstGeom prst="rect">
+            <a:avLst/>
+          </a:prstGeom>
+        </p:spPr>
+      </p:pic>
     </p:spTree>
   </p:cSld>
   <p:clrMapOvr>
@@ -3684,7 +4049,6 @@
             <a:pPr algn="ctr"/>
             <a:r>
               <a:rPr lang="en-US" sz="4500">
-                <a:ln/>
                 <a:solidFill>
                   <a:schemeClr val="tx1"/>
                 </a:solidFill>
@@ -3701,6 +4065,21 @@
               </a:rPr>
               <a:t>ABOUT DATA</a:t>
             </a:r>
+            <a:endParaRPr lang="en-US" sz="4500">
+              <a:solidFill>
+                <a:schemeClr val="tx1"/>
+              </a:solidFill>
+              <a:effectLst>
+                <a:outerShdw blurRad="38100" dist="19050" dir="2700000" algn="tl" rotWithShape="0">
+                  <a:schemeClr val="dk1">
+                    <a:alpha val="40000"/>
+                    <a:alpha val="40000"/>
+                  </a:schemeClr>
+                </a:outerShdw>
+              </a:effectLst>
+              <a:latin typeface="Times New Roman Regular" panose="02020603050405020304" charset="0"/>
+              <a:cs typeface="Times New Roman Regular" panose="02020603050405020304" charset="0"/>
+            </a:endParaRPr>
           </a:p>
         </p:txBody>
       </p:sp>
@@ -3726,34 +4105,74 @@
           </a:bodyPr>
           <a:lstStyle/>
           <a:p>
-            <a:r>
-              <a:rPr lang="en-US" dirty="0"/>
+            <a:pPr algn="just"/>
+            <a:r>
+              <a:rPr lang="en-US" dirty="0">
+                <a:latin typeface="Times New Roman Regular" panose="02020603050405020304" charset="0"/>
+                <a:cs typeface="Times New Roman Regular" panose="02020603050405020304" charset="0"/>
+              </a:rPr>
               <a:t>The dataset encompasses shopping data from 10 distinct shopping malls in Istanbul between 2021 and 2023.</a:t>
             </a:r>
-          </a:p>
-          <a:p>
-            <a:r>
-              <a:rPr lang="en-US" dirty="0"/>
+            <a:endParaRPr lang="en-US" dirty="0">
+              <a:latin typeface="Times New Roman Regular" panose="02020603050405020304" charset="0"/>
+              <a:cs typeface="Times New Roman Regular" panose="02020603050405020304" charset="0"/>
+            </a:endParaRPr>
+          </a:p>
+          <a:p>
+            <a:pPr algn="just"/>
+            <a:r>
+              <a:rPr lang="en-US" dirty="0">
+                <a:latin typeface="Times New Roman Regular" panose="02020603050405020304" charset="0"/>
+                <a:cs typeface="Times New Roman Regular" panose="02020603050405020304" charset="0"/>
+              </a:rPr>
               <a:t>It includes information gathered from various age groups and genders to provide a comprehensive view of shopping habits in the city.</a:t>
             </a:r>
-          </a:p>
-          <a:p>
-            <a:r>
-              <a:rPr lang="en-US" dirty="0"/>
+            <a:endParaRPr lang="en-US" dirty="0">
+              <a:latin typeface="Times New Roman Regular" panose="02020603050405020304" charset="0"/>
+              <a:cs typeface="Times New Roman Regular" panose="02020603050405020304" charset="0"/>
+            </a:endParaRPr>
+          </a:p>
+          <a:p>
+            <a:pPr algn="just"/>
+            <a:r>
+              <a:rPr lang="en-US" dirty="0">
+                <a:latin typeface="Times New Roman Regular" panose="02020603050405020304" charset="0"/>
+                <a:cs typeface="Times New Roman Regular" panose="02020603050405020304" charset="0"/>
+              </a:rPr>
               <a:t>Key data points within the dataset consist of invoice numbers, customer IDs, age groups, genders, payment methods, product categories, quantities, prices, order dates, and shopping mall locations.</a:t>
             </a:r>
-          </a:p>
-          <a:p>
-            <a:r>
-              <a:rPr lang="en-US" dirty="0"/>
+            <a:endParaRPr lang="en-US" dirty="0">
+              <a:latin typeface="Times New Roman Regular" panose="02020603050405020304" charset="0"/>
+              <a:cs typeface="Times New Roman Regular" panose="02020603050405020304" charset="0"/>
+            </a:endParaRPr>
+          </a:p>
+          <a:p>
+            <a:pPr algn="just"/>
+            <a:r>
+              <a:rPr lang="en-US" dirty="0">
+                <a:latin typeface="Times New Roman Regular" panose="02020603050405020304" charset="0"/>
+                <a:cs typeface="Times New Roman Regular" panose="02020603050405020304" charset="0"/>
+              </a:rPr>
               <a:t>This dataset is aimed at serving as a valuable resource for researchers, data analysts, and machine learning enthusiasts interested in exploring shopping trends and patterns specific to Istanbul.</a:t>
             </a:r>
-          </a:p>
-          <a:p>
-            <a:r>
-              <a:rPr lang="en-US" dirty="0"/>
+            <a:endParaRPr lang="en-US" dirty="0">
+              <a:latin typeface="Times New Roman Regular" panose="02020603050405020304" charset="0"/>
+              <a:cs typeface="Times New Roman Regular" panose="02020603050405020304" charset="0"/>
+            </a:endParaRPr>
+          </a:p>
+          <a:p>
+            <a:pPr algn="just"/>
+            <a:r>
+              <a:rPr lang="en-US" dirty="0">
+                <a:latin typeface="Times New Roman Regular" panose="02020603050405020304" charset="0"/>
+                <a:cs typeface="Times New Roman Regular" panose="02020603050405020304" charset="0"/>
+              </a:rPr>
               <a:t>Researchers and analysts can leverage this dataset to gain insights into the diverse shopping behaviors prevalent in Istanbul over the specified period.</a:t>
             </a:r>
+            <a:endParaRPr lang="en-US" dirty="0">
+              <a:latin typeface="Times New Roman Regular" panose="02020603050405020304" charset="0"/>
+              <a:cs typeface="Times New Roman Regular" panose="02020603050405020304" charset="0"/>
+            </a:endParaRPr>
           </a:p>
         </p:txBody>
       </p:sp>
@@ -3800,7 +4219,6 @@
             <a:pPr algn="ctr"/>
             <a:r>
               <a:rPr lang="en-US" sz="4500">
-                <a:ln/>
                 <a:solidFill>
                   <a:schemeClr val="tx1"/>
                 </a:solidFill>
@@ -3817,6 +4235,21 @@
               </a:rPr>
               <a:t>DATA EXPLORATION</a:t>
             </a:r>
+            <a:endParaRPr lang="en-US" sz="4500">
+              <a:solidFill>
+                <a:schemeClr val="tx1"/>
+              </a:solidFill>
+              <a:effectLst>
+                <a:outerShdw blurRad="38100" dist="19050" dir="2700000" algn="tl" rotWithShape="0">
+                  <a:schemeClr val="dk1">
+                    <a:alpha val="40000"/>
+                    <a:alpha val="40000"/>
+                  </a:schemeClr>
+                </a:outerShdw>
+              </a:effectLst>
+              <a:latin typeface="Times New Roman Regular" panose="02020603050405020304" charset="0"/>
+              <a:cs typeface="Times New Roman Regular" panose="02020603050405020304" charset="0"/>
+            </a:endParaRPr>
           </a:p>
         </p:txBody>
       </p:sp>
@@ -3829,7 +4262,7 @@
           <p:nvPr/>
         </p:nvPicPr>
         <p:blipFill>
-          <a:blip r:embed="rId2"/>
+          <a:blip r:embed="rId1"/>
           <a:stretch>
             <a:fillRect/>
           </a:stretch>
@@ -3855,7 +4288,7 @@
           </p:nvPr>
         </p:nvPicPr>
         <p:blipFill>
-          <a:blip r:embed="rId3"/>
+          <a:blip r:embed="rId2"/>
           <a:stretch>
             <a:fillRect/>
           </a:stretch>
@@ -3942,7 +4375,7 @@
           </p:nvPr>
         </p:nvPicPr>
         <p:blipFill>
-          <a:blip r:embed="rId2"/>
+          <a:blip r:embed="rId1"/>
           <a:stretch>
             <a:fillRect/>
           </a:stretch>
@@ -3951,6 +4384,30 @@
           <a:xfrm>
             <a:off x="177800" y="1896745"/>
             <a:ext cx="6039485" cy="3658870"/>
+          </a:xfrm>
+          <a:prstGeom prst="rect">
+            <a:avLst/>
+          </a:prstGeom>
+        </p:spPr>
+      </p:pic>
+      <p:pic>
+        <p:nvPicPr>
+          <p:cNvPr id="3" name="Picture 2" descr="Screenshot 2023-12-05 at 8.59.52 PM"/>
+          <p:cNvPicPr>
+            <a:picLocks noChangeAspect="1"/>
+          </p:cNvPicPr>
+          <p:nvPr/>
+        </p:nvPicPr>
+        <p:blipFill>
+          <a:blip r:embed="rId2"/>
+          <a:stretch>
+            <a:fillRect/>
+          </a:stretch>
+        </p:blipFill>
+        <p:spPr>
+          <a:xfrm>
+            <a:off x="6231255" y="1896745"/>
+            <a:ext cx="5122545" cy="3192145"/>
           </a:xfrm>
           <a:prstGeom prst="rect">
             <a:avLst/>
@@ -4007,7 +4464,6 @@
             <a:pPr algn="ctr"/>
             <a:r>
               <a:rPr lang="en-US" sz="4500" dirty="0">
-                <a:ln/>
                 <a:solidFill>
                   <a:schemeClr val="tx1"/>
                 </a:solidFill>
@@ -4022,20 +4478,29 @@
                 <a:latin typeface="Times New Roman Regular" panose="02020603050405020304" charset="0"/>
                 <a:cs typeface="Times New Roman Regular" panose="02020603050405020304" charset="0"/>
               </a:rPr>
-              <a:t>ASSOCIATION RULE</a:t>
-            </a:r>
-          </a:p>
-        </p:txBody>
-      </p:sp>
-      <p:sp>
-        <p:nvSpPr>
-          <p:cNvPr id="8" name="Content Placeholder 7">
-            <a:extLst>
-              <a:ext uri="{FF2B5EF4-FFF2-40B4-BE49-F238E27FC236}">
-                <a16:creationId xmlns:a16="http://schemas.microsoft.com/office/drawing/2014/main" id="{1462FDBC-FA61-83FF-EA22-A6060B13F5E7}"/>
-              </a:ext>
-            </a:extLst>
-          </p:cNvPr>
+              <a:t>   ASSOCIATION RULE</a:t>
+            </a:r>
+            <a:endParaRPr lang="en-US" sz="4500" dirty="0">
+              <a:solidFill>
+                <a:schemeClr val="tx1"/>
+              </a:solidFill>
+              <a:effectLst>
+                <a:outerShdw blurRad="38100" dist="19050" dir="2700000" algn="tl" rotWithShape="0">
+                  <a:schemeClr val="dk1">
+                    <a:alpha val="40000"/>
+                    <a:alpha val="40000"/>
+                  </a:schemeClr>
+                </a:outerShdw>
+              </a:effectLst>
+              <a:latin typeface="Times New Roman Regular" panose="02020603050405020304" charset="0"/>
+              <a:cs typeface="Times New Roman Regular" panose="02020603050405020304" charset="0"/>
+            </a:endParaRPr>
+          </a:p>
+        </p:txBody>
+      </p:sp>
+      <p:sp>
+        <p:nvSpPr>
+          <p:cNvPr id="8" name="Content Placeholder 7"/>
           <p:cNvSpPr>
             <a:spLocks noGrp="1"/>
           </p:cNvSpPr>
@@ -4055,6 +4520,7 @@
           </a:bodyPr>
           <a:lstStyle/>
           <a:p>
+            <a:pPr algn="just"/>
             <a:r>
               <a:rPr lang="en-US" sz="1800" b="1" dirty="0">
                 <a:latin typeface="Times New Roman" panose="02020603050405020304" pitchFamily="18" charset="0"/>
@@ -4097,8 +4563,13 @@
               </a:rPr>
               <a:t>, and Mall of Istanbul show significant connections with customers buying clothing items.</a:t>
             </a:r>
-          </a:p>
-          <a:p>
+            <a:endParaRPr lang="en-US" sz="1800" dirty="0">
+              <a:latin typeface="Times New Roman" panose="02020603050405020304" pitchFamily="18" charset="0"/>
+              <a:cs typeface="Times New Roman" panose="02020603050405020304" pitchFamily="18" charset="0"/>
+            </a:endParaRPr>
+          </a:p>
+          <a:p>
+            <a:pPr algn="just"/>
             <a:r>
               <a:rPr lang="en-US" sz="1800" b="1" dirty="0">
                 <a:latin typeface="Times New Roman" panose="02020603050405020304" pitchFamily="18" charset="0"/>
@@ -4127,8 +4598,13 @@
               </a:rPr>
               <a:t>There's a notable preference for payment methods when purchasing clothing. Debit cards emerge as a favored payment mode among customers.</a:t>
             </a:r>
-          </a:p>
-          <a:p>
+            <a:endParaRPr lang="en-US" sz="1800" dirty="0">
+              <a:latin typeface="Times New Roman" panose="02020603050405020304" pitchFamily="18" charset="0"/>
+              <a:cs typeface="Times New Roman" panose="02020603050405020304" pitchFamily="18" charset="0"/>
+            </a:endParaRPr>
+          </a:p>
+          <a:p>
+            <a:pPr algn="just"/>
             <a:r>
               <a:rPr lang="en-US" sz="1800" b="1" dirty="0">
                 <a:latin typeface="Times New Roman" panose="02020603050405020304" pitchFamily="18" charset="0"/>
@@ -4143,25 +4619,23 @@
               </a:rPr>
               <a:t>: Patterns in the quantity of clothing items bought (e.g., 1-2 items) and their price ranges (e.g., $81.3 to $900) shed light on customer preferences and spending habits.</a:t>
             </a:r>
+            <a:endParaRPr lang="en-US" sz="1800" dirty="0">
+              <a:latin typeface="Times New Roman" panose="02020603050405020304" pitchFamily="18" charset="0"/>
+              <a:cs typeface="Times New Roman" panose="02020603050405020304" pitchFamily="18" charset="0"/>
+            </a:endParaRPr>
           </a:p>
         </p:txBody>
       </p:sp>
       <p:pic>
         <p:nvPicPr>
-          <p:cNvPr id="5" name="Picture 4">
-            <a:extLst>
-              <a:ext uri="{FF2B5EF4-FFF2-40B4-BE49-F238E27FC236}">
-                <a16:creationId xmlns:a16="http://schemas.microsoft.com/office/drawing/2014/main" id="{E16EED45-0F6D-B6D0-CCB4-BE27C274A0A8}"/>
-              </a:ext>
-            </a:extLst>
-          </p:cNvPr>
+          <p:cNvPr id="5" name="Picture 4"/>
           <p:cNvPicPr>
             <a:picLocks noChangeAspect="1"/>
           </p:cNvPicPr>
           <p:nvPr/>
         </p:nvPicPr>
         <p:blipFill>
-          <a:blip r:embed="rId2"/>
+          <a:blip r:embed="rId1"/>
           <a:stretch>
             <a:fillRect/>
           </a:stretch>
@@ -4178,20 +4652,14 @@
       </p:pic>
       <p:sp>
         <p:nvSpPr>
-          <p:cNvPr id="9" name="TextBox 8">
-            <a:extLst>
-              <a:ext uri="{FF2B5EF4-FFF2-40B4-BE49-F238E27FC236}">
-                <a16:creationId xmlns:a16="http://schemas.microsoft.com/office/drawing/2014/main" id="{B52B758B-4815-A63E-7BE7-E81160A35FA7}"/>
-              </a:ext>
-            </a:extLst>
-          </p:cNvPr>
+          <p:cNvPr id="9" name="TextBox 8"/>
           <p:cNvSpPr txBox="1"/>
           <p:nvPr/>
         </p:nvSpPr>
         <p:spPr>
           <a:xfrm>
-            <a:off x="1381760" y="1645920"/>
-            <a:ext cx="7396480" cy="369332"/>
+            <a:off x="1560195" y="1380490"/>
+            <a:ext cx="7396480" cy="368300"/>
           </a:xfrm>
           <a:prstGeom prst="rect">
             <a:avLst/>
@@ -4209,8 +4677,19 @@
                 <a:latin typeface="Times New Roman" panose="02020603050405020304" pitchFamily="18" charset="0"/>
                 <a:cs typeface="Times New Roman" panose="02020603050405020304" pitchFamily="18" charset="0"/>
               </a:rPr>
-              <a:t>	                       Maximal Rules associated with Clothing category</a:t>
-            </a:r>
+              <a:t>	             </a:t>
+            </a:r>
+            <a:r>
+              <a:rPr lang="en-US" b="1" dirty="0">
+                <a:latin typeface="Times New Roman Bold" panose="02020603050405020304" charset="0"/>
+                <a:cs typeface="Times New Roman Bold" panose="02020603050405020304" charset="0"/>
+              </a:rPr>
+              <a:t>          Maximal Rules associated with Clothing category</a:t>
+            </a:r>
+            <a:endParaRPr lang="en-US" b="1" dirty="0">
+              <a:latin typeface="Times New Roman Bold" panose="02020603050405020304" charset="0"/>
+              <a:cs typeface="Times New Roman Bold" panose="02020603050405020304" charset="0"/>
+            </a:endParaRPr>
           </a:p>
         </p:txBody>
       </p:sp>
@@ -4241,18 +4720,77 @@
       </p:grpSpPr>
       <p:sp>
         <p:nvSpPr>
-          <p:cNvPr id="3" name="Content Placeholder 2"/>
-          <p:cNvSpPr>
-            <a:spLocks noGrp="1"/>
-          </p:cNvSpPr>
-          <p:nvPr>
-            <p:ph idx="1"/>
+          <p:cNvPr id="8" name="Title 7"/>
+          <p:cNvSpPr>
+            <a:spLocks noGrp="1"/>
+          </p:cNvSpPr>
+          <p:nvPr>
+            <p:ph type="title"/>
           </p:nvPr>
         </p:nvSpPr>
         <p:spPr>
           <a:xfrm>
-            <a:off x="6096000" y="1479458"/>
-            <a:ext cx="4912360" cy="4718142"/>
+            <a:off x="838200" y="365125"/>
+            <a:ext cx="10515600" cy="863600"/>
+          </a:xfrm>
+        </p:spPr>
+        <p:txBody>
+          <a:bodyPr>
+            <a:normAutofit fontScale="90000"/>
+          </a:bodyPr>
+          <a:p>
+            <a:pPr algn="ctr"/>
+            <a:r>
+              <a:rPr lang="en-US" dirty="0">
+                <a:effectLst>
+                  <a:outerShdw blurRad="38100" dist="19050" dir="2700000" algn="tl" rotWithShape="0">
+                    <a:schemeClr val="dk1">
+                      <a:alpha val="40000"/>
+                      <a:alpha val="40000"/>
+                    </a:schemeClr>
+                  </a:outerShdw>
+                </a:effectLst>
+                <a:latin typeface="Times New Roman Regular" panose="02020603050405020304" charset="0"/>
+                <a:cs typeface="Times New Roman Regular" panose="02020603050405020304" charset="0"/>
+                <a:sym typeface="+mn-ea"/>
+              </a:rPr>
+              <a:t>ASSOCIATION RULE</a:t>
+            </a:r>
+            <a:br>
+              <a:rPr lang="en-US" dirty="0">
+                <a:solidFill>
+                  <a:schemeClr val="tx1"/>
+                </a:solidFill>
+                <a:effectLst>
+                  <a:outerShdw blurRad="38100" dist="19050" dir="2700000" algn="tl" rotWithShape="0">
+                    <a:schemeClr val="dk1">
+                      <a:alpha val="40000"/>
+                      <a:alpha val="40000"/>
+                    </a:schemeClr>
+                  </a:outerShdw>
+                </a:effectLst>
+                <a:latin typeface="Times New Roman Regular" panose="02020603050405020304" charset="0"/>
+                <a:cs typeface="Times New Roman Regular" panose="02020603050405020304" charset="0"/>
+              </a:rPr>
+            </a:br>
+            <a:endParaRPr lang="en-US"/>
+          </a:p>
+        </p:txBody>
+      </p:sp>
+      <p:sp>
+        <p:nvSpPr>
+          <p:cNvPr id="3" name="Content Placeholder 2"/>
+          <p:cNvSpPr>
+            <a:spLocks noGrp="1"/>
+          </p:cNvSpPr>
+          <p:nvPr>
+            <p:ph idx="4294967295"/>
+          </p:nvPr>
+        </p:nvSpPr>
+        <p:spPr>
+          <a:xfrm>
+            <a:off x="6194425" y="1866265"/>
+            <a:ext cx="4912360" cy="4718050"/>
           </a:xfrm>
         </p:spPr>
         <p:txBody>
@@ -4261,6 +4799,7 @@
           </a:bodyPr>
           <a:lstStyle/>
           <a:p>
+            <a:pPr algn="just"/>
             <a:r>
               <a:rPr lang="en-US" sz="1800" b="1" dirty="0">
                 <a:latin typeface="Times New Roman" panose="02020603050405020304" pitchFamily="18" charset="0"/>
@@ -4303,8 +4842,13 @@
               </a:rPr>
               <a:t> Park, and Metropol AVM indicate a significant correlation with female shoppers, portraying preferences among this demographic for these malls.</a:t>
             </a:r>
-          </a:p>
-          <a:p>
+            <a:endParaRPr lang="en-US" sz="1800" dirty="0">
+              <a:latin typeface="Times New Roman" panose="02020603050405020304" pitchFamily="18" charset="0"/>
+              <a:cs typeface="Times New Roman" panose="02020603050405020304" pitchFamily="18" charset="0"/>
+            </a:endParaRPr>
+          </a:p>
+          <a:p>
+            <a:pPr algn="just"/>
             <a:r>
               <a:rPr lang="en-US" sz="1800" b="1" dirty="0">
                 <a:latin typeface="Times New Roman" panose="02020603050405020304" pitchFamily="18" charset="0"/>
@@ -4319,8 +4863,13 @@
               </a:rPr>
               <a:t>: Female customers exhibit a distinct preference for payment methods. Debit cards emerge prominently as the favored payment mode among female shoppers.</a:t>
             </a:r>
-          </a:p>
-          <a:p>
+            <a:endParaRPr lang="en-US" sz="1800" dirty="0">
+              <a:latin typeface="Times New Roman" panose="02020603050405020304" pitchFamily="18" charset="0"/>
+              <a:cs typeface="Times New Roman" panose="02020603050405020304" pitchFamily="18" charset="0"/>
+            </a:endParaRPr>
+          </a:p>
+          <a:p>
+            <a:pPr algn="just"/>
             <a:r>
               <a:rPr lang="en-US" sz="1800" b="1" dirty="0">
                 <a:latin typeface="Times New Roman" panose="02020603050405020304" pitchFamily="18" charset="0"/>
@@ -4335,8 +4884,13 @@
               </a:rPr>
               <a:t>: The analysis highlights particular age groups within females that show consistent associations with shopping patterns. Females between 18-35, 35-52, and 52-69 exhibit diverse preferences in purchasing behavior, especially in terms of item categories and price ranges.</a:t>
             </a:r>
-          </a:p>
-          <a:p>
+            <a:endParaRPr lang="en-US" sz="1800" dirty="0">
+              <a:latin typeface="Times New Roman" panose="02020603050405020304" pitchFamily="18" charset="0"/>
+              <a:cs typeface="Times New Roman" panose="02020603050405020304" pitchFamily="18" charset="0"/>
+            </a:endParaRPr>
+          </a:p>
+          <a:p>
+            <a:pPr algn="just"/>
             <a:r>
               <a:rPr lang="en-US" sz="1800" b="1" dirty="0">
                 <a:latin typeface="Times New Roman" panose="02020603050405020304" pitchFamily="18" charset="0"/>
@@ -4351,39 +4905,71 @@
               </a:rPr>
               <a:t>: Female shoppers exhibit strong associations with specific categories such as Clothing, Shoes, Toys, Cosmetics, and Food &amp; Beverage, showcasing distinct preferences for these product categories.</a:t>
             </a:r>
+            <a:endParaRPr lang="en-US" sz="1800" dirty="0">
+              <a:latin typeface="Times New Roman" panose="02020603050405020304" pitchFamily="18" charset="0"/>
+              <a:cs typeface="Times New Roman" panose="02020603050405020304" pitchFamily="18" charset="0"/>
+            </a:endParaRPr>
           </a:p>
         </p:txBody>
       </p:sp>
       <p:pic>
         <p:nvPicPr>
-          <p:cNvPr id="5" name="Picture 4">
-            <a:extLst>
-              <a:ext uri="{FF2B5EF4-FFF2-40B4-BE49-F238E27FC236}">
-                <a16:creationId xmlns:a16="http://schemas.microsoft.com/office/drawing/2014/main" id="{1A4014DD-0CAB-5FB9-18FD-8F706D5F4FCE}"/>
-              </a:ext>
-            </a:extLst>
-          </p:cNvPr>
+          <p:cNvPr id="5" name="Picture 4"/>
           <p:cNvPicPr>
             <a:picLocks noChangeAspect="1"/>
           </p:cNvPicPr>
           <p:nvPr/>
         </p:nvPicPr>
         <p:blipFill>
-          <a:blip r:embed="rId2"/>
+          <a:blip r:embed="rId1"/>
           <a:stretch>
             <a:fillRect/>
           </a:stretch>
         </p:blipFill>
         <p:spPr>
           <a:xfrm>
-            <a:off x="838200" y="1479458"/>
-            <a:ext cx="4841240" cy="3519262"/>
+            <a:off x="363855" y="1866265"/>
+            <a:ext cx="5474970" cy="3980180"/>
           </a:xfrm>
           <a:prstGeom prst="rect">
             <a:avLst/>
           </a:prstGeom>
         </p:spPr>
       </p:pic>
+      <p:sp>
+        <p:nvSpPr>
+          <p:cNvPr id="10" name="Text Box 9"/>
+          <p:cNvSpPr txBox="1"/>
+          <p:nvPr/>
+        </p:nvSpPr>
+        <p:spPr>
+          <a:xfrm>
+            <a:off x="3594735" y="1228725"/>
+            <a:ext cx="4761230" cy="368300"/>
+          </a:xfrm>
+          <a:prstGeom prst="rect">
+            <a:avLst/>
+          </a:prstGeom>
+          <a:noFill/>
+        </p:spPr>
+        <p:txBody>
+          <a:bodyPr wrap="none" rtlCol="0">
+            <a:spAutoFit/>
+          </a:bodyPr>
+          <a:p>
+            <a:pPr algn="l"/>
+            <a:r>
+              <a:rPr lang="en-US" b="1" dirty="0">
+                <a:latin typeface="Times New Roman Bold" panose="02020603050405020304" charset="0"/>
+                <a:cs typeface="Times New Roman Bold" panose="02020603050405020304" charset="0"/>
+                <a:sym typeface="+mn-ea"/>
+              </a:rPr>
+              <a:t>Maximal Rules associated with Female Gender</a:t>
+            </a:r>
+            <a:endParaRPr lang="en-US"/>
+          </a:p>
+        </p:txBody>
+      </p:sp>
     </p:spTree>
   </p:cSld>
   <p:clrMapOvr>
@@ -4411,135 +4997,270 @@
       </p:grpSpPr>
       <p:sp>
         <p:nvSpPr>
-          <p:cNvPr id="3" name="Content Placeholder 2"/>
-          <p:cNvSpPr>
-            <a:spLocks noGrp="1"/>
-          </p:cNvSpPr>
-          <p:nvPr>
-            <p:ph idx="1"/>
+          <p:cNvPr id="9" name="Title 8"/>
+          <p:cNvSpPr>
+            <a:spLocks noGrp="1"/>
+          </p:cNvSpPr>
+          <p:nvPr>
+            <p:ph type="title"/>
           </p:nvPr>
         </p:nvSpPr>
         <p:spPr>
           <a:xfrm>
-            <a:off x="5750560" y="1651584"/>
-            <a:ext cx="5603240" cy="4525379"/>
+            <a:off x="587375" y="365125"/>
+            <a:ext cx="10515600" cy="810260"/>
           </a:xfrm>
         </p:spPr>
         <p:txBody>
           <a:bodyPr>
-            <a:normAutofit fontScale="62500" lnSpcReduction="20000"/>
+            <a:normAutofit fontScale="90000"/>
+            <a:scene3d>
+              <a:camera prst="orthographicFront"/>
+              <a:lightRig rig="threePt" dir="t"/>
+            </a:scene3d>
           </a:bodyPr>
-          <a:lstStyle/>
-          <a:p>
-            <a:r>
-              <a:rPr lang="en-US" b="1" dirty="0">
+          <a:p>
+            <a:pPr algn="ctr"/>
+            <a:r>
+              <a:rPr lang="en-US" dirty="0">
+                <a:ln/>
+                <a:solidFill>
+                  <a:schemeClr val="tx1"/>
+                </a:solidFill>
+                <a:effectLst>
+                  <a:outerShdw blurRad="38100" dist="19050" dir="2700000" algn="tl" rotWithShape="0">
+                    <a:schemeClr val="dk1">
+                      <a:alpha val="40000"/>
+                      <a:alpha val="40000"/>
+                    </a:schemeClr>
+                  </a:outerShdw>
+                </a:effectLst>
+                <a:latin typeface="Times New Roman Regular" panose="02020603050405020304" charset="0"/>
+                <a:cs typeface="Times New Roman Regular" panose="02020603050405020304" charset="0"/>
+                <a:sym typeface="+mn-ea"/>
+              </a:rPr>
+              <a:t>ASSOCIATION RULE</a:t>
+            </a:r>
+            <a:br>
+              <a:rPr lang="en-US" dirty="0">
+                <a:ln/>
+                <a:solidFill>
+                  <a:schemeClr val="tx1"/>
+                </a:solidFill>
+                <a:effectLst>
+                  <a:outerShdw blurRad="38100" dist="19050" dir="2700000" algn="tl" rotWithShape="0">
+                    <a:schemeClr val="dk1">
+                      <a:alpha val="40000"/>
+                      <a:alpha val="40000"/>
+                    </a:schemeClr>
+                  </a:outerShdw>
+                </a:effectLst>
+                <a:latin typeface="Times New Roman Regular" panose="02020603050405020304" charset="0"/>
+                <a:cs typeface="Times New Roman Regular" panose="02020603050405020304" charset="0"/>
+              </a:rPr>
+            </a:br>
+            <a:endParaRPr lang="en-US" dirty="0">
+              <a:ln/>
+              <a:solidFill>
+                <a:schemeClr val="tx1"/>
+              </a:solidFill>
+              <a:effectLst>
+                <a:outerShdw blurRad="38100" dist="19050" dir="2700000" algn="tl" rotWithShape="0">
+                  <a:schemeClr val="dk1">
+                    <a:alpha val="40000"/>
+                    <a:alpha val="40000"/>
+                  </a:schemeClr>
+                </a:outerShdw>
+              </a:effectLst>
+              <a:latin typeface="Times New Roman Regular" panose="02020603050405020304" charset="0"/>
+              <a:cs typeface="Times New Roman Regular" panose="02020603050405020304" charset="0"/>
+            </a:endParaRPr>
+          </a:p>
+        </p:txBody>
+      </p:sp>
+      <p:sp>
+        <p:nvSpPr>
+          <p:cNvPr id="3" name="Content Placeholder 2"/>
+          <p:cNvSpPr>
+            <a:spLocks noGrp="1"/>
+          </p:cNvSpPr>
+          <p:nvPr>
+            <p:ph sz="half" idx="1"/>
+          </p:nvPr>
+        </p:nvSpPr>
+        <p:spPr>
+          <a:xfrm>
+            <a:off x="6243320" y="2013585"/>
+            <a:ext cx="5110480" cy="4258310"/>
+          </a:xfrm>
+        </p:spPr>
+        <p:txBody>
+          <a:bodyPr>
+            <a:noAutofit/>
+          </a:bodyPr>
+          <a:lstStyle/>
+          <a:p>
+            <a:pPr algn="just"/>
+            <a:r>
+              <a:rPr lang="en-US" sz="1500" b="1" dirty="0">
                 <a:latin typeface="Times New Roman" panose="02020603050405020304" pitchFamily="18" charset="0"/>
                 <a:cs typeface="Times New Roman" panose="02020603050405020304" pitchFamily="18" charset="0"/>
               </a:rPr>
               <a:t>Association between Product Categories and Price Ranges: </a:t>
             </a:r>
             <a:r>
-              <a:rPr lang="en-US" dirty="0">
+              <a:rPr lang="en-US" sz="1500" dirty="0">
                 <a:latin typeface="Times New Roman" panose="02020603050405020304" pitchFamily="18" charset="0"/>
                 <a:cs typeface="Times New Roman" panose="02020603050405020304" pitchFamily="18" charset="0"/>
               </a:rPr>
               <a:t>Certain categories like Books, Technology, and Souvenir are associated with specific price ranges (e.g., Books tend to be within the price range of 5.23 to 81.3)</a:t>
             </a:r>
-          </a:p>
-          <a:p>
-            <a:r>
-              <a:rPr lang="en-US" b="1" dirty="0">
+            <a:endParaRPr lang="en-US" sz="1500" dirty="0">
+              <a:latin typeface="Times New Roman" panose="02020603050405020304" pitchFamily="18" charset="0"/>
+              <a:cs typeface="Times New Roman" panose="02020603050405020304" pitchFamily="18" charset="0"/>
+            </a:endParaRPr>
+          </a:p>
+          <a:p>
+            <a:pPr algn="just"/>
+            <a:r>
+              <a:rPr lang="en-US" sz="1500" b="1" dirty="0">
                 <a:latin typeface="Times New Roman" panose="02020603050405020304" pitchFamily="18" charset="0"/>
                 <a:cs typeface="Times New Roman" panose="02020603050405020304" pitchFamily="18" charset="0"/>
               </a:rPr>
               <a:t>Shopping Mall Preferences and Gender </a:t>
             </a:r>
             <a:r>
-              <a:rPr lang="en-US" dirty="0">
+              <a:rPr lang="en-US" sz="1500" dirty="0">
                 <a:latin typeface="Times New Roman" panose="02020603050405020304" pitchFamily="18" charset="0"/>
                 <a:cs typeface="Times New Roman" panose="02020603050405020304" pitchFamily="18" charset="0"/>
               </a:rPr>
               <a:t>: There are gender preferences observed in certain shopping malls. For instance, at </a:t>
             </a:r>
             <a:r>
-              <a:rPr lang="en-US" dirty="0" err="1">
+              <a:rPr lang="en-US" sz="1500" dirty="0" err="1">
                 <a:latin typeface="Times New Roman" panose="02020603050405020304" pitchFamily="18" charset="0"/>
                 <a:cs typeface="Times New Roman" panose="02020603050405020304" pitchFamily="18" charset="0"/>
               </a:rPr>
               <a:t>Istinye</a:t>
             </a:r>
             <a:r>
-              <a:rPr lang="en-US" dirty="0">
+              <a:rPr lang="en-US" sz="1500" dirty="0">
                 <a:latin typeface="Times New Roman" panose="02020603050405020304" pitchFamily="18" charset="0"/>
                 <a:cs typeface="Times New Roman" panose="02020603050405020304" pitchFamily="18" charset="0"/>
               </a:rPr>
               <a:t> Park, there's a higher tendency for female shoppers.</a:t>
             </a:r>
-          </a:p>
-          <a:p>
-            <a:r>
-              <a:rPr lang="en-US" b="1" dirty="0">
+            <a:endParaRPr lang="en-US" sz="1500" dirty="0">
+              <a:latin typeface="Times New Roman" panose="02020603050405020304" pitchFamily="18" charset="0"/>
+              <a:cs typeface="Times New Roman" panose="02020603050405020304" pitchFamily="18" charset="0"/>
+            </a:endParaRPr>
+          </a:p>
+          <a:p>
+            <a:pPr algn="just"/>
+            <a:r>
+              <a:rPr lang="en-US" sz="1500" b="1" dirty="0">
                 <a:latin typeface="Times New Roman" panose="02020603050405020304" pitchFamily="18" charset="0"/>
                 <a:cs typeface="Times New Roman" panose="02020603050405020304" pitchFamily="18" charset="0"/>
               </a:rPr>
               <a:t>Association between Product Categories and Price Ranges with Gender: </a:t>
             </a:r>
             <a:r>
-              <a:rPr lang="en-US" dirty="0">
+              <a:rPr lang="en-US" sz="1500" dirty="0">
                 <a:latin typeface="Times New Roman" panose="02020603050405020304" pitchFamily="18" charset="0"/>
                 <a:cs typeface="Times New Roman" panose="02020603050405020304" pitchFamily="18" charset="0"/>
               </a:rPr>
               <a:t>Shoes and Toys categories have associations with price ranges and gender. Females tend to purchase Shoes within the price range of 900 to 5250 and Toys within the price range of 81.3 to 900</a:t>
             </a:r>
-          </a:p>
-          <a:p>
-            <a:r>
-              <a:rPr lang="en-US" b="1" dirty="0">
+            <a:endParaRPr lang="en-US" sz="1500" dirty="0">
+              <a:latin typeface="Times New Roman" panose="02020603050405020304" pitchFamily="18" charset="0"/>
+              <a:cs typeface="Times New Roman" panose="02020603050405020304" pitchFamily="18" charset="0"/>
+            </a:endParaRPr>
+          </a:p>
+          <a:p>
+            <a:pPr algn="just"/>
+            <a:r>
+              <a:rPr lang="en-US" sz="1500" b="1" dirty="0">
                 <a:latin typeface="Times New Roman" panose="02020603050405020304" pitchFamily="18" charset="0"/>
                 <a:cs typeface="Times New Roman" panose="02020603050405020304" pitchFamily="18" charset="0"/>
               </a:rPr>
               <a:t>Age Group Preferences and Shopping Patterns: </a:t>
             </a:r>
             <a:r>
-              <a:rPr lang="en-US" dirty="0">
+              <a:rPr lang="en-US" sz="1500" dirty="0">
                 <a:latin typeface="Times New Roman" panose="02020603050405020304" pitchFamily="18" charset="0"/>
                 <a:cs typeface="Times New Roman" panose="02020603050405020304" pitchFamily="18" charset="0"/>
               </a:rPr>
               <a:t>Different age groups exhibit distinct shopping patterns. For instance, individuals aged 18 to 35 are inclined towards Clothing within the price range of 900 to 5250, while those aged 52 to 69 exhibit a similar preference but with a wider price range of 81.3 to 900. Moreover, certain age groups, like 35 to 52, exhibit preferences for Food &amp; Beverage within a specific price range.</a:t>
             </a:r>
+            <a:endParaRPr lang="en-US" sz="1500" dirty="0">
+              <a:latin typeface="Times New Roman" panose="02020603050405020304" pitchFamily="18" charset="0"/>
+              <a:cs typeface="Times New Roman" panose="02020603050405020304" pitchFamily="18" charset="0"/>
+            </a:endParaRPr>
           </a:p>
         </p:txBody>
       </p:sp>
       <p:pic>
         <p:nvPicPr>
-          <p:cNvPr id="5" name="Picture 4">
-            <a:extLst>
-              <a:ext uri="{FF2B5EF4-FFF2-40B4-BE49-F238E27FC236}">
-                <a16:creationId xmlns:a16="http://schemas.microsoft.com/office/drawing/2014/main" id="{9C622735-45DD-EADC-AFCA-A6FA9F7705C1}"/>
-              </a:ext>
-            </a:extLst>
-          </p:cNvPr>
+          <p:cNvPr id="5" name="Picture 4"/>
           <p:cNvPicPr>
             <a:picLocks noChangeAspect="1"/>
           </p:cNvPicPr>
           <p:nvPr/>
         </p:nvPicPr>
         <p:blipFill>
-          <a:blip r:embed="rId2"/>
+          <a:blip r:embed="rId1"/>
           <a:stretch>
             <a:fillRect/>
           </a:stretch>
         </p:blipFill>
         <p:spPr>
           <a:xfrm>
-            <a:off x="585974" y="1651584"/>
-            <a:ext cx="5086611" cy="4078656"/>
+            <a:off x="508635" y="2013585"/>
+            <a:ext cx="5348605" cy="3975100"/>
           </a:xfrm>
           <a:prstGeom prst="rect">
             <a:avLst/>
           </a:prstGeom>
         </p:spPr>
       </p:pic>
+      <p:sp>
+        <p:nvSpPr>
+          <p:cNvPr id="11" name="Text Box 10"/>
+          <p:cNvSpPr txBox="1"/>
+          <p:nvPr/>
+        </p:nvSpPr>
+        <p:spPr>
+          <a:xfrm>
+            <a:off x="3470910" y="1339850"/>
+            <a:ext cx="3821430" cy="368300"/>
+          </a:xfrm>
+          <a:prstGeom prst="rect">
+            <a:avLst/>
+          </a:prstGeom>
+          <a:noFill/>
+        </p:spPr>
+        <p:txBody>
+          <a:bodyPr wrap="none" rtlCol="0">
+            <a:spAutoFit/>
+          </a:bodyPr>
+          <a:p>
+            <a:pPr algn="l"/>
+            <a:r>
+              <a:rPr lang="en-US" b="1" dirty="0">
+                <a:latin typeface="Times New Roman Bold" panose="02020603050405020304" charset="0"/>
+                <a:cs typeface="Times New Roman Bold" panose="02020603050405020304" charset="0"/>
+                <a:sym typeface="+mn-ea"/>
+              </a:rPr>
+              <a:t>Maximal Rules associated with Price </a:t>
+            </a:r>
+            <a:endParaRPr lang="en-US" b="1" dirty="0">
+              <a:latin typeface="Times New Roman Bold" panose="02020603050405020304" charset="0"/>
+              <a:cs typeface="Times New Roman Bold" panose="02020603050405020304" charset="0"/>
+              <a:sym typeface="+mn-ea"/>
+            </a:endParaRPr>
+          </a:p>
+        </p:txBody>
+      </p:sp>
     </p:spTree>
   </p:cSld>
   <p:clrMapOvr>
@@ -4587,6 +5308,7 @@
           </a:bodyPr>
           <a:lstStyle/>
           <a:p>
+            <a:pPr algn="just"/>
             <a:r>
               <a:rPr lang="en-US" sz="1800" b="1" dirty="0">
                 <a:latin typeface="Times New Roman" panose="02020603050405020304" pitchFamily="18" charset="0"/>
@@ -4601,8 +5323,13 @@
               </a:rPr>
               <a:t>: Books, Technology, Souvenir, and Food &amp; Beverage categories exhibit associations with specific price ranges. For instance, Books are typically priced between 5.23 to 81.3 units, while Technology items are commonly within the price range of 900 to 5250 units.</a:t>
             </a:r>
-          </a:p>
-          <a:p>
+            <a:endParaRPr lang="en-US" sz="1800" dirty="0">
+              <a:latin typeface="Times New Roman" panose="02020603050405020304" pitchFamily="18" charset="0"/>
+              <a:cs typeface="Times New Roman" panose="02020603050405020304" pitchFamily="18" charset="0"/>
+            </a:endParaRPr>
+          </a:p>
+          <a:p>
+            <a:pPr algn="just"/>
             <a:r>
               <a:rPr lang="en-US" sz="1800" b="1" dirty="0">
                 <a:latin typeface="Times New Roman" panose="02020603050405020304" pitchFamily="18" charset="0"/>
@@ -4617,8 +5344,13 @@
               </a:rPr>
               <a:t> There are gender-specific preferences observed within certain product categories. For instance, there's a clear association between Female shoppers and categories like Food &amp; Beverage, Clothing, Cosmetics, and Toys within various price ranges.</a:t>
             </a:r>
-          </a:p>
-          <a:p>
+            <a:endParaRPr lang="en-US" sz="1800" dirty="0">
+              <a:latin typeface="Times New Roman" panose="02020603050405020304" pitchFamily="18" charset="0"/>
+              <a:cs typeface="Times New Roman" panose="02020603050405020304" pitchFamily="18" charset="0"/>
+            </a:endParaRPr>
+          </a:p>
+          <a:p>
+            <a:pPr algn="just"/>
             <a:r>
               <a:rPr lang="en-US" sz="1800" b="1" dirty="0">
                 <a:latin typeface="Times New Roman" panose="02020603050405020304" pitchFamily="18" charset="0"/>
@@ -4633,8 +5365,13 @@
               </a:rPr>
               <a:t>: Different age groups show distinct preferences for specific categories. For instance, individuals aged 52 to 69 tend to favor Clothing items priced between 900 to 5250 units, whereas those aged 18 to 35 exhibit preferences for Clothing within a wider price range of 81.3 to 900 units.</a:t>
             </a:r>
-          </a:p>
-          <a:p>
+            <a:endParaRPr lang="en-US" sz="1800" dirty="0">
+              <a:latin typeface="Times New Roman" panose="02020603050405020304" pitchFamily="18" charset="0"/>
+              <a:cs typeface="Times New Roman" panose="02020603050405020304" pitchFamily="18" charset="0"/>
+            </a:endParaRPr>
+          </a:p>
+          <a:p>
+            <a:pPr algn="just"/>
             <a:r>
               <a:rPr lang="en-US" sz="1800" b="1" dirty="0">
                 <a:latin typeface="Times New Roman" panose="02020603050405020304" pitchFamily="18" charset="0"/>
@@ -4649,25 +5386,23 @@
               </a:rPr>
               <a:t>: There's a discernible relationship between payment methods and gender. Female shoppers tend to use specific payment methods, such as Cash or Credit Card, for certain categories like Clothing, Cosmetics, and Food &amp; Beverage across varied price ranges.</a:t>
             </a:r>
+            <a:endParaRPr lang="en-US" sz="1800" dirty="0">
+              <a:latin typeface="Times New Roman" panose="02020603050405020304" pitchFamily="18" charset="0"/>
+              <a:cs typeface="Times New Roman" panose="02020603050405020304" pitchFamily="18" charset="0"/>
+            </a:endParaRPr>
           </a:p>
         </p:txBody>
       </p:sp>
       <p:pic>
         <p:nvPicPr>
-          <p:cNvPr id="5" name="Picture 4">
-            <a:extLst>
-              <a:ext uri="{FF2B5EF4-FFF2-40B4-BE49-F238E27FC236}">
-                <a16:creationId xmlns:a16="http://schemas.microsoft.com/office/drawing/2014/main" id="{F49BD585-6B13-7D2A-1694-0AC6693F5615}"/>
-              </a:ext>
-            </a:extLst>
-          </p:cNvPr>
+          <p:cNvPr id="5" name="Picture 4"/>
           <p:cNvPicPr>
             <a:picLocks noChangeAspect="1"/>
           </p:cNvPicPr>
           <p:nvPr/>
         </p:nvPicPr>
         <p:blipFill>
-          <a:blip r:embed="rId2"/>
+          <a:blip r:embed="rId1"/>
           <a:stretch>
             <a:fillRect/>
           </a:stretch>
@@ -5004,8 +5739,6 @@
       </a:bgFillStyleLst>
     </a:fmtScheme>
   </a:themeElements>
-  <a:objectDefaults/>
-  <a:extraClrSchemeLst/>
   <a:extLst>
     <a:ext uri="{05A4C25C-085E-4340-85A3-A5531E510DB2}">
       <thm15:themeFamily xmlns:thm15="http://schemas.microsoft.com/office/thememl/2012/main" name="Office Theme" id="{62F939B6-93AF-4DB8-9C6B-D6C7DFDC589F}" vid="{4A3C46E8-61CC-4603-A589-7422A47A8E4A}"/>

--- a/Group4-Presentation.pptx
+++ b/Group4-Presentation.pptx
@@ -13,13 +13,13 @@
     <p:sldId id="261" r:id="rId8"/>
     <p:sldId id="262" r:id="rId9"/>
     <p:sldId id="263" r:id="rId10"/>
-    <p:sldId id="264" r:id="rId11"/>
-    <p:sldId id="267" r:id="rId12"/>
-    <p:sldId id="268" r:id="rId13"/>
-    <p:sldId id="269" r:id="rId14"/>
-    <p:sldId id="272" r:id="rId15"/>
-    <p:sldId id="273" r:id="rId16"/>
-    <p:sldId id="274" r:id="rId17"/>
+    <p:sldId id="267" r:id="rId11"/>
+    <p:sldId id="268" r:id="rId12"/>
+    <p:sldId id="269" r:id="rId13"/>
+    <p:sldId id="272" r:id="rId14"/>
+    <p:sldId id="273" r:id="rId15"/>
+    <p:sldId id="274" r:id="rId16"/>
+    <p:sldId id="277" r:id="rId17"/>
   </p:sldIdLst>
   <p:sldSz cx="12192000" cy="6858000"/>
   <p:notesSz cx="6858000" cy="9144000"/>
@@ -3133,253 +3133,6 @@
           <a:p>
             <a:pPr algn="ctr"/>
             <a:r>
-              <a:rPr lang="en-US" sz="4500">
-                <a:solidFill>
-                  <a:schemeClr val="tx1"/>
-                </a:solidFill>
-                <a:effectLst>
-                  <a:outerShdw blurRad="38100" dist="19050" dir="2700000" algn="tl" rotWithShape="0">
-                    <a:schemeClr val="dk1">
-                      <a:alpha val="40000"/>
-                      <a:alpha val="40000"/>
-                    </a:schemeClr>
-                  </a:outerShdw>
-                </a:effectLst>
-                <a:latin typeface="Times New Roman Regular" panose="02020603050405020304" charset="0"/>
-                <a:cs typeface="Times New Roman Regular" panose="02020603050405020304" charset="0"/>
-              </a:rPr>
-              <a:t>CLASSIFICATION</a:t>
-            </a:r>
-            <a:br>
-              <a:rPr lang="en-US" sz="4500">
-                <a:solidFill>
-                  <a:schemeClr val="tx1"/>
-                </a:solidFill>
-                <a:effectLst>
-                  <a:outerShdw blurRad="38100" dist="19050" dir="2700000" algn="tl" rotWithShape="0">
-                    <a:schemeClr val="dk1">
-                      <a:alpha val="40000"/>
-                      <a:alpha val="40000"/>
-                    </a:schemeClr>
-                  </a:outerShdw>
-                </a:effectLst>
-                <a:latin typeface="Times New Roman Regular" panose="02020603050405020304" charset="0"/>
-                <a:cs typeface="Times New Roman Regular" panose="02020603050405020304" charset="0"/>
-              </a:rPr>
-            </a:br>
-            <a:endParaRPr lang="en-US" sz="4500">
-              <a:solidFill>
-                <a:schemeClr val="tx1"/>
-              </a:solidFill>
-              <a:effectLst>
-                <a:outerShdw blurRad="38100" dist="19050" dir="2700000" algn="tl" rotWithShape="0">
-                  <a:schemeClr val="dk1">
-                    <a:alpha val="40000"/>
-                    <a:alpha val="40000"/>
-                  </a:schemeClr>
-                </a:outerShdw>
-              </a:effectLst>
-              <a:latin typeface="Times New Roman Regular" panose="02020603050405020304" charset="0"/>
-              <a:cs typeface="Times New Roman Regular" panose="02020603050405020304" charset="0"/>
-            </a:endParaRPr>
-          </a:p>
-        </p:txBody>
-      </p:sp>
-      <p:sp>
-        <p:nvSpPr>
-          <p:cNvPr id="3" name="Content Placeholder 2"/>
-          <p:cNvSpPr>
-            <a:spLocks noGrp="1"/>
-          </p:cNvSpPr>
-          <p:nvPr>
-            <p:ph idx="1"/>
-          </p:nvPr>
-        </p:nvSpPr>
-        <p:spPr>
-          <a:xfrm>
-            <a:off x="838200" y="1300480"/>
-            <a:ext cx="10515600" cy="4852035"/>
-          </a:xfrm>
-        </p:spPr>
-        <p:txBody>
-          <a:bodyPr>
-            <a:noAutofit/>
-          </a:bodyPr>
-          <a:lstStyle/>
-          <a:p>
-            <a:pPr marL="0" indent="0" algn="just">
-              <a:buNone/>
-            </a:pPr>
-            <a:r>
-              <a:rPr lang="en-US" sz="2300" dirty="0">
-                <a:latin typeface="Times New Roman Regular" panose="02020603050405020304" charset="0"/>
-                <a:cs typeface="Times New Roman Regular" panose="02020603050405020304" charset="0"/>
-              </a:rPr>
-              <a:t>Classification refers to the process of categorizing data into classes or groups based on certain features or attributes. It's a fundamental task in data analysis and machine learning where the goal is to predict the category or class of a given dataset based on its characteristics.</a:t>
-            </a:r>
-            <a:endParaRPr lang="en-US" sz="2300" dirty="0">
-              <a:latin typeface="Times New Roman Regular" panose="02020603050405020304" charset="0"/>
-              <a:cs typeface="Times New Roman Regular" panose="02020603050405020304" charset="0"/>
-            </a:endParaRPr>
-          </a:p>
-          <a:p>
-            <a:pPr algn="just"/>
-            <a:r>
-              <a:rPr lang="en-US" sz="2300" dirty="0">
-                <a:latin typeface="Times New Roman Regular" panose="02020603050405020304" charset="0"/>
-                <a:cs typeface="Times New Roman Regular" panose="02020603050405020304" charset="0"/>
-              </a:rPr>
-              <a:t>In this project, we set up and compare two different machine learning models for a classification task using customer shopping data: </a:t>
-            </a:r>
-            <a:r>
-              <a:rPr lang="en-US" sz="2300" b="1" dirty="0">
-                <a:latin typeface="Times New Roman Regular" panose="02020603050405020304" charset="0"/>
-                <a:cs typeface="Times New Roman Regular" panose="02020603050405020304" charset="0"/>
-              </a:rPr>
-              <a:t>Random Forest model </a:t>
-            </a:r>
-            <a:r>
-              <a:rPr lang="en-US" sz="2300" dirty="0">
-                <a:latin typeface="Times New Roman Regular" panose="02020603050405020304" charset="0"/>
-                <a:cs typeface="Times New Roman Regular" panose="02020603050405020304" charset="0"/>
-              </a:rPr>
-              <a:t>and </a:t>
-            </a:r>
-            <a:r>
-              <a:rPr lang="en-US" sz="2300" b="1" dirty="0">
-                <a:latin typeface="Times New Roman Regular" panose="02020603050405020304" charset="0"/>
-                <a:cs typeface="Times New Roman Regular" panose="02020603050405020304" charset="0"/>
-              </a:rPr>
-              <a:t>Naive Bayes model.</a:t>
-            </a:r>
-            <a:endParaRPr lang="en-US" sz="2300" b="1" dirty="0">
-              <a:latin typeface="Times New Roman Regular" panose="02020603050405020304" charset="0"/>
-              <a:cs typeface="Times New Roman Regular" panose="02020603050405020304" charset="0"/>
-            </a:endParaRPr>
-          </a:p>
-          <a:p>
-            <a:pPr algn="just"/>
-            <a:r>
-              <a:rPr lang="en-US" sz="2300" b="1" dirty="0">
-                <a:latin typeface="Times New Roman Regular" panose="02020603050405020304" charset="0"/>
-                <a:cs typeface="Times New Roman Regular" panose="02020603050405020304" charset="0"/>
-                <a:sym typeface="+mn-ea"/>
-              </a:rPr>
-              <a:t>RANDOM FOREST MODEL: </a:t>
-            </a:r>
-            <a:r>
-              <a:rPr lang="en-US" sz="2300" dirty="0">
-                <a:latin typeface="Times New Roman Regular" panose="02020603050405020304" charset="0"/>
-                <a:cs typeface="Times New Roman Regular" panose="02020603050405020304" charset="0"/>
-                <a:sym typeface="+mn-ea"/>
-              </a:rPr>
-              <a:t>Random Forest is an ensemble learning method that constructs multiple decision trees during training and outputs the mode of the classes (classification) or the mean prediction (regression) of the individual trees.</a:t>
-            </a:r>
-            <a:endParaRPr lang="en-US" sz="2300" dirty="0">
-              <a:latin typeface="Times New Roman Regular" panose="02020603050405020304" charset="0"/>
-              <a:cs typeface="Times New Roman Regular" panose="02020603050405020304" charset="0"/>
-            </a:endParaRPr>
-          </a:p>
-          <a:p>
-            <a:pPr algn="just"/>
-            <a:r>
-              <a:rPr lang="en-US" sz="2300" b="1" dirty="0">
-                <a:latin typeface="Times New Roman Regular" panose="02020603050405020304" charset="0"/>
-                <a:cs typeface="Times New Roman Regular" panose="02020603050405020304" charset="0"/>
-                <a:sym typeface="+mn-ea"/>
-              </a:rPr>
-              <a:t>NAIVE BAYES MODEL: </a:t>
-            </a:r>
-            <a:r>
-              <a:rPr lang="en-US" sz="2300" dirty="0">
-                <a:latin typeface="Times New Roman Regular" panose="02020603050405020304" charset="0"/>
-                <a:cs typeface="Times New Roman Regular" panose="02020603050405020304" charset="0"/>
-                <a:sym typeface="+mn-ea"/>
-              </a:rPr>
-              <a:t>Naive Bayes is a probabilistic classifier based on Bayes' theorem. It assumes independence among features given the class and calculates the probability of a class based on the feature values.</a:t>
-            </a:r>
-            <a:endParaRPr lang="en-US" sz="2300" dirty="0">
-              <a:latin typeface="Times New Roman Regular" panose="02020603050405020304" charset="0"/>
-              <a:cs typeface="Times New Roman Regular" panose="02020603050405020304" charset="0"/>
-            </a:endParaRPr>
-          </a:p>
-          <a:p>
-            <a:pPr algn="just"/>
-            <a:endParaRPr lang="en-US" sz="2300" b="1" dirty="0"/>
-          </a:p>
-          <a:p>
-            <a:pPr marL="0" indent="0">
-              <a:buNone/>
-            </a:pPr>
-            <a:endParaRPr lang="en-US" sz="2300" dirty="0"/>
-          </a:p>
-          <a:p>
-            <a:pPr marL="0" indent="0">
-              <a:buNone/>
-            </a:pPr>
-            <a:endParaRPr lang="en-US" sz="2300" dirty="0">
-              <a:latin typeface="Arial Rounded MT Bold" panose="020F0704030504030204" charset="0"/>
-              <a:cs typeface="Arial Rounded MT Bold" panose="020F0704030504030204" charset="0"/>
-            </a:endParaRPr>
-          </a:p>
-          <a:p>
-            <a:pPr marL="0" indent="0">
-              <a:buNone/>
-            </a:pPr>
-            <a:endParaRPr lang="en-US" sz="2300" dirty="0">
-              <a:latin typeface="Arial Rounded MT Bold" panose="020F0704030504030204" charset="0"/>
-              <a:cs typeface="Arial Rounded MT Bold" panose="020F0704030504030204" charset="0"/>
-            </a:endParaRPr>
-          </a:p>
-          <a:p>
-            <a:endParaRPr lang="en-US" sz="2300" dirty="0"/>
-          </a:p>
-        </p:txBody>
-      </p:sp>
-    </p:spTree>
-  </p:cSld>
-  <p:clrMapOvr>
-    <a:masterClrMapping/>
-  </p:clrMapOvr>
-</p:sld>
-</file>
-
-<file path=ppt/slides/slide11.xml><?xml version="1.0" encoding="utf-8"?>
-<p:sld xmlns:a="http://schemas.openxmlformats.org/drawingml/2006/main" xmlns:r="http://schemas.openxmlformats.org/officeDocument/2006/relationships" xmlns:p="http://schemas.openxmlformats.org/presentationml/2006/main">
-  <p:cSld>
-    <p:spTree>
-      <p:nvGrpSpPr>
-        <p:cNvPr id="1" name=""/>
-        <p:cNvGrpSpPr/>
-        <p:nvPr/>
-      </p:nvGrpSpPr>
-      <p:grpSpPr>
-        <a:xfrm>
-          <a:off x="0" y="0"/>
-          <a:ext cx="0" cy="0"/>
-          <a:chOff x="0" y="0"/>
-          <a:chExt cx="0" cy="0"/>
-        </a:xfrm>
-      </p:grpSpPr>
-      <p:sp>
-        <p:nvSpPr>
-          <p:cNvPr id="2" name="Title 1"/>
-          <p:cNvSpPr>
-            <a:spLocks noGrp="1"/>
-          </p:cNvSpPr>
-          <p:nvPr>
-            <p:ph type="title"/>
-          </p:nvPr>
-        </p:nvSpPr>
-        <p:spPr/>
-        <p:txBody>
-          <a:bodyPr>
-            <a:normAutofit fontScale="90000"/>
-          </a:bodyPr>
-          <a:lstStyle/>
-          <a:p>
-            <a:pPr algn="ctr"/>
-            <a:r>
               <a:rPr lang="en-US">
                 <a:ln/>
                 <a:solidFill>
@@ -3514,7 +3267,7 @@
 </p:sld>
 </file>
 
-<file path=ppt/slides/slide12.xml><?xml version="1.0" encoding="utf-8"?>
+<file path=ppt/slides/slide11.xml><?xml version="1.0" encoding="utf-8"?>
 <p:sld xmlns:a="http://schemas.openxmlformats.org/drawingml/2006/main" xmlns:r="http://schemas.openxmlformats.org/officeDocument/2006/relationships" xmlns:p="http://schemas.openxmlformats.org/presentationml/2006/main">
   <p:cSld>
     <p:spTree>
@@ -3643,7 +3396,7 @@
 </p:sld>
 </file>
 
-<file path=ppt/slides/slide13.xml><?xml version="1.0" encoding="utf-8"?>
+<file path=ppt/slides/slide12.xml><?xml version="1.0" encoding="utf-8"?>
 <p:sld xmlns:a="http://schemas.openxmlformats.org/drawingml/2006/main" xmlns:r="http://schemas.openxmlformats.org/officeDocument/2006/relationships" xmlns:p="http://schemas.openxmlformats.org/presentationml/2006/main">
   <p:cSld>
     <p:spTree>
@@ -3782,7 +3535,7 @@
 </p:sld>
 </file>
 
-<file path=ppt/slides/slide14.xml><?xml version="1.0" encoding="utf-8"?>
+<file path=ppt/slides/slide13.xml><?xml version="1.0" encoding="utf-8"?>
 <p:sld xmlns:a="http://schemas.openxmlformats.org/drawingml/2006/main" xmlns:r="http://schemas.openxmlformats.org/officeDocument/2006/relationships" xmlns:p="http://schemas.openxmlformats.org/presentationml/2006/main">
   <p:cSld>
     <p:spTree>
@@ -3907,7 +3660,7 @@
 </p:sld>
 </file>
 
-<file path=ppt/slides/slide15.xml><?xml version="1.0" encoding="utf-8"?>
+<file path=ppt/slides/slide14.xml><?xml version="1.0" encoding="utf-8"?>
 <p:sld xmlns:a="http://schemas.openxmlformats.org/drawingml/2006/main" xmlns:r="http://schemas.openxmlformats.org/officeDocument/2006/relationships" xmlns:p="http://schemas.openxmlformats.org/presentationml/2006/main">
   <p:cSld>
     <p:spTree>
@@ -4006,6 +3759,60 @@
           </a:prstGeom>
         </p:spPr>
       </p:pic>
+    </p:spTree>
+  </p:cSld>
+  <p:clrMapOvr>
+    <a:masterClrMapping/>
+  </p:clrMapOvr>
+</p:sld>
+</file>
+
+<file path=ppt/slides/slide15.xml><?xml version="1.0" encoding="utf-8"?>
+<p:sld xmlns:a="http://schemas.openxmlformats.org/drawingml/2006/main" xmlns:r="http://schemas.openxmlformats.org/officeDocument/2006/relationships" xmlns:p="http://schemas.openxmlformats.org/presentationml/2006/main">
+  <p:cSld>
+    <p:spTree>
+      <p:nvGrpSpPr>
+        <p:cNvPr id="1" name=""/>
+        <p:cNvGrpSpPr/>
+        <p:nvPr/>
+      </p:nvGrpSpPr>
+      <p:grpSpPr/>
+      <p:sp>
+        <p:nvSpPr>
+          <p:cNvPr id="2" name="Title 1"/>
+          <p:cNvSpPr>
+            <a:spLocks noGrp="1"/>
+          </p:cNvSpPr>
+          <p:nvPr>
+            <p:ph type="title"/>
+          </p:nvPr>
+        </p:nvSpPr>
+        <p:spPr/>
+        <p:txBody>
+          <a:bodyPr/>
+          <a:p>
+            <a:endParaRPr lang="en-US"/>
+          </a:p>
+        </p:txBody>
+      </p:sp>
+      <p:sp>
+        <p:nvSpPr>
+          <p:cNvPr id="3" name="Content Placeholder 2"/>
+          <p:cNvSpPr>
+            <a:spLocks noGrp="1"/>
+          </p:cNvSpPr>
+          <p:nvPr>
+            <p:ph idx="1"/>
+          </p:nvPr>
+        </p:nvSpPr>
+        <p:spPr/>
+        <p:txBody>
+          <a:bodyPr/>
+          <a:p>
+            <a:endParaRPr lang="en-US"/>
+          </a:p>
+        </p:txBody>
+      </p:sp>
     </p:spTree>
   </p:cSld>
   <p:clrMapOvr>
@@ -5454,10 +5261,62 @@
         </p:nvSpPr>
         <p:spPr/>
         <p:txBody>
-          <a:bodyPr/>
-          <a:lstStyle/>
-          <a:p>
-            <a:endParaRPr lang="en-US"/>
+          <a:bodyPr>
+            <a:normAutofit fontScale="90000"/>
+          </a:bodyPr>
+          <a:lstStyle/>
+          <a:p>
+            <a:pPr algn="ctr"/>
+            <a:r>
+              <a:rPr lang="en-US" sz="4500">
+                <a:solidFill>
+                  <a:schemeClr val="tx1"/>
+                </a:solidFill>
+                <a:effectLst>
+                  <a:outerShdw blurRad="38100" dist="19050" dir="2700000" algn="tl" rotWithShape="0">
+                    <a:schemeClr val="dk1">
+                      <a:alpha val="40000"/>
+                      <a:alpha val="40000"/>
+                    </a:schemeClr>
+                  </a:outerShdw>
+                </a:effectLst>
+                <a:latin typeface="Times New Roman Regular" panose="02020603050405020304" charset="0"/>
+                <a:cs typeface="Times New Roman Regular" panose="02020603050405020304" charset="0"/>
+              </a:rPr>
+              <a:t>CLASSIFICATION</a:t>
+            </a:r>
+            <a:br>
+              <a:rPr lang="en-US" sz="4500">
+                <a:solidFill>
+                  <a:schemeClr val="tx1"/>
+                </a:solidFill>
+                <a:effectLst>
+                  <a:outerShdw blurRad="38100" dist="19050" dir="2700000" algn="tl" rotWithShape="0">
+                    <a:schemeClr val="dk1">
+                      <a:alpha val="40000"/>
+                      <a:alpha val="40000"/>
+                    </a:schemeClr>
+                  </a:outerShdw>
+                </a:effectLst>
+                <a:latin typeface="Times New Roman Regular" panose="02020603050405020304" charset="0"/>
+                <a:cs typeface="Times New Roman Regular" panose="02020603050405020304" charset="0"/>
+              </a:rPr>
+            </a:br>
+            <a:endParaRPr lang="en-US" sz="4500">
+              <a:solidFill>
+                <a:schemeClr val="tx1"/>
+              </a:solidFill>
+              <a:effectLst>
+                <a:outerShdw blurRad="38100" dist="19050" dir="2700000" algn="tl" rotWithShape="0">
+                  <a:schemeClr val="dk1">
+                    <a:alpha val="40000"/>
+                    <a:alpha val="40000"/>
+                  </a:schemeClr>
+                </a:outerShdw>
+              </a:effectLst>
+              <a:latin typeface="Times New Roman Regular" panose="02020603050405020304" charset="0"/>
+              <a:cs typeface="Times New Roman Regular" panose="02020603050405020304" charset="0"/>
+            </a:endParaRPr>
           </a:p>
         </p:txBody>
       </p:sp>
@@ -5471,12 +5330,144 @@
             <p:ph idx="1"/>
           </p:nvPr>
         </p:nvSpPr>
-        <p:spPr/>
-        <p:txBody>
-          <a:bodyPr/>
-          <a:lstStyle/>
-          <a:p>
-            <a:endParaRPr lang="en-US"/>
+        <p:spPr>
+          <a:xfrm>
+            <a:off x="838200" y="1300480"/>
+            <a:ext cx="10515600" cy="4852035"/>
+          </a:xfrm>
+        </p:spPr>
+        <p:txBody>
+          <a:bodyPr>
+            <a:noAutofit/>
+          </a:bodyPr>
+          <a:lstStyle/>
+          <a:p>
+            <a:pPr marL="0" indent="0" algn="just">
+              <a:buNone/>
+            </a:pPr>
+            <a:r>
+              <a:rPr lang="en-US" sz="2300" dirty="0">
+                <a:latin typeface="Times New Roman Regular" panose="02020603050405020304" charset="0"/>
+                <a:cs typeface="Times New Roman Regular" panose="02020603050405020304" charset="0"/>
+              </a:rPr>
+              <a:t>Classification refers to the process of categorizing data into classes or groups based on certain features or attributes. It's a fundamental task in data analysis and machine learning where the goal is to predict the category or class of a given dataset based on its characteristics.</a:t>
+            </a:r>
+            <a:endParaRPr lang="en-US" sz="2300" dirty="0">
+              <a:latin typeface="Times New Roman Regular" panose="02020603050405020304" charset="0"/>
+              <a:cs typeface="Times New Roman Regular" panose="02020603050405020304" charset="0"/>
+            </a:endParaRPr>
+          </a:p>
+          <a:p>
+            <a:pPr algn="just"/>
+            <a:r>
+              <a:rPr lang="en-US" sz="2300" dirty="0">
+                <a:latin typeface="Times New Roman Regular" panose="02020603050405020304" charset="0"/>
+                <a:cs typeface="Times New Roman Regular" panose="02020603050405020304" charset="0"/>
+              </a:rPr>
+              <a:t>In this project, we set up and compare two different machine learning models for a classification task using customer shopping data: </a:t>
+            </a:r>
+            <a:r>
+              <a:rPr lang="en-US" sz="2300" b="1" dirty="0">
+                <a:latin typeface="Times New Roman Regular" panose="02020603050405020304" charset="0"/>
+                <a:cs typeface="Times New Roman Regular" panose="02020603050405020304" charset="0"/>
+              </a:rPr>
+              <a:t>Random Forest model </a:t>
+            </a:r>
+            <a:r>
+              <a:rPr lang="en-US" sz="2300" dirty="0">
+                <a:latin typeface="Times New Roman Regular" panose="02020603050405020304" charset="0"/>
+                <a:cs typeface="Times New Roman Regular" panose="02020603050405020304" charset="0"/>
+              </a:rPr>
+              <a:t>and </a:t>
+            </a:r>
+            <a:r>
+              <a:rPr lang="en-US" sz="2300" b="1" dirty="0">
+                <a:latin typeface="Times New Roman Regular" panose="02020603050405020304" charset="0"/>
+                <a:cs typeface="Times New Roman Regular" panose="02020603050405020304" charset="0"/>
+              </a:rPr>
+              <a:t>Naive Bayes model.</a:t>
+            </a:r>
+            <a:endParaRPr lang="en-US" sz="2300" b="1" dirty="0">
+              <a:latin typeface="Times New Roman Regular" panose="02020603050405020304" charset="0"/>
+              <a:cs typeface="Times New Roman Regular" panose="02020603050405020304" charset="0"/>
+            </a:endParaRPr>
+          </a:p>
+          <a:p>
+            <a:pPr algn="just"/>
+            <a:r>
+              <a:rPr lang="en-US" sz="2300" b="1" dirty="0">
+                <a:latin typeface="Times New Roman Regular" panose="02020603050405020304" charset="0"/>
+                <a:cs typeface="Times New Roman Regular" panose="02020603050405020304" charset="0"/>
+                <a:sym typeface="+mn-ea"/>
+              </a:rPr>
+              <a:t>RANDOM FOREST MODEL: </a:t>
+            </a:r>
+            <a:r>
+              <a:rPr lang="en-US" sz="2300" dirty="0">
+                <a:latin typeface="Times New Roman Regular" panose="02020603050405020304" charset="0"/>
+                <a:cs typeface="Times New Roman Regular" panose="02020603050405020304" charset="0"/>
+                <a:sym typeface="+mn-ea"/>
+              </a:rPr>
+              <a:t>Random Forest is an ensemble learning method that constructs multiple decision trees during training and outputs the mode of the classes (classification) or the mean prediction (regression) of the individual trees.</a:t>
+            </a:r>
+            <a:endParaRPr lang="en-US" sz="2300" dirty="0">
+              <a:latin typeface="Times New Roman Regular" panose="02020603050405020304" charset="0"/>
+              <a:cs typeface="Times New Roman Regular" panose="02020603050405020304" charset="0"/>
+            </a:endParaRPr>
+          </a:p>
+          <a:p>
+            <a:pPr algn="just"/>
+            <a:r>
+              <a:rPr lang="en-US" sz="2300" b="1" dirty="0">
+                <a:latin typeface="Times New Roman Regular" panose="02020603050405020304" charset="0"/>
+                <a:cs typeface="Times New Roman Regular" panose="02020603050405020304" charset="0"/>
+                <a:sym typeface="+mn-ea"/>
+              </a:rPr>
+              <a:t>NAIVE BAYES MODEL: </a:t>
+            </a:r>
+            <a:r>
+              <a:rPr lang="en-US" sz="2300" dirty="0">
+                <a:latin typeface="Times New Roman Regular" panose="02020603050405020304" charset="0"/>
+                <a:cs typeface="Times New Roman Regular" panose="02020603050405020304" charset="0"/>
+                <a:sym typeface="+mn-ea"/>
+              </a:rPr>
+              <a:t>Naive Bayes is a probabilistic classifier based on Bayes' theorem. It assumes independence among features given the class and calculates the probability of a class based on the feature values.</a:t>
+            </a:r>
+            <a:endParaRPr lang="en-US" sz="2300" dirty="0">
+              <a:latin typeface="Times New Roman Regular" panose="02020603050405020304" charset="0"/>
+              <a:cs typeface="Times New Roman Regular" panose="02020603050405020304" charset="0"/>
+            </a:endParaRPr>
+          </a:p>
+          <a:p>
+            <a:pPr algn="just"/>
+            <a:endParaRPr lang="en-US" sz="2300" b="1" dirty="0"/>
+          </a:p>
+          <a:p>
+            <a:pPr marL="0" indent="0">
+              <a:buNone/>
+            </a:pPr>
+            <a:endParaRPr lang="en-US" sz="2300" dirty="0"/>
+          </a:p>
+          <a:p>
+            <a:pPr marL="0" indent="0">
+              <a:buNone/>
+            </a:pPr>
+            <a:endParaRPr lang="en-US" sz="2300" dirty="0">
+              <a:latin typeface="Arial Rounded MT Bold" panose="020F0704030504030204" charset="0"/>
+              <a:cs typeface="Arial Rounded MT Bold" panose="020F0704030504030204" charset="0"/>
+            </a:endParaRPr>
+          </a:p>
+          <a:p>
+            <a:pPr marL="0" indent="0">
+              <a:buNone/>
+            </a:pPr>
+            <a:endParaRPr lang="en-US" sz="2300" dirty="0">
+              <a:latin typeface="Arial Rounded MT Bold" panose="020F0704030504030204" charset="0"/>
+              <a:cs typeface="Arial Rounded MT Bold" panose="020F0704030504030204" charset="0"/>
+            </a:endParaRPr>
+          </a:p>
+          <a:p>
+            <a:endParaRPr lang="en-US" sz="2300" dirty="0"/>
           </a:p>
         </p:txBody>
       </p:sp>

--- a/Group4-Presentation.pptx
+++ b/Group4-Presentation.pptx
@@ -4814,7 +4814,7 @@
         </p:nvSpPr>
         <p:spPr>
           <a:xfrm>
-            <a:off x="587375" y="365125"/>
+            <a:off x="838200" y="258445"/>
             <a:ext cx="10515600" cy="810260"/>
           </a:xfrm>
         </p:spPr>
@@ -5038,8 +5038,8 @@
         </p:nvSpPr>
         <p:spPr>
           <a:xfrm>
-            <a:off x="3470910" y="1339850"/>
-            <a:ext cx="3821430" cy="368300"/>
+            <a:off x="3366135" y="1210945"/>
+            <a:ext cx="5459730" cy="368300"/>
           </a:xfrm>
           <a:prstGeom prst="rect">
             <a:avLst/>
@@ -5058,7 +5058,7 @@
                 <a:cs typeface="Times New Roman Bold" panose="02020603050405020304" charset="0"/>
                 <a:sym typeface="+mn-ea"/>
               </a:rPr>
-              <a:t>Maximal Rules associated with Price </a:t>
+              <a:t>Top Association rules mined using Apriori Algorithm </a:t>
             </a:r>
             <a:endParaRPr lang="en-US" b="1" dirty="0">
               <a:latin typeface="Times New Roman Bold" panose="02020603050405020304" charset="0"/>
@@ -5095,18 +5095,58 @@
       </p:grpSpPr>
       <p:sp>
         <p:nvSpPr>
-          <p:cNvPr id="3" name="Content Placeholder 2"/>
-          <p:cNvSpPr>
-            <a:spLocks noGrp="1"/>
-          </p:cNvSpPr>
-          <p:nvPr>
-            <p:ph idx="1"/>
+          <p:cNvPr id="4" name="Title 3"/>
+          <p:cNvSpPr>
+            <a:spLocks noGrp="1"/>
+          </p:cNvSpPr>
+          <p:nvPr>
+            <p:ph type="title"/>
           </p:nvPr>
         </p:nvSpPr>
         <p:spPr>
           <a:xfrm>
-            <a:off x="6014720" y="1485210"/>
-            <a:ext cx="5339080" cy="5017190"/>
+            <a:off x="1005840" y="258445"/>
+            <a:ext cx="10515600" cy="935355"/>
+          </a:xfrm>
+        </p:spPr>
+        <p:txBody>
+          <a:bodyPr/>
+          <a:p>
+            <a:pPr algn="ctr"/>
+            <a:r>
+              <a:rPr lang="en-US" dirty="0">
+                <a:effectLst>
+                  <a:outerShdw blurRad="38100" dist="19050" dir="2700000" algn="tl" rotWithShape="0">
+                    <a:schemeClr val="dk1">
+                      <a:alpha val="40000"/>
+                      <a:alpha val="40000"/>
+                    </a:schemeClr>
+                  </a:outerShdw>
+                </a:effectLst>
+                <a:latin typeface="Times New Roman Regular" panose="02020603050405020304" charset="0"/>
+                <a:cs typeface="Times New Roman Regular" panose="02020603050405020304" charset="0"/>
+                <a:sym typeface="+mn-ea"/>
+              </a:rPr>
+              <a:t>ASSOCIATION RULE</a:t>
+            </a:r>
+            <a:endParaRPr lang="en-US"/>
+          </a:p>
+        </p:txBody>
+      </p:sp>
+      <p:sp>
+        <p:nvSpPr>
+          <p:cNvPr id="3" name="Content Placeholder 2"/>
+          <p:cNvSpPr>
+            <a:spLocks noGrp="1"/>
+          </p:cNvSpPr>
+          <p:nvPr>
+            <p:ph sz="half" idx="1"/>
+          </p:nvPr>
+        </p:nvSpPr>
+        <p:spPr>
+          <a:xfrm>
+            <a:off x="6365875" y="1691005"/>
+            <a:ext cx="5181600" cy="4351338"/>
           </a:xfrm>
         </p:spPr>
         <p:txBody>
@@ -5216,7 +5256,7 @@
         </p:blipFill>
         <p:spPr>
           <a:xfrm>
-            <a:off x="838200" y="1485210"/>
+            <a:off x="838200" y="1690950"/>
             <a:ext cx="4892040" cy="3940230"/>
           </a:xfrm>
           <a:prstGeom prst="rect">
@@ -5224,6 +5264,42 @@
           </a:prstGeom>
         </p:spPr>
       </p:pic>
+      <p:sp>
+        <p:nvSpPr>
+          <p:cNvPr id="7" name="Text Box 6"/>
+          <p:cNvSpPr txBox="1"/>
+          <p:nvPr/>
+        </p:nvSpPr>
+        <p:spPr>
+          <a:xfrm>
+            <a:off x="3702050" y="1229360"/>
+            <a:ext cx="5123180" cy="368300"/>
+          </a:xfrm>
+          <a:prstGeom prst="rect">
+            <a:avLst/>
+          </a:prstGeom>
+          <a:noFill/>
+        </p:spPr>
+        <p:txBody>
+          <a:bodyPr wrap="none" rtlCol="0">
+            <a:spAutoFit/>
+          </a:bodyPr>
+          <a:p>
+            <a:pPr algn="l"/>
+            <a:r>
+              <a:rPr lang="en-US" b="1">
+                <a:latin typeface="Times New Roman Bold" panose="02020603050405020304" charset="0"/>
+                <a:cs typeface="Times New Roman Bold" panose="02020603050405020304" charset="0"/>
+              </a:rPr>
+              <a:t>Top association rules mined using Eclat Algorithm</a:t>
+            </a:r>
+            <a:endParaRPr lang="en-US" b="1">
+              <a:latin typeface="Times New Roman Bold" panose="02020603050405020304" charset="0"/>
+              <a:cs typeface="Times New Roman Bold" panose="02020603050405020304" charset="0"/>
+            </a:endParaRPr>
+          </a:p>
+        </p:txBody>
+      </p:sp>
     </p:spTree>
   </p:cSld>
   <p:clrMapOvr>

--- a/Group4-Presentation.pptx
+++ b/Group4-Presentation.pptx
@@ -2,39 +2,47 @@
 <file path=ppt/presentation.xml><?xml version="1.0" encoding="utf-8"?>
 <p:presentation xmlns:a="http://schemas.openxmlformats.org/drawingml/2006/main" xmlns:r="http://schemas.openxmlformats.org/officeDocument/2006/relationships" xmlns:p="http://schemas.openxmlformats.org/presentationml/2006/main" embedTrueTypeFonts="1" saveSubsetFonts="1">
   <p:sldMasterIdLst>
-    <p:sldMasterId id="2147483648" r:id="rId1"/>
+    <p:sldMasterId id="2147483660" r:id="rId1"/>
   </p:sldMasterIdLst>
   <p:sldIdLst>
-    <p:sldId id="256" r:id="rId3"/>
-    <p:sldId id="257" r:id="rId4"/>
-    <p:sldId id="258" r:id="rId5"/>
-    <p:sldId id="259" r:id="rId6"/>
-    <p:sldId id="260" r:id="rId7"/>
-    <p:sldId id="261" r:id="rId8"/>
-    <p:sldId id="262" r:id="rId9"/>
-    <p:sldId id="263" r:id="rId10"/>
-    <p:sldId id="267" r:id="rId11"/>
-    <p:sldId id="268" r:id="rId12"/>
-    <p:sldId id="269" r:id="rId13"/>
-    <p:sldId id="272" r:id="rId14"/>
-    <p:sldId id="273" r:id="rId15"/>
-    <p:sldId id="274" r:id="rId16"/>
-    <p:sldId id="277" r:id="rId17"/>
+    <p:sldId id="256" r:id="rId2"/>
+    <p:sldId id="257" r:id="rId3"/>
+    <p:sldId id="258" r:id="rId4"/>
+    <p:sldId id="259" r:id="rId5"/>
+    <p:sldId id="260" r:id="rId6"/>
+    <p:sldId id="261" r:id="rId7"/>
+    <p:sldId id="262" r:id="rId8"/>
+    <p:sldId id="263" r:id="rId9"/>
+    <p:sldId id="267" r:id="rId10"/>
+    <p:sldId id="268" r:id="rId11"/>
+    <p:sldId id="269" r:id="rId12"/>
+    <p:sldId id="272" r:id="rId13"/>
+    <p:sldId id="273" r:id="rId14"/>
+    <p:sldId id="274" r:id="rId15"/>
+    <p:sldId id="277" r:id="rId16"/>
+    <p:sldId id="278" r:id="rId17"/>
   </p:sldIdLst>
   <p:sldSz cx="12192000" cy="6858000"/>
   <p:notesSz cx="6858000" cy="9144000"/>
   <p:embeddedFontLst>
     <p:embeddedFont>
-      <p:font typeface="Arial Rounded MT Bold" panose="020F0704030504030204" charset="0"/>
-      <p:regular r:id="rId21"/>
+      <p:font typeface="Arial Rounded MT Bold" panose="020F0704030504030204" pitchFamily="34" charset="0"/>
+      <p:regular r:id="rId18"/>
     </p:embeddedFont>
     <p:embeddedFont>
-      <p:font typeface="Calibri Light" charset="0"/>
-      <p:regular r:id="rId22"/>
+      <p:font typeface="Century Gothic" panose="020B0502020202020204" pitchFamily="34" charset="0"/>
+      <p:regular r:id="rId19"/>
+      <p:bold r:id="rId20"/>
+      <p:italic r:id="rId21"/>
+      <p:boldItalic r:id="rId22"/>
     </p:embeddedFont>
     <p:embeddedFont>
-      <p:font typeface="Calibri" panose="020F0502020204030204" charset="0"/>
-      <p:regular r:id="rId23"/>
+      <p:font typeface="Times New Roman Bold" panose="02020803070505020304" pitchFamily="18" charset="0"/>
+      <p:bold r:id="rId23"/>
+    </p:embeddedFont>
+    <p:embeddedFont>
+      <p:font typeface="Wingdings 3" panose="05040102010807070707" pitchFamily="18" charset="2"/>
+      <p:regular r:id="rId24"/>
     </p:embeddedFont>
   </p:embeddedFontLst>
   <p:defaultTextStyle>
@@ -132,7 +140,20 @@
       </a:defRPr>
     </a:lvl9pPr>
   </p:defaultTextStyle>
+  <p:extLst>
+    <p:ext uri="{EFAFB233-063F-42B5-8137-9DF3F51BA10A}">
+      <p15:sldGuideLst xmlns:p15="http://schemas.microsoft.com/office/powerpoint/2012/main"/>
+    </p:ext>
+  </p:extLst>
 </p:presentation>
+</file>
+
+<file path=ppt/revisionInfo.xml><?xml version="1.0" encoding="utf-8"?>
+<p1510:revInfo xmlns:a="http://schemas.openxmlformats.org/drawingml/2006/main" xmlns:r="http://schemas.openxmlformats.org/officeDocument/2006/relationships" xmlns:p1510="http://schemas.microsoft.com/office/powerpoint/2015/10/main">
+  <p1510:revLst>
+    <p1510:client id="{87594AF2-12AD-4DB7-85EC-1A29E1266829}" v="95" dt="2023-12-06T20:27:13.947"/>
+  </p1510:revLst>
+</p1510:revInfo>
 </file>
 
 <file path=ppt/slideLayouts/slideLayout1.xml><?xml version="1.0" encoding="utf-8"?>
@@ -164,23 +185,22 @@
         </p:nvSpPr>
         <p:spPr>
           <a:xfrm>
-            <a:off x="1524000" y="1122363"/>
-            <a:ext cx="9144000" cy="2387600"/>
+            <a:off x="1154955" y="1447800"/>
+            <a:ext cx="8825658" cy="3329581"/>
           </a:xfrm>
         </p:spPr>
         <p:txBody>
           <a:bodyPr anchor="b"/>
           <a:lstStyle>
-            <a:lvl1pPr algn="ctr">
-              <a:defRPr sz="6000"/>
+            <a:lvl1pPr>
+              <a:defRPr sz="7200"/>
             </a:lvl1pPr>
           </a:lstStyle>
           <a:p>
             <a:r>
-              <a:rPr lang="en-US"/>
+              <a:rPr lang="en-US" dirty="0"/>
               <a:t>Click to edit Master title style</a:t>
             </a:r>
-            <a:endParaRPr lang="en-US"/>
           </a:p>
         </p:txBody>
       </p:sp>
@@ -196,56 +216,110 @@
         </p:nvSpPr>
         <p:spPr>
           <a:xfrm>
-            <a:off x="1524000" y="3602038"/>
-            <a:ext cx="9144000" cy="1655762"/>
-          </a:xfrm>
-        </p:spPr>
-        <p:txBody>
-          <a:bodyPr/>
+            <a:off x="1154955" y="4777380"/>
+            <a:ext cx="8825658" cy="861420"/>
+          </a:xfrm>
+        </p:spPr>
+        <p:txBody>
+          <a:bodyPr anchor="t"/>
           <a:lstStyle>
-            <a:lvl1pPr marL="0" indent="0" algn="ctr">
-              <a:buNone/>
-              <a:defRPr sz="2400"/>
+            <a:lvl1pPr marL="0" indent="0" algn="l">
+              <a:buNone/>
+              <a:defRPr cap="all">
+                <a:solidFill>
+                  <a:schemeClr val="bg2">
+                    <a:lumMod val="40000"/>
+                    <a:lumOff val="60000"/>
+                  </a:schemeClr>
+                </a:solidFill>
+              </a:defRPr>
             </a:lvl1pPr>
             <a:lvl2pPr marL="457200" indent="0" algn="ctr">
               <a:buNone/>
-              <a:defRPr sz="2000"/>
+              <a:defRPr>
+                <a:solidFill>
+                  <a:schemeClr val="tx1">
+                    <a:tint val="75000"/>
+                  </a:schemeClr>
+                </a:solidFill>
+              </a:defRPr>
             </a:lvl2pPr>
             <a:lvl3pPr marL="914400" indent="0" algn="ctr">
               <a:buNone/>
-              <a:defRPr sz="1800"/>
+              <a:defRPr>
+                <a:solidFill>
+                  <a:schemeClr val="tx1">
+                    <a:tint val="75000"/>
+                  </a:schemeClr>
+                </a:solidFill>
+              </a:defRPr>
             </a:lvl3pPr>
             <a:lvl4pPr marL="1371600" indent="0" algn="ctr">
               <a:buNone/>
-              <a:defRPr sz="1600"/>
+              <a:defRPr>
+                <a:solidFill>
+                  <a:schemeClr val="tx1">
+                    <a:tint val="75000"/>
+                  </a:schemeClr>
+                </a:solidFill>
+              </a:defRPr>
             </a:lvl4pPr>
             <a:lvl5pPr marL="1828800" indent="0" algn="ctr">
               <a:buNone/>
-              <a:defRPr sz="1600"/>
+              <a:defRPr>
+                <a:solidFill>
+                  <a:schemeClr val="tx1">
+                    <a:tint val="75000"/>
+                  </a:schemeClr>
+                </a:solidFill>
+              </a:defRPr>
             </a:lvl5pPr>
             <a:lvl6pPr marL="2286000" indent="0" algn="ctr">
               <a:buNone/>
-              <a:defRPr sz="1600"/>
+              <a:defRPr>
+                <a:solidFill>
+                  <a:schemeClr val="tx1">
+                    <a:tint val="75000"/>
+                  </a:schemeClr>
+                </a:solidFill>
+              </a:defRPr>
             </a:lvl6pPr>
             <a:lvl7pPr marL="2743200" indent="0" algn="ctr">
               <a:buNone/>
-              <a:defRPr sz="1600"/>
+              <a:defRPr>
+                <a:solidFill>
+                  <a:schemeClr val="tx1">
+                    <a:tint val="75000"/>
+                  </a:schemeClr>
+                </a:solidFill>
+              </a:defRPr>
             </a:lvl7pPr>
             <a:lvl8pPr marL="3200400" indent="0" algn="ctr">
               <a:buNone/>
-              <a:defRPr sz="1600"/>
+              <a:defRPr>
+                <a:solidFill>
+                  <a:schemeClr val="tx1">
+                    <a:tint val="75000"/>
+                  </a:schemeClr>
+                </a:solidFill>
+              </a:defRPr>
             </a:lvl8pPr>
             <a:lvl9pPr marL="3657600" indent="0" algn="ctr">
               <a:buNone/>
-              <a:defRPr sz="1600"/>
+              <a:defRPr>
+                <a:solidFill>
+                  <a:schemeClr val="tx1">
+                    <a:tint val="75000"/>
+                  </a:schemeClr>
+                </a:solidFill>
+              </a:defRPr>
             </a:lvl9pPr>
           </a:lstStyle>
           <a:p>
             <a:r>
-              <a:rPr lang="en-US"/>
+              <a:rPr lang="en-US" dirty="0"/>
               <a:t>Click to edit Master subtitle style</a:t>
             </a:r>
-            <a:endParaRPr lang="en-US"/>
           </a:p>
         </p:txBody>
       </p:sp>
@@ -264,10 +338,11 @@
           <a:bodyPr/>
           <a:lstStyle/>
           <a:p>
-            <a:fld id="{63A1C593-65D0-4073-BCC9-577B9352EA97}" type="datetimeFigureOut">
-              <a:rPr lang="en-US" smtClean="0"/>
+            <a:fld id="{4AAD347D-5ACD-4C99-B74B-A9C85AD731AF}" type="datetimeFigureOut">
+              <a:rPr lang="en-US" dirty="0"/>
+              <a:t>12/6/2023</a:t>
             </a:fld>
-            <a:endParaRPr lang="en-US"/>
+            <a:endParaRPr lang="en-US" dirty="0"/>
           </a:p>
         </p:txBody>
       </p:sp>
@@ -286,7 +361,7 @@
           <a:bodyPr/>
           <a:lstStyle/>
           <a:p>
-            <a:endParaRPr lang="en-US"/>
+            <a:endParaRPr lang="en-US" dirty="0"/>
           </a:p>
         </p:txBody>
       </p:sp>
@@ -305,14 +380,20 @@
           <a:bodyPr/>
           <a:lstStyle/>
           <a:p>
-            <a:fld id="{9B618960-8005-486C-9A75-10CB2AAC16F9}" type="slidenum">
-              <a:rPr lang="en-US" smtClean="0"/>
+            <a:fld id="{D57F1E4F-1CFF-5643-939E-02111984F565}" type="slidenum">
+              <a:rPr lang="en-US" dirty="0"/>
+              <a:t>‹#›</a:t>
             </a:fld>
-            <a:endParaRPr lang="en-US"/>
+            <a:endParaRPr lang="en-US" dirty="0"/>
           </a:p>
         </p:txBody>
       </p:sp>
     </p:spTree>
+    <p:extLst>
+      <p:ext uri="{BB962C8B-B14F-4D97-AF65-F5344CB8AC3E}">
+        <p14:creationId xmlns:p14="http://schemas.microsoft.com/office/powerpoint/2010/main" val="3401026769"/>
+      </p:ext>
+    </p:extLst>
   </p:cSld>
   <p:clrMapOvr>
     <a:masterClrMapping/>
@@ -321,6 +402,2550 @@
 </file>
 
 <file path=ppt/slideLayouts/slideLayout10.xml><?xml version="1.0" encoding="utf-8"?>
+<p:sldLayout xmlns:a="http://schemas.openxmlformats.org/drawingml/2006/main" xmlns:r="http://schemas.openxmlformats.org/officeDocument/2006/relationships" xmlns:p="http://schemas.openxmlformats.org/presentationml/2006/main" preserve="1">
+  <p:cSld name="Panoramic Picture with Caption">
+    <p:spTree>
+      <p:nvGrpSpPr>
+        <p:cNvPr id="1" name=""/>
+        <p:cNvGrpSpPr/>
+        <p:nvPr/>
+      </p:nvGrpSpPr>
+      <p:grpSpPr>
+        <a:xfrm>
+          <a:off x="0" y="0"/>
+          <a:ext cx="0" cy="0"/>
+          <a:chOff x="0" y="0"/>
+          <a:chExt cx="0" cy="0"/>
+        </a:xfrm>
+      </p:grpSpPr>
+      <p:sp>
+        <p:nvSpPr>
+          <p:cNvPr id="2" name="Title 1"/>
+          <p:cNvSpPr>
+            <a:spLocks noGrp="1"/>
+          </p:cNvSpPr>
+          <p:nvPr>
+            <p:ph type="title"/>
+          </p:nvPr>
+        </p:nvSpPr>
+        <p:spPr>
+          <a:xfrm>
+            <a:off x="1154956" y="4800587"/>
+            <a:ext cx="8825657" cy="566738"/>
+          </a:xfrm>
+        </p:spPr>
+        <p:txBody>
+          <a:bodyPr anchor="b">
+            <a:normAutofit/>
+          </a:bodyPr>
+          <a:lstStyle>
+            <a:lvl1pPr algn="l">
+              <a:defRPr sz="2400" b="0"/>
+            </a:lvl1pPr>
+          </a:lstStyle>
+          <a:p>
+            <a:r>
+              <a:rPr lang="en-US" dirty="0"/>
+              <a:t>Click to edit Master title style</a:t>
+            </a:r>
+          </a:p>
+        </p:txBody>
+      </p:sp>
+      <p:sp>
+        <p:nvSpPr>
+          <p:cNvPr id="3" name="Picture Placeholder 2"/>
+          <p:cNvSpPr>
+            <a:spLocks noGrp="1" noChangeAspect="1"/>
+          </p:cNvSpPr>
+          <p:nvPr>
+            <p:ph type="pic" idx="1"/>
+          </p:nvPr>
+        </p:nvSpPr>
+        <p:spPr>
+          <a:xfrm>
+            <a:off x="1154955" y="685800"/>
+            <a:ext cx="8825658" cy="3640666"/>
+          </a:xfrm>
+          <a:prstGeom prst="roundRect">
+            <a:avLst>
+              <a:gd name="adj" fmla="val 1858"/>
+            </a:avLst>
+          </a:prstGeom>
+          <a:effectLst>
+            <a:outerShdw blurRad="50800" dist="50800" dir="5400000" algn="tl" rotWithShape="0">
+              <a:srgbClr val="000000">
+                <a:alpha val="43000"/>
+              </a:srgbClr>
+            </a:outerShdw>
+          </a:effectLst>
+        </p:spPr>
+        <p:txBody>
+          <a:bodyPr anchor="t">
+            <a:normAutofit/>
+          </a:bodyPr>
+          <a:lstStyle>
+            <a:lvl1pPr marL="0" indent="0" algn="ctr">
+              <a:buNone/>
+              <a:defRPr sz="1600"/>
+            </a:lvl1pPr>
+            <a:lvl2pPr marL="457200" indent="0">
+              <a:buNone/>
+              <a:defRPr sz="1600"/>
+            </a:lvl2pPr>
+            <a:lvl3pPr marL="914400" indent="0">
+              <a:buNone/>
+              <a:defRPr sz="1600"/>
+            </a:lvl3pPr>
+            <a:lvl4pPr marL="1371600" indent="0">
+              <a:buNone/>
+              <a:defRPr sz="1600"/>
+            </a:lvl4pPr>
+            <a:lvl5pPr marL="1828800" indent="0">
+              <a:buNone/>
+              <a:defRPr sz="1600"/>
+            </a:lvl5pPr>
+            <a:lvl6pPr marL="2286000" indent="0">
+              <a:buNone/>
+              <a:defRPr sz="1600"/>
+            </a:lvl6pPr>
+            <a:lvl7pPr marL="2743200" indent="0">
+              <a:buNone/>
+              <a:defRPr sz="1600"/>
+            </a:lvl7pPr>
+            <a:lvl8pPr marL="3200400" indent="0">
+              <a:buNone/>
+              <a:defRPr sz="1600"/>
+            </a:lvl8pPr>
+            <a:lvl9pPr marL="3657600" indent="0">
+              <a:buNone/>
+              <a:defRPr sz="1600"/>
+            </a:lvl9pPr>
+          </a:lstStyle>
+          <a:p>
+            <a:endParaRPr lang="en-US" dirty="0"/>
+          </a:p>
+        </p:txBody>
+      </p:sp>
+      <p:sp>
+        <p:nvSpPr>
+          <p:cNvPr id="4" name="Text Placeholder 3"/>
+          <p:cNvSpPr>
+            <a:spLocks noGrp="1"/>
+          </p:cNvSpPr>
+          <p:nvPr>
+            <p:ph type="body" sz="half" idx="2"/>
+          </p:nvPr>
+        </p:nvSpPr>
+        <p:spPr>
+          <a:xfrm>
+            <a:off x="1154956" y="5367325"/>
+            <a:ext cx="8825656" cy="493712"/>
+          </a:xfrm>
+        </p:spPr>
+        <p:txBody>
+          <a:bodyPr>
+            <a:normAutofit/>
+          </a:bodyPr>
+          <a:lstStyle>
+            <a:lvl1pPr marL="0" indent="0">
+              <a:buNone/>
+              <a:defRPr sz="1200"/>
+            </a:lvl1pPr>
+            <a:lvl2pPr marL="457200" indent="0">
+              <a:buNone/>
+              <a:defRPr sz="1200"/>
+            </a:lvl2pPr>
+            <a:lvl3pPr marL="914400" indent="0">
+              <a:buNone/>
+              <a:defRPr sz="1000"/>
+            </a:lvl3pPr>
+            <a:lvl4pPr marL="1371600" indent="0">
+              <a:buNone/>
+              <a:defRPr sz="900"/>
+            </a:lvl4pPr>
+            <a:lvl5pPr marL="1828800" indent="0">
+              <a:buNone/>
+              <a:defRPr sz="900"/>
+            </a:lvl5pPr>
+            <a:lvl6pPr marL="2286000" indent="0">
+              <a:buNone/>
+              <a:defRPr sz="900"/>
+            </a:lvl6pPr>
+            <a:lvl7pPr marL="2743200" indent="0">
+              <a:buNone/>
+              <a:defRPr sz="900"/>
+            </a:lvl7pPr>
+            <a:lvl8pPr marL="3200400" indent="0">
+              <a:buNone/>
+              <a:defRPr sz="900"/>
+            </a:lvl8pPr>
+            <a:lvl9pPr marL="3657600" indent="0">
+              <a:buNone/>
+              <a:defRPr sz="900"/>
+            </a:lvl9pPr>
+          </a:lstStyle>
+          <a:p>
+            <a:pPr lvl="0"/>
+            <a:r>
+              <a:rPr lang="en-US" dirty="0"/>
+              <a:t>Click to edit Master text styles</a:t>
+            </a:r>
+          </a:p>
+        </p:txBody>
+      </p:sp>
+      <p:sp>
+        <p:nvSpPr>
+          <p:cNvPr id="5" name="Date Placeholder 4"/>
+          <p:cNvSpPr>
+            <a:spLocks noGrp="1"/>
+          </p:cNvSpPr>
+          <p:nvPr>
+            <p:ph type="dt" sz="half" idx="10"/>
+          </p:nvPr>
+        </p:nvSpPr>
+        <p:spPr/>
+        <p:txBody>
+          <a:bodyPr/>
+          <a:lstStyle/>
+          <a:p>
+            <a:fld id="{4509A250-FF31-4206-8172-F9D3106AACB1}" type="datetimeFigureOut">
+              <a:rPr lang="en-US" dirty="0"/>
+              <a:t>12/6/2023</a:t>
+            </a:fld>
+            <a:endParaRPr lang="en-US" dirty="0"/>
+          </a:p>
+        </p:txBody>
+      </p:sp>
+      <p:sp>
+        <p:nvSpPr>
+          <p:cNvPr id="6" name="Footer Placeholder 5"/>
+          <p:cNvSpPr>
+            <a:spLocks noGrp="1"/>
+          </p:cNvSpPr>
+          <p:nvPr>
+            <p:ph type="ftr" sz="quarter" idx="11"/>
+          </p:nvPr>
+        </p:nvSpPr>
+        <p:spPr/>
+        <p:txBody>
+          <a:bodyPr/>
+          <a:lstStyle/>
+          <a:p>
+            <a:endParaRPr lang="en-US" dirty="0"/>
+          </a:p>
+        </p:txBody>
+      </p:sp>
+      <p:sp>
+        <p:nvSpPr>
+          <p:cNvPr id="7" name="Slide Number Placeholder 6"/>
+          <p:cNvSpPr>
+            <a:spLocks noGrp="1"/>
+          </p:cNvSpPr>
+          <p:nvPr>
+            <p:ph type="sldNum" sz="quarter" idx="12"/>
+          </p:nvPr>
+        </p:nvSpPr>
+        <p:spPr/>
+        <p:txBody>
+          <a:bodyPr/>
+          <a:lstStyle/>
+          <a:p>
+            <a:fld id="{D57F1E4F-1CFF-5643-939E-02111984F565}" type="slidenum">
+              <a:rPr lang="en-US" dirty="0"/>
+              <a:t>‹#›</a:t>
+            </a:fld>
+            <a:endParaRPr lang="en-US" dirty="0"/>
+          </a:p>
+        </p:txBody>
+      </p:sp>
+    </p:spTree>
+    <p:extLst>
+      <p:ext uri="{BB962C8B-B14F-4D97-AF65-F5344CB8AC3E}">
+        <p14:creationId xmlns:p14="http://schemas.microsoft.com/office/powerpoint/2010/main" val="3739128098"/>
+      </p:ext>
+    </p:extLst>
+  </p:cSld>
+  <p:clrMapOvr>
+    <a:masterClrMapping/>
+  </p:clrMapOvr>
+</p:sldLayout>
+</file>
+
+<file path=ppt/slideLayouts/slideLayout11.xml><?xml version="1.0" encoding="utf-8"?>
+<p:sldLayout xmlns:a="http://schemas.openxmlformats.org/drawingml/2006/main" xmlns:r="http://schemas.openxmlformats.org/officeDocument/2006/relationships" xmlns:p="http://schemas.openxmlformats.org/presentationml/2006/main" preserve="1">
+  <p:cSld name="Title and Caption">
+    <p:spTree>
+      <p:nvGrpSpPr>
+        <p:cNvPr id="1" name=""/>
+        <p:cNvGrpSpPr/>
+        <p:nvPr/>
+      </p:nvGrpSpPr>
+      <p:grpSpPr>
+        <a:xfrm>
+          <a:off x="0" y="0"/>
+          <a:ext cx="0" cy="0"/>
+          <a:chOff x="0" y="0"/>
+          <a:chExt cx="0" cy="0"/>
+        </a:xfrm>
+      </p:grpSpPr>
+      <p:sp>
+        <p:nvSpPr>
+          <p:cNvPr id="2" name="Title 1"/>
+          <p:cNvSpPr>
+            <a:spLocks noGrp="1"/>
+          </p:cNvSpPr>
+          <p:nvPr>
+            <p:ph type="title"/>
+          </p:nvPr>
+        </p:nvSpPr>
+        <p:spPr>
+          <a:xfrm>
+            <a:off x="1154954" y="1447800"/>
+            <a:ext cx="8825659" cy="1981200"/>
+          </a:xfrm>
+        </p:spPr>
+        <p:txBody>
+          <a:bodyPr/>
+          <a:lstStyle>
+            <a:lvl1pPr>
+              <a:defRPr sz="4800"/>
+            </a:lvl1pPr>
+          </a:lstStyle>
+          <a:p>
+            <a:r>
+              <a:rPr lang="en-US" dirty="0"/>
+              <a:t>Click to edit Master title style</a:t>
+            </a:r>
+          </a:p>
+        </p:txBody>
+      </p:sp>
+      <p:sp>
+        <p:nvSpPr>
+          <p:cNvPr id="8" name="Text Placeholder 3"/>
+          <p:cNvSpPr>
+            <a:spLocks noGrp="1"/>
+          </p:cNvSpPr>
+          <p:nvPr>
+            <p:ph type="body" sz="half" idx="2"/>
+          </p:nvPr>
+        </p:nvSpPr>
+        <p:spPr>
+          <a:xfrm>
+            <a:off x="1154954" y="3657600"/>
+            <a:ext cx="8825659" cy="2362200"/>
+          </a:xfrm>
+        </p:spPr>
+        <p:txBody>
+          <a:bodyPr anchor="ctr">
+            <a:normAutofit/>
+          </a:bodyPr>
+          <a:lstStyle>
+            <a:lvl1pPr marL="0" indent="0">
+              <a:buNone/>
+              <a:defRPr sz="1800"/>
+            </a:lvl1pPr>
+            <a:lvl2pPr marL="457200" indent="0">
+              <a:buNone/>
+              <a:defRPr sz="1200"/>
+            </a:lvl2pPr>
+            <a:lvl3pPr marL="914400" indent="0">
+              <a:buNone/>
+              <a:defRPr sz="1000"/>
+            </a:lvl3pPr>
+            <a:lvl4pPr marL="1371600" indent="0">
+              <a:buNone/>
+              <a:defRPr sz="900"/>
+            </a:lvl4pPr>
+            <a:lvl5pPr marL="1828800" indent="0">
+              <a:buNone/>
+              <a:defRPr sz="900"/>
+            </a:lvl5pPr>
+            <a:lvl6pPr marL="2286000" indent="0">
+              <a:buNone/>
+              <a:defRPr sz="900"/>
+            </a:lvl6pPr>
+            <a:lvl7pPr marL="2743200" indent="0">
+              <a:buNone/>
+              <a:defRPr sz="900"/>
+            </a:lvl7pPr>
+            <a:lvl8pPr marL="3200400" indent="0">
+              <a:buNone/>
+              <a:defRPr sz="900"/>
+            </a:lvl8pPr>
+            <a:lvl9pPr marL="3657600" indent="0">
+              <a:buNone/>
+              <a:defRPr sz="900"/>
+            </a:lvl9pPr>
+          </a:lstStyle>
+          <a:p>
+            <a:pPr lvl="0"/>
+            <a:r>
+              <a:rPr lang="en-US" dirty="0"/>
+              <a:t>Click to edit Master text styles</a:t>
+            </a:r>
+          </a:p>
+        </p:txBody>
+      </p:sp>
+      <p:sp>
+        <p:nvSpPr>
+          <p:cNvPr id="4" name="Date Placeholder 3"/>
+          <p:cNvSpPr>
+            <a:spLocks noGrp="1"/>
+          </p:cNvSpPr>
+          <p:nvPr>
+            <p:ph type="dt" sz="half" idx="10"/>
+          </p:nvPr>
+        </p:nvSpPr>
+        <p:spPr/>
+        <p:txBody>
+          <a:bodyPr/>
+          <a:lstStyle/>
+          <a:p>
+            <a:fld id="{4509A250-FF31-4206-8172-F9D3106AACB1}" type="datetimeFigureOut">
+              <a:rPr lang="en-US" dirty="0"/>
+              <a:t>12/6/2023</a:t>
+            </a:fld>
+            <a:endParaRPr lang="en-US" dirty="0"/>
+          </a:p>
+        </p:txBody>
+      </p:sp>
+      <p:sp>
+        <p:nvSpPr>
+          <p:cNvPr id="5" name="Footer Placeholder 4"/>
+          <p:cNvSpPr>
+            <a:spLocks noGrp="1"/>
+          </p:cNvSpPr>
+          <p:nvPr>
+            <p:ph type="ftr" sz="quarter" idx="11"/>
+          </p:nvPr>
+        </p:nvSpPr>
+        <p:spPr/>
+        <p:txBody>
+          <a:bodyPr/>
+          <a:lstStyle/>
+          <a:p>
+            <a:endParaRPr lang="en-US" dirty="0"/>
+          </a:p>
+        </p:txBody>
+      </p:sp>
+      <p:sp>
+        <p:nvSpPr>
+          <p:cNvPr id="6" name="Slide Number Placeholder 5"/>
+          <p:cNvSpPr>
+            <a:spLocks noGrp="1"/>
+          </p:cNvSpPr>
+          <p:nvPr>
+            <p:ph type="sldNum" sz="quarter" idx="12"/>
+          </p:nvPr>
+        </p:nvSpPr>
+        <p:spPr/>
+        <p:txBody>
+          <a:bodyPr/>
+          <a:lstStyle/>
+          <a:p>
+            <a:fld id="{D57F1E4F-1CFF-5643-939E-02111984F565}" type="slidenum">
+              <a:rPr lang="en-US" dirty="0"/>
+              <a:t>‹#›</a:t>
+            </a:fld>
+            <a:endParaRPr lang="en-US" dirty="0"/>
+          </a:p>
+        </p:txBody>
+      </p:sp>
+    </p:spTree>
+    <p:extLst>
+      <p:ext uri="{BB962C8B-B14F-4D97-AF65-F5344CB8AC3E}">
+        <p14:creationId xmlns:p14="http://schemas.microsoft.com/office/powerpoint/2010/main" val="2693829714"/>
+      </p:ext>
+    </p:extLst>
+  </p:cSld>
+  <p:clrMapOvr>
+    <a:masterClrMapping/>
+  </p:clrMapOvr>
+</p:sldLayout>
+</file>
+
+<file path=ppt/slideLayouts/slideLayout12.xml><?xml version="1.0" encoding="utf-8"?>
+<p:sldLayout xmlns:a="http://schemas.openxmlformats.org/drawingml/2006/main" xmlns:r="http://schemas.openxmlformats.org/officeDocument/2006/relationships" xmlns:p="http://schemas.openxmlformats.org/presentationml/2006/main" preserve="1">
+  <p:cSld name="Quote with Caption">
+    <p:spTree>
+      <p:nvGrpSpPr>
+        <p:cNvPr id="1" name=""/>
+        <p:cNvGrpSpPr/>
+        <p:nvPr/>
+      </p:nvGrpSpPr>
+      <p:grpSpPr>
+        <a:xfrm>
+          <a:off x="0" y="0"/>
+          <a:ext cx="0" cy="0"/>
+          <a:chOff x="0" y="0"/>
+          <a:chExt cx="0" cy="0"/>
+        </a:xfrm>
+      </p:grpSpPr>
+      <p:sp>
+        <p:nvSpPr>
+          <p:cNvPr id="2" name="Title 1"/>
+          <p:cNvSpPr>
+            <a:spLocks noGrp="1"/>
+          </p:cNvSpPr>
+          <p:nvPr>
+            <p:ph type="title"/>
+          </p:nvPr>
+        </p:nvSpPr>
+        <p:spPr>
+          <a:xfrm>
+            <a:off x="1574801" y="1447800"/>
+            <a:ext cx="7999315" cy="2323374"/>
+          </a:xfrm>
+        </p:spPr>
+        <p:txBody>
+          <a:bodyPr/>
+          <a:lstStyle>
+            <a:lvl1pPr>
+              <a:defRPr sz="4800"/>
+            </a:lvl1pPr>
+          </a:lstStyle>
+          <a:p>
+            <a:r>
+              <a:rPr lang="en-US" dirty="0"/>
+              <a:t>Click to edit Master title style</a:t>
+            </a:r>
+          </a:p>
+        </p:txBody>
+      </p:sp>
+      <p:sp>
+        <p:nvSpPr>
+          <p:cNvPr id="11" name="Text Placeholder 3"/>
+          <p:cNvSpPr>
+            <a:spLocks noGrp="1"/>
+          </p:cNvSpPr>
+          <p:nvPr>
+            <p:ph type="body" sz="half" idx="14"/>
+          </p:nvPr>
+        </p:nvSpPr>
+        <p:spPr>
+          <a:xfrm>
+            <a:off x="1930400" y="3771174"/>
+            <a:ext cx="7279649" cy="342174"/>
+          </a:xfrm>
+        </p:spPr>
+        <p:txBody>
+          <a:bodyPr vert="horz" lIns="91440" tIns="45720" rIns="91440" bIns="45720" rtlCol="0" anchor="t">
+            <a:normAutofit/>
+          </a:bodyPr>
+          <a:lstStyle>
+            <a:lvl1pPr marL="0" indent="0">
+              <a:buNone/>
+              <a:defRPr lang="en-US" sz="1400" b="0" i="0" kern="1200" cap="small" dirty="0">
+                <a:solidFill>
+                  <a:schemeClr val="bg2">
+                    <a:lumMod val="40000"/>
+                    <a:lumOff val="60000"/>
+                  </a:schemeClr>
+                </a:solidFill>
+                <a:latin typeface="+mj-lt"/>
+                <a:ea typeface="+mj-ea"/>
+                <a:cs typeface="+mj-cs"/>
+              </a:defRPr>
+            </a:lvl1pPr>
+            <a:lvl2pPr marL="457200" indent="0">
+              <a:buNone/>
+              <a:defRPr sz="1200"/>
+            </a:lvl2pPr>
+            <a:lvl3pPr marL="914400" indent="0">
+              <a:buNone/>
+              <a:defRPr sz="1000"/>
+            </a:lvl3pPr>
+            <a:lvl4pPr marL="1371600" indent="0">
+              <a:buNone/>
+              <a:defRPr sz="900"/>
+            </a:lvl4pPr>
+            <a:lvl5pPr marL="1828800" indent="0">
+              <a:buNone/>
+              <a:defRPr sz="900"/>
+            </a:lvl5pPr>
+            <a:lvl6pPr marL="2286000" indent="0">
+              <a:buNone/>
+              <a:defRPr sz="900"/>
+            </a:lvl6pPr>
+            <a:lvl7pPr marL="2743200" indent="0">
+              <a:buNone/>
+              <a:defRPr sz="900"/>
+            </a:lvl7pPr>
+            <a:lvl8pPr marL="3200400" indent="0">
+              <a:buNone/>
+              <a:defRPr sz="900"/>
+            </a:lvl8pPr>
+            <a:lvl9pPr marL="3657600" indent="0">
+              <a:buNone/>
+              <a:defRPr sz="900"/>
+            </a:lvl9pPr>
+          </a:lstStyle>
+          <a:p>
+            <a:pPr marL="0" lvl="0" indent="0">
+              <a:buNone/>
+            </a:pPr>
+            <a:r>
+              <a:rPr lang="en-US" dirty="0"/>
+              <a:t>Click to edit Master text styles</a:t>
+            </a:r>
+          </a:p>
+        </p:txBody>
+      </p:sp>
+      <p:sp>
+        <p:nvSpPr>
+          <p:cNvPr id="10" name="Text Placeholder 3"/>
+          <p:cNvSpPr>
+            <a:spLocks noGrp="1"/>
+          </p:cNvSpPr>
+          <p:nvPr>
+            <p:ph type="body" sz="half" idx="2"/>
+          </p:nvPr>
+        </p:nvSpPr>
+        <p:spPr>
+          <a:xfrm>
+            <a:off x="1154954" y="4350657"/>
+            <a:ext cx="8825659" cy="1676400"/>
+          </a:xfrm>
+        </p:spPr>
+        <p:txBody>
+          <a:bodyPr anchor="ctr">
+            <a:normAutofit/>
+          </a:bodyPr>
+          <a:lstStyle>
+            <a:lvl1pPr marL="0" indent="0">
+              <a:buNone/>
+              <a:defRPr sz="1800"/>
+            </a:lvl1pPr>
+            <a:lvl2pPr marL="457200" indent="0">
+              <a:buNone/>
+              <a:defRPr sz="1200"/>
+            </a:lvl2pPr>
+            <a:lvl3pPr marL="914400" indent="0">
+              <a:buNone/>
+              <a:defRPr sz="1000"/>
+            </a:lvl3pPr>
+            <a:lvl4pPr marL="1371600" indent="0">
+              <a:buNone/>
+              <a:defRPr sz="900"/>
+            </a:lvl4pPr>
+            <a:lvl5pPr marL="1828800" indent="0">
+              <a:buNone/>
+              <a:defRPr sz="900"/>
+            </a:lvl5pPr>
+            <a:lvl6pPr marL="2286000" indent="0">
+              <a:buNone/>
+              <a:defRPr sz="900"/>
+            </a:lvl6pPr>
+            <a:lvl7pPr marL="2743200" indent="0">
+              <a:buNone/>
+              <a:defRPr sz="900"/>
+            </a:lvl7pPr>
+            <a:lvl8pPr marL="3200400" indent="0">
+              <a:buNone/>
+              <a:defRPr sz="900"/>
+            </a:lvl8pPr>
+            <a:lvl9pPr marL="3657600" indent="0">
+              <a:buNone/>
+              <a:defRPr sz="900"/>
+            </a:lvl9pPr>
+          </a:lstStyle>
+          <a:p>
+            <a:pPr lvl="0"/>
+            <a:r>
+              <a:rPr lang="en-US" dirty="0"/>
+              <a:t>Click to edit Master text styles</a:t>
+            </a:r>
+          </a:p>
+        </p:txBody>
+      </p:sp>
+      <p:sp>
+        <p:nvSpPr>
+          <p:cNvPr id="4" name="Date Placeholder 3"/>
+          <p:cNvSpPr>
+            <a:spLocks noGrp="1"/>
+          </p:cNvSpPr>
+          <p:nvPr>
+            <p:ph type="dt" sz="half" idx="10"/>
+          </p:nvPr>
+        </p:nvSpPr>
+        <p:spPr/>
+        <p:txBody>
+          <a:bodyPr/>
+          <a:lstStyle/>
+          <a:p>
+            <a:fld id="{4509A250-FF31-4206-8172-F9D3106AACB1}" type="datetimeFigureOut">
+              <a:rPr lang="en-US" dirty="0"/>
+              <a:t>12/6/2023</a:t>
+            </a:fld>
+            <a:endParaRPr lang="en-US" dirty="0"/>
+          </a:p>
+        </p:txBody>
+      </p:sp>
+      <p:sp>
+        <p:nvSpPr>
+          <p:cNvPr id="5" name="Footer Placeholder 4"/>
+          <p:cNvSpPr>
+            <a:spLocks noGrp="1"/>
+          </p:cNvSpPr>
+          <p:nvPr>
+            <p:ph type="ftr" sz="quarter" idx="11"/>
+          </p:nvPr>
+        </p:nvSpPr>
+        <p:spPr/>
+        <p:txBody>
+          <a:bodyPr/>
+          <a:lstStyle/>
+          <a:p>
+            <a:endParaRPr lang="en-US" dirty="0"/>
+          </a:p>
+        </p:txBody>
+      </p:sp>
+      <p:sp>
+        <p:nvSpPr>
+          <p:cNvPr id="6" name="Slide Number Placeholder 5"/>
+          <p:cNvSpPr>
+            <a:spLocks noGrp="1"/>
+          </p:cNvSpPr>
+          <p:nvPr>
+            <p:ph type="sldNum" sz="quarter" idx="12"/>
+          </p:nvPr>
+        </p:nvSpPr>
+        <p:spPr/>
+        <p:txBody>
+          <a:bodyPr/>
+          <a:lstStyle/>
+          <a:p>
+            <a:fld id="{D57F1E4F-1CFF-5643-939E-02111984F565}" type="slidenum">
+              <a:rPr lang="en-US" dirty="0"/>
+              <a:t>‹#›</a:t>
+            </a:fld>
+            <a:endParaRPr lang="en-US" dirty="0"/>
+          </a:p>
+        </p:txBody>
+      </p:sp>
+      <p:sp>
+        <p:nvSpPr>
+          <p:cNvPr id="12" name="TextBox 11"/>
+          <p:cNvSpPr txBox="1"/>
+          <p:nvPr/>
+        </p:nvSpPr>
+        <p:spPr>
+          <a:xfrm>
+            <a:off x="898295" y="971253"/>
+            <a:ext cx="801912" cy="1969770"/>
+          </a:xfrm>
+          <a:prstGeom prst="rect">
+            <a:avLst/>
+          </a:prstGeom>
+          <a:noFill/>
+        </p:spPr>
+        <p:txBody>
+          <a:bodyPr wrap="square" rtlCol="0">
+            <a:spAutoFit/>
+          </a:bodyPr>
+          <a:lstStyle>
+            <a:defPPr>
+              <a:defRPr lang="en-US"/>
+            </a:defPPr>
+            <a:lvl1pPr algn="r">
+              <a:defRPr sz="12200" b="0" i="0">
+                <a:solidFill>
+                  <a:schemeClr val="bg2">
+                    <a:lumMod val="40000"/>
+                    <a:lumOff val="60000"/>
+                  </a:schemeClr>
+                </a:solidFill>
+                <a:latin typeface="Arial"/>
+                <a:ea typeface="+mj-ea"/>
+                <a:cs typeface="+mj-cs"/>
+              </a:defRPr>
+            </a:lvl1pPr>
+          </a:lstStyle>
+          <a:p>
+            <a:pPr lvl="0"/>
+            <a:r>
+              <a:rPr lang="en-US" dirty="0"/>
+              <a:t>“</a:t>
+            </a:r>
+          </a:p>
+        </p:txBody>
+      </p:sp>
+      <p:sp>
+        <p:nvSpPr>
+          <p:cNvPr id="15" name="TextBox 14"/>
+          <p:cNvSpPr txBox="1"/>
+          <p:nvPr/>
+        </p:nvSpPr>
+        <p:spPr>
+          <a:xfrm>
+            <a:off x="9330490" y="2613787"/>
+            <a:ext cx="801912" cy="1969770"/>
+          </a:xfrm>
+          <a:prstGeom prst="rect">
+            <a:avLst/>
+          </a:prstGeom>
+          <a:noFill/>
+        </p:spPr>
+        <p:txBody>
+          <a:bodyPr wrap="square" rtlCol="0">
+            <a:spAutoFit/>
+          </a:bodyPr>
+          <a:lstStyle>
+            <a:defPPr>
+              <a:defRPr lang="en-US"/>
+            </a:defPPr>
+            <a:lvl1pPr algn="r">
+              <a:defRPr sz="12200" b="0" i="0">
+                <a:solidFill>
+                  <a:schemeClr val="bg2">
+                    <a:lumMod val="40000"/>
+                    <a:lumOff val="60000"/>
+                  </a:schemeClr>
+                </a:solidFill>
+                <a:latin typeface="Arial"/>
+                <a:ea typeface="+mj-ea"/>
+                <a:cs typeface="+mj-cs"/>
+              </a:defRPr>
+            </a:lvl1pPr>
+          </a:lstStyle>
+          <a:p>
+            <a:pPr lvl="0"/>
+            <a:r>
+              <a:rPr lang="en-US" dirty="0"/>
+              <a:t>”</a:t>
+            </a:r>
+          </a:p>
+        </p:txBody>
+      </p:sp>
+    </p:spTree>
+    <p:extLst>
+      <p:ext uri="{BB962C8B-B14F-4D97-AF65-F5344CB8AC3E}">
+        <p14:creationId xmlns:p14="http://schemas.microsoft.com/office/powerpoint/2010/main" val="1567788483"/>
+      </p:ext>
+    </p:extLst>
+  </p:cSld>
+  <p:clrMapOvr>
+    <a:masterClrMapping/>
+  </p:clrMapOvr>
+</p:sldLayout>
+</file>
+
+<file path=ppt/slideLayouts/slideLayout13.xml><?xml version="1.0" encoding="utf-8"?>
+<p:sldLayout xmlns:a="http://schemas.openxmlformats.org/drawingml/2006/main" xmlns:r="http://schemas.openxmlformats.org/officeDocument/2006/relationships" xmlns:p="http://schemas.openxmlformats.org/presentationml/2006/main" preserve="1">
+  <p:cSld name="Name Card">
+    <p:spTree>
+      <p:nvGrpSpPr>
+        <p:cNvPr id="1" name=""/>
+        <p:cNvGrpSpPr/>
+        <p:nvPr/>
+      </p:nvGrpSpPr>
+      <p:grpSpPr>
+        <a:xfrm>
+          <a:off x="0" y="0"/>
+          <a:ext cx="0" cy="0"/>
+          <a:chOff x="0" y="0"/>
+          <a:chExt cx="0" cy="0"/>
+        </a:xfrm>
+      </p:grpSpPr>
+      <p:sp>
+        <p:nvSpPr>
+          <p:cNvPr id="2" name="Title 1"/>
+          <p:cNvSpPr>
+            <a:spLocks noGrp="1"/>
+          </p:cNvSpPr>
+          <p:nvPr>
+            <p:ph type="title"/>
+          </p:nvPr>
+        </p:nvSpPr>
+        <p:spPr>
+          <a:xfrm>
+            <a:off x="1154954" y="3124201"/>
+            <a:ext cx="8825660" cy="1653180"/>
+          </a:xfrm>
+        </p:spPr>
+        <p:txBody>
+          <a:bodyPr anchor="b"/>
+          <a:lstStyle>
+            <a:lvl1pPr algn="l">
+              <a:defRPr sz="4000" b="0" cap="none"/>
+            </a:lvl1pPr>
+          </a:lstStyle>
+          <a:p>
+            <a:r>
+              <a:rPr lang="en-US" dirty="0"/>
+              <a:t>Click to edit Master title style</a:t>
+            </a:r>
+          </a:p>
+        </p:txBody>
+      </p:sp>
+      <p:sp>
+        <p:nvSpPr>
+          <p:cNvPr id="3" name="Text Placeholder 2"/>
+          <p:cNvSpPr>
+            <a:spLocks noGrp="1"/>
+          </p:cNvSpPr>
+          <p:nvPr>
+            <p:ph type="body" idx="1"/>
+          </p:nvPr>
+        </p:nvSpPr>
+        <p:spPr>
+          <a:xfrm>
+            <a:off x="1154954" y="4777381"/>
+            <a:ext cx="8825659" cy="860400"/>
+          </a:xfrm>
+        </p:spPr>
+        <p:txBody>
+          <a:bodyPr anchor="t"/>
+          <a:lstStyle>
+            <a:lvl1pPr marL="0" indent="0" algn="l">
+              <a:buNone/>
+              <a:defRPr sz="2000" cap="none">
+                <a:solidFill>
+                  <a:schemeClr val="bg2">
+                    <a:lumMod val="40000"/>
+                    <a:lumOff val="60000"/>
+                  </a:schemeClr>
+                </a:solidFill>
+              </a:defRPr>
+            </a:lvl1pPr>
+            <a:lvl2pPr marL="457200" indent="0">
+              <a:buNone/>
+              <a:defRPr sz="1800">
+                <a:solidFill>
+                  <a:schemeClr val="tx1">
+                    <a:tint val="75000"/>
+                  </a:schemeClr>
+                </a:solidFill>
+              </a:defRPr>
+            </a:lvl2pPr>
+            <a:lvl3pPr marL="914400" indent="0">
+              <a:buNone/>
+              <a:defRPr sz="1600">
+                <a:solidFill>
+                  <a:schemeClr val="tx1">
+                    <a:tint val="75000"/>
+                  </a:schemeClr>
+                </a:solidFill>
+              </a:defRPr>
+            </a:lvl3pPr>
+            <a:lvl4pPr marL="1371600" indent="0">
+              <a:buNone/>
+              <a:defRPr sz="1400">
+                <a:solidFill>
+                  <a:schemeClr val="tx1">
+                    <a:tint val="75000"/>
+                  </a:schemeClr>
+                </a:solidFill>
+              </a:defRPr>
+            </a:lvl4pPr>
+            <a:lvl5pPr marL="1828800" indent="0">
+              <a:buNone/>
+              <a:defRPr sz="1400">
+                <a:solidFill>
+                  <a:schemeClr val="tx1">
+                    <a:tint val="75000"/>
+                  </a:schemeClr>
+                </a:solidFill>
+              </a:defRPr>
+            </a:lvl5pPr>
+            <a:lvl6pPr marL="2286000" indent="0">
+              <a:buNone/>
+              <a:defRPr sz="1400">
+                <a:solidFill>
+                  <a:schemeClr val="tx1">
+                    <a:tint val="75000"/>
+                  </a:schemeClr>
+                </a:solidFill>
+              </a:defRPr>
+            </a:lvl6pPr>
+            <a:lvl7pPr marL="2743200" indent="0">
+              <a:buNone/>
+              <a:defRPr sz="1400">
+                <a:solidFill>
+                  <a:schemeClr val="tx1">
+                    <a:tint val="75000"/>
+                  </a:schemeClr>
+                </a:solidFill>
+              </a:defRPr>
+            </a:lvl7pPr>
+            <a:lvl8pPr marL="3200400" indent="0">
+              <a:buNone/>
+              <a:defRPr sz="1400">
+                <a:solidFill>
+                  <a:schemeClr val="tx1">
+                    <a:tint val="75000"/>
+                  </a:schemeClr>
+                </a:solidFill>
+              </a:defRPr>
+            </a:lvl8pPr>
+            <a:lvl9pPr marL="3657600" indent="0">
+              <a:buNone/>
+              <a:defRPr sz="1400">
+                <a:solidFill>
+                  <a:schemeClr val="tx1">
+                    <a:tint val="75000"/>
+                  </a:schemeClr>
+                </a:solidFill>
+              </a:defRPr>
+            </a:lvl9pPr>
+          </a:lstStyle>
+          <a:p>
+            <a:pPr lvl="0"/>
+            <a:r>
+              <a:rPr lang="en-US" dirty="0"/>
+              <a:t>Click to edit Master text styles</a:t>
+            </a:r>
+          </a:p>
+        </p:txBody>
+      </p:sp>
+      <p:sp>
+        <p:nvSpPr>
+          <p:cNvPr id="4" name="Date Placeholder 3"/>
+          <p:cNvSpPr>
+            <a:spLocks noGrp="1"/>
+          </p:cNvSpPr>
+          <p:nvPr>
+            <p:ph type="dt" sz="half" idx="10"/>
+          </p:nvPr>
+        </p:nvSpPr>
+        <p:spPr/>
+        <p:txBody>
+          <a:bodyPr/>
+          <a:lstStyle/>
+          <a:p>
+            <a:fld id="{4509A250-FF31-4206-8172-F9D3106AACB1}" type="datetimeFigureOut">
+              <a:rPr lang="en-US" dirty="0"/>
+              <a:t>12/6/2023</a:t>
+            </a:fld>
+            <a:endParaRPr lang="en-US" dirty="0"/>
+          </a:p>
+        </p:txBody>
+      </p:sp>
+      <p:sp>
+        <p:nvSpPr>
+          <p:cNvPr id="5" name="Footer Placeholder 4"/>
+          <p:cNvSpPr>
+            <a:spLocks noGrp="1"/>
+          </p:cNvSpPr>
+          <p:nvPr>
+            <p:ph type="ftr" sz="quarter" idx="11"/>
+          </p:nvPr>
+        </p:nvSpPr>
+        <p:spPr/>
+        <p:txBody>
+          <a:bodyPr/>
+          <a:lstStyle/>
+          <a:p>
+            <a:endParaRPr lang="en-US" dirty="0"/>
+          </a:p>
+        </p:txBody>
+      </p:sp>
+      <p:sp>
+        <p:nvSpPr>
+          <p:cNvPr id="6" name="Slide Number Placeholder 5"/>
+          <p:cNvSpPr>
+            <a:spLocks noGrp="1"/>
+          </p:cNvSpPr>
+          <p:nvPr>
+            <p:ph type="sldNum" sz="quarter" idx="12"/>
+          </p:nvPr>
+        </p:nvSpPr>
+        <p:spPr/>
+        <p:txBody>
+          <a:bodyPr/>
+          <a:lstStyle/>
+          <a:p>
+            <a:fld id="{D57F1E4F-1CFF-5643-939E-02111984F565}" type="slidenum">
+              <a:rPr lang="en-US" dirty="0"/>
+              <a:t>‹#›</a:t>
+            </a:fld>
+            <a:endParaRPr lang="en-US" dirty="0"/>
+          </a:p>
+        </p:txBody>
+      </p:sp>
+    </p:spTree>
+    <p:extLst>
+      <p:ext uri="{BB962C8B-B14F-4D97-AF65-F5344CB8AC3E}">
+        <p14:creationId xmlns:p14="http://schemas.microsoft.com/office/powerpoint/2010/main" val="3353105255"/>
+      </p:ext>
+    </p:extLst>
+  </p:cSld>
+  <p:clrMapOvr>
+    <a:masterClrMapping/>
+  </p:clrMapOvr>
+</p:sldLayout>
+</file>
+
+<file path=ppt/slideLayouts/slideLayout14.xml><?xml version="1.0" encoding="utf-8"?>
+<p:sldLayout xmlns:a="http://schemas.openxmlformats.org/drawingml/2006/main" xmlns:r="http://schemas.openxmlformats.org/officeDocument/2006/relationships" xmlns:p="http://schemas.openxmlformats.org/presentationml/2006/main" preserve="1">
+  <p:cSld name="3 Column">
+    <p:spTree>
+      <p:nvGrpSpPr>
+        <p:cNvPr id="1" name=""/>
+        <p:cNvGrpSpPr/>
+        <p:nvPr/>
+      </p:nvGrpSpPr>
+      <p:grpSpPr>
+        <a:xfrm>
+          <a:off x="0" y="0"/>
+          <a:ext cx="0" cy="0"/>
+          <a:chOff x="0" y="0"/>
+          <a:chExt cx="0" cy="0"/>
+        </a:xfrm>
+      </p:grpSpPr>
+      <p:sp>
+        <p:nvSpPr>
+          <p:cNvPr id="2" name="Title 1"/>
+          <p:cNvSpPr>
+            <a:spLocks noGrp="1"/>
+          </p:cNvSpPr>
+          <p:nvPr>
+            <p:ph type="title"/>
+          </p:nvPr>
+        </p:nvSpPr>
+        <p:spPr/>
+        <p:txBody>
+          <a:bodyPr/>
+          <a:lstStyle>
+            <a:lvl1pPr>
+              <a:defRPr sz="4200"/>
+            </a:lvl1pPr>
+          </a:lstStyle>
+          <a:p>
+            <a:r>
+              <a:rPr lang="en-US" dirty="0"/>
+              <a:t>Click to edit Master title style</a:t>
+            </a:r>
+          </a:p>
+        </p:txBody>
+      </p:sp>
+      <p:sp>
+        <p:nvSpPr>
+          <p:cNvPr id="3" name="Text Placeholder 2"/>
+          <p:cNvSpPr>
+            <a:spLocks noGrp="1"/>
+          </p:cNvSpPr>
+          <p:nvPr>
+            <p:ph type="body" idx="1"/>
+          </p:nvPr>
+        </p:nvSpPr>
+        <p:spPr>
+          <a:xfrm>
+            <a:off x="632947" y="1981200"/>
+            <a:ext cx="2946866" cy="576262"/>
+          </a:xfrm>
+        </p:spPr>
+        <p:txBody>
+          <a:bodyPr anchor="b">
+            <a:noAutofit/>
+          </a:bodyPr>
+          <a:lstStyle>
+            <a:lvl1pPr marL="0" indent="0">
+              <a:buNone/>
+              <a:defRPr sz="2400" b="0">
+                <a:solidFill>
+                  <a:schemeClr val="bg2">
+                    <a:lumMod val="40000"/>
+                    <a:lumOff val="60000"/>
+                  </a:schemeClr>
+                </a:solidFill>
+              </a:defRPr>
+            </a:lvl1pPr>
+            <a:lvl2pPr marL="457200" indent="0">
+              <a:buNone/>
+              <a:defRPr sz="2000" b="1"/>
+            </a:lvl2pPr>
+            <a:lvl3pPr marL="914400" indent="0">
+              <a:buNone/>
+              <a:defRPr sz="1800" b="1"/>
+            </a:lvl3pPr>
+            <a:lvl4pPr marL="1371600" indent="0">
+              <a:buNone/>
+              <a:defRPr sz="1600" b="1"/>
+            </a:lvl4pPr>
+            <a:lvl5pPr marL="1828800" indent="0">
+              <a:buNone/>
+              <a:defRPr sz="1600" b="1"/>
+            </a:lvl5pPr>
+            <a:lvl6pPr marL="2286000" indent="0">
+              <a:buNone/>
+              <a:defRPr sz="1600" b="1"/>
+            </a:lvl6pPr>
+            <a:lvl7pPr marL="2743200" indent="0">
+              <a:buNone/>
+              <a:defRPr sz="1600" b="1"/>
+            </a:lvl7pPr>
+            <a:lvl8pPr marL="3200400" indent="0">
+              <a:buNone/>
+              <a:defRPr sz="1600" b="1"/>
+            </a:lvl8pPr>
+            <a:lvl9pPr marL="3657600" indent="0">
+              <a:buNone/>
+              <a:defRPr sz="1600" b="1"/>
+            </a:lvl9pPr>
+          </a:lstStyle>
+          <a:p>
+            <a:pPr lvl="0"/>
+            <a:r>
+              <a:rPr lang="en-US" dirty="0"/>
+              <a:t>Click to edit Master text styles</a:t>
+            </a:r>
+          </a:p>
+        </p:txBody>
+      </p:sp>
+      <p:sp>
+        <p:nvSpPr>
+          <p:cNvPr id="16" name="Text Placeholder 3"/>
+          <p:cNvSpPr>
+            <a:spLocks noGrp="1"/>
+          </p:cNvSpPr>
+          <p:nvPr>
+            <p:ph type="body" sz="half" idx="15"/>
+          </p:nvPr>
+        </p:nvSpPr>
+        <p:spPr>
+          <a:xfrm>
+            <a:off x="652463" y="2667000"/>
+            <a:ext cx="2927350" cy="3589338"/>
+          </a:xfrm>
+        </p:spPr>
+        <p:txBody>
+          <a:bodyPr anchor="t">
+            <a:normAutofit/>
+          </a:bodyPr>
+          <a:lstStyle>
+            <a:lvl1pPr marL="0" indent="0">
+              <a:buNone/>
+              <a:defRPr sz="1400"/>
+            </a:lvl1pPr>
+            <a:lvl2pPr marL="457200" indent="0">
+              <a:buNone/>
+              <a:defRPr sz="1200"/>
+            </a:lvl2pPr>
+            <a:lvl3pPr marL="914400" indent="0">
+              <a:buNone/>
+              <a:defRPr sz="1000"/>
+            </a:lvl3pPr>
+            <a:lvl4pPr marL="1371600" indent="0">
+              <a:buNone/>
+              <a:defRPr sz="900"/>
+            </a:lvl4pPr>
+            <a:lvl5pPr marL="1828800" indent="0">
+              <a:buNone/>
+              <a:defRPr sz="900"/>
+            </a:lvl5pPr>
+            <a:lvl6pPr marL="2286000" indent="0">
+              <a:buNone/>
+              <a:defRPr sz="900"/>
+            </a:lvl6pPr>
+            <a:lvl7pPr marL="2743200" indent="0">
+              <a:buNone/>
+              <a:defRPr sz="900"/>
+            </a:lvl7pPr>
+            <a:lvl8pPr marL="3200400" indent="0">
+              <a:buNone/>
+              <a:defRPr sz="900"/>
+            </a:lvl8pPr>
+            <a:lvl9pPr marL="3657600" indent="0">
+              <a:buNone/>
+              <a:defRPr sz="900"/>
+            </a:lvl9pPr>
+          </a:lstStyle>
+          <a:p>
+            <a:pPr lvl="0"/>
+            <a:r>
+              <a:rPr lang="en-US" dirty="0"/>
+              <a:t>Click to edit Master text styles</a:t>
+            </a:r>
+          </a:p>
+        </p:txBody>
+      </p:sp>
+      <p:sp>
+        <p:nvSpPr>
+          <p:cNvPr id="5" name="Text Placeholder 4"/>
+          <p:cNvSpPr>
+            <a:spLocks noGrp="1"/>
+          </p:cNvSpPr>
+          <p:nvPr>
+            <p:ph type="body" sz="quarter" idx="3"/>
+          </p:nvPr>
+        </p:nvSpPr>
+        <p:spPr>
+          <a:xfrm>
+            <a:off x="3883659" y="1981200"/>
+            <a:ext cx="2936241" cy="576262"/>
+          </a:xfrm>
+        </p:spPr>
+        <p:txBody>
+          <a:bodyPr anchor="b">
+            <a:noAutofit/>
+          </a:bodyPr>
+          <a:lstStyle>
+            <a:lvl1pPr marL="0" indent="0">
+              <a:buNone/>
+              <a:defRPr sz="2400" b="0">
+                <a:solidFill>
+                  <a:schemeClr val="bg2">
+                    <a:lumMod val="40000"/>
+                    <a:lumOff val="60000"/>
+                  </a:schemeClr>
+                </a:solidFill>
+              </a:defRPr>
+            </a:lvl1pPr>
+            <a:lvl2pPr marL="457200" indent="0">
+              <a:buNone/>
+              <a:defRPr sz="2000" b="1"/>
+            </a:lvl2pPr>
+            <a:lvl3pPr marL="914400" indent="0">
+              <a:buNone/>
+              <a:defRPr sz="1800" b="1"/>
+            </a:lvl3pPr>
+            <a:lvl4pPr marL="1371600" indent="0">
+              <a:buNone/>
+              <a:defRPr sz="1600" b="1"/>
+            </a:lvl4pPr>
+            <a:lvl5pPr marL="1828800" indent="0">
+              <a:buNone/>
+              <a:defRPr sz="1600" b="1"/>
+            </a:lvl5pPr>
+            <a:lvl6pPr marL="2286000" indent="0">
+              <a:buNone/>
+              <a:defRPr sz="1600" b="1"/>
+            </a:lvl6pPr>
+            <a:lvl7pPr marL="2743200" indent="0">
+              <a:buNone/>
+              <a:defRPr sz="1600" b="1"/>
+            </a:lvl7pPr>
+            <a:lvl8pPr marL="3200400" indent="0">
+              <a:buNone/>
+              <a:defRPr sz="1600" b="1"/>
+            </a:lvl8pPr>
+            <a:lvl9pPr marL="3657600" indent="0">
+              <a:buNone/>
+              <a:defRPr sz="1600" b="1"/>
+            </a:lvl9pPr>
+          </a:lstStyle>
+          <a:p>
+            <a:pPr lvl="0"/>
+            <a:r>
+              <a:rPr lang="en-US" dirty="0"/>
+              <a:t>Click to edit Master text styles</a:t>
+            </a:r>
+          </a:p>
+        </p:txBody>
+      </p:sp>
+      <p:sp>
+        <p:nvSpPr>
+          <p:cNvPr id="19" name="Text Placeholder 3"/>
+          <p:cNvSpPr>
+            <a:spLocks noGrp="1"/>
+          </p:cNvSpPr>
+          <p:nvPr>
+            <p:ph type="body" sz="half" idx="16"/>
+          </p:nvPr>
+        </p:nvSpPr>
+        <p:spPr>
+          <a:xfrm>
+            <a:off x="3873106" y="2667000"/>
+            <a:ext cx="2946794" cy="3589338"/>
+          </a:xfrm>
+        </p:spPr>
+        <p:txBody>
+          <a:bodyPr anchor="t">
+            <a:normAutofit/>
+          </a:bodyPr>
+          <a:lstStyle>
+            <a:lvl1pPr marL="0" indent="0">
+              <a:buNone/>
+              <a:defRPr sz="1400"/>
+            </a:lvl1pPr>
+            <a:lvl2pPr marL="457200" indent="0">
+              <a:buNone/>
+              <a:defRPr sz="1200"/>
+            </a:lvl2pPr>
+            <a:lvl3pPr marL="914400" indent="0">
+              <a:buNone/>
+              <a:defRPr sz="1000"/>
+            </a:lvl3pPr>
+            <a:lvl4pPr marL="1371600" indent="0">
+              <a:buNone/>
+              <a:defRPr sz="900"/>
+            </a:lvl4pPr>
+            <a:lvl5pPr marL="1828800" indent="0">
+              <a:buNone/>
+              <a:defRPr sz="900"/>
+            </a:lvl5pPr>
+            <a:lvl6pPr marL="2286000" indent="0">
+              <a:buNone/>
+              <a:defRPr sz="900"/>
+            </a:lvl6pPr>
+            <a:lvl7pPr marL="2743200" indent="0">
+              <a:buNone/>
+              <a:defRPr sz="900"/>
+            </a:lvl7pPr>
+            <a:lvl8pPr marL="3200400" indent="0">
+              <a:buNone/>
+              <a:defRPr sz="900"/>
+            </a:lvl8pPr>
+            <a:lvl9pPr marL="3657600" indent="0">
+              <a:buNone/>
+              <a:defRPr sz="900"/>
+            </a:lvl9pPr>
+          </a:lstStyle>
+          <a:p>
+            <a:pPr lvl="0"/>
+            <a:r>
+              <a:rPr lang="en-US" dirty="0"/>
+              <a:t>Click to edit Master text styles</a:t>
+            </a:r>
+          </a:p>
+        </p:txBody>
+      </p:sp>
+      <p:sp>
+        <p:nvSpPr>
+          <p:cNvPr id="14" name="Text Placeholder 4"/>
+          <p:cNvSpPr>
+            <a:spLocks noGrp="1"/>
+          </p:cNvSpPr>
+          <p:nvPr>
+            <p:ph type="body" sz="quarter" idx="13"/>
+          </p:nvPr>
+        </p:nvSpPr>
+        <p:spPr>
+          <a:xfrm>
+            <a:off x="7124700" y="1981200"/>
+            <a:ext cx="2932113" cy="576262"/>
+          </a:xfrm>
+        </p:spPr>
+        <p:txBody>
+          <a:bodyPr anchor="b">
+            <a:noAutofit/>
+          </a:bodyPr>
+          <a:lstStyle>
+            <a:lvl1pPr marL="0" indent="0">
+              <a:buNone/>
+              <a:defRPr sz="2400" b="0">
+                <a:solidFill>
+                  <a:schemeClr val="bg2">
+                    <a:lumMod val="40000"/>
+                    <a:lumOff val="60000"/>
+                  </a:schemeClr>
+                </a:solidFill>
+              </a:defRPr>
+            </a:lvl1pPr>
+            <a:lvl2pPr marL="457200" indent="0">
+              <a:buNone/>
+              <a:defRPr sz="2000" b="1"/>
+            </a:lvl2pPr>
+            <a:lvl3pPr marL="914400" indent="0">
+              <a:buNone/>
+              <a:defRPr sz="1800" b="1"/>
+            </a:lvl3pPr>
+            <a:lvl4pPr marL="1371600" indent="0">
+              <a:buNone/>
+              <a:defRPr sz="1600" b="1"/>
+            </a:lvl4pPr>
+            <a:lvl5pPr marL="1828800" indent="0">
+              <a:buNone/>
+              <a:defRPr sz="1600" b="1"/>
+            </a:lvl5pPr>
+            <a:lvl6pPr marL="2286000" indent="0">
+              <a:buNone/>
+              <a:defRPr sz="1600" b="1"/>
+            </a:lvl6pPr>
+            <a:lvl7pPr marL="2743200" indent="0">
+              <a:buNone/>
+              <a:defRPr sz="1600" b="1"/>
+            </a:lvl7pPr>
+            <a:lvl8pPr marL="3200400" indent="0">
+              <a:buNone/>
+              <a:defRPr sz="1600" b="1"/>
+            </a:lvl8pPr>
+            <a:lvl9pPr marL="3657600" indent="0">
+              <a:buNone/>
+              <a:defRPr sz="1600" b="1"/>
+            </a:lvl9pPr>
+          </a:lstStyle>
+          <a:p>
+            <a:pPr lvl="0"/>
+            <a:r>
+              <a:rPr lang="en-US" dirty="0"/>
+              <a:t>Click to edit Master text styles</a:t>
+            </a:r>
+          </a:p>
+        </p:txBody>
+      </p:sp>
+      <p:sp>
+        <p:nvSpPr>
+          <p:cNvPr id="20" name="Text Placeholder 3"/>
+          <p:cNvSpPr>
+            <a:spLocks noGrp="1"/>
+          </p:cNvSpPr>
+          <p:nvPr>
+            <p:ph type="body" sz="half" idx="17"/>
+          </p:nvPr>
+        </p:nvSpPr>
+        <p:spPr>
+          <a:xfrm>
+            <a:off x="7124700" y="2667000"/>
+            <a:ext cx="2932113" cy="3589338"/>
+          </a:xfrm>
+        </p:spPr>
+        <p:txBody>
+          <a:bodyPr anchor="t">
+            <a:normAutofit/>
+          </a:bodyPr>
+          <a:lstStyle>
+            <a:lvl1pPr marL="0" indent="0">
+              <a:buNone/>
+              <a:defRPr sz="1400"/>
+            </a:lvl1pPr>
+            <a:lvl2pPr marL="457200" indent="0">
+              <a:buNone/>
+              <a:defRPr sz="1200"/>
+            </a:lvl2pPr>
+            <a:lvl3pPr marL="914400" indent="0">
+              <a:buNone/>
+              <a:defRPr sz="1000"/>
+            </a:lvl3pPr>
+            <a:lvl4pPr marL="1371600" indent="0">
+              <a:buNone/>
+              <a:defRPr sz="900"/>
+            </a:lvl4pPr>
+            <a:lvl5pPr marL="1828800" indent="0">
+              <a:buNone/>
+              <a:defRPr sz="900"/>
+            </a:lvl5pPr>
+            <a:lvl6pPr marL="2286000" indent="0">
+              <a:buNone/>
+              <a:defRPr sz="900"/>
+            </a:lvl6pPr>
+            <a:lvl7pPr marL="2743200" indent="0">
+              <a:buNone/>
+              <a:defRPr sz="900"/>
+            </a:lvl7pPr>
+            <a:lvl8pPr marL="3200400" indent="0">
+              <a:buNone/>
+              <a:defRPr sz="900"/>
+            </a:lvl8pPr>
+            <a:lvl9pPr marL="3657600" indent="0">
+              <a:buNone/>
+              <a:defRPr sz="900"/>
+            </a:lvl9pPr>
+          </a:lstStyle>
+          <a:p>
+            <a:pPr lvl="0"/>
+            <a:r>
+              <a:rPr lang="en-US" dirty="0"/>
+              <a:t>Click to edit Master text styles</a:t>
+            </a:r>
+          </a:p>
+        </p:txBody>
+      </p:sp>
+      <p:cxnSp>
+        <p:nvCxnSpPr>
+          <p:cNvPr id="17" name="Straight Connector 16"/>
+          <p:cNvCxnSpPr/>
+          <p:nvPr/>
+        </p:nvCxnSpPr>
+        <p:spPr>
+          <a:xfrm>
+            <a:off x="3726142" y="2133600"/>
+            <a:ext cx="0" cy="3962400"/>
+          </a:xfrm>
+          <a:prstGeom prst="line">
+            <a:avLst/>
+          </a:prstGeom>
+          <a:ln w="12700" cmpd="sng">
+            <a:solidFill>
+              <a:schemeClr val="bg2">
+                <a:lumMod val="40000"/>
+                <a:lumOff val="60000"/>
+                <a:alpha val="40000"/>
+              </a:schemeClr>
+            </a:solidFill>
+          </a:ln>
+        </p:spPr>
+        <p:style>
+          <a:lnRef idx="2">
+            <a:schemeClr val="accent1"/>
+          </a:lnRef>
+          <a:fillRef idx="0">
+            <a:schemeClr val="accent1"/>
+          </a:fillRef>
+          <a:effectRef idx="1">
+            <a:schemeClr val="accent1"/>
+          </a:effectRef>
+          <a:fontRef idx="minor">
+            <a:schemeClr val="tx1"/>
+          </a:fontRef>
+        </p:style>
+      </p:cxnSp>
+      <p:cxnSp>
+        <p:nvCxnSpPr>
+          <p:cNvPr id="18" name="Straight Connector 17"/>
+          <p:cNvCxnSpPr/>
+          <p:nvPr/>
+        </p:nvCxnSpPr>
+        <p:spPr>
+          <a:xfrm>
+            <a:off x="6962227" y="2133600"/>
+            <a:ext cx="0" cy="3966882"/>
+          </a:xfrm>
+          <a:prstGeom prst="line">
+            <a:avLst/>
+          </a:prstGeom>
+          <a:ln w="12700" cmpd="sng">
+            <a:solidFill>
+              <a:schemeClr val="bg2">
+                <a:lumMod val="40000"/>
+                <a:lumOff val="60000"/>
+                <a:alpha val="40000"/>
+              </a:schemeClr>
+            </a:solidFill>
+          </a:ln>
+        </p:spPr>
+        <p:style>
+          <a:lnRef idx="2">
+            <a:schemeClr val="accent1"/>
+          </a:lnRef>
+          <a:fillRef idx="0">
+            <a:schemeClr val="accent1"/>
+          </a:fillRef>
+          <a:effectRef idx="1">
+            <a:schemeClr val="accent1"/>
+          </a:effectRef>
+          <a:fontRef idx="minor">
+            <a:schemeClr val="tx1"/>
+          </a:fontRef>
+        </p:style>
+      </p:cxnSp>
+      <p:sp>
+        <p:nvSpPr>
+          <p:cNvPr id="7" name="Date Placeholder 3"/>
+          <p:cNvSpPr>
+            <a:spLocks noGrp="1"/>
+          </p:cNvSpPr>
+          <p:nvPr>
+            <p:ph type="dt" sz="half" idx="10"/>
+          </p:nvPr>
+        </p:nvSpPr>
+        <p:spPr/>
+        <p:txBody>
+          <a:bodyPr/>
+          <a:lstStyle/>
+          <a:p>
+            <a:fld id="{4509A250-FF31-4206-8172-F9D3106AACB1}" type="datetimeFigureOut">
+              <a:rPr lang="en-US" dirty="0"/>
+              <a:t>12/6/2023</a:t>
+            </a:fld>
+            <a:endParaRPr lang="en-US" dirty="0"/>
+          </a:p>
+        </p:txBody>
+      </p:sp>
+      <p:sp>
+        <p:nvSpPr>
+          <p:cNvPr id="4" name="Footer Placeholder 4"/>
+          <p:cNvSpPr>
+            <a:spLocks noGrp="1"/>
+          </p:cNvSpPr>
+          <p:nvPr>
+            <p:ph type="ftr" sz="quarter" idx="11"/>
+          </p:nvPr>
+        </p:nvSpPr>
+        <p:spPr/>
+        <p:txBody>
+          <a:bodyPr/>
+          <a:lstStyle/>
+          <a:p>
+            <a:endParaRPr lang="en-US" dirty="0"/>
+          </a:p>
+        </p:txBody>
+      </p:sp>
+      <p:sp>
+        <p:nvSpPr>
+          <p:cNvPr id="6" name="Slide Number Placeholder 5"/>
+          <p:cNvSpPr>
+            <a:spLocks noGrp="1"/>
+          </p:cNvSpPr>
+          <p:nvPr>
+            <p:ph type="sldNum" sz="quarter" idx="12"/>
+          </p:nvPr>
+        </p:nvSpPr>
+        <p:spPr/>
+        <p:txBody>
+          <a:bodyPr/>
+          <a:lstStyle/>
+          <a:p>
+            <a:fld id="{D57F1E4F-1CFF-5643-939E-02111984F565}" type="slidenum">
+              <a:rPr lang="en-US" dirty="0"/>
+              <a:t>‹#›</a:t>
+            </a:fld>
+            <a:endParaRPr lang="en-US" dirty="0"/>
+          </a:p>
+        </p:txBody>
+      </p:sp>
+    </p:spTree>
+    <p:extLst>
+      <p:ext uri="{BB962C8B-B14F-4D97-AF65-F5344CB8AC3E}">
+        <p14:creationId xmlns:p14="http://schemas.microsoft.com/office/powerpoint/2010/main" val="1715654989"/>
+      </p:ext>
+    </p:extLst>
+  </p:cSld>
+  <p:clrMapOvr>
+    <a:masterClrMapping/>
+  </p:clrMapOvr>
+</p:sldLayout>
+</file>
+
+<file path=ppt/slideLayouts/slideLayout15.xml><?xml version="1.0" encoding="utf-8"?>
+<p:sldLayout xmlns:a="http://schemas.openxmlformats.org/drawingml/2006/main" xmlns:r="http://schemas.openxmlformats.org/officeDocument/2006/relationships" xmlns:p="http://schemas.openxmlformats.org/presentationml/2006/main" preserve="1">
+  <p:cSld name="3 Picture Column">
+    <p:spTree>
+      <p:nvGrpSpPr>
+        <p:cNvPr id="1" name=""/>
+        <p:cNvGrpSpPr/>
+        <p:nvPr/>
+      </p:nvGrpSpPr>
+      <p:grpSpPr>
+        <a:xfrm>
+          <a:off x="0" y="0"/>
+          <a:ext cx="0" cy="0"/>
+          <a:chOff x="0" y="0"/>
+          <a:chExt cx="0" cy="0"/>
+        </a:xfrm>
+      </p:grpSpPr>
+      <p:sp>
+        <p:nvSpPr>
+          <p:cNvPr id="2" name="Title 1"/>
+          <p:cNvSpPr>
+            <a:spLocks noGrp="1"/>
+          </p:cNvSpPr>
+          <p:nvPr>
+            <p:ph type="title"/>
+          </p:nvPr>
+        </p:nvSpPr>
+        <p:spPr/>
+        <p:txBody>
+          <a:bodyPr/>
+          <a:lstStyle>
+            <a:lvl1pPr>
+              <a:defRPr sz="4200"/>
+            </a:lvl1pPr>
+          </a:lstStyle>
+          <a:p>
+            <a:r>
+              <a:rPr lang="en-US" dirty="0"/>
+              <a:t>Click to edit Master title style</a:t>
+            </a:r>
+          </a:p>
+        </p:txBody>
+      </p:sp>
+      <p:sp>
+        <p:nvSpPr>
+          <p:cNvPr id="3" name="Text Placeholder 2"/>
+          <p:cNvSpPr>
+            <a:spLocks noGrp="1"/>
+          </p:cNvSpPr>
+          <p:nvPr>
+            <p:ph type="body" idx="1"/>
+          </p:nvPr>
+        </p:nvSpPr>
+        <p:spPr>
+          <a:xfrm>
+            <a:off x="652463" y="4250949"/>
+            <a:ext cx="2940050" cy="576262"/>
+          </a:xfrm>
+        </p:spPr>
+        <p:txBody>
+          <a:bodyPr anchor="b">
+            <a:noAutofit/>
+          </a:bodyPr>
+          <a:lstStyle>
+            <a:lvl1pPr marL="0" indent="0">
+              <a:buNone/>
+              <a:defRPr sz="2400" b="0">
+                <a:solidFill>
+                  <a:schemeClr val="bg2">
+                    <a:lumMod val="40000"/>
+                    <a:lumOff val="60000"/>
+                  </a:schemeClr>
+                </a:solidFill>
+              </a:defRPr>
+            </a:lvl1pPr>
+            <a:lvl2pPr marL="457200" indent="0">
+              <a:buNone/>
+              <a:defRPr sz="2000" b="1"/>
+            </a:lvl2pPr>
+            <a:lvl3pPr marL="914400" indent="0">
+              <a:buNone/>
+              <a:defRPr sz="1800" b="1"/>
+            </a:lvl3pPr>
+            <a:lvl4pPr marL="1371600" indent="0">
+              <a:buNone/>
+              <a:defRPr sz="1600" b="1"/>
+            </a:lvl4pPr>
+            <a:lvl5pPr marL="1828800" indent="0">
+              <a:buNone/>
+              <a:defRPr sz="1600" b="1"/>
+            </a:lvl5pPr>
+            <a:lvl6pPr marL="2286000" indent="0">
+              <a:buNone/>
+              <a:defRPr sz="1600" b="1"/>
+            </a:lvl6pPr>
+            <a:lvl7pPr marL="2743200" indent="0">
+              <a:buNone/>
+              <a:defRPr sz="1600" b="1"/>
+            </a:lvl7pPr>
+            <a:lvl8pPr marL="3200400" indent="0">
+              <a:buNone/>
+              <a:defRPr sz="1600" b="1"/>
+            </a:lvl8pPr>
+            <a:lvl9pPr marL="3657600" indent="0">
+              <a:buNone/>
+              <a:defRPr sz="1600" b="1"/>
+            </a:lvl9pPr>
+          </a:lstStyle>
+          <a:p>
+            <a:pPr lvl="0"/>
+            <a:r>
+              <a:rPr lang="en-US" dirty="0"/>
+              <a:t>Click to edit Master text styles</a:t>
+            </a:r>
+          </a:p>
+        </p:txBody>
+      </p:sp>
+      <p:sp>
+        <p:nvSpPr>
+          <p:cNvPr id="29" name="Picture Placeholder 2"/>
+          <p:cNvSpPr>
+            <a:spLocks noGrp="1" noChangeAspect="1"/>
+          </p:cNvSpPr>
+          <p:nvPr>
+            <p:ph type="pic" idx="15"/>
+          </p:nvPr>
+        </p:nvSpPr>
+        <p:spPr>
+          <a:xfrm>
+            <a:off x="652463" y="2209800"/>
+            <a:ext cx="2940050" cy="1524000"/>
+          </a:xfrm>
+          <a:prstGeom prst="roundRect">
+            <a:avLst>
+              <a:gd name="adj" fmla="val 1858"/>
+            </a:avLst>
+          </a:prstGeom>
+          <a:effectLst>
+            <a:outerShdw blurRad="50800" dist="50800" dir="5400000" algn="tl" rotWithShape="0">
+              <a:srgbClr val="000000">
+                <a:alpha val="43000"/>
+              </a:srgbClr>
+            </a:outerShdw>
+          </a:effectLst>
+        </p:spPr>
+        <p:txBody>
+          <a:bodyPr anchor="t">
+            <a:normAutofit/>
+          </a:bodyPr>
+          <a:lstStyle>
+            <a:lvl1pPr marL="0" indent="0" algn="ctr">
+              <a:buNone/>
+              <a:defRPr sz="1600"/>
+            </a:lvl1pPr>
+            <a:lvl2pPr marL="457200" indent="0">
+              <a:buNone/>
+              <a:defRPr sz="1600"/>
+            </a:lvl2pPr>
+            <a:lvl3pPr marL="914400" indent="0">
+              <a:buNone/>
+              <a:defRPr sz="1600"/>
+            </a:lvl3pPr>
+            <a:lvl4pPr marL="1371600" indent="0">
+              <a:buNone/>
+              <a:defRPr sz="1600"/>
+            </a:lvl4pPr>
+            <a:lvl5pPr marL="1828800" indent="0">
+              <a:buNone/>
+              <a:defRPr sz="1600"/>
+            </a:lvl5pPr>
+            <a:lvl6pPr marL="2286000" indent="0">
+              <a:buNone/>
+              <a:defRPr sz="1600"/>
+            </a:lvl6pPr>
+            <a:lvl7pPr marL="2743200" indent="0">
+              <a:buNone/>
+              <a:defRPr sz="1600"/>
+            </a:lvl7pPr>
+            <a:lvl8pPr marL="3200400" indent="0">
+              <a:buNone/>
+              <a:defRPr sz="1600"/>
+            </a:lvl8pPr>
+            <a:lvl9pPr marL="3657600" indent="0">
+              <a:buNone/>
+              <a:defRPr sz="1600"/>
+            </a:lvl9pPr>
+          </a:lstStyle>
+          <a:p>
+            <a:endParaRPr lang="en-US" dirty="0"/>
+          </a:p>
+        </p:txBody>
+      </p:sp>
+      <p:sp>
+        <p:nvSpPr>
+          <p:cNvPr id="22" name="Text Placeholder 3"/>
+          <p:cNvSpPr>
+            <a:spLocks noGrp="1"/>
+          </p:cNvSpPr>
+          <p:nvPr>
+            <p:ph type="body" sz="half" idx="18"/>
+          </p:nvPr>
+        </p:nvSpPr>
+        <p:spPr>
+          <a:xfrm>
+            <a:off x="652463" y="4827211"/>
+            <a:ext cx="2940050" cy="659189"/>
+          </a:xfrm>
+        </p:spPr>
+        <p:txBody>
+          <a:bodyPr anchor="t">
+            <a:normAutofit/>
+          </a:bodyPr>
+          <a:lstStyle>
+            <a:lvl1pPr marL="0" indent="0">
+              <a:buNone/>
+              <a:defRPr sz="1400"/>
+            </a:lvl1pPr>
+            <a:lvl2pPr marL="457200" indent="0">
+              <a:buNone/>
+              <a:defRPr sz="1200"/>
+            </a:lvl2pPr>
+            <a:lvl3pPr marL="914400" indent="0">
+              <a:buNone/>
+              <a:defRPr sz="1000"/>
+            </a:lvl3pPr>
+            <a:lvl4pPr marL="1371600" indent="0">
+              <a:buNone/>
+              <a:defRPr sz="900"/>
+            </a:lvl4pPr>
+            <a:lvl5pPr marL="1828800" indent="0">
+              <a:buNone/>
+              <a:defRPr sz="900"/>
+            </a:lvl5pPr>
+            <a:lvl6pPr marL="2286000" indent="0">
+              <a:buNone/>
+              <a:defRPr sz="900"/>
+            </a:lvl6pPr>
+            <a:lvl7pPr marL="2743200" indent="0">
+              <a:buNone/>
+              <a:defRPr sz="900"/>
+            </a:lvl7pPr>
+            <a:lvl8pPr marL="3200400" indent="0">
+              <a:buNone/>
+              <a:defRPr sz="900"/>
+            </a:lvl8pPr>
+            <a:lvl9pPr marL="3657600" indent="0">
+              <a:buNone/>
+              <a:defRPr sz="900"/>
+            </a:lvl9pPr>
+          </a:lstStyle>
+          <a:p>
+            <a:pPr lvl="0"/>
+            <a:r>
+              <a:rPr lang="en-US" dirty="0"/>
+              <a:t>Click to edit Master text styles</a:t>
+            </a:r>
+          </a:p>
+        </p:txBody>
+      </p:sp>
+      <p:sp>
+        <p:nvSpPr>
+          <p:cNvPr id="5" name="Text Placeholder 4"/>
+          <p:cNvSpPr>
+            <a:spLocks noGrp="1"/>
+          </p:cNvSpPr>
+          <p:nvPr>
+            <p:ph type="body" sz="quarter" idx="3"/>
+          </p:nvPr>
+        </p:nvSpPr>
+        <p:spPr>
+          <a:xfrm>
+            <a:off x="3889375" y="4250949"/>
+            <a:ext cx="2930525" cy="576262"/>
+          </a:xfrm>
+        </p:spPr>
+        <p:txBody>
+          <a:bodyPr anchor="b">
+            <a:noAutofit/>
+          </a:bodyPr>
+          <a:lstStyle>
+            <a:lvl1pPr marL="0" indent="0">
+              <a:buNone/>
+              <a:defRPr sz="2400" b="0">
+                <a:solidFill>
+                  <a:schemeClr val="bg2">
+                    <a:lumMod val="40000"/>
+                    <a:lumOff val="60000"/>
+                  </a:schemeClr>
+                </a:solidFill>
+              </a:defRPr>
+            </a:lvl1pPr>
+            <a:lvl2pPr marL="457200" indent="0">
+              <a:buNone/>
+              <a:defRPr sz="2000" b="1"/>
+            </a:lvl2pPr>
+            <a:lvl3pPr marL="914400" indent="0">
+              <a:buNone/>
+              <a:defRPr sz="1800" b="1"/>
+            </a:lvl3pPr>
+            <a:lvl4pPr marL="1371600" indent="0">
+              <a:buNone/>
+              <a:defRPr sz="1600" b="1"/>
+            </a:lvl4pPr>
+            <a:lvl5pPr marL="1828800" indent="0">
+              <a:buNone/>
+              <a:defRPr sz="1600" b="1"/>
+            </a:lvl5pPr>
+            <a:lvl6pPr marL="2286000" indent="0">
+              <a:buNone/>
+              <a:defRPr sz="1600" b="1"/>
+            </a:lvl6pPr>
+            <a:lvl7pPr marL="2743200" indent="0">
+              <a:buNone/>
+              <a:defRPr sz="1600" b="1"/>
+            </a:lvl7pPr>
+            <a:lvl8pPr marL="3200400" indent="0">
+              <a:buNone/>
+              <a:defRPr sz="1600" b="1"/>
+            </a:lvl8pPr>
+            <a:lvl9pPr marL="3657600" indent="0">
+              <a:buNone/>
+              <a:defRPr sz="1600" b="1"/>
+            </a:lvl9pPr>
+          </a:lstStyle>
+          <a:p>
+            <a:pPr lvl="0"/>
+            <a:r>
+              <a:rPr lang="en-US" dirty="0"/>
+              <a:t>Click to edit Master text styles</a:t>
+            </a:r>
+          </a:p>
+        </p:txBody>
+      </p:sp>
+      <p:sp>
+        <p:nvSpPr>
+          <p:cNvPr id="30" name="Picture Placeholder 2"/>
+          <p:cNvSpPr>
+            <a:spLocks noGrp="1" noChangeAspect="1"/>
+          </p:cNvSpPr>
+          <p:nvPr>
+            <p:ph type="pic" idx="21"/>
+          </p:nvPr>
+        </p:nvSpPr>
+        <p:spPr>
+          <a:xfrm>
+            <a:off x="3889374" y="2209800"/>
+            <a:ext cx="2930525" cy="1524000"/>
+          </a:xfrm>
+          <a:prstGeom prst="roundRect">
+            <a:avLst>
+              <a:gd name="adj" fmla="val 1858"/>
+            </a:avLst>
+          </a:prstGeom>
+          <a:effectLst>
+            <a:outerShdw blurRad="50800" dist="50800" dir="5400000" algn="tl" rotWithShape="0">
+              <a:srgbClr val="000000">
+                <a:alpha val="43000"/>
+              </a:srgbClr>
+            </a:outerShdw>
+          </a:effectLst>
+        </p:spPr>
+        <p:txBody>
+          <a:bodyPr anchor="t">
+            <a:normAutofit/>
+          </a:bodyPr>
+          <a:lstStyle>
+            <a:lvl1pPr marL="0" indent="0" algn="ctr">
+              <a:buNone/>
+              <a:defRPr sz="1600"/>
+            </a:lvl1pPr>
+            <a:lvl2pPr marL="457200" indent="0">
+              <a:buNone/>
+              <a:defRPr sz="1600"/>
+            </a:lvl2pPr>
+            <a:lvl3pPr marL="914400" indent="0">
+              <a:buNone/>
+              <a:defRPr sz="1600"/>
+            </a:lvl3pPr>
+            <a:lvl4pPr marL="1371600" indent="0">
+              <a:buNone/>
+              <a:defRPr sz="1600"/>
+            </a:lvl4pPr>
+            <a:lvl5pPr marL="1828800" indent="0">
+              <a:buNone/>
+              <a:defRPr sz="1600"/>
+            </a:lvl5pPr>
+            <a:lvl6pPr marL="2286000" indent="0">
+              <a:buNone/>
+              <a:defRPr sz="1600"/>
+            </a:lvl6pPr>
+            <a:lvl7pPr marL="2743200" indent="0">
+              <a:buNone/>
+              <a:defRPr sz="1600"/>
+            </a:lvl7pPr>
+            <a:lvl8pPr marL="3200400" indent="0">
+              <a:buNone/>
+              <a:defRPr sz="1600"/>
+            </a:lvl8pPr>
+            <a:lvl9pPr marL="3657600" indent="0">
+              <a:buNone/>
+              <a:defRPr sz="1600"/>
+            </a:lvl9pPr>
+          </a:lstStyle>
+          <a:p>
+            <a:endParaRPr lang="en-US" dirty="0"/>
+          </a:p>
+        </p:txBody>
+      </p:sp>
+      <p:sp>
+        <p:nvSpPr>
+          <p:cNvPr id="23" name="Text Placeholder 3"/>
+          <p:cNvSpPr>
+            <a:spLocks noGrp="1"/>
+          </p:cNvSpPr>
+          <p:nvPr>
+            <p:ph type="body" sz="half" idx="19"/>
+          </p:nvPr>
+        </p:nvSpPr>
+        <p:spPr>
+          <a:xfrm>
+            <a:off x="3888022" y="4827210"/>
+            <a:ext cx="2934406" cy="659189"/>
+          </a:xfrm>
+        </p:spPr>
+        <p:txBody>
+          <a:bodyPr anchor="t">
+            <a:normAutofit/>
+          </a:bodyPr>
+          <a:lstStyle>
+            <a:lvl1pPr marL="0" indent="0">
+              <a:buNone/>
+              <a:defRPr sz="1400"/>
+            </a:lvl1pPr>
+            <a:lvl2pPr marL="457200" indent="0">
+              <a:buNone/>
+              <a:defRPr sz="1200"/>
+            </a:lvl2pPr>
+            <a:lvl3pPr marL="914400" indent="0">
+              <a:buNone/>
+              <a:defRPr sz="1000"/>
+            </a:lvl3pPr>
+            <a:lvl4pPr marL="1371600" indent="0">
+              <a:buNone/>
+              <a:defRPr sz="900"/>
+            </a:lvl4pPr>
+            <a:lvl5pPr marL="1828800" indent="0">
+              <a:buNone/>
+              <a:defRPr sz="900"/>
+            </a:lvl5pPr>
+            <a:lvl6pPr marL="2286000" indent="0">
+              <a:buNone/>
+              <a:defRPr sz="900"/>
+            </a:lvl6pPr>
+            <a:lvl7pPr marL="2743200" indent="0">
+              <a:buNone/>
+              <a:defRPr sz="900"/>
+            </a:lvl7pPr>
+            <a:lvl8pPr marL="3200400" indent="0">
+              <a:buNone/>
+              <a:defRPr sz="900"/>
+            </a:lvl8pPr>
+            <a:lvl9pPr marL="3657600" indent="0">
+              <a:buNone/>
+              <a:defRPr sz="900"/>
+            </a:lvl9pPr>
+          </a:lstStyle>
+          <a:p>
+            <a:pPr lvl="0"/>
+            <a:r>
+              <a:rPr lang="en-US" dirty="0"/>
+              <a:t>Click to edit Master text styles</a:t>
+            </a:r>
+          </a:p>
+        </p:txBody>
+      </p:sp>
+      <p:sp>
+        <p:nvSpPr>
+          <p:cNvPr id="14" name="Text Placeholder 4"/>
+          <p:cNvSpPr>
+            <a:spLocks noGrp="1"/>
+          </p:cNvSpPr>
+          <p:nvPr>
+            <p:ph type="body" sz="quarter" idx="13"/>
+          </p:nvPr>
+        </p:nvSpPr>
+        <p:spPr>
+          <a:xfrm>
+            <a:off x="7124700" y="4250949"/>
+            <a:ext cx="2932113" cy="576262"/>
+          </a:xfrm>
+        </p:spPr>
+        <p:txBody>
+          <a:bodyPr anchor="b">
+            <a:noAutofit/>
+          </a:bodyPr>
+          <a:lstStyle>
+            <a:lvl1pPr marL="0" indent="0">
+              <a:buNone/>
+              <a:defRPr sz="2400" b="0">
+                <a:solidFill>
+                  <a:schemeClr val="bg2">
+                    <a:lumMod val="40000"/>
+                    <a:lumOff val="60000"/>
+                  </a:schemeClr>
+                </a:solidFill>
+              </a:defRPr>
+            </a:lvl1pPr>
+            <a:lvl2pPr marL="457200" indent="0">
+              <a:buNone/>
+              <a:defRPr sz="2000" b="1"/>
+            </a:lvl2pPr>
+            <a:lvl3pPr marL="914400" indent="0">
+              <a:buNone/>
+              <a:defRPr sz="1800" b="1"/>
+            </a:lvl3pPr>
+            <a:lvl4pPr marL="1371600" indent="0">
+              <a:buNone/>
+              <a:defRPr sz="1600" b="1"/>
+            </a:lvl4pPr>
+            <a:lvl5pPr marL="1828800" indent="0">
+              <a:buNone/>
+              <a:defRPr sz="1600" b="1"/>
+            </a:lvl5pPr>
+            <a:lvl6pPr marL="2286000" indent="0">
+              <a:buNone/>
+              <a:defRPr sz="1600" b="1"/>
+            </a:lvl6pPr>
+            <a:lvl7pPr marL="2743200" indent="0">
+              <a:buNone/>
+              <a:defRPr sz="1600" b="1"/>
+            </a:lvl7pPr>
+            <a:lvl8pPr marL="3200400" indent="0">
+              <a:buNone/>
+              <a:defRPr sz="1600" b="1"/>
+            </a:lvl8pPr>
+            <a:lvl9pPr marL="3657600" indent="0">
+              <a:buNone/>
+              <a:defRPr sz="1600" b="1"/>
+            </a:lvl9pPr>
+          </a:lstStyle>
+          <a:p>
+            <a:pPr lvl="0"/>
+            <a:r>
+              <a:rPr lang="en-US" dirty="0"/>
+              <a:t>Click to edit Master text styles</a:t>
+            </a:r>
+          </a:p>
+        </p:txBody>
+      </p:sp>
+      <p:sp>
+        <p:nvSpPr>
+          <p:cNvPr id="31" name="Picture Placeholder 2"/>
+          <p:cNvSpPr>
+            <a:spLocks noGrp="1" noChangeAspect="1"/>
+          </p:cNvSpPr>
+          <p:nvPr>
+            <p:ph type="pic" idx="22"/>
+          </p:nvPr>
+        </p:nvSpPr>
+        <p:spPr>
+          <a:xfrm>
+            <a:off x="7124699" y="2209800"/>
+            <a:ext cx="2932113" cy="1524000"/>
+          </a:xfrm>
+          <a:prstGeom prst="roundRect">
+            <a:avLst>
+              <a:gd name="adj" fmla="val 1858"/>
+            </a:avLst>
+          </a:prstGeom>
+          <a:effectLst>
+            <a:outerShdw blurRad="50800" dist="50800" dir="5400000" algn="tl" rotWithShape="0">
+              <a:srgbClr val="000000">
+                <a:alpha val="43000"/>
+              </a:srgbClr>
+            </a:outerShdw>
+          </a:effectLst>
+        </p:spPr>
+        <p:txBody>
+          <a:bodyPr anchor="t">
+            <a:normAutofit/>
+          </a:bodyPr>
+          <a:lstStyle>
+            <a:lvl1pPr marL="0" indent="0" algn="ctr">
+              <a:buNone/>
+              <a:defRPr sz="1600"/>
+            </a:lvl1pPr>
+            <a:lvl2pPr marL="457200" indent="0">
+              <a:buNone/>
+              <a:defRPr sz="1600"/>
+            </a:lvl2pPr>
+            <a:lvl3pPr marL="914400" indent="0">
+              <a:buNone/>
+              <a:defRPr sz="1600"/>
+            </a:lvl3pPr>
+            <a:lvl4pPr marL="1371600" indent="0">
+              <a:buNone/>
+              <a:defRPr sz="1600"/>
+            </a:lvl4pPr>
+            <a:lvl5pPr marL="1828800" indent="0">
+              <a:buNone/>
+              <a:defRPr sz="1600"/>
+            </a:lvl5pPr>
+            <a:lvl6pPr marL="2286000" indent="0">
+              <a:buNone/>
+              <a:defRPr sz="1600"/>
+            </a:lvl6pPr>
+            <a:lvl7pPr marL="2743200" indent="0">
+              <a:buNone/>
+              <a:defRPr sz="1600"/>
+            </a:lvl7pPr>
+            <a:lvl8pPr marL="3200400" indent="0">
+              <a:buNone/>
+              <a:defRPr sz="1600"/>
+            </a:lvl8pPr>
+            <a:lvl9pPr marL="3657600" indent="0">
+              <a:buNone/>
+              <a:defRPr sz="1600"/>
+            </a:lvl9pPr>
+          </a:lstStyle>
+          <a:p>
+            <a:endParaRPr lang="en-US" dirty="0"/>
+          </a:p>
+        </p:txBody>
+      </p:sp>
+      <p:sp>
+        <p:nvSpPr>
+          <p:cNvPr id="24" name="Text Placeholder 3"/>
+          <p:cNvSpPr>
+            <a:spLocks noGrp="1"/>
+          </p:cNvSpPr>
+          <p:nvPr>
+            <p:ph type="body" sz="half" idx="20"/>
+          </p:nvPr>
+        </p:nvSpPr>
+        <p:spPr>
+          <a:xfrm>
+            <a:off x="7124575" y="4827208"/>
+            <a:ext cx="2935997" cy="659189"/>
+          </a:xfrm>
+        </p:spPr>
+        <p:txBody>
+          <a:bodyPr anchor="t">
+            <a:normAutofit/>
+          </a:bodyPr>
+          <a:lstStyle>
+            <a:lvl1pPr marL="0" indent="0">
+              <a:buNone/>
+              <a:defRPr sz="1400"/>
+            </a:lvl1pPr>
+            <a:lvl2pPr marL="457200" indent="0">
+              <a:buNone/>
+              <a:defRPr sz="1200"/>
+            </a:lvl2pPr>
+            <a:lvl3pPr marL="914400" indent="0">
+              <a:buNone/>
+              <a:defRPr sz="1000"/>
+            </a:lvl3pPr>
+            <a:lvl4pPr marL="1371600" indent="0">
+              <a:buNone/>
+              <a:defRPr sz="900"/>
+            </a:lvl4pPr>
+            <a:lvl5pPr marL="1828800" indent="0">
+              <a:buNone/>
+              <a:defRPr sz="900"/>
+            </a:lvl5pPr>
+            <a:lvl6pPr marL="2286000" indent="0">
+              <a:buNone/>
+              <a:defRPr sz="900"/>
+            </a:lvl6pPr>
+            <a:lvl7pPr marL="2743200" indent="0">
+              <a:buNone/>
+              <a:defRPr sz="900"/>
+            </a:lvl7pPr>
+            <a:lvl8pPr marL="3200400" indent="0">
+              <a:buNone/>
+              <a:defRPr sz="900"/>
+            </a:lvl8pPr>
+            <a:lvl9pPr marL="3657600" indent="0">
+              <a:buNone/>
+              <a:defRPr sz="900"/>
+            </a:lvl9pPr>
+          </a:lstStyle>
+          <a:p>
+            <a:pPr lvl="0"/>
+            <a:r>
+              <a:rPr lang="en-US" dirty="0"/>
+              <a:t>Click to edit Master text styles</a:t>
+            </a:r>
+          </a:p>
+        </p:txBody>
+      </p:sp>
+      <p:cxnSp>
+        <p:nvCxnSpPr>
+          <p:cNvPr id="19" name="Straight Connector 18"/>
+          <p:cNvCxnSpPr/>
+          <p:nvPr/>
+        </p:nvCxnSpPr>
+        <p:spPr>
+          <a:xfrm>
+            <a:off x="3726142" y="2133600"/>
+            <a:ext cx="0" cy="3962400"/>
+          </a:xfrm>
+          <a:prstGeom prst="line">
+            <a:avLst/>
+          </a:prstGeom>
+          <a:ln w="12700" cmpd="sng">
+            <a:solidFill>
+              <a:schemeClr val="bg2">
+                <a:lumMod val="40000"/>
+                <a:lumOff val="60000"/>
+                <a:alpha val="40000"/>
+              </a:schemeClr>
+            </a:solidFill>
+          </a:ln>
+        </p:spPr>
+        <p:style>
+          <a:lnRef idx="2">
+            <a:schemeClr val="accent1"/>
+          </a:lnRef>
+          <a:fillRef idx="0">
+            <a:schemeClr val="accent1"/>
+          </a:fillRef>
+          <a:effectRef idx="1">
+            <a:schemeClr val="accent1"/>
+          </a:effectRef>
+          <a:fontRef idx="minor">
+            <a:schemeClr val="tx1"/>
+          </a:fontRef>
+        </p:style>
+      </p:cxnSp>
+      <p:cxnSp>
+        <p:nvCxnSpPr>
+          <p:cNvPr id="20" name="Straight Connector 19"/>
+          <p:cNvCxnSpPr/>
+          <p:nvPr/>
+        </p:nvCxnSpPr>
+        <p:spPr>
+          <a:xfrm>
+            <a:off x="6962227" y="2133600"/>
+            <a:ext cx="0" cy="3966882"/>
+          </a:xfrm>
+          <a:prstGeom prst="line">
+            <a:avLst/>
+          </a:prstGeom>
+          <a:ln w="12700" cmpd="sng">
+            <a:solidFill>
+              <a:schemeClr val="bg2">
+                <a:lumMod val="40000"/>
+                <a:lumOff val="60000"/>
+                <a:alpha val="40000"/>
+              </a:schemeClr>
+            </a:solidFill>
+          </a:ln>
+        </p:spPr>
+        <p:style>
+          <a:lnRef idx="2">
+            <a:schemeClr val="accent1"/>
+          </a:lnRef>
+          <a:fillRef idx="0">
+            <a:schemeClr val="accent1"/>
+          </a:fillRef>
+          <a:effectRef idx="1">
+            <a:schemeClr val="accent1"/>
+          </a:effectRef>
+          <a:fontRef idx="minor">
+            <a:schemeClr val="tx1"/>
+          </a:fontRef>
+        </p:style>
+      </p:cxnSp>
+      <p:sp>
+        <p:nvSpPr>
+          <p:cNvPr id="7" name="Date Placeholder 3"/>
+          <p:cNvSpPr>
+            <a:spLocks noGrp="1"/>
+          </p:cNvSpPr>
+          <p:nvPr>
+            <p:ph type="dt" sz="half" idx="10"/>
+          </p:nvPr>
+        </p:nvSpPr>
+        <p:spPr/>
+        <p:txBody>
+          <a:bodyPr/>
+          <a:lstStyle/>
+          <a:p>
+            <a:fld id="{4509A250-FF31-4206-8172-F9D3106AACB1}" type="datetimeFigureOut">
+              <a:rPr lang="en-US" dirty="0"/>
+              <a:t>12/6/2023</a:t>
+            </a:fld>
+            <a:endParaRPr lang="en-US" dirty="0"/>
+          </a:p>
+        </p:txBody>
+      </p:sp>
+      <p:sp>
+        <p:nvSpPr>
+          <p:cNvPr id="4" name="Footer Placeholder 4"/>
+          <p:cNvSpPr>
+            <a:spLocks noGrp="1"/>
+          </p:cNvSpPr>
+          <p:nvPr>
+            <p:ph type="ftr" sz="quarter" idx="11"/>
+          </p:nvPr>
+        </p:nvSpPr>
+        <p:spPr/>
+        <p:txBody>
+          <a:bodyPr/>
+          <a:lstStyle/>
+          <a:p>
+            <a:endParaRPr lang="en-US" dirty="0"/>
+          </a:p>
+        </p:txBody>
+      </p:sp>
+      <p:sp>
+        <p:nvSpPr>
+          <p:cNvPr id="6" name="Slide Number Placeholder 5"/>
+          <p:cNvSpPr>
+            <a:spLocks noGrp="1"/>
+          </p:cNvSpPr>
+          <p:nvPr>
+            <p:ph type="sldNum" sz="quarter" idx="12"/>
+          </p:nvPr>
+        </p:nvSpPr>
+        <p:spPr/>
+        <p:txBody>
+          <a:bodyPr/>
+          <a:lstStyle/>
+          <a:p>
+            <a:fld id="{D57F1E4F-1CFF-5643-939E-02111984F565}" type="slidenum">
+              <a:rPr lang="en-US" dirty="0"/>
+              <a:t>‹#›</a:t>
+            </a:fld>
+            <a:endParaRPr lang="en-US" dirty="0"/>
+          </a:p>
+        </p:txBody>
+      </p:sp>
+    </p:spTree>
+    <p:extLst>
+      <p:ext uri="{BB962C8B-B14F-4D97-AF65-F5344CB8AC3E}">
+        <p14:creationId xmlns:p14="http://schemas.microsoft.com/office/powerpoint/2010/main" val="1880972834"/>
+      </p:ext>
+    </p:extLst>
+  </p:cSld>
+  <p:clrMapOvr>
+    <a:masterClrMapping/>
+  </p:clrMapOvr>
+</p:sldLayout>
+</file>
+
+<file path=ppt/slideLayouts/slideLayout16.xml><?xml version="1.0" encoding="utf-8"?>
 <p:sldLayout xmlns:a="http://schemas.openxmlformats.org/drawingml/2006/main" xmlns:r="http://schemas.openxmlformats.org/officeDocument/2006/relationships" xmlns:p="http://schemas.openxmlformats.org/presentationml/2006/main" type="vertTx" preserve="1">
   <p:cSld name="Title and Vertical Text">
     <p:spTree>
@@ -353,10 +2978,9 @@
           <a:lstStyle/>
           <a:p>
             <a:r>
-              <a:rPr lang="en-US"/>
+              <a:rPr lang="en-US" dirty="0"/>
               <a:t>Click to edit Master title style</a:t>
             </a:r>
-            <a:endParaRPr lang="en-US"/>
           </a:p>
         </p:txBody>
       </p:sp>
@@ -372,47 +2996,42 @@
         </p:nvSpPr>
         <p:spPr/>
         <p:txBody>
-          <a:bodyPr vert="eaVert"/>
+          <a:bodyPr vert="eaVert" anchor="t" anchorCtr="0"/>
           <a:lstStyle/>
           <a:p>
             <a:pPr lvl="0"/>
             <a:r>
-              <a:rPr lang="en-US"/>
+              <a:rPr lang="en-US" dirty="0"/>
               <a:t>Click to edit Master text styles</a:t>
             </a:r>
-            <a:endParaRPr lang="en-US"/>
           </a:p>
           <a:p>
             <a:pPr lvl="1"/>
             <a:r>
-              <a:rPr lang="en-US"/>
+              <a:rPr lang="en-US" dirty="0"/>
               <a:t>Second level</a:t>
             </a:r>
-            <a:endParaRPr lang="en-US"/>
           </a:p>
           <a:p>
             <a:pPr lvl="2"/>
             <a:r>
-              <a:rPr lang="en-US"/>
+              <a:rPr lang="en-US" dirty="0"/>
               <a:t>Third level</a:t>
             </a:r>
-            <a:endParaRPr lang="en-US"/>
           </a:p>
           <a:p>
             <a:pPr lvl="3"/>
             <a:r>
-              <a:rPr lang="en-US"/>
+              <a:rPr lang="en-US" dirty="0"/>
               <a:t>Fourth level</a:t>
             </a:r>
-            <a:endParaRPr lang="en-US"/>
           </a:p>
           <a:p>
             <a:pPr lvl="4"/>
             <a:r>
-              <a:rPr lang="en-US"/>
+              <a:rPr lang="en-US" dirty="0"/>
               <a:t>Fifth level</a:t>
             </a:r>
-            <a:endParaRPr lang="en-US"/>
           </a:p>
         </p:txBody>
       </p:sp>
@@ -431,10 +3050,11 @@
           <a:bodyPr/>
           <a:lstStyle/>
           <a:p>
-            <a:fld id="{63A1C593-65D0-4073-BCC9-577B9352EA97}" type="datetimeFigureOut">
-              <a:rPr lang="en-US" smtClean="0"/>
+            <a:fld id="{4509A250-FF31-4206-8172-F9D3106AACB1}" type="datetimeFigureOut">
+              <a:rPr lang="en-US" dirty="0"/>
+              <a:t>12/6/2023</a:t>
             </a:fld>
-            <a:endParaRPr lang="en-US"/>
+            <a:endParaRPr lang="en-US" dirty="0"/>
           </a:p>
         </p:txBody>
       </p:sp>
@@ -453,7 +3073,7 @@
           <a:bodyPr/>
           <a:lstStyle/>
           <a:p>
-            <a:endParaRPr lang="en-US"/>
+            <a:endParaRPr lang="en-US" dirty="0"/>
           </a:p>
         </p:txBody>
       </p:sp>
@@ -472,14 +3092,20 @@
           <a:bodyPr/>
           <a:lstStyle/>
           <a:p>
-            <a:fld id="{9B618960-8005-486C-9A75-10CB2AAC16F9}" type="slidenum">
-              <a:rPr lang="en-US" smtClean="0"/>
+            <a:fld id="{D57F1E4F-1CFF-5643-939E-02111984F565}" type="slidenum">
+              <a:rPr lang="en-US" dirty="0"/>
+              <a:t>‹#›</a:t>
             </a:fld>
-            <a:endParaRPr lang="en-US"/>
+            <a:endParaRPr lang="en-US" dirty="0"/>
           </a:p>
         </p:txBody>
       </p:sp>
     </p:spTree>
+    <p:extLst>
+      <p:ext uri="{BB962C8B-B14F-4D97-AF65-F5344CB8AC3E}">
+        <p14:creationId xmlns:p14="http://schemas.microsoft.com/office/powerpoint/2010/main" val="3761774214"/>
+      </p:ext>
+    </p:extLst>
   </p:cSld>
   <p:clrMapOvr>
     <a:masterClrMapping/>
@@ -487,7 +3113,7 @@
 </p:sldLayout>
 </file>
 
-<file path=ppt/slideLayouts/slideLayout11.xml><?xml version="1.0" encoding="utf-8"?>
+<file path=ppt/slideLayouts/slideLayout17.xml><?xml version="1.0" encoding="utf-8"?>
 <p:sldLayout xmlns:a="http://schemas.openxmlformats.org/drawingml/2006/main" xmlns:r="http://schemas.openxmlformats.org/officeDocument/2006/relationships" xmlns:p="http://schemas.openxmlformats.org/presentationml/2006/main" type="vertTitleAndTx" preserve="1">
   <p:cSld name="Vertical Title and Text">
     <p:spTree>
@@ -516,80 +3142,74 @@
         </p:nvSpPr>
         <p:spPr>
           <a:xfrm>
-            <a:off x="8724900" y="365125"/>
-            <a:ext cx="2628900" cy="5811838"/>
+            <a:off x="8304212" y="430213"/>
+            <a:ext cx="1752601" cy="5826125"/>
+          </a:xfrm>
+        </p:spPr>
+        <p:txBody>
+          <a:bodyPr vert="eaVert" anchor="b" anchorCtr="0"/>
+          <a:lstStyle/>
+          <a:p>
+            <a:r>
+              <a:rPr lang="en-US" dirty="0"/>
+              <a:t>Click to edit Master title style</a:t>
+            </a:r>
+          </a:p>
+        </p:txBody>
+      </p:sp>
+      <p:sp>
+        <p:nvSpPr>
+          <p:cNvPr id="3" name="Vertical Text Placeholder 2"/>
+          <p:cNvSpPr>
+            <a:spLocks noGrp="1"/>
+          </p:cNvSpPr>
+          <p:nvPr>
+            <p:ph type="body" orient="vert" idx="1"/>
+          </p:nvPr>
+        </p:nvSpPr>
+        <p:spPr>
+          <a:xfrm>
+            <a:off x="652463" y="887414"/>
+            <a:ext cx="7423149" cy="5368924"/>
           </a:xfrm>
         </p:spPr>
         <p:txBody>
           <a:bodyPr vert="eaVert"/>
           <a:lstStyle/>
           <a:p>
-            <a:r>
-              <a:rPr lang="en-US"/>
-              <a:t>Click to edit Master title style</a:t>
-            </a:r>
-            <a:endParaRPr lang="en-US"/>
-          </a:p>
-        </p:txBody>
-      </p:sp>
-      <p:sp>
-        <p:nvSpPr>
-          <p:cNvPr id="3" name="Vertical Text Placeholder 2"/>
-          <p:cNvSpPr>
-            <a:spLocks noGrp="1"/>
-          </p:cNvSpPr>
-          <p:nvPr>
-            <p:ph type="body" orient="vert" idx="1"/>
-          </p:nvPr>
-        </p:nvSpPr>
-        <p:spPr>
-          <a:xfrm>
-            <a:off x="838200" y="365125"/>
-            <a:ext cx="7734300" cy="5811838"/>
-          </a:xfrm>
-        </p:spPr>
-        <p:txBody>
-          <a:bodyPr vert="eaVert"/>
-          <a:lstStyle/>
-          <a:p>
             <a:pPr lvl="0"/>
             <a:r>
-              <a:rPr lang="en-US"/>
+              <a:rPr lang="en-US" dirty="0"/>
               <a:t>Click to edit Master text styles</a:t>
             </a:r>
-            <a:endParaRPr lang="en-US"/>
           </a:p>
           <a:p>
             <a:pPr lvl="1"/>
             <a:r>
-              <a:rPr lang="en-US"/>
+              <a:rPr lang="en-US" dirty="0"/>
               <a:t>Second level</a:t>
             </a:r>
-            <a:endParaRPr lang="en-US"/>
           </a:p>
           <a:p>
             <a:pPr lvl="2"/>
             <a:r>
-              <a:rPr lang="en-US"/>
+              <a:rPr lang="en-US" dirty="0"/>
               <a:t>Third level</a:t>
             </a:r>
-            <a:endParaRPr lang="en-US"/>
           </a:p>
           <a:p>
             <a:pPr lvl="3"/>
             <a:r>
-              <a:rPr lang="en-US"/>
+              <a:rPr lang="en-US" dirty="0"/>
               <a:t>Fourth level</a:t>
             </a:r>
-            <a:endParaRPr lang="en-US"/>
           </a:p>
           <a:p>
             <a:pPr lvl="4"/>
             <a:r>
-              <a:rPr lang="en-US"/>
+              <a:rPr lang="en-US" dirty="0"/>
               <a:t>Fifth level</a:t>
             </a:r>
-            <a:endParaRPr lang="en-US"/>
           </a:p>
         </p:txBody>
       </p:sp>
@@ -608,10 +3228,11 @@
           <a:bodyPr/>
           <a:lstStyle/>
           <a:p>
-            <a:fld id="{63A1C593-65D0-4073-BCC9-577B9352EA97}" type="datetimeFigureOut">
-              <a:rPr lang="en-US" smtClean="0"/>
+            <a:fld id="{4509A250-FF31-4206-8172-F9D3106AACB1}" type="datetimeFigureOut">
+              <a:rPr lang="en-US" dirty="0"/>
+              <a:t>12/6/2023</a:t>
             </a:fld>
-            <a:endParaRPr lang="en-US"/>
+            <a:endParaRPr lang="en-US" dirty="0"/>
           </a:p>
         </p:txBody>
       </p:sp>
@@ -630,7 +3251,7 @@
           <a:bodyPr/>
           <a:lstStyle/>
           <a:p>
-            <a:endParaRPr lang="en-US"/>
+            <a:endParaRPr lang="en-US" dirty="0"/>
           </a:p>
         </p:txBody>
       </p:sp>
@@ -649,14 +3270,20 @@
           <a:bodyPr/>
           <a:lstStyle/>
           <a:p>
-            <a:fld id="{9B618960-8005-486C-9A75-10CB2AAC16F9}" type="slidenum">
-              <a:rPr lang="en-US" smtClean="0"/>
+            <a:fld id="{D57F1E4F-1CFF-5643-939E-02111984F565}" type="slidenum">
+              <a:rPr lang="en-US" dirty="0"/>
+              <a:t>‹#›</a:t>
             </a:fld>
-            <a:endParaRPr lang="en-US"/>
+            <a:endParaRPr lang="en-US" dirty="0"/>
           </a:p>
         </p:txBody>
       </p:sp>
     </p:spTree>
+    <p:extLst>
+      <p:ext uri="{BB962C8B-B14F-4D97-AF65-F5344CB8AC3E}">
+        <p14:creationId xmlns:p14="http://schemas.microsoft.com/office/powerpoint/2010/main" val="4025547743"/>
+      </p:ext>
+    </p:extLst>
   </p:cSld>
   <p:clrMapOvr>
     <a:masterClrMapping/>
@@ -697,10 +3324,9 @@
           <a:lstStyle/>
           <a:p>
             <a:r>
-              <a:rPr lang="en-US"/>
+              <a:rPr lang="en-US" dirty="0"/>
               <a:t>Click to edit Master title style</a:t>
             </a:r>
-            <a:endParaRPr lang="en-US"/>
           </a:p>
         </p:txBody>
       </p:sp>
@@ -721,48 +3347,43 @@
           <a:p>
             <a:pPr lvl="0"/>
             <a:r>
-              <a:rPr lang="en-US"/>
+              <a:rPr lang="en-US" dirty="0"/>
               <a:t>Click to edit Master text styles</a:t>
             </a:r>
-            <a:endParaRPr lang="en-US"/>
           </a:p>
           <a:p>
             <a:pPr lvl="1"/>
             <a:r>
-              <a:rPr lang="en-US"/>
+              <a:rPr lang="en-US" dirty="0"/>
               <a:t>Second level</a:t>
             </a:r>
-            <a:endParaRPr lang="en-US"/>
           </a:p>
           <a:p>
             <a:pPr lvl="2"/>
             <a:r>
-              <a:rPr lang="en-US"/>
+              <a:rPr lang="en-US" dirty="0"/>
               <a:t>Third level</a:t>
             </a:r>
-            <a:endParaRPr lang="en-US"/>
           </a:p>
           <a:p>
             <a:pPr lvl="3"/>
             <a:r>
-              <a:rPr lang="en-US"/>
+              <a:rPr lang="en-US" dirty="0"/>
               <a:t>Fourth level</a:t>
             </a:r>
-            <a:endParaRPr lang="en-US"/>
           </a:p>
           <a:p>
             <a:pPr lvl="4"/>
             <a:r>
-              <a:rPr lang="en-US"/>
+              <a:rPr lang="en-US" dirty="0"/>
               <a:t>Fifth level</a:t>
             </a:r>
-            <a:endParaRPr lang="en-US"/>
-          </a:p>
-        </p:txBody>
-      </p:sp>
-      <p:sp>
-        <p:nvSpPr>
-          <p:cNvPr id="4" name="Date Placeholder 3"/>
+          </a:p>
+        </p:txBody>
+      </p:sp>
+      <p:sp>
+        <p:nvSpPr>
+          <p:cNvPr id="7" name="Date Placeholder 3"/>
           <p:cNvSpPr>
             <a:spLocks noGrp="1"/>
           </p:cNvSpPr>
@@ -775,10 +3396,11 @@
           <a:bodyPr/>
           <a:lstStyle/>
           <a:p>
-            <a:fld id="{63A1C593-65D0-4073-BCC9-577B9352EA97}" type="datetimeFigureOut">
-              <a:rPr lang="en-US" smtClean="0"/>
+            <a:fld id="{4509A250-FF31-4206-8172-F9D3106AACB1}" type="datetimeFigureOut">
+              <a:rPr lang="en-US" dirty="0"/>
+              <a:t>12/6/2023</a:t>
             </a:fld>
-            <a:endParaRPr lang="en-US"/>
+            <a:endParaRPr lang="en-US" dirty="0"/>
           </a:p>
         </p:txBody>
       </p:sp>
@@ -797,7 +3419,7 @@
           <a:bodyPr/>
           <a:lstStyle/>
           <a:p>
-            <a:endParaRPr lang="en-US"/>
+            <a:endParaRPr lang="en-US" dirty="0"/>
           </a:p>
         </p:txBody>
       </p:sp>
@@ -816,14 +3438,20 @@
           <a:bodyPr/>
           <a:lstStyle/>
           <a:p>
-            <a:fld id="{9B618960-8005-486C-9A75-10CB2AAC16F9}" type="slidenum">
-              <a:rPr lang="en-US" smtClean="0"/>
+            <a:fld id="{D57F1E4F-1CFF-5643-939E-02111984F565}" type="slidenum">
+              <a:rPr lang="en-US" dirty="0"/>
+              <a:t>‹#›</a:t>
             </a:fld>
-            <a:endParaRPr lang="en-US"/>
+            <a:endParaRPr lang="en-US" dirty="0"/>
           </a:p>
         </p:txBody>
       </p:sp>
     </p:spTree>
+    <p:extLst>
+      <p:ext uri="{BB962C8B-B14F-4D97-AF65-F5344CB8AC3E}">
+        <p14:creationId xmlns:p14="http://schemas.microsoft.com/office/powerpoint/2010/main" val="118265455"/>
+      </p:ext>
+    </p:extLst>
   </p:cSld>
   <p:clrMapOvr>
     <a:masterClrMapping/>
@@ -860,23 +3488,22 @@
         </p:nvSpPr>
         <p:spPr>
           <a:xfrm>
-            <a:off x="831850" y="1709738"/>
-            <a:ext cx="10515600" cy="2852737"/>
+            <a:off x="1154956" y="2861733"/>
+            <a:ext cx="8825657" cy="1915647"/>
           </a:xfrm>
         </p:spPr>
         <p:txBody>
           <a:bodyPr anchor="b"/>
           <a:lstStyle>
-            <a:lvl1pPr>
-              <a:defRPr sz="6000"/>
+            <a:lvl1pPr algn="l">
+              <a:defRPr sz="4000" b="0" cap="none"/>
             </a:lvl1pPr>
           </a:lstStyle>
           <a:p>
             <a:r>
-              <a:rPr lang="en-US"/>
+              <a:rPr lang="en-US" dirty="0"/>
               <a:t>Click to edit Master title style</a:t>
             </a:r>
-            <a:endParaRPr lang="en-US"/>
           </a:p>
         </p:txBody>
       </p:sp>
@@ -892,26 +3519,27 @@
         </p:nvSpPr>
         <p:spPr>
           <a:xfrm>
-            <a:off x="831850" y="4589463"/>
-            <a:ext cx="10515600" cy="1500187"/>
-          </a:xfrm>
-        </p:spPr>
-        <p:txBody>
-          <a:bodyPr/>
+            <a:off x="1154955" y="4777381"/>
+            <a:ext cx="8825658" cy="860400"/>
+          </a:xfrm>
+        </p:spPr>
+        <p:txBody>
+          <a:bodyPr anchor="t"/>
           <a:lstStyle>
-            <a:lvl1pPr marL="0" indent="0">
-              <a:buNone/>
-              <a:defRPr sz="2400">
+            <a:lvl1pPr marL="0" indent="0" algn="l">
+              <a:buNone/>
+              <a:defRPr sz="2000" cap="all">
                 <a:solidFill>
-                  <a:schemeClr val="tx1">
-                    <a:tint val="75000"/>
+                  <a:schemeClr val="bg2">
+                    <a:lumMod val="40000"/>
+                    <a:lumOff val="60000"/>
                   </a:schemeClr>
                 </a:solidFill>
               </a:defRPr>
             </a:lvl1pPr>
             <a:lvl2pPr marL="457200" indent="0">
               <a:buNone/>
-              <a:defRPr sz="2000">
+              <a:defRPr sz="1800">
                 <a:solidFill>
                   <a:schemeClr val="tx1">
                     <a:tint val="75000"/>
@@ -921,7 +3549,7 @@
             </a:lvl2pPr>
             <a:lvl3pPr marL="914400" indent="0">
               <a:buNone/>
-              <a:defRPr sz="1800">
+              <a:defRPr sz="1600">
                 <a:solidFill>
                   <a:schemeClr val="tx1">
                     <a:tint val="75000"/>
@@ -931,7 +3559,7 @@
             </a:lvl3pPr>
             <a:lvl4pPr marL="1371600" indent="0">
               <a:buNone/>
-              <a:defRPr sz="1600">
+              <a:defRPr sz="1400">
                 <a:solidFill>
                   <a:schemeClr val="tx1">
                     <a:tint val="75000"/>
@@ -941,7 +3569,7 @@
             </a:lvl4pPr>
             <a:lvl5pPr marL="1828800" indent="0">
               <a:buNone/>
-              <a:defRPr sz="1600">
+              <a:defRPr sz="1400">
                 <a:solidFill>
                   <a:schemeClr val="tx1">
                     <a:tint val="75000"/>
@@ -951,7 +3579,7 @@
             </a:lvl5pPr>
             <a:lvl6pPr marL="2286000" indent="0">
               <a:buNone/>
-              <a:defRPr sz="1600">
+              <a:defRPr sz="1400">
                 <a:solidFill>
                   <a:schemeClr val="tx1">
                     <a:tint val="75000"/>
@@ -961,7 +3589,7 @@
             </a:lvl6pPr>
             <a:lvl7pPr marL="2743200" indent="0">
               <a:buNone/>
-              <a:defRPr sz="1600">
+              <a:defRPr sz="1400">
                 <a:solidFill>
                   <a:schemeClr val="tx1">
                     <a:tint val="75000"/>
@@ -971,7 +3599,7 @@
             </a:lvl7pPr>
             <a:lvl8pPr marL="3200400" indent="0">
               <a:buNone/>
-              <a:defRPr sz="1600">
+              <a:defRPr sz="1400">
                 <a:solidFill>
                   <a:schemeClr val="tx1">
                     <a:tint val="75000"/>
@@ -981,7 +3609,7 @@
             </a:lvl8pPr>
             <a:lvl9pPr marL="3657600" indent="0">
               <a:buNone/>
-              <a:defRPr sz="1600">
+              <a:defRPr sz="1400">
                 <a:solidFill>
                   <a:schemeClr val="tx1">
                     <a:tint val="75000"/>
@@ -993,10 +3621,9 @@
           <a:p>
             <a:pPr lvl="0"/>
             <a:r>
-              <a:rPr lang="en-US"/>
+              <a:rPr lang="en-US" dirty="0"/>
               <a:t>Click to edit Master text styles</a:t>
             </a:r>
-            <a:endParaRPr lang="en-US"/>
           </a:p>
         </p:txBody>
       </p:sp>
@@ -1015,10 +3642,11 @@
           <a:bodyPr/>
           <a:lstStyle/>
           <a:p>
-            <a:fld id="{63A1C593-65D0-4073-BCC9-577B9352EA97}" type="datetimeFigureOut">
-              <a:rPr lang="en-US" smtClean="0"/>
+            <a:fld id="{9796027F-7875-4030-9381-8BD8C4F21935}" type="datetimeFigureOut">
+              <a:rPr lang="en-US" dirty="0"/>
+              <a:t>12/6/2023</a:t>
             </a:fld>
-            <a:endParaRPr lang="en-US"/>
+            <a:endParaRPr lang="en-US" dirty="0"/>
           </a:p>
         </p:txBody>
       </p:sp>
@@ -1037,7 +3665,7 @@
           <a:bodyPr/>
           <a:lstStyle/>
           <a:p>
-            <a:endParaRPr lang="en-US"/>
+            <a:endParaRPr lang="en-US" dirty="0"/>
           </a:p>
         </p:txBody>
       </p:sp>
@@ -1056,14 +3684,20 @@
           <a:bodyPr/>
           <a:lstStyle/>
           <a:p>
-            <a:fld id="{9B618960-8005-486C-9A75-10CB2AAC16F9}" type="slidenum">
-              <a:rPr lang="en-US" smtClean="0"/>
+            <a:fld id="{D57F1E4F-1CFF-5643-939E-02111984F565}" type="slidenum">
+              <a:rPr lang="en-US" dirty="0"/>
+              <a:t>‹#›</a:t>
             </a:fld>
-            <a:endParaRPr lang="en-US"/>
+            <a:endParaRPr lang="en-US" dirty="0"/>
           </a:p>
         </p:txBody>
       </p:sp>
     </p:spTree>
+    <p:extLst>
+      <p:ext uri="{BB962C8B-B14F-4D97-AF65-F5344CB8AC3E}">
+        <p14:creationId xmlns:p14="http://schemas.microsoft.com/office/powerpoint/2010/main" val="694624698"/>
+      </p:ext>
+    </p:extLst>
   </p:cSld>
   <p:clrMapOvr>
     <a:masterClrMapping/>
@@ -1104,10 +3738,9 @@
           <a:lstStyle/>
           <a:p>
             <a:r>
-              <a:rPr lang="en-US"/>
+              <a:rPr lang="en-US" dirty="0"/>
               <a:t>Click to edit Master title style</a:t>
             </a:r>
-            <a:endParaRPr lang="en-US"/>
           </a:p>
         </p:txBody>
       </p:sp>
@@ -1123,124 +3756,216 @@
         </p:nvSpPr>
         <p:spPr>
           <a:xfrm>
-            <a:off x="838200" y="1825625"/>
-            <a:ext cx="5181600" cy="4351338"/>
-          </a:xfrm>
-        </p:spPr>
+            <a:off x="1103312" y="2060575"/>
+            <a:ext cx="4396339" cy="4195763"/>
+          </a:xfrm>
+        </p:spPr>
+        <p:txBody>
+          <a:bodyPr>
+            <a:normAutofit/>
+          </a:bodyPr>
+          <a:lstStyle>
+            <a:lvl1pPr>
+              <a:defRPr sz="1800"/>
+            </a:lvl1pPr>
+            <a:lvl2pPr>
+              <a:defRPr sz="1600"/>
+            </a:lvl2pPr>
+            <a:lvl3pPr>
+              <a:defRPr sz="1400"/>
+            </a:lvl3pPr>
+            <a:lvl4pPr>
+              <a:defRPr sz="1200"/>
+            </a:lvl4pPr>
+            <a:lvl5pPr>
+              <a:defRPr sz="1200"/>
+            </a:lvl5pPr>
+            <a:lvl6pPr>
+              <a:defRPr sz="1200"/>
+            </a:lvl6pPr>
+            <a:lvl7pPr>
+              <a:defRPr sz="1200"/>
+            </a:lvl7pPr>
+            <a:lvl8pPr>
+              <a:defRPr sz="1200"/>
+            </a:lvl8pPr>
+            <a:lvl9pPr>
+              <a:defRPr sz="1200"/>
+            </a:lvl9pPr>
+          </a:lstStyle>
+          <a:p>
+            <a:pPr lvl="0"/>
+            <a:r>
+              <a:rPr lang="en-US" dirty="0"/>
+              <a:t>Click to edit Master text styles</a:t>
+            </a:r>
+          </a:p>
+          <a:p>
+            <a:pPr lvl="1"/>
+            <a:r>
+              <a:rPr lang="en-US" dirty="0"/>
+              <a:t>Second level</a:t>
+            </a:r>
+          </a:p>
+          <a:p>
+            <a:pPr lvl="2"/>
+            <a:r>
+              <a:rPr lang="en-US" dirty="0"/>
+              <a:t>Third level</a:t>
+            </a:r>
+          </a:p>
+          <a:p>
+            <a:pPr lvl="3"/>
+            <a:r>
+              <a:rPr lang="en-US" dirty="0"/>
+              <a:t>Fourth level</a:t>
+            </a:r>
+          </a:p>
+          <a:p>
+            <a:pPr lvl="4"/>
+            <a:r>
+              <a:rPr lang="en-US" dirty="0"/>
+              <a:t>Fifth level</a:t>
+            </a:r>
+          </a:p>
+        </p:txBody>
+      </p:sp>
+      <p:sp>
+        <p:nvSpPr>
+          <p:cNvPr id="4" name="Content Placeholder 3"/>
+          <p:cNvSpPr>
+            <a:spLocks noGrp="1"/>
+          </p:cNvSpPr>
+          <p:nvPr>
+            <p:ph sz="half" idx="2"/>
+          </p:nvPr>
+        </p:nvSpPr>
+        <p:spPr>
+          <a:xfrm>
+            <a:off x="5654493" y="2056092"/>
+            <a:ext cx="4396341" cy="4200245"/>
+          </a:xfrm>
+        </p:spPr>
+        <p:txBody>
+          <a:bodyPr>
+            <a:normAutofit/>
+          </a:bodyPr>
+          <a:lstStyle>
+            <a:lvl1pPr>
+              <a:defRPr sz="1800"/>
+            </a:lvl1pPr>
+            <a:lvl2pPr>
+              <a:defRPr sz="1600"/>
+            </a:lvl2pPr>
+            <a:lvl3pPr>
+              <a:defRPr sz="1400"/>
+            </a:lvl3pPr>
+            <a:lvl4pPr>
+              <a:defRPr sz="1200"/>
+            </a:lvl4pPr>
+            <a:lvl5pPr>
+              <a:defRPr sz="1200"/>
+            </a:lvl5pPr>
+            <a:lvl6pPr>
+              <a:defRPr sz="1200"/>
+            </a:lvl6pPr>
+            <a:lvl7pPr>
+              <a:defRPr sz="1200"/>
+            </a:lvl7pPr>
+            <a:lvl8pPr>
+              <a:defRPr sz="1200"/>
+            </a:lvl8pPr>
+            <a:lvl9pPr>
+              <a:defRPr sz="1200"/>
+            </a:lvl9pPr>
+          </a:lstStyle>
+          <a:p>
+            <a:pPr lvl="0"/>
+            <a:r>
+              <a:rPr lang="en-US" dirty="0"/>
+              <a:t>Click to edit Master text styles</a:t>
+            </a:r>
+          </a:p>
+          <a:p>
+            <a:pPr lvl="1"/>
+            <a:r>
+              <a:rPr lang="en-US" dirty="0"/>
+              <a:t>Second level</a:t>
+            </a:r>
+          </a:p>
+          <a:p>
+            <a:pPr lvl="2"/>
+            <a:r>
+              <a:rPr lang="en-US" dirty="0"/>
+              <a:t>Third level</a:t>
+            </a:r>
+          </a:p>
+          <a:p>
+            <a:pPr lvl="3"/>
+            <a:r>
+              <a:rPr lang="en-US" dirty="0"/>
+              <a:t>Fourth level</a:t>
+            </a:r>
+          </a:p>
+          <a:p>
+            <a:pPr lvl="4"/>
+            <a:r>
+              <a:rPr lang="en-US" dirty="0"/>
+              <a:t>Fifth level</a:t>
+            </a:r>
+          </a:p>
+        </p:txBody>
+      </p:sp>
+      <p:sp>
+        <p:nvSpPr>
+          <p:cNvPr id="5" name="Date Placeholder 4"/>
+          <p:cNvSpPr>
+            <a:spLocks noGrp="1"/>
+          </p:cNvSpPr>
+          <p:nvPr>
+            <p:ph type="dt" sz="half" idx="10"/>
+          </p:nvPr>
+        </p:nvSpPr>
+        <p:spPr/>
         <p:txBody>
           <a:bodyPr/>
           <a:lstStyle/>
           <a:p>
-            <a:pPr lvl="0"/>
-            <a:r>
-              <a:rPr lang="en-US"/>
-              <a:t>Click to edit Master text styles</a:t>
-            </a:r>
-            <a:endParaRPr lang="en-US"/>
-          </a:p>
-          <a:p>
-            <a:pPr lvl="1"/>
-            <a:r>
-              <a:rPr lang="en-US"/>
-              <a:t>Second level</a:t>
-            </a:r>
-            <a:endParaRPr lang="en-US"/>
-          </a:p>
-          <a:p>
-            <a:pPr lvl="2"/>
-            <a:r>
-              <a:rPr lang="en-US"/>
-              <a:t>Third level</a:t>
-            </a:r>
-            <a:endParaRPr lang="en-US"/>
-          </a:p>
-          <a:p>
-            <a:pPr lvl="3"/>
-            <a:r>
-              <a:rPr lang="en-US"/>
-              <a:t>Fourth level</a:t>
-            </a:r>
-            <a:endParaRPr lang="en-US"/>
-          </a:p>
-          <a:p>
-            <a:pPr lvl="4"/>
-            <a:r>
-              <a:rPr lang="en-US"/>
-              <a:t>Fifth level</a:t>
-            </a:r>
-            <a:endParaRPr lang="en-US"/>
-          </a:p>
-        </p:txBody>
-      </p:sp>
-      <p:sp>
-        <p:nvSpPr>
-          <p:cNvPr id="4" name="Content Placeholder 3"/>
-          <p:cNvSpPr>
-            <a:spLocks noGrp="1"/>
-          </p:cNvSpPr>
-          <p:nvPr>
-            <p:ph sz="half" idx="2"/>
-          </p:nvPr>
-        </p:nvSpPr>
-        <p:spPr>
-          <a:xfrm>
-            <a:off x="6172200" y="1825625"/>
-            <a:ext cx="5181600" cy="4351338"/>
-          </a:xfrm>
-        </p:spPr>
+            <a:fld id="{9796027F-7875-4030-9381-8BD8C4F21935}" type="datetimeFigureOut">
+              <a:rPr lang="en-US" dirty="0"/>
+              <a:t>12/6/2023</a:t>
+            </a:fld>
+            <a:endParaRPr lang="en-US" dirty="0"/>
+          </a:p>
+        </p:txBody>
+      </p:sp>
+      <p:sp>
+        <p:nvSpPr>
+          <p:cNvPr id="6" name="Footer Placeholder 5"/>
+          <p:cNvSpPr>
+            <a:spLocks noGrp="1"/>
+          </p:cNvSpPr>
+          <p:nvPr>
+            <p:ph type="ftr" sz="quarter" idx="11"/>
+          </p:nvPr>
+        </p:nvSpPr>
+        <p:spPr/>
         <p:txBody>
           <a:bodyPr/>
           <a:lstStyle/>
           <a:p>
-            <a:pPr lvl="0"/>
-            <a:r>
-              <a:rPr lang="en-US"/>
-              <a:t>Click to edit Master text styles</a:t>
-            </a:r>
-            <a:endParaRPr lang="en-US"/>
-          </a:p>
-          <a:p>
-            <a:pPr lvl="1"/>
-            <a:r>
-              <a:rPr lang="en-US"/>
-              <a:t>Second level</a:t>
-            </a:r>
-            <a:endParaRPr lang="en-US"/>
-          </a:p>
-          <a:p>
-            <a:pPr lvl="2"/>
-            <a:r>
-              <a:rPr lang="en-US"/>
-              <a:t>Third level</a:t>
-            </a:r>
-            <a:endParaRPr lang="en-US"/>
-          </a:p>
-          <a:p>
-            <a:pPr lvl="3"/>
-            <a:r>
-              <a:rPr lang="en-US"/>
-              <a:t>Fourth level</a:t>
-            </a:r>
-            <a:endParaRPr lang="en-US"/>
-          </a:p>
-          <a:p>
-            <a:pPr lvl="4"/>
-            <a:r>
-              <a:rPr lang="en-US"/>
-              <a:t>Fifth level</a:t>
-            </a:r>
-            <a:endParaRPr lang="en-US"/>
-          </a:p>
-        </p:txBody>
-      </p:sp>
-      <p:sp>
-        <p:nvSpPr>
-          <p:cNvPr id="5" name="Date Placeholder 4"/>
-          <p:cNvSpPr>
-            <a:spLocks noGrp="1"/>
-          </p:cNvSpPr>
-          <p:nvPr>
-            <p:ph type="dt" sz="half" idx="10"/>
+            <a:endParaRPr lang="en-US" dirty="0"/>
+          </a:p>
+        </p:txBody>
+      </p:sp>
+      <p:sp>
+        <p:nvSpPr>
+          <p:cNvPr id="7" name="Slide Number Placeholder 6"/>
+          <p:cNvSpPr>
+            <a:spLocks noGrp="1"/>
+          </p:cNvSpPr>
+          <p:nvPr>
+            <p:ph type="sldNum" sz="quarter" idx="12"/>
           </p:nvPr>
         </p:nvSpPr>
         <p:spPr/>
@@ -1248,55 +3973,20 @@
           <a:bodyPr/>
           <a:lstStyle/>
           <a:p>
-            <a:fld id="{63A1C593-65D0-4073-BCC9-577B9352EA97}" type="datetimeFigureOut">
-              <a:rPr lang="en-US" smtClean="0"/>
+            <a:fld id="{D57F1E4F-1CFF-5643-939E-02111984F565}" type="slidenum">
+              <a:rPr lang="en-US" dirty="0"/>
+              <a:t>‹#›</a:t>
             </a:fld>
-            <a:endParaRPr lang="en-US"/>
-          </a:p>
-        </p:txBody>
-      </p:sp>
-      <p:sp>
-        <p:nvSpPr>
-          <p:cNvPr id="6" name="Footer Placeholder 5"/>
-          <p:cNvSpPr>
-            <a:spLocks noGrp="1"/>
-          </p:cNvSpPr>
-          <p:nvPr>
-            <p:ph type="ftr" sz="quarter" idx="11"/>
-          </p:nvPr>
-        </p:nvSpPr>
-        <p:spPr/>
-        <p:txBody>
-          <a:bodyPr/>
-          <a:lstStyle/>
-          <a:p>
-            <a:endParaRPr lang="en-US"/>
-          </a:p>
-        </p:txBody>
-      </p:sp>
-      <p:sp>
-        <p:nvSpPr>
-          <p:cNvPr id="7" name="Slide Number Placeholder 6"/>
-          <p:cNvSpPr>
-            <a:spLocks noGrp="1"/>
-          </p:cNvSpPr>
-          <p:nvPr>
-            <p:ph type="sldNum" sz="quarter" idx="12"/>
-          </p:nvPr>
-        </p:nvSpPr>
-        <p:spPr/>
-        <p:txBody>
-          <a:bodyPr/>
-          <a:lstStyle/>
-          <a:p>
-            <a:fld id="{9B618960-8005-486C-9A75-10CB2AAC16F9}" type="slidenum">
-              <a:rPr lang="en-US" smtClean="0"/>
-            </a:fld>
-            <a:endParaRPr lang="en-US"/>
+            <a:endParaRPr lang="en-US" dirty="0"/>
           </a:p>
         </p:txBody>
       </p:sp>
     </p:spTree>
+    <p:extLst>
+      <p:ext uri="{BB962C8B-B14F-4D97-AF65-F5344CB8AC3E}">
+        <p14:creationId xmlns:p14="http://schemas.microsoft.com/office/powerpoint/2010/main" val="4043481635"/>
+      </p:ext>
+    </p:extLst>
   </p:cSld>
   <p:clrMapOvr>
     <a:masterClrMapping/>
@@ -1331,21 +4021,19 @@
             <p:ph type="title"/>
           </p:nvPr>
         </p:nvSpPr>
-        <p:spPr>
-          <a:xfrm>
-            <a:off x="839788" y="365125"/>
-            <a:ext cx="10515600" cy="1325563"/>
-          </a:xfrm>
-        </p:spPr>
+        <p:spPr/>
         <p:txBody>
           <a:bodyPr/>
-          <a:lstStyle/>
-          <a:p>
-            <a:r>
-              <a:rPr lang="en-US"/>
+          <a:lstStyle>
+            <a:lvl1pPr>
+              <a:defRPr/>
+            </a:lvl1pPr>
+          </a:lstStyle>
+          <a:p>
+            <a:r>
+              <a:rPr lang="en-US" dirty="0"/>
               <a:t>Click to edit Master title style</a:t>
             </a:r>
-            <a:endParaRPr lang="en-US"/>
           </a:p>
         </p:txBody>
       </p:sp>
@@ -1361,16 +4049,25 @@
         </p:nvSpPr>
         <p:spPr>
           <a:xfrm>
-            <a:off x="839788" y="1681163"/>
-            <a:ext cx="5157787" cy="823912"/>
-          </a:xfrm>
-        </p:spPr>
-        <p:txBody>
-          <a:bodyPr anchor="b"/>
+            <a:off x="1103313" y="1905000"/>
+            <a:ext cx="4396338" cy="576262"/>
+          </a:xfrm>
+        </p:spPr>
+        <p:txBody>
+          <a:bodyPr anchor="b">
+            <a:noAutofit/>
+          </a:bodyPr>
           <a:lstStyle>
             <a:lvl1pPr marL="0" indent="0">
               <a:buNone/>
-              <a:defRPr sz="2400" b="1"/>
+              <a:defRPr sz="2400" b="0">
+                <a:solidFill>
+                  <a:schemeClr val="bg2">
+                    <a:lumMod val="40000"/>
+                    <a:lumOff val="60000"/>
+                  </a:schemeClr>
+                </a:solidFill>
+              </a:defRPr>
             </a:lvl1pPr>
             <a:lvl2pPr marL="457200" indent="0">
               <a:buNone/>
@@ -1408,10 +4105,9 @@
           <a:p>
             <a:pPr lvl="0"/>
             <a:r>
-              <a:rPr lang="en-US"/>
+              <a:rPr lang="en-US" dirty="0"/>
               <a:t>Click to edit Master text styles</a:t>
             </a:r>
-            <a:endParaRPr lang="en-US"/>
           </a:p>
         </p:txBody>
       </p:sp>
@@ -1427,52 +4123,77 @@
         </p:nvSpPr>
         <p:spPr>
           <a:xfrm>
-            <a:off x="839788" y="2505075"/>
-            <a:ext cx="5157787" cy="3684588"/>
-          </a:xfrm>
-        </p:spPr>
-        <p:txBody>
-          <a:bodyPr/>
-          <a:lstStyle/>
+            <a:off x="1103312" y="2514600"/>
+            <a:ext cx="4396339" cy="3741738"/>
+          </a:xfrm>
+        </p:spPr>
+        <p:txBody>
+          <a:bodyPr>
+            <a:normAutofit/>
+          </a:bodyPr>
+          <a:lstStyle>
+            <a:lvl1pPr>
+              <a:defRPr sz="1800"/>
+            </a:lvl1pPr>
+            <a:lvl2pPr>
+              <a:defRPr sz="1600"/>
+            </a:lvl2pPr>
+            <a:lvl3pPr>
+              <a:defRPr sz="1400"/>
+            </a:lvl3pPr>
+            <a:lvl4pPr>
+              <a:defRPr sz="1200"/>
+            </a:lvl4pPr>
+            <a:lvl5pPr>
+              <a:defRPr sz="1200"/>
+            </a:lvl5pPr>
+            <a:lvl6pPr>
+              <a:defRPr sz="1200"/>
+            </a:lvl6pPr>
+            <a:lvl7pPr>
+              <a:defRPr sz="1200"/>
+            </a:lvl7pPr>
+            <a:lvl8pPr>
+              <a:defRPr sz="1200"/>
+            </a:lvl8pPr>
+            <a:lvl9pPr>
+              <a:defRPr sz="1200"/>
+            </a:lvl9pPr>
+          </a:lstStyle>
           <a:p>
             <a:pPr lvl="0"/>
             <a:r>
-              <a:rPr lang="en-US"/>
+              <a:rPr lang="en-US" dirty="0"/>
               <a:t>Click to edit Master text styles</a:t>
             </a:r>
-            <a:endParaRPr lang="en-US"/>
           </a:p>
           <a:p>
             <a:pPr lvl="1"/>
             <a:r>
-              <a:rPr lang="en-US"/>
+              <a:rPr lang="en-US" dirty="0"/>
               <a:t>Second level</a:t>
             </a:r>
-            <a:endParaRPr lang="en-US"/>
           </a:p>
           <a:p>
             <a:pPr lvl="2"/>
             <a:r>
-              <a:rPr lang="en-US"/>
+              <a:rPr lang="en-US" dirty="0"/>
               <a:t>Third level</a:t>
             </a:r>
-            <a:endParaRPr lang="en-US"/>
           </a:p>
           <a:p>
             <a:pPr lvl="3"/>
             <a:r>
-              <a:rPr lang="en-US"/>
+              <a:rPr lang="en-US" dirty="0"/>
               <a:t>Fourth level</a:t>
             </a:r>
-            <a:endParaRPr lang="en-US"/>
           </a:p>
           <a:p>
             <a:pPr lvl="4"/>
             <a:r>
-              <a:rPr lang="en-US"/>
+              <a:rPr lang="en-US" dirty="0"/>
               <a:t>Fifth level</a:t>
             </a:r>
-            <a:endParaRPr lang="en-US"/>
           </a:p>
         </p:txBody>
       </p:sp>
@@ -1488,16 +4209,25 @@
         </p:nvSpPr>
         <p:spPr>
           <a:xfrm>
-            <a:off x="6172200" y="1681163"/>
-            <a:ext cx="5183188" cy="823912"/>
-          </a:xfrm>
-        </p:spPr>
-        <p:txBody>
-          <a:bodyPr anchor="b"/>
+            <a:off x="5654495" y="1905000"/>
+            <a:ext cx="4396339" cy="576262"/>
+          </a:xfrm>
+        </p:spPr>
+        <p:txBody>
+          <a:bodyPr anchor="b">
+            <a:noAutofit/>
+          </a:bodyPr>
           <a:lstStyle>
             <a:lvl1pPr marL="0" indent="0">
               <a:buNone/>
-              <a:defRPr sz="2400" b="1"/>
+              <a:defRPr sz="2400" b="0">
+                <a:solidFill>
+                  <a:schemeClr val="bg2">
+                    <a:lumMod val="40000"/>
+                    <a:lumOff val="60000"/>
+                  </a:schemeClr>
+                </a:solidFill>
+              </a:defRPr>
             </a:lvl1pPr>
             <a:lvl2pPr marL="457200" indent="0">
               <a:buNone/>
@@ -1535,10 +4265,9 @@
           <a:p>
             <a:pPr lvl="0"/>
             <a:r>
-              <a:rPr lang="en-US"/>
+              <a:rPr lang="en-US" dirty="0"/>
               <a:t>Click to edit Master text styles</a:t>
             </a:r>
-            <a:endParaRPr lang="en-US"/>
           </a:p>
         </p:txBody>
       </p:sp>
@@ -1554,63 +4283,111 @@
         </p:nvSpPr>
         <p:spPr>
           <a:xfrm>
-            <a:off x="6172200" y="2505075"/>
-            <a:ext cx="5183188" cy="3684588"/>
-          </a:xfrm>
-        </p:spPr>
+            <a:off x="5654495" y="2514600"/>
+            <a:ext cx="4396339" cy="3741738"/>
+          </a:xfrm>
+        </p:spPr>
+        <p:txBody>
+          <a:bodyPr>
+            <a:normAutofit/>
+          </a:bodyPr>
+          <a:lstStyle>
+            <a:lvl1pPr>
+              <a:defRPr sz="1800"/>
+            </a:lvl1pPr>
+            <a:lvl2pPr>
+              <a:defRPr sz="1600"/>
+            </a:lvl2pPr>
+            <a:lvl3pPr>
+              <a:defRPr sz="1400"/>
+            </a:lvl3pPr>
+            <a:lvl4pPr>
+              <a:defRPr sz="1200"/>
+            </a:lvl4pPr>
+            <a:lvl5pPr>
+              <a:defRPr sz="1200"/>
+            </a:lvl5pPr>
+            <a:lvl6pPr>
+              <a:defRPr sz="1200"/>
+            </a:lvl6pPr>
+            <a:lvl7pPr>
+              <a:defRPr sz="1200"/>
+            </a:lvl7pPr>
+            <a:lvl8pPr>
+              <a:defRPr sz="1200"/>
+            </a:lvl8pPr>
+            <a:lvl9pPr>
+              <a:defRPr sz="1200"/>
+            </a:lvl9pPr>
+          </a:lstStyle>
+          <a:p>
+            <a:pPr lvl="0"/>
+            <a:r>
+              <a:rPr lang="en-US" dirty="0"/>
+              <a:t>Click to edit Master text styles</a:t>
+            </a:r>
+          </a:p>
+          <a:p>
+            <a:pPr lvl="1"/>
+            <a:r>
+              <a:rPr lang="en-US" dirty="0"/>
+              <a:t>Second level</a:t>
+            </a:r>
+          </a:p>
+          <a:p>
+            <a:pPr lvl="2"/>
+            <a:r>
+              <a:rPr lang="en-US" dirty="0"/>
+              <a:t>Third level</a:t>
+            </a:r>
+          </a:p>
+          <a:p>
+            <a:pPr lvl="3"/>
+            <a:r>
+              <a:rPr lang="en-US" dirty="0"/>
+              <a:t>Fourth level</a:t>
+            </a:r>
+          </a:p>
+          <a:p>
+            <a:pPr lvl="4"/>
+            <a:r>
+              <a:rPr lang="en-US" dirty="0"/>
+              <a:t>Fifth level</a:t>
+            </a:r>
+          </a:p>
+        </p:txBody>
+      </p:sp>
+      <p:sp>
+        <p:nvSpPr>
+          <p:cNvPr id="7" name="Date Placeholder 6"/>
+          <p:cNvSpPr>
+            <a:spLocks noGrp="1"/>
+          </p:cNvSpPr>
+          <p:nvPr>
+            <p:ph type="dt" sz="half" idx="10"/>
+          </p:nvPr>
+        </p:nvSpPr>
+        <p:spPr/>
         <p:txBody>
           <a:bodyPr/>
           <a:lstStyle/>
           <a:p>
-            <a:pPr lvl="0"/>
-            <a:r>
-              <a:rPr lang="en-US"/>
-              <a:t>Click to edit Master text styles</a:t>
-            </a:r>
-            <a:endParaRPr lang="en-US"/>
-          </a:p>
-          <a:p>
-            <a:pPr lvl="1"/>
-            <a:r>
-              <a:rPr lang="en-US"/>
-              <a:t>Second level</a:t>
-            </a:r>
-            <a:endParaRPr lang="en-US"/>
-          </a:p>
-          <a:p>
-            <a:pPr lvl="2"/>
-            <a:r>
-              <a:rPr lang="en-US"/>
-              <a:t>Third level</a:t>
-            </a:r>
-            <a:endParaRPr lang="en-US"/>
-          </a:p>
-          <a:p>
-            <a:pPr lvl="3"/>
-            <a:r>
-              <a:rPr lang="en-US"/>
-              <a:t>Fourth level</a:t>
-            </a:r>
-            <a:endParaRPr lang="en-US"/>
-          </a:p>
-          <a:p>
-            <a:pPr lvl="4"/>
-            <a:r>
-              <a:rPr lang="en-US"/>
-              <a:t>Fifth level</a:t>
-            </a:r>
-            <a:endParaRPr lang="en-US"/>
-          </a:p>
-        </p:txBody>
-      </p:sp>
-      <p:sp>
-        <p:nvSpPr>
-          <p:cNvPr id="7" name="Date Placeholder 6"/>
-          <p:cNvSpPr>
-            <a:spLocks noGrp="1"/>
-          </p:cNvSpPr>
-          <p:nvPr>
-            <p:ph type="dt" sz="half" idx="10"/>
+            <a:fld id="{9796027F-7875-4030-9381-8BD8C4F21935}" type="datetimeFigureOut">
+              <a:rPr lang="en-US" dirty="0"/>
+              <a:t>12/6/2023</a:t>
+            </a:fld>
+            <a:endParaRPr lang="en-US" dirty="0"/>
+          </a:p>
+        </p:txBody>
+      </p:sp>
+      <p:sp>
+        <p:nvSpPr>
+          <p:cNvPr id="8" name="Footer Placeholder 7"/>
+          <p:cNvSpPr>
+            <a:spLocks noGrp="1"/>
+          </p:cNvSpPr>
+          <p:nvPr>
+            <p:ph type="ftr" sz="quarter" idx="11"/>
           </p:nvPr>
         </p:nvSpPr>
         <p:spPr/>
@@ -1618,21 +4395,18 @@
           <a:bodyPr/>
           <a:lstStyle/>
           <a:p>
-            <a:fld id="{63A1C593-65D0-4073-BCC9-577B9352EA97}" type="datetimeFigureOut">
-              <a:rPr lang="en-US" smtClean="0"/>
-            </a:fld>
-            <a:endParaRPr lang="en-US"/>
-          </a:p>
-        </p:txBody>
-      </p:sp>
-      <p:sp>
-        <p:nvSpPr>
-          <p:cNvPr id="8" name="Footer Placeholder 7"/>
-          <p:cNvSpPr>
-            <a:spLocks noGrp="1"/>
-          </p:cNvSpPr>
-          <p:nvPr>
-            <p:ph type="ftr" sz="quarter" idx="11"/>
+            <a:endParaRPr lang="en-US" dirty="0"/>
+          </a:p>
+        </p:txBody>
+      </p:sp>
+      <p:sp>
+        <p:nvSpPr>
+          <p:cNvPr id="9" name="Slide Number Placeholder 8"/>
+          <p:cNvSpPr>
+            <a:spLocks noGrp="1"/>
+          </p:cNvSpPr>
+          <p:nvPr>
+            <p:ph type="sldNum" sz="quarter" idx="12"/>
           </p:nvPr>
         </p:nvSpPr>
         <p:spPr/>
@@ -1640,33 +4414,20 @@
           <a:bodyPr/>
           <a:lstStyle/>
           <a:p>
-            <a:endParaRPr lang="en-US"/>
-          </a:p>
-        </p:txBody>
-      </p:sp>
-      <p:sp>
-        <p:nvSpPr>
-          <p:cNvPr id="9" name="Slide Number Placeholder 8"/>
-          <p:cNvSpPr>
-            <a:spLocks noGrp="1"/>
-          </p:cNvSpPr>
-          <p:nvPr>
-            <p:ph type="sldNum" sz="quarter" idx="12"/>
-          </p:nvPr>
-        </p:nvSpPr>
-        <p:spPr/>
-        <p:txBody>
-          <a:bodyPr/>
-          <a:lstStyle/>
-          <a:p>
-            <a:fld id="{9B618960-8005-486C-9A75-10CB2AAC16F9}" type="slidenum">
-              <a:rPr lang="en-US" smtClean="0"/>
+            <a:fld id="{D57F1E4F-1CFF-5643-939E-02111984F565}" type="slidenum">
+              <a:rPr lang="en-US" dirty="0"/>
+              <a:t>‹#›</a:t>
             </a:fld>
-            <a:endParaRPr lang="en-US"/>
+            <a:endParaRPr lang="en-US" dirty="0"/>
           </a:p>
         </p:txBody>
       </p:sp>
     </p:spTree>
+    <p:extLst>
+      <p:ext uri="{BB962C8B-B14F-4D97-AF65-F5344CB8AC3E}">
+        <p14:creationId xmlns:p14="http://schemas.microsoft.com/office/powerpoint/2010/main" val="371742495"/>
+      </p:ext>
+    </p:extLst>
   </p:cSld>
   <p:clrMapOvr>
     <a:masterClrMapping/>
@@ -1707,16 +4468,15 @@
           <a:lstStyle/>
           <a:p>
             <a:r>
-              <a:rPr lang="en-US"/>
+              <a:rPr lang="en-US" dirty="0"/>
               <a:t>Click to edit Master title style</a:t>
             </a:r>
-            <a:endParaRPr lang="en-US"/>
-          </a:p>
-        </p:txBody>
-      </p:sp>
-      <p:sp>
-        <p:nvSpPr>
-          <p:cNvPr id="3" name="Date Placeholder 2"/>
+          </a:p>
+        </p:txBody>
+      </p:sp>
+      <p:sp>
+        <p:nvSpPr>
+          <p:cNvPr id="7" name="Date Placeholder 2"/>
           <p:cNvSpPr>
             <a:spLocks noGrp="1"/>
           </p:cNvSpPr>
@@ -1729,16 +4489,17 @@
           <a:bodyPr/>
           <a:lstStyle/>
           <a:p>
-            <a:fld id="{63A1C593-65D0-4073-BCC9-577B9352EA97}" type="datetimeFigureOut">
-              <a:rPr lang="en-US" smtClean="0"/>
+            <a:fld id="{4509A250-FF31-4206-8172-F9D3106AACB1}" type="datetimeFigureOut">
+              <a:rPr lang="en-US" dirty="0"/>
+              <a:t>12/6/2023</a:t>
             </a:fld>
-            <a:endParaRPr lang="en-US"/>
-          </a:p>
-        </p:txBody>
-      </p:sp>
-      <p:sp>
-        <p:nvSpPr>
-          <p:cNvPr id="4" name="Footer Placeholder 3"/>
+            <a:endParaRPr lang="en-US" dirty="0"/>
+          </a:p>
+        </p:txBody>
+      </p:sp>
+      <p:sp>
+        <p:nvSpPr>
+          <p:cNvPr id="5" name="Footer Placeholder 3"/>
           <p:cNvSpPr>
             <a:spLocks noGrp="1"/>
           </p:cNvSpPr>
@@ -1751,13 +4512,13 @@
           <a:bodyPr/>
           <a:lstStyle/>
           <a:p>
-            <a:endParaRPr lang="en-US"/>
-          </a:p>
-        </p:txBody>
-      </p:sp>
-      <p:sp>
-        <p:nvSpPr>
-          <p:cNvPr id="5" name="Slide Number Placeholder 4"/>
+            <a:endParaRPr lang="en-US" dirty="0"/>
+          </a:p>
+        </p:txBody>
+      </p:sp>
+      <p:sp>
+        <p:nvSpPr>
+          <p:cNvPr id="6" name="Slide Number Placeholder 4"/>
           <p:cNvSpPr>
             <a:spLocks noGrp="1"/>
           </p:cNvSpPr>
@@ -1770,14 +4531,20 @@
           <a:bodyPr/>
           <a:lstStyle/>
           <a:p>
-            <a:fld id="{9B618960-8005-486C-9A75-10CB2AAC16F9}" type="slidenum">
-              <a:rPr lang="en-US" smtClean="0"/>
+            <a:fld id="{D57F1E4F-1CFF-5643-939E-02111984F565}" type="slidenum">
+              <a:rPr lang="en-US" dirty="0"/>
+              <a:t>‹#›</a:t>
             </a:fld>
-            <a:endParaRPr lang="en-US"/>
+            <a:endParaRPr lang="en-US" dirty="0"/>
           </a:p>
         </p:txBody>
       </p:sp>
     </p:spTree>
+    <p:extLst>
+      <p:ext uri="{BB962C8B-B14F-4D97-AF65-F5344CB8AC3E}">
+        <p14:creationId xmlns:p14="http://schemas.microsoft.com/office/powerpoint/2010/main" val="1610864208"/>
+      </p:ext>
+    </p:extLst>
   </p:cSld>
   <p:clrMapOvr>
     <a:masterClrMapping/>
@@ -1804,7 +4571,7 @@
       </p:grpSpPr>
       <p:sp>
         <p:nvSpPr>
-          <p:cNvPr id="2" name="Date Placeholder 1"/>
+          <p:cNvPr id="7" name="Date Placeholder 1"/>
           <p:cNvSpPr>
             <a:spLocks noGrp="1"/>
           </p:cNvSpPr>
@@ -1817,16 +4584,17 @@
           <a:bodyPr/>
           <a:lstStyle/>
           <a:p>
-            <a:fld id="{63A1C593-65D0-4073-BCC9-577B9352EA97}" type="datetimeFigureOut">
-              <a:rPr lang="en-US" smtClean="0"/>
+            <a:fld id="{4509A250-FF31-4206-8172-F9D3106AACB1}" type="datetimeFigureOut">
+              <a:rPr lang="en-US" dirty="0"/>
+              <a:t>12/6/2023</a:t>
             </a:fld>
-            <a:endParaRPr lang="en-US"/>
-          </a:p>
-        </p:txBody>
-      </p:sp>
-      <p:sp>
-        <p:nvSpPr>
-          <p:cNvPr id="3" name="Footer Placeholder 2"/>
+            <a:endParaRPr lang="en-US" dirty="0"/>
+          </a:p>
+        </p:txBody>
+      </p:sp>
+      <p:sp>
+        <p:nvSpPr>
+          <p:cNvPr id="5" name="Footer Placeholder 2"/>
           <p:cNvSpPr>
             <a:spLocks noGrp="1"/>
           </p:cNvSpPr>
@@ -1839,13 +4607,13 @@
           <a:bodyPr/>
           <a:lstStyle/>
           <a:p>
-            <a:endParaRPr lang="en-US"/>
-          </a:p>
-        </p:txBody>
-      </p:sp>
-      <p:sp>
-        <p:nvSpPr>
-          <p:cNvPr id="4" name="Slide Number Placeholder 3"/>
+            <a:endParaRPr lang="en-US" dirty="0"/>
+          </a:p>
+        </p:txBody>
+      </p:sp>
+      <p:sp>
+        <p:nvSpPr>
+          <p:cNvPr id="6" name="Slide Number Placeholder 3"/>
           <p:cNvSpPr>
             <a:spLocks noGrp="1"/>
           </p:cNvSpPr>
@@ -1858,14 +4626,20 @@
           <a:bodyPr/>
           <a:lstStyle/>
           <a:p>
-            <a:fld id="{9B618960-8005-486C-9A75-10CB2AAC16F9}" type="slidenum">
-              <a:rPr lang="en-US" smtClean="0"/>
+            <a:fld id="{D57F1E4F-1CFF-5643-939E-02111984F565}" type="slidenum">
+              <a:rPr lang="en-US" dirty="0"/>
+              <a:t>‹#›</a:t>
             </a:fld>
-            <a:endParaRPr lang="en-US"/>
+            <a:endParaRPr lang="en-US" dirty="0"/>
           </a:p>
         </p:txBody>
       </p:sp>
     </p:spTree>
+    <p:extLst>
+      <p:ext uri="{BB962C8B-B14F-4D97-AF65-F5344CB8AC3E}">
+        <p14:creationId xmlns:p14="http://schemas.microsoft.com/office/powerpoint/2010/main" val="3083547300"/>
+      </p:ext>
+    </p:extLst>
   </p:cSld>
   <p:clrMapOvr>
     <a:masterClrMapping/>
@@ -1902,23 +4676,22 @@
         </p:nvSpPr>
         <p:spPr>
           <a:xfrm>
-            <a:off x="839788" y="457200"/>
-            <a:ext cx="3932237" cy="1600200"/>
+            <a:off x="1154953" y="1447800"/>
+            <a:ext cx="3401064" cy="1447800"/>
           </a:xfrm>
         </p:spPr>
         <p:txBody>
           <a:bodyPr anchor="b"/>
           <a:lstStyle>
-            <a:lvl1pPr>
-              <a:defRPr sz="3200"/>
+            <a:lvl1pPr algn="l">
+              <a:defRPr sz="2400" b="0"/>
             </a:lvl1pPr>
           </a:lstStyle>
           <a:p>
             <a:r>
-              <a:rPr lang="en-US"/>
+              <a:rPr lang="en-US" dirty="0"/>
               <a:t>Click to edit Master title style</a:t>
             </a:r>
-            <a:endParaRPr lang="en-US"/>
           </a:p>
         </p:txBody>
       </p:sp>
@@ -1934,80 +4707,77 @@
         </p:nvSpPr>
         <p:spPr>
           <a:xfrm>
-            <a:off x="5183188" y="987425"/>
-            <a:ext cx="6172200" cy="4873625"/>
-          </a:xfrm>
-        </p:spPr>
-        <p:txBody>
-          <a:bodyPr/>
+            <a:off x="4784616" y="1447800"/>
+            <a:ext cx="5195997" cy="4572000"/>
+          </a:xfrm>
+        </p:spPr>
+        <p:txBody>
+          <a:bodyPr anchor="ctr">
+            <a:normAutofit/>
+          </a:bodyPr>
           <a:lstStyle>
             <a:lvl1pPr>
-              <a:defRPr sz="3200"/>
+              <a:defRPr sz="2000"/>
             </a:lvl1pPr>
             <a:lvl2pPr>
-              <a:defRPr sz="2800"/>
+              <a:defRPr sz="1800"/>
             </a:lvl2pPr>
             <a:lvl3pPr>
-              <a:defRPr sz="2400"/>
+              <a:defRPr sz="1600"/>
             </a:lvl3pPr>
             <a:lvl4pPr>
-              <a:defRPr sz="2000"/>
+              <a:defRPr sz="1400"/>
             </a:lvl4pPr>
             <a:lvl5pPr>
-              <a:defRPr sz="2000"/>
+              <a:defRPr sz="1400"/>
             </a:lvl5pPr>
             <a:lvl6pPr>
-              <a:defRPr sz="2000"/>
+              <a:defRPr sz="1400"/>
             </a:lvl6pPr>
             <a:lvl7pPr>
-              <a:defRPr sz="2000"/>
+              <a:defRPr sz="1400"/>
             </a:lvl7pPr>
             <a:lvl8pPr>
-              <a:defRPr sz="2000"/>
+              <a:defRPr sz="1400"/>
             </a:lvl8pPr>
             <a:lvl9pPr>
-              <a:defRPr sz="2000"/>
+              <a:defRPr sz="1400"/>
             </a:lvl9pPr>
           </a:lstStyle>
           <a:p>
             <a:pPr lvl="0"/>
             <a:r>
-              <a:rPr lang="en-US"/>
+              <a:rPr lang="en-US" dirty="0"/>
               <a:t>Click to edit Master text styles</a:t>
             </a:r>
-            <a:endParaRPr lang="en-US"/>
           </a:p>
           <a:p>
             <a:pPr lvl="1"/>
             <a:r>
-              <a:rPr lang="en-US"/>
+              <a:rPr lang="en-US" dirty="0"/>
               <a:t>Second level</a:t>
             </a:r>
-            <a:endParaRPr lang="en-US"/>
           </a:p>
           <a:p>
             <a:pPr lvl="2"/>
             <a:r>
-              <a:rPr lang="en-US"/>
+              <a:rPr lang="en-US" dirty="0"/>
               <a:t>Third level</a:t>
             </a:r>
-            <a:endParaRPr lang="en-US"/>
           </a:p>
           <a:p>
             <a:pPr lvl="3"/>
             <a:r>
-              <a:rPr lang="en-US"/>
+              <a:rPr lang="en-US" dirty="0"/>
               <a:t>Fourth level</a:t>
             </a:r>
-            <a:endParaRPr lang="en-US"/>
           </a:p>
           <a:p>
             <a:pPr lvl="4"/>
             <a:r>
-              <a:rPr lang="en-US"/>
+              <a:rPr lang="en-US" dirty="0"/>
               <a:t>Fifth level</a:t>
             </a:r>
-            <a:endParaRPr lang="en-US"/>
           </a:p>
         </p:txBody>
       </p:sp>
@@ -2023,8 +4793,8 @@
         </p:nvSpPr>
         <p:spPr>
           <a:xfrm>
-            <a:off x="839788" y="2057400"/>
-            <a:ext cx="3932237" cy="3811588"/>
+            <a:off x="1154953" y="3129280"/>
+            <a:ext cx="3401063" cy="2895599"/>
           </a:xfrm>
         </p:spPr>
         <p:txBody>
@@ -2032,54 +4802,53 @@
           <a:lstStyle>
             <a:lvl1pPr marL="0" indent="0">
               <a:buNone/>
-              <a:defRPr sz="1600"/>
+              <a:defRPr sz="1400"/>
             </a:lvl1pPr>
             <a:lvl2pPr marL="457200" indent="0">
               <a:buNone/>
-              <a:defRPr sz="1400"/>
+              <a:defRPr sz="1200"/>
             </a:lvl2pPr>
             <a:lvl3pPr marL="914400" indent="0">
               <a:buNone/>
-              <a:defRPr sz="1200"/>
+              <a:defRPr sz="1000"/>
             </a:lvl3pPr>
             <a:lvl4pPr marL="1371600" indent="0">
               <a:buNone/>
-              <a:defRPr sz="1000"/>
+              <a:defRPr sz="900"/>
             </a:lvl4pPr>
             <a:lvl5pPr marL="1828800" indent="0">
               <a:buNone/>
-              <a:defRPr sz="1000"/>
+              <a:defRPr sz="900"/>
             </a:lvl5pPr>
             <a:lvl6pPr marL="2286000" indent="0">
               <a:buNone/>
-              <a:defRPr sz="1000"/>
+              <a:defRPr sz="900"/>
             </a:lvl6pPr>
             <a:lvl7pPr marL="2743200" indent="0">
               <a:buNone/>
-              <a:defRPr sz="1000"/>
+              <a:defRPr sz="900"/>
             </a:lvl7pPr>
             <a:lvl8pPr marL="3200400" indent="0">
               <a:buNone/>
-              <a:defRPr sz="1000"/>
+              <a:defRPr sz="900"/>
             </a:lvl8pPr>
             <a:lvl9pPr marL="3657600" indent="0">
               <a:buNone/>
-              <a:defRPr sz="1000"/>
+              <a:defRPr sz="900"/>
             </a:lvl9pPr>
           </a:lstStyle>
           <a:p>
             <a:pPr lvl="0"/>
             <a:r>
-              <a:rPr lang="en-US"/>
+              <a:rPr lang="en-US" dirty="0"/>
               <a:t>Click to edit Master text styles</a:t>
             </a:r>
-            <a:endParaRPr lang="en-US"/>
-          </a:p>
-        </p:txBody>
-      </p:sp>
-      <p:sp>
-        <p:nvSpPr>
-          <p:cNvPr id="5" name="Date Placeholder 4"/>
+          </a:p>
+        </p:txBody>
+      </p:sp>
+      <p:sp>
+        <p:nvSpPr>
+          <p:cNvPr id="7" name="Date Placeholder 4"/>
           <p:cNvSpPr>
             <a:spLocks noGrp="1"/>
           </p:cNvSpPr>
@@ -2092,16 +4861,17 @@
           <a:bodyPr/>
           <a:lstStyle/>
           <a:p>
-            <a:fld id="{63A1C593-65D0-4073-BCC9-577B9352EA97}" type="datetimeFigureOut">
-              <a:rPr lang="en-US" smtClean="0"/>
+            <a:fld id="{4509A250-FF31-4206-8172-F9D3106AACB1}" type="datetimeFigureOut">
+              <a:rPr lang="en-US" dirty="0"/>
+              <a:t>12/6/2023</a:t>
             </a:fld>
-            <a:endParaRPr lang="en-US"/>
-          </a:p>
-        </p:txBody>
-      </p:sp>
-      <p:sp>
-        <p:nvSpPr>
-          <p:cNvPr id="6" name="Footer Placeholder 5"/>
+            <a:endParaRPr lang="en-US" dirty="0"/>
+          </a:p>
+        </p:txBody>
+      </p:sp>
+      <p:sp>
+        <p:nvSpPr>
+          <p:cNvPr id="5" name="Footer Placeholder 5"/>
           <p:cNvSpPr>
             <a:spLocks noGrp="1"/>
           </p:cNvSpPr>
@@ -2114,13 +4884,13 @@
           <a:bodyPr/>
           <a:lstStyle/>
           <a:p>
-            <a:endParaRPr lang="en-US"/>
-          </a:p>
-        </p:txBody>
-      </p:sp>
-      <p:sp>
-        <p:nvSpPr>
-          <p:cNvPr id="7" name="Slide Number Placeholder 6"/>
+            <a:endParaRPr lang="en-US" dirty="0"/>
+          </a:p>
+        </p:txBody>
+      </p:sp>
+      <p:sp>
+        <p:nvSpPr>
+          <p:cNvPr id="6" name="Slide Number Placeholder 6"/>
           <p:cNvSpPr>
             <a:spLocks noGrp="1"/>
           </p:cNvSpPr>
@@ -2133,14 +4903,20 @@
           <a:bodyPr/>
           <a:lstStyle/>
           <a:p>
-            <a:fld id="{9B618960-8005-486C-9A75-10CB2AAC16F9}" type="slidenum">
-              <a:rPr lang="en-US" smtClean="0"/>
+            <a:fld id="{D57F1E4F-1CFF-5643-939E-02111984F565}" type="slidenum">
+              <a:rPr lang="en-US" dirty="0"/>
+              <a:t>‹#›</a:t>
             </a:fld>
-            <a:endParaRPr lang="en-US"/>
+            <a:endParaRPr lang="en-US" dirty="0"/>
           </a:p>
         </p:txBody>
       </p:sp>
     </p:spTree>
+    <p:extLst>
+      <p:ext uri="{BB962C8B-B14F-4D97-AF65-F5344CB8AC3E}">
+        <p14:creationId xmlns:p14="http://schemas.microsoft.com/office/powerpoint/2010/main" val="2898329439"/>
+      </p:ext>
+    </p:extLst>
   </p:cSld>
   <p:clrMapOvr>
     <a:masterClrMapping/>
@@ -2177,23 +4953,24 @@
         </p:nvSpPr>
         <p:spPr>
           <a:xfrm>
-            <a:off x="839788" y="457200"/>
-            <a:ext cx="3932237" cy="1600200"/>
-          </a:xfrm>
-        </p:spPr>
-        <p:txBody>
-          <a:bodyPr anchor="b"/>
+            <a:off x="1153907" y="1854192"/>
+            <a:ext cx="5092906" cy="1574808"/>
+          </a:xfrm>
+        </p:spPr>
+        <p:txBody>
+          <a:bodyPr anchor="b">
+            <a:normAutofit/>
+          </a:bodyPr>
           <a:lstStyle>
-            <a:lvl1pPr>
-              <a:defRPr sz="3200"/>
+            <a:lvl1pPr algn="l">
+              <a:defRPr sz="3600" b="0"/>
             </a:lvl1pPr>
           </a:lstStyle>
           <a:p>
             <a:r>
-              <a:rPr lang="en-US"/>
+              <a:rPr lang="en-US" dirty="0"/>
               <a:t>Click to edit Master title style</a:t>
             </a:r>
-            <a:endParaRPr lang="en-US"/>
           </a:p>
         </p:txBody>
       </p:sp>
@@ -2201,7 +4978,7 @@
         <p:nvSpPr>
           <p:cNvPr id="3" name="Picture Placeholder 2"/>
           <p:cNvSpPr>
-            <a:spLocks noGrp="1"/>
+            <a:spLocks noGrp="1" noChangeAspect="1"/>
           </p:cNvSpPr>
           <p:nvPr>
             <p:ph type="pic" idx="1"/>
@@ -2209,118 +4986,133 @@
         </p:nvSpPr>
         <p:spPr>
           <a:xfrm>
-            <a:off x="5183188" y="987425"/>
-            <a:ext cx="6172200" cy="4873625"/>
-          </a:xfrm>
-        </p:spPr>
-        <p:txBody>
-          <a:bodyPr/>
+            <a:off x="6949546" y="1143000"/>
+            <a:ext cx="3200400" cy="4572000"/>
+          </a:xfrm>
+          <a:prstGeom prst="roundRect">
+            <a:avLst>
+              <a:gd name="adj" fmla="val 1858"/>
+            </a:avLst>
+          </a:prstGeom>
+          <a:effectLst>
+            <a:outerShdw blurRad="50800" dist="50800" dir="5400000" algn="tl" rotWithShape="0">
+              <a:srgbClr val="000000">
+                <a:alpha val="43000"/>
+              </a:srgbClr>
+            </a:outerShdw>
+          </a:effectLst>
+        </p:spPr>
+        <p:txBody>
+          <a:bodyPr anchor="t">
+            <a:normAutofit/>
+          </a:bodyPr>
           <a:lstStyle>
-            <a:lvl1pPr marL="0" indent="0">
-              <a:buNone/>
-              <a:defRPr sz="3200"/>
-            </a:lvl1pPr>
-            <a:lvl2pPr marL="457200" indent="0">
-              <a:buNone/>
-              <a:defRPr sz="2800"/>
-            </a:lvl2pPr>
-            <a:lvl3pPr marL="914400" indent="0">
-              <a:buNone/>
-              <a:defRPr sz="2400"/>
-            </a:lvl3pPr>
-            <a:lvl4pPr marL="1371600" indent="0">
-              <a:buNone/>
-              <a:defRPr sz="2000"/>
-            </a:lvl4pPr>
-            <a:lvl5pPr marL="1828800" indent="0">
-              <a:buNone/>
-              <a:defRPr sz="2000"/>
-            </a:lvl5pPr>
-            <a:lvl6pPr marL="2286000" indent="0">
-              <a:buNone/>
-              <a:defRPr sz="2000"/>
-            </a:lvl6pPr>
-            <a:lvl7pPr marL="2743200" indent="0">
-              <a:buNone/>
-              <a:defRPr sz="2000"/>
-            </a:lvl7pPr>
-            <a:lvl8pPr marL="3200400" indent="0">
-              <a:buNone/>
-              <a:defRPr sz="2000"/>
-            </a:lvl8pPr>
-            <a:lvl9pPr marL="3657600" indent="0">
-              <a:buNone/>
-              <a:defRPr sz="2000"/>
-            </a:lvl9pPr>
-          </a:lstStyle>
-          <a:p>
-            <a:endParaRPr lang="en-US"/>
-          </a:p>
-        </p:txBody>
-      </p:sp>
-      <p:sp>
-        <p:nvSpPr>
-          <p:cNvPr id="4" name="Text Placeholder 3"/>
-          <p:cNvSpPr>
-            <a:spLocks noGrp="1"/>
-          </p:cNvSpPr>
-          <p:nvPr>
-            <p:ph type="body" sz="half" idx="2"/>
-          </p:nvPr>
-        </p:nvSpPr>
-        <p:spPr>
-          <a:xfrm>
-            <a:off x="839788" y="2057400"/>
-            <a:ext cx="3932237" cy="3811588"/>
-          </a:xfrm>
-        </p:spPr>
-        <p:txBody>
-          <a:bodyPr/>
-          <a:lstStyle>
-            <a:lvl1pPr marL="0" indent="0">
+            <a:lvl1pPr marL="0" indent="0" algn="ctr">
               <a:buNone/>
               <a:defRPr sz="1600"/>
             </a:lvl1pPr>
             <a:lvl2pPr marL="457200" indent="0">
               <a:buNone/>
-              <a:defRPr sz="1400"/>
+              <a:defRPr sz="1600"/>
             </a:lvl2pPr>
             <a:lvl3pPr marL="914400" indent="0">
               <a:buNone/>
-              <a:defRPr sz="1200"/>
+              <a:defRPr sz="1600"/>
             </a:lvl3pPr>
             <a:lvl4pPr marL="1371600" indent="0">
               <a:buNone/>
-              <a:defRPr sz="1000"/>
+              <a:defRPr sz="1600"/>
             </a:lvl4pPr>
             <a:lvl5pPr marL="1828800" indent="0">
               <a:buNone/>
-              <a:defRPr sz="1000"/>
+              <a:defRPr sz="1600"/>
             </a:lvl5pPr>
             <a:lvl6pPr marL="2286000" indent="0">
               <a:buNone/>
-              <a:defRPr sz="1000"/>
+              <a:defRPr sz="1600"/>
             </a:lvl6pPr>
             <a:lvl7pPr marL="2743200" indent="0">
               <a:buNone/>
-              <a:defRPr sz="1000"/>
+              <a:defRPr sz="1600"/>
             </a:lvl7pPr>
             <a:lvl8pPr marL="3200400" indent="0">
               <a:buNone/>
-              <a:defRPr sz="1000"/>
+              <a:defRPr sz="1600"/>
             </a:lvl8pPr>
             <a:lvl9pPr marL="3657600" indent="0">
               <a:buNone/>
-              <a:defRPr sz="1000"/>
+              <a:defRPr sz="1600"/>
             </a:lvl9pPr>
           </a:lstStyle>
           <a:p>
+            <a:endParaRPr lang="en-US" dirty="0"/>
+          </a:p>
+        </p:txBody>
+      </p:sp>
+      <p:sp>
+        <p:nvSpPr>
+          <p:cNvPr id="4" name="Text Placeholder 3"/>
+          <p:cNvSpPr>
+            <a:spLocks noGrp="1"/>
+          </p:cNvSpPr>
+          <p:nvPr>
+            <p:ph type="body" sz="half" idx="2"/>
+          </p:nvPr>
+        </p:nvSpPr>
+        <p:spPr>
+          <a:xfrm>
+            <a:off x="1154954" y="3657600"/>
+            <a:ext cx="5084979" cy="1371600"/>
+          </a:xfrm>
+        </p:spPr>
+        <p:txBody>
+          <a:bodyPr>
+            <a:normAutofit/>
+          </a:bodyPr>
+          <a:lstStyle>
+            <a:lvl1pPr marL="0" indent="0">
+              <a:buNone/>
+              <a:defRPr sz="1400"/>
+            </a:lvl1pPr>
+            <a:lvl2pPr marL="457200" indent="0">
+              <a:buNone/>
+              <a:defRPr sz="1200"/>
+            </a:lvl2pPr>
+            <a:lvl3pPr marL="914400" indent="0">
+              <a:buNone/>
+              <a:defRPr sz="1000"/>
+            </a:lvl3pPr>
+            <a:lvl4pPr marL="1371600" indent="0">
+              <a:buNone/>
+              <a:defRPr sz="900"/>
+            </a:lvl4pPr>
+            <a:lvl5pPr marL="1828800" indent="0">
+              <a:buNone/>
+              <a:defRPr sz="900"/>
+            </a:lvl5pPr>
+            <a:lvl6pPr marL="2286000" indent="0">
+              <a:buNone/>
+              <a:defRPr sz="900"/>
+            </a:lvl6pPr>
+            <a:lvl7pPr marL="2743200" indent="0">
+              <a:buNone/>
+              <a:defRPr sz="900"/>
+            </a:lvl7pPr>
+            <a:lvl8pPr marL="3200400" indent="0">
+              <a:buNone/>
+              <a:defRPr sz="900"/>
+            </a:lvl8pPr>
+            <a:lvl9pPr marL="3657600" indent="0">
+              <a:buNone/>
+              <a:defRPr sz="900"/>
+            </a:lvl9pPr>
+          </a:lstStyle>
+          <a:p>
             <a:pPr lvl="0"/>
             <a:r>
-              <a:rPr lang="en-US"/>
+              <a:rPr lang="en-US" dirty="0"/>
               <a:t>Click to edit Master text styles</a:t>
             </a:r>
-            <a:endParaRPr lang="en-US"/>
           </a:p>
         </p:txBody>
       </p:sp>
@@ -2339,10 +5131,11 @@
           <a:bodyPr/>
           <a:lstStyle/>
           <a:p>
-            <a:fld id="{63A1C593-65D0-4073-BCC9-577B9352EA97}" type="datetimeFigureOut">
-              <a:rPr lang="en-US" smtClean="0"/>
+            <a:fld id="{4509A250-FF31-4206-8172-F9D3106AACB1}" type="datetimeFigureOut">
+              <a:rPr lang="en-US" dirty="0"/>
+              <a:t>12/6/2023</a:t>
             </a:fld>
-            <a:endParaRPr lang="en-US"/>
+            <a:endParaRPr lang="en-US" dirty="0"/>
           </a:p>
         </p:txBody>
       </p:sp>
@@ -2361,7 +5154,7 @@
           <a:bodyPr/>
           <a:lstStyle/>
           <a:p>
-            <a:endParaRPr lang="en-US"/>
+            <a:endParaRPr lang="en-US" dirty="0"/>
           </a:p>
         </p:txBody>
       </p:sp>
@@ -2380,14 +5173,20 @@
           <a:bodyPr/>
           <a:lstStyle/>
           <a:p>
-            <a:fld id="{9B618960-8005-486C-9A75-10CB2AAC16F9}" type="slidenum">
-              <a:rPr lang="en-US" smtClean="0"/>
+            <a:fld id="{D57F1E4F-1CFF-5643-939E-02111984F565}" type="slidenum">
+              <a:rPr lang="en-US" dirty="0"/>
+              <a:t>‹#›</a:t>
             </a:fld>
-            <a:endParaRPr lang="en-US"/>
+            <a:endParaRPr lang="en-US" dirty="0"/>
           </a:p>
         </p:txBody>
       </p:sp>
     </p:spTree>
+    <p:extLst>
+      <p:ext uri="{BB962C8B-B14F-4D97-AF65-F5344CB8AC3E}">
+        <p14:creationId xmlns:p14="http://schemas.microsoft.com/office/powerpoint/2010/main" val="2784257336"/>
+      </p:ext>
+    </p:extLst>
   </p:cSld>
   <p:clrMapOvr>
     <a:masterClrMapping/>
@@ -2399,8 +5198,8 @@
 <p:sldMaster xmlns:a="http://schemas.openxmlformats.org/drawingml/2006/main" xmlns:r="http://schemas.openxmlformats.org/officeDocument/2006/relationships" xmlns:p="http://schemas.openxmlformats.org/presentationml/2006/main">
   <p:cSld>
     <p:bg>
-      <p:bgRef idx="1001">
-        <a:schemeClr val="bg1"/>
+      <p:bgRef idx="1003">
+        <a:schemeClr val="bg2"/>
       </p:bgRef>
     </p:bg>
     <p:spTree>
@@ -2417,36 +5216,250 @@
           <a:chExt cx="0" cy="0"/>
         </a:xfrm>
       </p:grpSpPr>
-      <p:sp>
-        <p:nvSpPr>
-          <p:cNvPr id="2" name="Title Placeholder 1"/>
-          <p:cNvSpPr>
-            <a:spLocks noGrp="1"/>
-          </p:cNvSpPr>
-          <p:nvPr>
-            <p:ph type="title"/>
-          </p:nvPr>
-        </p:nvSpPr>
-        <p:spPr>
-          <a:xfrm>
-            <a:off x="838200" y="365125"/>
-            <a:ext cx="10515600" cy="1325563"/>
+      <p:pic>
+        <p:nvPicPr>
+          <p:cNvPr id="8" name="Picture 7"/>
+          <p:cNvPicPr>
+            <a:picLocks noChangeAspect="1"/>
+          </p:cNvPicPr>
+          <p:nvPr/>
+        </p:nvPicPr>
+        <p:blipFill rotWithShape="1">
+          <a:blip r:embed="rId19">
+            <a:extLst>
+              <a:ext uri="{28A0092B-C50C-407E-A947-70E740481C1C}">
+                <a14:useLocalDpi xmlns:a14="http://schemas.microsoft.com/office/drawing/2010/main" val="0"/>
+              </a:ext>
+            </a:extLst>
+          </a:blip>
+          <a:srcRect l="3613"/>
+          <a:stretch/>
+        </p:blipFill>
+        <p:spPr>
+          <a:xfrm>
+            <a:off x="0" y="2669685"/>
+            <a:ext cx="4037012" cy="4188315"/>
           </a:xfrm>
           <a:prstGeom prst="rect">
             <a:avLst/>
           </a:prstGeom>
         </p:spPr>
-        <p:txBody>
-          <a:bodyPr vert="horz" lIns="91440" tIns="45720" rIns="91440" bIns="45720" rtlCol="0" anchor="ctr">
-            <a:normAutofit/>
+      </p:pic>
+      <p:pic>
+        <p:nvPicPr>
+          <p:cNvPr id="7" name="Picture 6"/>
+          <p:cNvPicPr>
+            <a:picLocks noChangeAspect="1"/>
+          </p:cNvPicPr>
+          <p:nvPr/>
+        </p:nvPicPr>
+        <p:blipFill rotWithShape="1">
+          <a:blip r:embed="rId20">
+            <a:extLst>
+              <a:ext uri="{28A0092B-C50C-407E-A947-70E740481C1C}">
+                <a14:useLocalDpi xmlns:a14="http://schemas.microsoft.com/office/drawing/2010/main" val="0"/>
+              </a:ext>
+            </a:extLst>
+          </a:blip>
+          <a:srcRect l="35640"/>
+          <a:stretch/>
+        </p:blipFill>
+        <p:spPr>
+          <a:xfrm>
+            <a:off x="0" y="2892347"/>
+            <a:ext cx="1522412" cy="2365453"/>
+          </a:xfrm>
+          <a:prstGeom prst="rect">
+            <a:avLst/>
+          </a:prstGeom>
+        </p:spPr>
+      </p:pic>
+      <p:sp>
+        <p:nvSpPr>
+          <p:cNvPr id="16" name="Oval 15"/>
+          <p:cNvSpPr/>
+          <p:nvPr/>
+        </p:nvSpPr>
+        <p:spPr>
+          <a:xfrm>
+            <a:off x="8609012" y="1676400"/>
+            <a:ext cx="2819400" cy="2819400"/>
+          </a:xfrm>
+          <a:prstGeom prst="ellipse">
+            <a:avLst/>
+          </a:prstGeom>
+          <a:gradFill flip="none" rotWithShape="1">
+            <a:gsLst>
+              <a:gs pos="0">
+                <a:schemeClr val="bg2">
+                  <a:lumMod val="60000"/>
+                  <a:lumOff val="40000"/>
+                  <a:alpha val="7000"/>
+                </a:schemeClr>
+              </a:gs>
+              <a:gs pos="69000">
+                <a:schemeClr val="bg2">
+                  <a:lumMod val="60000"/>
+                  <a:lumOff val="40000"/>
+                  <a:alpha val="0"/>
+                </a:schemeClr>
+              </a:gs>
+              <a:gs pos="36000">
+                <a:schemeClr val="bg2">
+                  <a:lumMod val="60000"/>
+                  <a:lumOff val="40000"/>
+                  <a:alpha val="6000"/>
+                </a:schemeClr>
+              </a:gs>
+            </a:gsLst>
+            <a:path path="circle">
+              <a:fillToRect l="50000" t="50000" r="50000" b="50000"/>
+            </a:path>
+            <a:tileRect/>
+          </a:gradFill>
+          <a:ln>
+            <a:noFill/>
+          </a:ln>
+          <a:effectLst/>
+        </p:spPr>
+        <p:style>
+          <a:lnRef idx="1">
+            <a:schemeClr val="accent1"/>
+          </a:lnRef>
+          <a:fillRef idx="3">
+            <a:schemeClr val="accent1"/>
+          </a:fillRef>
+          <a:effectRef idx="2">
+            <a:schemeClr val="accent1"/>
+          </a:effectRef>
+          <a:fontRef idx="minor">
+            <a:schemeClr val="lt1"/>
+          </a:fontRef>
+        </p:style>
+      </p:sp>
+      <p:pic>
+        <p:nvPicPr>
+          <p:cNvPr id="9" name="Picture 8"/>
+          <p:cNvPicPr>
+            <a:picLocks noChangeAspect="1"/>
+          </p:cNvPicPr>
+          <p:nvPr/>
+        </p:nvPicPr>
+        <p:blipFill rotWithShape="1">
+          <a:blip r:embed="rId21">
+            <a:extLst>
+              <a:ext uri="{28A0092B-C50C-407E-A947-70E740481C1C}">
+                <a14:useLocalDpi xmlns:a14="http://schemas.microsoft.com/office/drawing/2010/main" val="0"/>
+              </a:ext>
+            </a:extLst>
+          </a:blip>
+          <a:srcRect t="28813"/>
+          <a:stretch/>
+        </p:blipFill>
+        <p:spPr>
+          <a:xfrm>
+            <a:off x="7999412" y="0"/>
+            <a:ext cx="1603387" cy="1141407"/>
+          </a:xfrm>
+          <a:prstGeom prst="rect">
+            <a:avLst/>
+          </a:prstGeom>
+        </p:spPr>
+      </p:pic>
+      <p:pic>
+        <p:nvPicPr>
+          <p:cNvPr id="10" name="Picture 9"/>
+          <p:cNvPicPr>
+            <a:picLocks noChangeAspect="1"/>
+          </p:cNvPicPr>
+          <p:nvPr/>
+        </p:nvPicPr>
+        <p:blipFill rotWithShape="1">
+          <a:blip r:embed="rId22">
+            <a:extLst>
+              <a:ext uri="{28A0092B-C50C-407E-A947-70E740481C1C}">
+                <a14:useLocalDpi xmlns:a14="http://schemas.microsoft.com/office/drawing/2010/main" val="0"/>
+              </a:ext>
+            </a:extLst>
+          </a:blip>
+          <a:srcRect b="23320"/>
+          <a:stretch/>
+        </p:blipFill>
+        <p:spPr>
+          <a:xfrm>
+            <a:off x="8605878" y="6096000"/>
+            <a:ext cx="993734" cy="762000"/>
+          </a:xfrm>
+          <a:prstGeom prst="rect">
+            <a:avLst/>
+          </a:prstGeom>
+        </p:spPr>
+      </p:pic>
+      <p:sp>
+        <p:nvSpPr>
+          <p:cNvPr id="14" name="Rectangle 13"/>
+          <p:cNvSpPr/>
+          <p:nvPr/>
+        </p:nvSpPr>
+        <p:spPr>
+          <a:xfrm>
+            <a:off x="10437812" y="0"/>
+            <a:ext cx="685800" cy="1143000"/>
+          </a:xfrm>
+          <a:prstGeom prst="rect">
+            <a:avLst/>
+          </a:prstGeom>
+          <a:solidFill>
+            <a:schemeClr val="accent1"/>
+          </a:solidFill>
+          <a:ln>
+            <a:noFill/>
+          </a:ln>
+        </p:spPr>
+        <p:style>
+          <a:lnRef idx="1">
+            <a:schemeClr val="accent1"/>
+          </a:lnRef>
+          <a:fillRef idx="3">
+            <a:schemeClr val="accent1"/>
+          </a:fillRef>
+          <a:effectRef idx="2">
+            <a:schemeClr val="accent1"/>
+          </a:effectRef>
+          <a:fontRef idx="minor">
+            <a:schemeClr val="lt1"/>
+          </a:fontRef>
+        </p:style>
+      </p:sp>
+      <p:sp>
+        <p:nvSpPr>
+          <p:cNvPr id="2" name="Title Placeholder 1"/>
+          <p:cNvSpPr>
+            <a:spLocks noGrp="1"/>
+          </p:cNvSpPr>
+          <p:nvPr>
+            <p:ph type="title"/>
+          </p:nvPr>
+        </p:nvSpPr>
+        <p:spPr>
+          <a:xfrm>
+            <a:off x="646111" y="452718"/>
+            <a:ext cx="9404723" cy="1400530"/>
+          </a:xfrm>
+          <a:prstGeom prst="rect">
+            <a:avLst/>
+          </a:prstGeom>
+        </p:spPr>
+        <p:txBody>
+          <a:bodyPr vert="horz" lIns="91440" tIns="45720" rIns="91440" bIns="45720" rtlCol="0" anchor="t">
+            <a:noAutofit/>
           </a:bodyPr>
           <a:lstStyle/>
           <a:p>
             <a:r>
-              <a:rPr lang="en-US"/>
+              <a:rPr lang="en-US" dirty="0"/>
               <a:t>Click to edit Master title style</a:t>
             </a:r>
-            <a:endParaRPr lang="en-US"/>
           </a:p>
         </p:txBody>
       </p:sp>
@@ -2462,8 +5475,8 @@
         </p:nvSpPr>
         <p:spPr>
           <a:xfrm>
-            <a:off x="838200" y="1825625"/>
-            <a:ext cx="10515600" cy="4351338"/>
+            <a:off x="1103312" y="2052918"/>
+            <a:ext cx="8946541" cy="4195481"/>
           </a:xfrm>
           <a:prstGeom prst="rect">
             <a:avLst/>
@@ -2477,42 +5490,37 @@
           <a:p>
             <a:pPr lvl="0"/>
             <a:r>
-              <a:rPr lang="en-US"/>
+              <a:rPr lang="en-US" dirty="0"/>
               <a:t>Click to edit Master text styles</a:t>
             </a:r>
-            <a:endParaRPr lang="en-US"/>
           </a:p>
           <a:p>
             <a:pPr lvl="1"/>
             <a:r>
-              <a:rPr lang="en-US"/>
+              <a:rPr lang="en-US" dirty="0"/>
               <a:t>Second level</a:t>
             </a:r>
-            <a:endParaRPr lang="en-US"/>
           </a:p>
           <a:p>
             <a:pPr lvl="2"/>
             <a:r>
-              <a:rPr lang="en-US"/>
+              <a:rPr lang="en-US" dirty="0"/>
               <a:t>Third level</a:t>
             </a:r>
-            <a:endParaRPr lang="en-US"/>
           </a:p>
           <a:p>
             <a:pPr lvl="3"/>
             <a:r>
-              <a:rPr lang="en-US"/>
+              <a:rPr lang="en-US" dirty="0"/>
               <a:t>Fourth level</a:t>
             </a:r>
-            <a:endParaRPr lang="en-US"/>
           </a:p>
           <a:p>
             <a:pPr lvl="4"/>
             <a:r>
-              <a:rPr lang="en-US"/>
+              <a:rPr lang="en-US" dirty="0"/>
               <a:t>Fifth level</a:t>
             </a:r>
-            <a:endParaRPr lang="en-US"/>
           </a:p>
         </p:txBody>
       </p:sp>
@@ -2527,19 +5535,99 @@
           </p:nvPr>
         </p:nvSpPr>
         <p:spPr>
-          <a:xfrm>
-            <a:off x="838200" y="6356350"/>
-            <a:ext cx="2743200" cy="365125"/>
+          <a:xfrm rot="5400000">
+            <a:off x="10155639" y="1790701"/>
+            <a:ext cx="990599" cy="304799"/>
           </a:xfrm>
           <a:prstGeom prst="rect">
             <a:avLst/>
           </a:prstGeom>
         </p:spPr>
         <p:txBody>
-          <a:bodyPr vert="horz" lIns="91440" tIns="45720" rIns="91440" bIns="45720" rtlCol="0" anchor="ctr"/>
+          <a:bodyPr vert="horz" lIns="91440" tIns="45720" rIns="91440" bIns="45720" rtlCol="0" anchor="t"/>
           <a:lstStyle>
             <a:lvl1pPr algn="l">
-              <a:defRPr sz="1200">
+              <a:defRPr sz="1100" b="0" i="0">
+                <a:solidFill>
+                  <a:schemeClr val="tx1">
+                    <a:tint val="75000"/>
+                    <a:alpha val="60000"/>
+                  </a:schemeClr>
+                </a:solidFill>
+              </a:defRPr>
+            </a:lvl1pPr>
+          </a:lstStyle>
+          <a:p>
+            <a:fld id="{4AAD347D-5ACD-4C99-B74B-A9C85AD731AF}" type="datetimeFigureOut">
+              <a:rPr lang="en-US" dirty="0"/>
+              <a:t>12/6/2023</a:t>
+            </a:fld>
+            <a:endParaRPr lang="en-US" dirty="0"/>
+          </a:p>
+        </p:txBody>
+      </p:sp>
+      <p:sp>
+        <p:nvSpPr>
+          <p:cNvPr id="5" name="Footer Placeholder 4"/>
+          <p:cNvSpPr>
+            <a:spLocks noGrp="1"/>
+          </p:cNvSpPr>
+          <p:nvPr>
+            <p:ph type="ftr" sz="quarter" idx="3"/>
+          </p:nvPr>
+        </p:nvSpPr>
+        <p:spPr>
+          <a:xfrm rot="5400000">
+            <a:off x="8951573" y="3225297"/>
+            <a:ext cx="3859795" cy="304801"/>
+          </a:xfrm>
+          <a:prstGeom prst="rect">
+            <a:avLst/>
+          </a:prstGeom>
+        </p:spPr>
+        <p:txBody>
+          <a:bodyPr vert="horz" lIns="91440" tIns="45720" rIns="91440" bIns="45720" rtlCol="0" anchor="b"/>
+          <a:lstStyle>
+            <a:lvl1pPr algn="l">
+              <a:defRPr sz="1100" b="0" i="0">
+                <a:solidFill>
+                  <a:schemeClr val="tx1">
+                    <a:tint val="75000"/>
+                    <a:alpha val="60000"/>
+                  </a:schemeClr>
+                </a:solidFill>
+              </a:defRPr>
+            </a:lvl1pPr>
+          </a:lstStyle>
+          <a:p>
+            <a:endParaRPr lang="en-US" dirty="0"/>
+          </a:p>
+        </p:txBody>
+      </p:sp>
+      <p:sp>
+        <p:nvSpPr>
+          <p:cNvPr id="6" name="Slide Number Placeholder 5"/>
+          <p:cNvSpPr>
+            <a:spLocks noGrp="1"/>
+          </p:cNvSpPr>
+          <p:nvPr>
+            <p:ph type="sldNum" sz="quarter" idx="4"/>
+          </p:nvPr>
+        </p:nvSpPr>
+        <p:spPr bwMode="gray">
+          <a:xfrm>
+            <a:off x="10352540" y="295729"/>
+            <a:ext cx="838199" cy="767687"/>
+          </a:xfrm>
+          <a:prstGeom prst="rect">
+            <a:avLst/>
+          </a:prstGeom>
+        </p:spPr>
+        <p:txBody>
+          <a:bodyPr vert="horz" lIns="91440" tIns="45720" rIns="91440" bIns="45720" rtlCol="0" anchor="b"/>
+          <a:lstStyle>
+            <a:lvl1pPr algn="ctr">
+              <a:defRPr sz="2800" b="0" i="0">
                 <a:solidFill>
                   <a:schemeClr val="tx1">
                     <a:tint val="75000"/>
@@ -2549,117 +5637,133 @@
             </a:lvl1pPr>
           </a:lstStyle>
           <a:p>
-            <a:fld id="{63A1C593-65D0-4073-BCC9-577B9352EA97}" type="datetimeFigureOut">
-              <a:rPr lang="en-US" smtClean="0"/>
+            <a:fld id="{D57F1E4F-1CFF-5643-939E-02111984F565}" type="slidenum">
+              <a:rPr lang="en-US" dirty="0"/>
+              <a:t>‹#›</a:t>
             </a:fld>
-            <a:endParaRPr lang="en-US"/>
-          </a:p>
-        </p:txBody>
-      </p:sp>
-      <p:sp>
-        <p:nvSpPr>
-          <p:cNvPr id="5" name="Footer Placeholder 4"/>
-          <p:cNvSpPr>
-            <a:spLocks noGrp="1"/>
-          </p:cNvSpPr>
-          <p:nvPr>
-            <p:ph type="ftr" sz="quarter" idx="3"/>
-          </p:nvPr>
-        </p:nvSpPr>
-        <p:spPr>
-          <a:xfrm>
-            <a:off x="4038600" y="6356350"/>
-            <a:ext cx="4114800" cy="365125"/>
-          </a:xfrm>
-          <a:prstGeom prst="rect">
-            <a:avLst/>
-          </a:prstGeom>
-        </p:spPr>
-        <p:txBody>
-          <a:bodyPr vert="horz" lIns="91440" tIns="45720" rIns="91440" bIns="45720" rtlCol="0" anchor="ctr"/>
-          <a:lstStyle>
-            <a:lvl1pPr algn="ctr">
-              <a:defRPr sz="1200">
-                <a:solidFill>
-                  <a:schemeClr val="tx1">
-                    <a:tint val="75000"/>
-                  </a:schemeClr>
-                </a:solidFill>
-              </a:defRPr>
-            </a:lvl1pPr>
-          </a:lstStyle>
-          <a:p>
-            <a:endParaRPr lang="en-US"/>
-          </a:p>
-        </p:txBody>
-      </p:sp>
-      <p:sp>
-        <p:nvSpPr>
-          <p:cNvPr id="6" name="Slide Number Placeholder 5"/>
-          <p:cNvSpPr>
-            <a:spLocks noGrp="1"/>
-          </p:cNvSpPr>
-          <p:nvPr>
-            <p:ph type="sldNum" sz="quarter" idx="4"/>
-          </p:nvPr>
-        </p:nvSpPr>
-        <p:spPr>
-          <a:xfrm>
-            <a:off x="8610600" y="6356350"/>
-            <a:ext cx="2743200" cy="365125"/>
-          </a:xfrm>
-          <a:prstGeom prst="rect">
-            <a:avLst/>
-          </a:prstGeom>
-        </p:spPr>
-        <p:txBody>
-          <a:bodyPr vert="horz" lIns="91440" tIns="45720" rIns="91440" bIns="45720" rtlCol="0" anchor="ctr"/>
-          <a:lstStyle>
-            <a:lvl1pPr algn="r">
-              <a:defRPr sz="1200">
-                <a:solidFill>
-                  <a:schemeClr val="tx1">
-                    <a:tint val="75000"/>
-                  </a:schemeClr>
-                </a:solidFill>
-              </a:defRPr>
-            </a:lvl1pPr>
-          </a:lstStyle>
-          <a:p>
-            <a:fld id="{9B618960-8005-486C-9A75-10CB2AAC16F9}" type="slidenum">
-              <a:rPr lang="en-US" smtClean="0"/>
-            </a:fld>
-            <a:endParaRPr lang="en-US"/>
+            <a:endParaRPr lang="en-US" dirty="0"/>
           </a:p>
         </p:txBody>
       </p:sp>
     </p:spTree>
+    <p:extLst>
+      <p:ext uri="{BB962C8B-B14F-4D97-AF65-F5344CB8AC3E}">
+        <p14:creationId xmlns:p14="http://schemas.microsoft.com/office/powerpoint/2010/main" val="694352190"/>
+      </p:ext>
+    </p:extLst>
   </p:cSld>
-  <p:clrMap bg1="lt1" tx1="dk1" bg2="lt2" tx2="dk2" accent1="accent1" accent2="accent2" accent3="accent3" accent4="accent4" accent5="accent5" accent6="accent6" hlink="hlink" folHlink="folHlink"/>
+  <p:clrMap bg1="dk1" tx1="lt1" bg2="dk2" tx2="lt2" accent1="accent1" accent2="accent2" accent3="accent3" accent4="accent4" accent5="accent5" accent6="accent6" hlink="hlink" folHlink="folHlink"/>
   <p:sldLayoutIdLst>
-    <p:sldLayoutId id="2147483649" r:id="rId1"/>
-    <p:sldLayoutId id="2147483650" r:id="rId2"/>
-    <p:sldLayoutId id="2147483651" r:id="rId3"/>
-    <p:sldLayoutId id="2147483652" r:id="rId4"/>
-    <p:sldLayoutId id="2147483653" r:id="rId5"/>
-    <p:sldLayoutId id="2147483654" r:id="rId6"/>
-    <p:sldLayoutId id="2147483655" r:id="rId7"/>
-    <p:sldLayoutId id="2147483656" r:id="rId8"/>
-    <p:sldLayoutId id="2147483657" r:id="rId9"/>
-    <p:sldLayoutId id="2147483658" r:id="rId10"/>
-    <p:sldLayoutId id="2147483659" r:id="rId11"/>
+    <p:sldLayoutId id="2147483661" r:id="rId1"/>
+    <p:sldLayoutId id="2147483662" r:id="rId2"/>
+    <p:sldLayoutId id="2147483663" r:id="rId3"/>
+    <p:sldLayoutId id="2147483664" r:id="rId4"/>
+    <p:sldLayoutId id="2147483665" r:id="rId5"/>
+    <p:sldLayoutId id="2147483666" r:id="rId6"/>
+    <p:sldLayoutId id="2147483667" r:id="rId7"/>
+    <p:sldLayoutId id="2147483668" r:id="rId8"/>
+    <p:sldLayoutId id="2147483669" r:id="rId9"/>
+    <p:sldLayoutId id="2147483670" r:id="rId10"/>
+    <p:sldLayoutId id="2147483671" r:id="rId11"/>
+    <p:sldLayoutId id="2147483672" r:id="rId12"/>
+    <p:sldLayoutId id="2147483673" r:id="rId13"/>
+    <p:sldLayoutId id="2147483674" r:id="rId14"/>
+    <p:sldLayoutId id="2147483675" r:id="rId15"/>
+    <p:sldLayoutId id="2147483676" r:id="rId16"/>
+    <p:sldLayoutId id="2147483677" r:id="rId17"/>
   </p:sldLayoutIdLst>
+  <p:hf sldNum="0" hdr="0" ftr="0" dt="0"/>
   <p:txStyles>
     <p:titleStyle>
-      <a:lvl1pPr algn="l" defTabSz="914400" rtl="0" eaLnBrk="1" latinLnBrk="0" hangingPunct="1">
-        <a:lnSpc>
-          <a:spcPct val="90000"/>
-        </a:lnSpc>
+      <a:lvl1pPr algn="l" defTabSz="457200" rtl="0" eaLnBrk="1" latinLnBrk="0" hangingPunct="1">
         <a:spcBef>
           <a:spcPct val="0"/>
         </a:spcBef>
         <a:buNone/>
-        <a:defRPr sz="4400" kern="1200">
+        <a:defRPr sz="4200" b="0" i="0" kern="1200">
+          <a:solidFill>
+            <a:schemeClr val="tx2"/>
+          </a:solidFill>
+          <a:latin typeface="+mj-lt"/>
+          <a:ea typeface="+mj-ea"/>
+          <a:cs typeface="+mj-cs"/>
+        </a:defRPr>
+      </a:lvl1pPr>
+      <a:lvl2pPr eaLnBrk="1" hangingPunct="1">
+        <a:defRPr>
+          <a:solidFill>
+            <a:schemeClr val="tx2"/>
+          </a:solidFill>
+        </a:defRPr>
+      </a:lvl2pPr>
+      <a:lvl3pPr eaLnBrk="1" hangingPunct="1">
+        <a:defRPr>
+          <a:solidFill>
+            <a:schemeClr val="tx2"/>
+          </a:solidFill>
+        </a:defRPr>
+      </a:lvl3pPr>
+      <a:lvl4pPr eaLnBrk="1" hangingPunct="1">
+        <a:defRPr>
+          <a:solidFill>
+            <a:schemeClr val="tx2"/>
+          </a:solidFill>
+        </a:defRPr>
+      </a:lvl4pPr>
+      <a:lvl5pPr eaLnBrk="1" hangingPunct="1">
+        <a:defRPr>
+          <a:solidFill>
+            <a:schemeClr val="tx2"/>
+          </a:solidFill>
+        </a:defRPr>
+      </a:lvl5pPr>
+      <a:lvl6pPr eaLnBrk="1" hangingPunct="1">
+        <a:defRPr>
+          <a:solidFill>
+            <a:schemeClr val="tx2"/>
+          </a:solidFill>
+        </a:defRPr>
+      </a:lvl6pPr>
+      <a:lvl7pPr eaLnBrk="1" hangingPunct="1">
+        <a:defRPr>
+          <a:solidFill>
+            <a:schemeClr val="tx2"/>
+          </a:solidFill>
+        </a:defRPr>
+      </a:lvl7pPr>
+      <a:lvl8pPr eaLnBrk="1" hangingPunct="1">
+        <a:defRPr>
+          <a:solidFill>
+            <a:schemeClr val="tx2"/>
+          </a:solidFill>
+        </a:defRPr>
+      </a:lvl8pPr>
+      <a:lvl9pPr eaLnBrk="1" hangingPunct="1">
+        <a:defRPr>
+          <a:solidFill>
+            <a:schemeClr val="tx2"/>
+          </a:solidFill>
+        </a:defRPr>
+      </a:lvl9pPr>
+    </p:titleStyle>
+    <p:bodyStyle>
+      <a:lvl1pPr marL="342900" indent="-342900" algn="l" defTabSz="457200" rtl="0" eaLnBrk="1" latinLnBrk="0" hangingPunct="1">
+        <a:spcBef>
+          <a:spcPts val="1000"/>
+        </a:spcBef>
+        <a:spcAft>
+          <a:spcPts val="0"/>
+        </a:spcAft>
+        <a:buClr>
+          <a:schemeClr val="bg2">
+            <a:lumMod val="40000"/>
+            <a:lumOff val="60000"/>
+          </a:schemeClr>
+        </a:buClr>
+        <a:buSzPct val="80000"/>
+        <a:buFont typeface="Wingdings 3" charset="2"/>
+        <a:buChar char=""/>
+        <a:defRPr sz="2000" b="0" i="0" kern="1200">
           <a:solidFill>
             <a:schemeClr val="tx1"/>
           </a:solidFill>
@@ -2668,18 +5772,213 @@
           <a:cs typeface="+mj-cs"/>
         </a:defRPr>
       </a:lvl1pPr>
-    </p:titleStyle>
-    <p:bodyStyle>
-      <a:lvl1pPr marL="228600" indent="-228600" algn="l" defTabSz="914400" rtl="0" eaLnBrk="1" latinLnBrk="0" hangingPunct="1">
-        <a:lnSpc>
-          <a:spcPct val="90000"/>
-        </a:lnSpc>
+      <a:lvl2pPr marL="742950" indent="-285750" algn="l" defTabSz="457200" rtl="0" eaLnBrk="1" latinLnBrk="0" hangingPunct="1">
         <a:spcBef>
           <a:spcPts val="1000"/>
         </a:spcBef>
-        <a:buFont typeface="Arial" panose="020B0604020202020204" pitchFamily="34" charset="0"/>
-        <a:buChar char="•"/>
-        <a:defRPr sz="2800" kern="1200">
+        <a:spcAft>
+          <a:spcPts val="0"/>
+        </a:spcAft>
+        <a:buClr>
+          <a:schemeClr val="bg2">
+            <a:lumMod val="40000"/>
+            <a:lumOff val="60000"/>
+          </a:schemeClr>
+        </a:buClr>
+        <a:buSzPct val="80000"/>
+        <a:buFont typeface="Wingdings 3" charset="2"/>
+        <a:buChar char=""/>
+        <a:defRPr sz="1800" b="0" i="0" kern="1200">
+          <a:solidFill>
+            <a:schemeClr val="tx1"/>
+          </a:solidFill>
+          <a:latin typeface="+mj-lt"/>
+          <a:ea typeface="+mj-ea"/>
+          <a:cs typeface="+mj-cs"/>
+        </a:defRPr>
+      </a:lvl2pPr>
+      <a:lvl3pPr marL="1143000" indent="-228600" algn="l" defTabSz="457200" rtl="0" eaLnBrk="1" latinLnBrk="0" hangingPunct="1">
+        <a:spcBef>
+          <a:spcPts val="1000"/>
+        </a:spcBef>
+        <a:spcAft>
+          <a:spcPts val="0"/>
+        </a:spcAft>
+        <a:buClr>
+          <a:schemeClr val="bg2">
+            <a:lumMod val="40000"/>
+            <a:lumOff val="60000"/>
+          </a:schemeClr>
+        </a:buClr>
+        <a:buSzPct val="80000"/>
+        <a:buFont typeface="Wingdings 3" charset="2"/>
+        <a:buChar char=""/>
+        <a:defRPr sz="1600" b="0" i="0" kern="1200">
+          <a:solidFill>
+            <a:schemeClr val="tx1"/>
+          </a:solidFill>
+          <a:latin typeface="+mj-lt"/>
+          <a:ea typeface="+mj-ea"/>
+          <a:cs typeface="+mj-cs"/>
+        </a:defRPr>
+      </a:lvl3pPr>
+      <a:lvl4pPr marL="1600200" indent="-228600" algn="l" defTabSz="457200" rtl="0" eaLnBrk="1" latinLnBrk="0" hangingPunct="1">
+        <a:spcBef>
+          <a:spcPts val="1000"/>
+        </a:spcBef>
+        <a:spcAft>
+          <a:spcPts val="0"/>
+        </a:spcAft>
+        <a:buClr>
+          <a:schemeClr val="bg2">
+            <a:lumMod val="40000"/>
+            <a:lumOff val="60000"/>
+          </a:schemeClr>
+        </a:buClr>
+        <a:buSzPct val="80000"/>
+        <a:buFont typeface="Wingdings 3" charset="2"/>
+        <a:buChar char=""/>
+        <a:defRPr sz="1400" b="0" i="0" kern="1200">
+          <a:solidFill>
+            <a:schemeClr val="tx1"/>
+          </a:solidFill>
+          <a:latin typeface="+mj-lt"/>
+          <a:ea typeface="+mj-ea"/>
+          <a:cs typeface="+mj-cs"/>
+        </a:defRPr>
+      </a:lvl4pPr>
+      <a:lvl5pPr marL="2057400" indent="-228600" algn="l" defTabSz="457200" rtl="0" eaLnBrk="1" latinLnBrk="0" hangingPunct="1">
+        <a:spcBef>
+          <a:spcPts val="1000"/>
+        </a:spcBef>
+        <a:spcAft>
+          <a:spcPts val="0"/>
+        </a:spcAft>
+        <a:buClr>
+          <a:schemeClr val="bg2">
+            <a:lumMod val="40000"/>
+            <a:lumOff val="60000"/>
+          </a:schemeClr>
+        </a:buClr>
+        <a:buSzPct val="80000"/>
+        <a:buFont typeface="Wingdings 3" charset="2"/>
+        <a:buChar char=""/>
+        <a:defRPr sz="1400" b="0" i="0" kern="1200">
+          <a:solidFill>
+            <a:schemeClr val="tx1"/>
+          </a:solidFill>
+          <a:latin typeface="+mj-lt"/>
+          <a:ea typeface="+mj-ea"/>
+          <a:cs typeface="+mj-cs"/>
+        </a:defRPr>
+      </a:lvl5pPr>
+      <a:lvl6pPr marL="2506000" indent="-228600" algn="l" defTabSz="457200" rtl="0" eaLnBrk="1" latinLnBrk="0" hangingPunct="1">
+        <a:spcBef>
+          <a:spcPts val="1000"/>
+        </a:spcBef>
+        <a:spcAft>
+          <a:spcPts val="0"/>
+        </a:spcAft>
+        <a:buClr>
+          <a:schemeClr val="bg2">
+            <a:lumMod val="40000"/>
+            <a:lumOff val="60000"/>
+          </a:schemeClr>
+        </a:buClr>
+        <a:buSzPct val="80000"/>
+        <a:buFont typeface="Wingdings 3" charset="2"/>
+        <a:buChar char=""/>
+        <a:defRPr sz="1400" b="0" i="0" kern="1200">
+          <a:solidFill>
+            <a:schemeClr val="tx1"/>
+          </a:solidFill>
+          <a:latin typeface="+mj-lt"/>
+          <a:ea typeface="+mj-ea"/>
+          <a:cs typeface="+mj-cs"/>
+        </a:defRPr>
+      </a:lvl6pPr>
+      <a:lvl7pPr marL="2971800" indent="-228600" algn="l" defTabSz="457200" rtl="0" eaLnBrk="1" latinLnBrk="0" hangingPunct="1">
+        <a:spcBef>
+          <a:spcPts val="1000"/>
+        </a:spcBef>
+        <a:spcAft>
+          <a:spcPts val="0"/>
+        </a:spcAft>
+        <a:buClr>
+          <a:schemeClr val="bg2">
+            <a:lumMod val="40000"/>
+            <a:lumOff val="60000"/>
+          </a:schemeClr>
+        </a:buClr>
+        <a:buSzPct val="80000"/>
+        <a:buFont typeface="Wingdings 3" charset="2"/>
+        <a:buChar char=""/>
+        <a:defRPr sz="1400" b="0" i="0" kern="1200">
+          <a:solidFill>
+            <a:schemeClr val="tx1"/>
+          </a:solidFill>
+          <a:latin typeface="+mj-lt"/>
+          <a:ea typeface="+mj-ea"/>
+          <a:cs typeface="+mj-cs"/>
+        </a:defRPr>
+      </a:lvl7pPr>
+      <a:lvl8pPr marL="3429000" indent="-228600" algn="l" defTabSz="457200" rtl="0" eaLnBrk="1" latinLnBrk="0" hangingPunct="1">
+        <a:spcBef>
+          <a:spcPts val="1000"/>
+        </a:spcBef>
+        <a:spcAft>
+          <a:spcPts val="0"/>
+        </a:spcAft>
+        <a:buClr>
+          <a:schemeClr val="bg2">
+            <a:lumMod val="40000"/>
+            <a:lumOff val="60000"/>
+          </a:schemeClr>
+        </a:buClr>
+        <a:buSzPct val="80000"/>
+        <a:buFont typeface="Wingdings 3" charset="2"/>
+        <a:buChar char=""/>
+        <a:defRPr sz="1400" b="0" i="0" kern="1200">
+          <a:solidFill>
+            <a:schemeClr val="tx1"/>
+          </a:solidFill>
+          <a:latin typeface="+mj-lt"/>
+          <a:ea typeface="+mj-ea"/>
+          <a:cs typeface="+mj-cs"/>
+        </a:defRPr>
+      </a:lvl8pPr>
+      <a:lvl9pPr marL="3886200" indent="-228600" algn="l" defTabSz="457200" rtl="0" eaLnBrk="1" latinLnBrk="0" hangingPunct="1">
+        <a:spcBef>
+          <a:spcPts val="1000"/>
+        </a:spcBef>
+        <a:spcAft>
+          <a:spcPts val="0"/>
+        </a:spcAft>
+        <a:buClr>
+          <a:schemeClr val="bg2">
+            <a:lumMod val="40000"/>
+            <a:lumOff val="60000"/>
+          </a:schemeClr>
+        </a:buClr>
+        <a:buSzPct val="80000"/>
+        <a:buFont typeface="Wingdings 3" charset="2"/>
+        <a:buChar char=""/>
+        <a:defRPr sz="1400" b="0" i="0" kern="1200">
+          <a:solidFill>
+            <a:schemeClr val="tx1"/>
+          </a:solidFill>
+          <a:latin typeface="+mj-lt"/>
+          <a:ea typeface="+mj-ea"/>
+          <a:cs typeface="+mj-cs"/>
+        </a:defRPr>
+      </a:lvl9pPr>
+    </p:bodyStyle>
+    <p:otherStyle>
+      <a:defPPr>
+        <a:defRPr lang="en-US"/>
+      </a:defPPr>
+      <a:lvl1pPr marL="0" algn="l" defTabSz="457200" rtl="0" eaLnBrk="1" latinLnBrk="0" hangingPunct="1">
+        <a:defRPr sz="1800" kern="1200">
           <a:solidFill>
             <a:schemeClr val="tx1"/>
           </a:solidFill>
@@ -2688,16 +5987,8 @@
           <a:cs typeface="+mn-cs"/>
         </a:defRPr>
       </a:lvl1pPr>
-      <a:lvl2pPr marL="685800" indent="-228600" algn="l" defTabSz="914400" rtl="0" eaLnBrk="1" latinLnBrk="0" hangingPunct="1">
-        <a:lnSpc>
-          <a:spcPct val="90000"/>
-        </a:lnSpc>
-        <a:spcBef>
-          <a:spcPts val="500"/>
-        </a:spcBef>
-        <a:buFont typeface="Arial" panose="020B0604020202020204" pitchFamily="34" charset="0"/>
-        <a:buChar char="•"/>
-        <a:defRPr sz="2400" kern="1200">
+      <a:lvl2pPr marL="457200" algn="l" defTabSz="457200" rtl="0" eaLnBrk="1" latinLnBrk="0" hangingPunct="1">
+        <a:defRPr sz="1800" kern="1200">
           <a:solidFill>
             <a:schemeClr val="tx1"/>
           </a:solidFill>
@@ -2706,16 +5997,8 @@
           <a:cs typeface="+mn-cs"/>
         </a:defRPr>
       </a:lvl2pPr>
-      <a:lvl3pPr marL="1143000" indent="-228600" algn="l" defTabSz="914400" rtl="0" eaLnBrk="1" latinLnBrk="0" hangingPunct="1">
-        <a:lnSpc>
-          <a:spcPct val="90000"/>
-        </a:lnSpc>
-        <a:spcBef>
-          <a:spcPts val="500"/>
-        </a:spcBef>
-        <a:buFont typeface="Arial" panose="020B0604020202020204" pitchFamily="34" charset="0"/>
-        <a:buChar char="•"/>
-        <a:defRPr sz="2000" kern="1200">
+      <a:lvl3pPr marL="914400" algn="l" defTabSz="457200" rtl="0" eaLnBrk="1" latinLnBrk="0" hangingPunct="1">
+        <a:defRPr sz="1800" kern="1200">
           <a:solidFill>
             <a:schemeClr val="tx1"/>
           </a:solidFill>
@@ -2724,15 +6007,7 @@
           <a:cs typeface="+mn-cs"/>
         </a:defRPr>
       </a:lvl3pPr>
-      <a:lvl4pPr marL="1600200" indent="-228600" algn="l" defTabSz="914400" rtl="0" eaLnBrk="1" latinLnBrk="0" hangingPunct="1">
-        <a:lnSpc>
-          <a:spcPct val="90000"/>
-        </a:lnSpc>
-        <a:spcBef>
-          <a:spcPts val="500"/>
-        </a:spcBef>
-        <a:buFont typeface="Arial" panose="020B0604020202020204" pitchFamily="34" charset="0"/>
-        <a:buChar char="•"/>
+      <a:lvl4pPr marL="1371600" algn="l" defTabSz="457200" rtl="0" eaLnBrk="1" latinLnBrk="0" hangingPunct="1">
         <a:defRPr sz="1800" kern="1200">
           <a:solidFill>
             <a:schemeClr val="tx1"/>
@@ -2742,15 +6017,7 @@
           <a:cs typeface="+mn-cs"/>
         </a:defRPr>
       </a:lvl4pPr>
-      <a:lvl5pPr marL="2057400" indent="-228600" algn="l" defTabSz="914400" rtl="0" eaLnBrk="1" latinLnBrk="0" hangingPunct="1">
-        <a:lnSpc>
-          <a:spcPct val="90000"/>
-        </a:lnSpc>
-        <a:spcBef>
-          <a:spcPts val="500"/>
-        </a:spcBef>
-        <a:buFont typeface="Arial" panose="020B0604020202020204" pitchFamily="34" charset="0"/>
-        <a:buChar char="•"/>
+      <a:lvl5pPr marL="1828800" algn="l" defTabSz="457200" rtl="0" eaLnBrk="1" latinLnBrk="0" hangingPunct="1">
         <a:defRPr sz="1800" kern="1200">
           <a:solidFill>
             <a:schemeClr val="tx1"/>
@@ -2760,15 +6027,7 @@
           <a:cs typeface="+mn-cs"/>
         </a:defRPr>
       </a:lvl5pPr>
-      <a:lvl6pPr marL="2514600" indent="-228600" algn="l" defTabSz="914400" rtl="0" eaLnBrk="1" latinLnBrk="0" hangingPunct="1">
-        <a:lnSpc>
-          <a:spcPct val="90000"/>
-        </a:lnSpc>
-        <a:spcBef>
-          <a:spcPts val="500"/>
-        </a:spcBef>
-        <a:buFont typeface="Arial" panose="020B0604020202020204" pitchFamily="34" charset="0"/>
-        <a:buChar char="•"/>
+      <a:lvl6pPr marL="2286000" algn="l" defTabSz="457200" rtl="0" eaLnBrk="1" latinLnBrk="0" hangingPunct="1">
         <a:defRPr sz="1800" kern="1200">
           <a:solidFill>
             <a:schemeClr val="tx1"/>
@@ -2778,15 +6037,7 @@
           <a:cs typeface="+mn-cs"/>
         </a:defRPr>
       </a:lvl6pPr>
-      <a:lvl7pPr marL="2971800" indent="-228600" algn="l" defTabSz="914400" rtl="0" eaLnBrk="1" latinLnBrk="0" hangingPunct="1">
-        <a:lnSpc>
-          <a:spcPct val="90000"/>
-        </a:lnSpc>
-        <a:spcBef>
-          <a:spcPts val="500"/>
-        </a:spcBef>
-        <a:buFont typeface="Arial" panose="020B0604020202020204" pitchFamily="34" charset="0"/>
-        <a:buChar char="•"/>
+      <a:lvl7pPr marL="2743200" algn="l" defTabSz="457200" rtl="0" eaLnBrk="1" latinLnBrk="0" hangingPunct="1">
         <a:defRPr sz="1800" kern="1200">
           <a:solidFill>
             <a:schemeClr val="tx1"/>
@@ -2796,15 +6047,7 @@
           <a:cs typeface="+mn-cs"/>
         </a:defRPr>
       </a:lvl7pPr>
-      <a:lvl8pPr marL="3429000" indent="-228600" algn="l" defTabSz="914400" rtl="0" eaLnBrk="1" latinLnBrk="0" hangingPunct="1">
-        <a:lnSpc>
-          <a:spcPct val="90000"/>
-        </a:lnSpc>
-        <a:spcBef>
-          <a:spcPts val="500"/>
-        </a:spcBef>
-        <a:buFont typeface="Arial" panose="020B0604020202020204" pitchFamily="34" charset="0"/>
-        <a:buChar char="•"/>
+      <a:lvl8pPr marL="3200400" algn="l" defTabSz="457200" rtl="0" eaLnBrk="1" latinLnBrk="0" hangingPunct="1">
         <a:defRPr sz="1800" kern="1200">
           <a:solidFill>
             <a:schemeClr val="tx1"/>
@@ -2814,110 +6057,7 @@
           <a:cs typeface="+mn-cs"/>
         </a:defRPr>
       </a:lvl8pPr>
-      <a:lvl9pPr marL="3886200" indent="-228600" algn="l" defTabSz="914400" rtl="0" eaLnBrk="1" latinLnBrk="0" hangingPunct="1">
-        <a:lnSpc>
-          <a:spcPct val="90000"/>
-        </a:lnSpc>
-        <a:spcBef>
-          <a:spcPts val="500"/>
-        </a:spcBef>
-        <a:buFont typeface="Arial" panose="020B0604020202020204" pitchFamily="34" charset="0"/>
-        <a:buChar char="•"/>
-        <a:defRPr sz="1800" kern="1200">
-          <a:solidFill>
-            <a:schemeClr val="tx1"/>
-          </a:solidFill>
-          <a:latin typeface="+mn-lt"/>
-          <a:ea typeface="+mn-ea"/>
-          <a:cs typeface="+mn-cs"/>
-        </a:defRPr>
-      </a:lvl9pPr>
-    </p:bodyStyle>
-    <p:otherStyle>
-      <a:defPPr>
-        <a:defRPr lang="en-US"/>
-      </a:defPPr>
-      <a:lvl1pPr marL="0" algn="l" defTabSz="914400" rtl="0" eaLnBrk="1" latinLnBrk="0" hangingPunct="1">
-        <a:defRPr sz="1800" kern="1200">
-          <a:solidFill>
-            <a:schemeClr val="tx1"/>
-          </a:solidFill>
-          <a:latin typeface="+mn-lt"/>
-          <a:ea typeface="+mn-ea"/>
-          <a:cs typeface="+mn-cs"/>
-        </a:defRPr>
-      </a:lvl1pPr>
-      <a:lvl2pPr marL="457200" algn="l" defTabSz="914400" rtl="0" eaLnBrk="1" latinLnBrk="0" hangingPunct="1">
-        <a:defRPr sz="1800" kern="1200">
-          <a:solidFill>
-            <a:schemeClr val="tx1"/>
-          </a:solidFill>
-          <a:latin typeface="+mn-lt"/>
-          <a:ea typeface="+mn-ea"/>
-          <a:cs typeface="+mn-cs"/>
-        </a:defRPr>
-      </a:lvl2pPr>
-      <a:lvl3pPr marL="914400" algn="l" defTabSz="914400" rtl="0" eaLnBrk="1" latinLnBrk="0" hangingPunct="1">
-        <a:defRPr sz="1800" kern="1200">
-          <a:solidFill>
-            <a:schemeClr val="tx1"/>
-          </a:solidFill>
-          <a:latin typeface="+mn-lt"/>
-          <a:ea typeface="+mn-ea"/>
-          <a:cs typeface="+mn-cs"/>
-        </a:defRPr>
-      </a:lvl3pPr>
-      <a:lvl4pPr marL="1371600" algn="l" defTabSz="914400" rtl="0" eaLnBrk="1" latinLnBrk="0" hangingPunct="1">
-        <a:defRPr sz="1800" kern="1200">
-          <a:solidFill>
-            <a:schemeClr val="tx1"/>
-          </a:solidFill>
-          <a:latin typeface="+mn-lt"/>
-          <a:ea typeface="+mn-ea"/>
-          <a:cs typeface="+mn-cs"/>
-        </a:defRPr>
-      </a:lvl4pPr>
-      <a:lvl5pPr marL="1828800" algn="l" defTabSz="914400" rtl="0" eaLnBrk="1" latinLnBrk="0" hangingPunct="1">
-        <a:defRPr sz="1800" kern="1200">
-          <a:solidFill>
-            <a:schemeClr val="tx1"/>
-          </a:solidFill>
-          <a:latin typeface="+mn-lt"/>
-          <a:ea typeface="+mn-ea"/>
-          <a:cs typeface="+mn-cs"/>
-        </a:defRPr>
-      </a:lvl5pPr>
-      <a:lvl6pPr marL="2286000" algn="l" defTabSz="914400" rtl="0" eaLnBrk="1" latinLnBrk="0" hangingPunct="1">
-        <a:defRPr sz="1800" kern="1200">
-          <a:solidFill>
-            <a:schemeClr val="tx1"/>
-          </a:solidFill>
-          <a:latin typeface="+mn-lt"/>
-          <a:ea typeface="+mn-ea"/>
-          <a:cs typeface="+mn-cs"/>
-        </a:defRPr>
-      </a:lvl6pPr>
-      <a:lvl7pPr marL="2743200" algn="l" defTabSz="914400" rtl="0" eaLnBrk="1" latinLnBrk="0" hangingPunct="1">
-        <a:defRPr sz="1800" kern="1200">
-          <a:solidFill>
-            <a:schemeClr val="tx1"/>
-          </a:solidFill>
-          <a:latin typeface="+mn-lt"/>
-          <a:ea typeface="+mn-ea"/>
-          <a:cs typeface="+mn-cs"/>
-        </a:defRPr>
-      </a:lvl7pPr>
-      <a:lvl8pPr marL="3200400" algn="l" defTabSz="914400" rtl="0" eaLnBrk="1" latinLnBrk="0" hangingPunct="1">
-        <a:defRPr sz="1800" kern="1200">
-          <a:solidFill>
-            <a:schemeClr val="tx1"/>
-          </a:solidFill>
-          <a:latin typeface="+mn-lt"/>
-          <a:ea typeface="+mn-ea"/>
-          <a:cs typeface="+mn-cs"/>
-        </a:defRPr>
-      </a:lvl8pPr>
-      <a:lvl9pPr marL="3657600" algn="l" defTabSz="914400" rtl="0" eaLnBrk="1" latinLnBrk="0" hangingPunct="1">
+      <a:lvl9pPr marL="3657600" algn="l" defTabSz="457200" rtl="0" eaLnBrk="1" latinLnBrk="0" hangingPunct="1">
         <a:defRPr sz="1800" kern="1200">
           <a:solidFill>
             <a:schemeClr val="tx1"/>
@@ -2935,6 +6075,30 @@
 <file path=ppt/slides/slide1.xml><?xml version="1.0" encoding="utf-8"?>
 <p:sld xmlns:a="http://schemas.openxmlformats.org/drawingml/2006/main" xmlns:r="http://schemas.openxmlformats.org/officeDocument/2006/relationships" xmlns:p="http://schemas.openxmlformats.org/presentationml/2006/main">
   <p:cSld>
+    <p:bg>
+      <p:bgPr>
+        <a:blipFill rotWithShape="1">
+          <a:blip r:embed="rId2">
+            <a:duotone>
+              <a:schemeClr val="bg2">
+                <a:shade val="69000"/>
+                <a:hueMod val="108000"/>
+                <a:satMod val="164000"/>
+                <a:lumMod val="74000"/>
+              </a:schemeClr>
+              <a:schemeClr val="bg2">
+                <a:tint val="96000"/>
+                <a:hueMod val="88000"/>
+                <a:satMod val="140000"/>
+                <a:lumMod val="132000"/>
+              </a:schemeClr>
+            </a:duotone>
+          </a:blip>
+          <a:stretch/>
+        </a:blipFill>
+        <a:effectLst/>
+      </p:bgPr>
+    </p:bg>
     <p:spTree>
       <p:nvGrpSpPr>
         <p:cNvPr id="1" name=""/>
@@ -2949,6 +6113,44 @@
           <a:chExt cx="0" cy="0"/>
         </a:xfrm>
       </p:grpSpPr>
+      <p:pic>
+        <p:nvPicPr>
+          <p:cNvPr id="5" name="Picture 4" descr="Abstracte vage achtergrond van een warenhuis">
+            <a:extLst>
+              <a:ext uri="{FF2B5EF4-FFF2-40B4-BE49-F238E27FC236}">
+                <a16:creationId xmlns:a16="http://schemas.microsoft.com/office/drawing/2014/main" id="{4EA925DA-E2CD-1D78-7D43-9244C90F444F}"/>
+              </a:ext>
+            </a:extLst>
+          </p:cNvPr>
+          <p:cNvPicPr>
+            <a:picLocks noChangeAspect="1"/>
+          </p:cNvPicPr>
+          <p:nvPr/>
+        </p:nvPicPr>
+        <p:blipFill rotWithShape="1">
+          <a:blip r:embed="rId3">
+            <a:duotone>
+              <a:prstClr val="black"/>
+              <a:schemeClr val="accent5">
+                <a:tint val="45000"/>
+                <a:satMod val="400000"/>
+              </a:schemeClr>
+            </a:duotone>
+            <a:alphaModFix amt="25000"/>
+          </a:blip>
+          <a:srcRect t="13526" r="9085" b="9746"/>
+          <a:stretch/>
+        </p:blipFill>
+        <p:spPr>
+          <a:xfrm>
+            <a:off x="20" y="-43122"/>
+            <a:ext cx="12230319" cy="6879556"/>
+          </a:xfrm>
+          <a:prstGeom prst="rect">
+            <a:avLst/>
+          </a:prstGeom>
+        </p:spPr>
+      </p:pic>
       <p:sp>
         <p:nvSpPr>
           <p:cNvPr id="2" name="Title 1"/>
@@ -2961,28 +6163,26 @@
         </p:nvSpPr>
         <p:spPr>
           <a:xfrm>
-            <a:off x="1524000" y="572135"/>
-            <a:ext cx="9144000" cy="1374775"/>
+            <a:off x="968050" y="808007"/>
+            <a:ext cx="8825658" cy="1805581"/>
           </a:xfrm>
         </p:spPr>
         <p:txBody>
           <a:bodyPr>
-            <a:normAutofit fontScale="90000"/>
+            <a:normAutofit/>
           </a:bodyPr>
           <a:lstStyle/>
           <a:p>
-            <a:r>
-              <a:rPr lang="en-US" sz="4800" b="0" i="0" dirty="0">
+            <a:pPr algn="ctr"/>
+            <a:r>
+              <a:rPr lang="en-US" sz="4500" b="0" i="0" dirty="0">
                 <a:effectLst/>
-                <a:latin typeface="Times New Roman" panose="02020603050405020304" pitchFamily="18" charset="0"/>
-                <a:cs typeface="Times New Roman" panose="02020603050405020304" pitchFamily="18" charset="0"/>
+                <a:latin typeface="Times New Roman"/>
+                <a:cs typeface="Times New Roman"/>
               </a:rPr>
               <a:t>Istanbul Shopper's Atlas: Unveiling Trends Across 10 Malls</a:t>
             </a:r>
-            <a:endParaRPr lang="en-US" sz="4800" dirty="0">
-              <a:latin typeface="Times New Roman" panose="02020603050405020304" pitchFamily="18" charset="0"/>
-              <a:cs typeface="Times New Roman" panose="02020603050405020304" pitchFamily="18" charset="0"/>
-            </a:endParaRPr>
+            <a:endParaRPr lang="en-US"/>
           </a:p>
         </p:txBody>
       </p:sp>
@@ -2998,96 +6198,251 @@
         </p:nvSpPr>
         <p:spPr>
           <a:xfrm>
-            <a:off x="1630680" y="2304098"/>
-            <a:ext cx="9144000" cy="1655762"/>
+            <a:off x="968049" y="2750172"/>
+            <a:ext cx="8825658" cy="2903004"/>
           </a:xfrm>
         </p:spPr>
         <p:txBody>
           <a:bodyPr>
-            <a:noAutofit/>
+            <a:normAutofit fontScale="77500" lnSpcReduction="20000"/>
           </a:bodyPr>
           <a:lstStyle/>
           <a:p>
-            <a:r>
-              <a:rPr lang="en-US" b="0" i="0" dirty="0">
+            <a:pPr algn="ctr">
+              <a:lnSpc>
+                <a:spcPct val="90000"/>
+              </a:lnSpc>
+            </a:pPr>
+            <a:r>
+              <a:rPr lang="en-US" sz="500" b="0" i="0" dirty="0">
                 <a:effectLst/>
-                <a:latin typeface="Times New Roman" panose="02020603050405020304" pitchFamily="18" charset="0"/>
-                <a:cs typeface="Times New Roman" panose="02020603050405020304" pitchFamily="18" charset="0"/>
+                <a:latin typeface="Times New Roman"/>
+                <a:cs typeface="Times New Roman"/>
               </a:rPr>
-              <a:t>A Comprehensive Exploration of Shopping Patterns from 2021 to 2023 by Age, Gender, and Location</a:t>
-            </a:r>
-            <a:endParaRPr lang="en-US" b="0" i="0" dirty="0">
+              <a:t>A </a:t>
+            </a:r>
+            <a:r>
+              <a:rPr lang="en-US" sz="2500" b="0" i="0" dirty="0">
+                <a:effectLst/>
+                <a:latin typeface="Times New Roman"/>
+                <a:cs typeface="Times New Roman"/>
+              </a:rPr>
+              <a:t>Comprehensive Exploration of Shopping Patterns from 2021 to 2023 by Age, Gender, and Location</a:t>
+            </a:r>
+            <a:endParaRPr lang="en-US">
+              <a:latin typeface="Times New Roman"/>
+              <a:cs typeface="Times New Roman"/>
+            </a:endParaRPr>
+          </a:p>
+          <a:p>
+            <a:pPr algn="ctr">
+              <a:lnSpc>
+                <a:spcPct val="90000"/>
+              </a:lnSpc>
+            </a:pPr>
+            <a:endParaRPr lang="en-US" sz="2500" b="0" i="0" dirty="0">
               <a:effectLst/>
               <a:latin typeface="Times New Roman" panose="02020603050405020304" pitchFamily="18" charset="0"/>
               <a:cs typeface="Times New Roman" panose="02020603050405020304" pitchFamily="18" charset="0"/>
             </a:endParaRPr>
           </a:p>
           <a:p>
-            <a:endParaRPr lang="en-US" b="0" i="0" dirty="0">
+            <a:pPr algn="ctr">
+              <a:lnSpc>
+                <a:spcPct val="90000"/>
+              </a:lnSpc>
+            </a:pPr>
+            <a:endParaRPr lang="en-US" sz="2500" b="0" i="0" dirty="0">
               <a:effectLst/>
               <a:latin typeface="Times New Roman" panose="02020603050405020304" pitchFamily="18" charset="0"/>
               <a:cs typeface="Times New Roman" panose="02020603050405020304" pitchFamily="18" charset="0"/>
             </a:endParaRPr>
           </a:p>
           <a:p>
-            <a:r>
-              <a:rPr lang="en-US" dirty="0">
-                <a:latin typeface="Times New Roman" panose="02020603050405020304" pitchFamily="18" charset="0"/>
-                <a:cs typeface="Times New Roman" panose="02020603050405020304" pitchFamily="18" charset="0"/>
+            <a:pPr algn="ctr">
+              <a:lnSpc>
+                <a:spcPct val="90000"/>
+              </a:lnSpc>
+            </a:pPr>
+            <a:r>
+              <a:rPr lang="en-US" sz="2500" dirty="0">
+                <a:latin typeface="Times New Roman"/>
+                <a:cs typeface="Times New Roman"/>
               </a:rPr>
               <a:t>By</a:t>
             </a:r>
-            <a:endParaRPr lang="en-US" dirty="0">
+          </a:p>
+          <a:p>
+            <a:pPr algn="ctr">
+              <a:lnSpc>
+                <a:spcPct val="90000"/>
+              </a:lnSpc>
+            </a:pPr>
+            <a:r>
+              <a:rPr lang="en-US" sz="2500" dirty="0">
+                <a:latin typeface="Times New Roman"/>
+                <a:cs typeface="Times New Roman"/>
+              </a:rPr>
+              <a:t>Group-4</a:t>
+            </a:r>
+          </a:p>
+          <a:p>
+            <a:pPr algn="ctr">
+              <a:lnSpc>
+                <a:spcPct val="90000"/>
+              </a:lnSpc>
+            </a:pPr>
+            <a:r>
+              <a:rPr lang="en-US" sz="2500" err="1">
+                <a:latin typeface="Times New Roman"/>
+                <a:cs typeface="Times New Roman"/>
+              </a:rPr>
+              <a:t>Jothish</a:t>
+            </a:r>
+            <a:r>
+              <a:rPr lang="en-US" sz="2500" dirty="0">
+                <a:latin typeface="Times New Roman"/>
+                <a:cs typeface="Times New Roman"/>
+              </a:rPr>
+              <a:t> Kumar </a:t>
+            </a:r>
+            <a:r>
+              <a:rPr lang="en-US" sz="2500" err="1">
+                <a:latin typeface="Times New Roman"/>
+                <a:cs typeface="Times New Roman"/>
+              </a:rPr>
+              <a:t>Polaki</a:t>
+            </a:r>
+            <a:endParaRPr lang="en-US" sz="2500">
+              <a:latin typeface="Times New Roman"/>
+              <a:cs typeface="Times New Roman"/>
+            </a:endParaRPr>
+          </a:p>
+          <a:p>
+            <a:pPr algn="ctr">
+              <a:lnSpc>
+                <a:spcPct val="90000"/>
+              </a:lnSpc>
+            </a:pPr>
+            <a:r>
+              <a:rPr lang="en-US" sz="2500" dirty="0">
+                <a:latin typeface="Times New Roman"/>
+                <a:cs typeface="Times New Roman"/>
+              </a:rPr>
+              <a:t>Rohit </a:t>
+            </a:r>
+            <a:r>
+              <a:rPr lang="en-US" sz="2500" err="1">
+                <a:latin typeface="Times New Roman"/>
+                <a:cs typeface="Times New Roman"/>
+              </a:rPr>
+              <a:t>vatsava</a:t>
+            </a:r>
+            <a:r>
+              <a:rPr lang="en-US" sz="2500" dirty="0">
+                <a:latin typeface="Times New Roman"/>
+                <a:cs typeface="Times New Roman"/>
+              </a:rPr>
+              <a:t> Kalakala</a:t>
+            </a:r>
+          </a:p>
+          <a:p>
+            <a:pPr algn="ctr">
+              <a:lnSpc>
+                <a:spcPct val="90000"/>
+              </a:lnSpc>
+            </a:pPr>
+            <a:r>
+              <a:rPr lang="en-US" sz="2500" err="1">
+                <a:latin typeface="Times New Roman"/>
+                <a:cs typeface="Times New Roman"/>
+              </a:rPr>
+              <a:t>Vidhyananth</a:t>
+            </a:r>
+            <a:r>
+              <a:rPr lang="en-US" sz="2500" dirty="0">
+                <a:latin typeface="Times New Roman"/>
+                <a:cs typeface="Times New Roman"/>
+              </a:rPr>
+              <a:t> </a:t>
+            </a:r>
+            <a:r>
+              <a:rPr lang="en-US" sz="2500" err="1">
+                <a:latin typeface="Times New Roman"/>
+                <a:cs typeface="Times New Roman"/>
+              </a:rPr>
+              <a:t>Sivashanmugam</a:t>
+            </a:r>
+            <a:endParaRPr lang="en-US" sz="2500">
+              <a:latin typeface="Times New Roman"/>
+              <a:cs typeface="Times New Roman"/>
+            </a:endParaRPr>
+          </a:p>
+          <a:p>
+            <a:pPr>
+              <a:lnSpc>
+                <a:spcPct val="90000"/>
+              </a:lnSpc>
+            </a:pPr>
+            <a:endParaRPr lang="en-US" sz="500">
               <a:latin typeface="Times New Roman" panose="02020603050405020304" pitchFamily="18" charset="0"/>
               <a:cs typeface="Times New Roman" panose="02020603050405020304" pitchFamily="18" charset="0"/>
             </a:endParaRPr>
           </a:p>
-          <a:p>
-            <a:r>
-              <a:rPr lang="en-US" dirty="0">
-                <a:latin typeface="Times New Roman" panose="02020603050405020304" pitchFamily="18" charset="0"/>
-                <a:cs typeface="Times New Roman" panose="02020603050405020304" pitchFamily="18" charset="0"/>
-              </a:rPr>
-              <a:t>Jothish Kumar Polaki</a:t>
-            </a:r>
-            <a:endParaRPr lang="en-US" dirty="0">
-              <a:latin typeface="Times New Roman" panose="02020603050405020304" pitchFamily="18" charset="0"/>
-              <a:cs typeface="Times New Roman" panose="02020603050405020304" pitchFamily="18" charset="0"/>
-            </a:endParaRPr>
-          </a:p>
-          <a:p>
-            <a:r>
-              <a:rPr lang="en-US" dirty="0">
-                <a:latin typeface="Times New Roman" panose="02020603050405020304" pitchFamily="18" charset="0"/>
-                <a:cs typeface="Times New Roman" panose="02020603050405020304" pitchFamily="18" charset="0"/>
-              </a:rPr>
-              <a:t>Rohit vatsava Kalakala</a:t>
-            </a:r>
-            <a:endParaRPr lang="en-US" dirty="0">
-              <a:latin typeface="Times New Roman" panose="02020603050405020304" pitchFamily="18" charset="0"/>
-              <a:cs typeface="Times New Roman" panose="02020603050405020304" pitchFamily="18" charset="0"/>
-            </a:endParaRPr>
-          </a:p>
-          <a:p>
-            <a:r>
-              <a:rPr lang="en-US" dirty="0" err="1">
-                <a:latin typeface="Times New Roman" panose="02020603050405020304" pitchFamily="18" charset="0"/>
-                <a:cs typeface="Times New Roman" panose="02020603050405020304" pitchFamily="18" charset="0"/>
-              </a:rPr>
-              <a:t>Vidhyananth Sivashanmugam</a:t>
-            </a:r>
-            <a:endParaRPr lang="en-US" dirty="0">
-              <a:latin typeface="Times New Roman" panose="02020603050405020304" pitchFamily="18" charset="0"/>
-              <a:cs typeface="Times New Roman" panose="02020603050405020304" pitchFamily="18" charset="0"/>
-            </a:endParaRPr>
-          </a:p>
-          <a:p>
-            <a:endParaRPr lang="en-US" sz="1600" dirty="0">
-              <a:latin typeface="Times New Roman" panose="02020603050405020304" pitchFamily="18" charset="0"/>
-              <a:cs typeface="Times New Roman" panose="02020603050405020304" pitchFamily="18" charset="0"/>
-            </a:endParaRPr>
-          </a:p>
-        </p:txBody>
+        </p:txBody>
+      </p:sp>
+      <p:sp>
+        <p:nvSpPr>
+          <p:cNvPr id="9" name="Rectangle 8">
+            <a:extLst>
+              <a:ext uri="{FF2B5EF4-FFF2-40B4-BE49-F238E27FC236}">
+                <a16:creationId xmlns:a16="http://schemas.microsoft.com/office/drawing/2014/main" id="{C885E190-58DD-42DD-A4A8-401E15C92A52}"/>
+              </a:ext>
+              <a:ext uri="{C183D7F6-B498-43B3-948B-1728B52AA6E4}">
+                <adec:decorative xmlns:adec="http://schemas.microsoft.com/office/drawing/2017/decorative" val="1"/>
+              </a:ext>
+            </a:extLst>
+          </p:cNvPr>
+          <p:cNvSpPr>
+            <a:spLocks noGrp="1" noRot="1" noChangeAspect="1" noMove="1" noResize="1" noEditPoints="1" noAdjustHandles="1" noChangeArrowheads="1" noChangeShapeType="1" noTextEdit="1"/>
+          </p:cNvSpPr>
+          <p:nvPr>
+            <p:extLst>
+              <p:ext uri="{386F3935-93C4-4BCD-93E2-E3B085C9AB24}">
+                <p16:designElem xmlns:p16="http://schemas.microsoft.com/office/powerpoint/2015/main" val="1"/>
+              </p:ext>
+            </p:extLst>
+          </p:nvPr>
+        </p:nvSpPr>
+        <p:spPr>
+          <a:xfrm>
+            <a:off x="10437812" y="0"/>
+            <a:ext cx="685800" cy="1143000"/>
+          </a:xfrm>
+          <a:prstGeom prst="rect">
+            <a:avLst/>
+          </a:prstGeom>
+          <a:solidFill>
+            <a:schemeClr val="accent1"/>
+          </a:solidFill>
+          <a:ln>
+            <a:noFill/>
+          </a:ln>
+        </p:spPr>
+        <p:style>
+          <a:lnRef idx="1">
+            <a:schemeClr val="accent1"/>
+          </a:lnRef>
+          <a:fillRef idx="3">
+            <a:schemeClr val="accent1"/>
+          </a:fillRef>
+          <a:effectRef idx="2">
+            <a:schemeClr val="accent1"/>
+          </a:effectRef>
+          <a:fontRef idx="minor">
+            <a:schemeClr val="lt1"/>
+          </a:fontRef>
+        </p:style>
       </p:sp>
     </p:spTree>
   </p:cSld>
@@ -3151,22 +6506,6 @@
               </a:rPr>
               <a:t>RANDOM FOREST MODEL EVALUATION</a:t>
             </a:r>
-            <a:endParaRPr lang="en-US">
-              <a:ln/>
-              <a:solidFill>
-                <a:schemeClr val="tx1"/>
-              </a:solidFill>
-              <a:effectLst>
-                <a:outerShdw blurRad="38100" dist="19050" dir="2700000" algn="tl" rotWithShape="0">
-                  <a:schemeClr val="dk1">
-                    <a:alpha val="40000"/>
-                    <a:alpha val="40000"/>
-                  </a:schemeClr>
-                </a:outerShdw>
-              </a:effectLst>
-              <a:latin typeface="Times New Roman Regular" panose="02020603050405020304" charset="0"/>
-              <a:cs typeface="Times New Roman Regular" panose="02020603050405020304" charset="0"/>
-            </a:endParaRPr>
           </a:p>
         </p:txBody>
       </p:sp>
@@ -3214,30 +6553,6 @@
       <p:pic>
         <p:nvPicPr>
           <p:cNvPr id="5" name="Picture 4" descr="WhatsApp Image 2023-12-05 at 5.14.52 PM (1)"/>
-          <p:cNvPicPr>
-            <a:picLocks noChangeAspect="1"/>
-          </p:cNvPicPr>
-          <p:nvPr/>
-        </p:nvPicPr>
-        <p:blipFill>
-          <a:blip r:embed="rId1"/>
-          <a:stretch>
-            <a:fillRect/>
-          </a:stretch>
-        </p:blipFill>
-        <p:spPr>
-          <a:xfrm>
-            <a:off x="5949315" y="1891665"/>
-            <a:ext cx="5650865" cy="4091940"/>
-          </a:xfrm>
-          <a:prstGeom prst="rect">
-            <a:avLst/>
-          </a:prstGeom>
-        </p:spPr>
-      </p:pic>
-      <p:pic>
-        <p:nvPicPr>
-          <p:cNvPr id="6" name="Picture 5" descr="WhatsApp Image 2023-12-05 at 5.21.40 PM"/>
           <p:cNvPicPr>
             <a:picLocks noChangeAspect="1"/>
           </p:cNvPicPr>
@@ -3251,7 +6566,31 @@
         </p:blipFill>
         <p:spPr>
           <a:xfrm>
-            <a:off x="461645" y="2065655"/>
+            <a:off x="5949315" y="1891665"/>
+            <a:ext cx="5650865" cy="4091940"/>
+          </a:xfrm>
+          <a:prstGeom prst="rect">
+            <a:avLst/>
+          </a:prstGeom>
+        </p:spPr>
+      </p:pic>
+      <p:pic>
+        <p:nvPicPr>
+          <p:cNvPr id="6" name="Picture 5" descr="WhatsApp Image 2023-12-05 at 5.21.40 PM"/>
+          <p:cNvPicPr>
+            <a:picLocks noChangeAspect="1"/>
+          </p:cNvPicPr>
+          <p:nvPr/>
+        </p:nvPicPr>
+        <p:blipFill>
+          <a:blip r:embed="rId3"/>
+          <a:stretch>
+            <a:fillRect/>
+          </a:stretch>
+        </p:blipFill>
+        <p:spPr>
+          <a:xfrm>
+            <a:off x="130966" y="2159108"/>
             <a:ext cx="5487670" cy="3039745"/>
           </a:xfrm>
           <a:prstGeom prst="rect">
@@ -3319,22 +6658,6 @@
               </a:rPr>
               <a:t>NAIVE BAYES MODEL EVALUATION</a:t>
             </a:r>
-            <a:endParaRPr lang="en-US">
-              <a:ln/>
-              <a:solidFill>
-                <a:schemeClr val="tx1"/>
-              </a:solidFill>
-              <a:effectLst>
-                <a:outerShdw blurRad="38100" dist="19050" dir="2700000" algn="tl" rotWithShape="0">
-                  <a:schemeClr val="dk1">
-                    <a:alpha val="40000"/>
-                    <a:alpha val="40000"/>
-                  </a:schemeClr>
-                </a:outerShdw>
-              </a:effectLst>
-              <a:latin typeface="Times New Roman Regular" panose="02020603050405020304" charset="0"/>
-              <a:cs typeface="Times New Roman Regular" panose="02020603050405020304" charset="0"/>
-            </a:endParaRPr>
           </a:p>
         </p:txBody>
       </p:sp>
@@ -3349,14 +6672,14 @@
           </p:nvPr>
         </p:nvPicPr>
         <p:blipFill>
-          <a:blip r:embed="rId1"/>
+          <a:blip r:embed="rId2"/>
           <a:stretch>
             <a:fillRect/>
           </a:stretch>
         </p:blipFill>
         <p:spPr>
           <a:xfrm>
-            <a:off x="838200" y="2016760"/>
+            <a:off x="90577" y="2002383"/>
             <a:ext cx="5503545" cy="2859405"/>
           </a:xfrm>
           <a:prstGeom prst="rect">
@@ -3373,7 +6696,7 @@
           <p:nvPr/>
         </p:nvPicPr>
         <p:blipFill>
-          <a:blip r:embed="rId2"/>
+          <a:blip r:embed="rId3"/>
           <a:stretch>
             <a:fillRect/>
           </a:stretch>
@@ -3399,13 +6722,44 @@
 <file path=ppt/slides/slide12.xml><?xml version="1.0" encoding="utf-8"?>
 <p:sld xmlns:a="http://schemas.openxmlformats.org/drawingml/2006/main" xmlns:r="http://schemas.openxmlformats.org/officeDocument/2006/relationships" xmlns:p="http://schemas.openxmlformats.org/presentationml/2006/main">
   <p:cSld>
+    <p:bg>
+      <p:bgPr>
+        <a:blipFill rotWithShape="1">
+          <a:blip r:embed="rId2">
+            <a:duotone>
+              <a:schemeClr val="bg2">
+                <a:shade val="69000"/>
+                <a:hueMod val="108000"/>
+                <a:satMod val="164000"/>
+                <a:lumMod val="74000"/>
+              </a:schemeClr>
+              <a:schemeClr val="bg2">
+                <a:tint val="96000"/>
+                <a:hueMod val="88000"/>
+                <a:satMod val="140000"/>
+                <a:lumMod val="132000"/>
+              </a:schemeClr>
+            </a:duotone>
+          </a:blip>
+          <a:stretch/>
+        </a:blipFill>
+        <a:effectLst/>
+      </p:bgPr>
+    </p:bg>
     <p:spTree>
       <p:nvGrpSpPr>
         <p:cNvPr id="1" name=""/>
         <p:cNvGrpSpPr/>
         <p:nvPr/>
       </p:nvGrpSpPr>
-      <p:grpSpPr/>
+      <p:grpSpPr>
+        <a:xfrm>
+          <a:off x="0" y="0"/>
+          <a:ext cx="0" cy="0"/>
+          <a:chOff x="0" y="0"/>
+          <a:chExt cx="0" cy="0"/>
+        </a:xfrm>
+      </p:grpSpPr>
       <p:sp>
         <p:nvSpPr>
           <p:cNvPr id="2" name="Title 1"/>
@@ -3416,20 +6770,25 @@
             <p:ph type="title"/>
           </p:nvPr>
         </p:nvSpPr>
-        <p:spPr/>
-        <p:txBody>
-          <a:bodyPr/>
+        <p:spPr>
+          <a:xfrm>
+            <a:off x="5282381" y="629266"/>
+            <a:ext cx="4767471" cy="1641986"/>
+          </a:xfrm>
+        </p:spPr>
+        <p:txBody>
+          <a:bodyPr>
+            <a:normAutofit/>
+          </a:bodyPr>
+          <a:lstStyle/>
           <a:p>
             <a:r>
               <a:rPr lang="en-US"/>
-              <a:t>                      </a:t>
+              <a:t>  </a:t>
             </a:r>
             <a:r>
               <a:rPr lang="en-US">
                 <a:ln/>
-                <a:solidFill>
-                  <a:schemeClr val="tx1"/>
-                </a:solidFill>
                 <a:effectLst>
                   <a:outerShdw blurRad="38100" dist="19050" dir="2700000" algn="tl" rotWithShape="0">
                     <a:schemeClr val="dk1">
@@ -3443,28 +6802,41 @@
               </a:rPr>
               <a:t>CLUSTERING</a:t>
             </a:r>
-            <a:endParaRPr lang="en-US">
-              <a:ln/>
-              <a:solidFill>
-                <a:schemeClr val="tx1"/>
-              </a:solidFill>
-              <a:effectLst>
-                <a:outerShdw blurRad="38100" dist="19050" dir="2700000" algn="tl" rotWithShape="0">
-                  <a:schemeClr val="dk1">
-                    <a:alpha val="40000"/>
-                    <a:alpha val="40000"/>
-                  </a:schemeClr>
-                </a:outerShdw>
-              </a:effectLst>
-              <a:latin typeface="Times New Roman Regular" panose="02020603050405020304" charset="0"/>
-              <a:cs typeface="Times New Roman Regular" panose="02020603050405020304" charset="0"/>
-            </a:endParaRPr>
-          </a:p>
-        </p:txBody>
-      </p:sp>
-      <p:sp>
-        <p:nvSpPr>
-          <p:cNvPr id="3" name="Content Placeholder 2"/>
+          </a:p>
+        </p:txBody>
+      </p:sp>
+      <p:pic>
+        <p:nvPicPr>
+          <p:cNvPr id="22" name="Picture 21" descr="Different coloured dots on white wall">
+            <a:extLst>
+              <a:ext uri="{FF2B5EF4-FFF2-40B4-BE49-F238E27FC236}">
+                <a16:creationId xmlns:a16="http://schemas.microsoft.com/office/drawing/2014/main" id="{5338A9C8-03B0-7929-07B5-357BF4A91015}"/>
+              </a:ext>
+            </a:extLst>
+          </p:cNvPr>
+          <p:cNvPicPr>
+            <a:picLocks noChangeAspect="1"/>
+          </p:cNvPicPr>
+          <p:nvPr/>
+        </p:nvPicPr>
+        <p:blipFill rotWithShape="1">
+          <a:blip r:embed="rId3"/>
+          <a:srcRect l="25427" r="26300" b="8"/>
+          <a:stretch/>
+        </p:blipFill>
+        <p:spPr>
+          <a:xfrm>
+            <a:off x="-1" y="10"/>
+            <a:ext cx="4634680" cy="6857990"/>
+          </a:xfrm>
+          <a:prstGeom prst="rect">
+            <a:avLst/>
+          </a:prstGeom>
+        </p:spPr>
+      </p:pic>
+      <p:sp>
+        <p:nvSpPr>
+          <p:cNvPr id="23" name="Content Placeholder 2"/>
           <p:cNvSpPr>
             <a:spLocks noGrp="1"/>
           </p:cNvSpPr>
@@ -3474,19 +6846,23 @@
         </p:nvSpPr>
         <p:spPr>
           <a:xfrm>
-            <a:off x="838200" y="1691005"/>
-            <a:ext cx="10515600" cy="5833110"/>
+            <a:off x="5282381" y="2438400"/>
+            <a:ext cx="4767471" cy="3809999"/>
           </a:xfrm>
         </p:spPr>
         <p:txBody>
           <a:bodyPr>
-            <a:normAutofit lnSpcReduction="20000"/>
+            <a:normAutofit/>
           </a:bodyPr>
-          <a:p>
-            <a:pPr marL="0" indent="0" algn="just">
-              <a:lnSpc>
-                <a:spcPct val="100000"/>
-              </a:lnSpc>
+          <a:lstStyle/>
+          <a:p>
+            <a:pPr marL="0" indent="0">
+              <a:spcBef>
+                <a:spcPts val="20"/>
+              </a:spcBef>
+              <a:spcAft>
+                <a:spcPts val="0"/>
+              </a:spcAft>
               <a:buNone/>
             </a:pPr>
             <a:r>
@@ -3496,31 +6872,74 @@
               </a:rPr>
               <a:t>Clustering is the process of grouping similar data points together based on certain characteristics or features they share. It's an unsupervised learning technique used to find hidden patterns or structures within a dataset.</a:t>
             </a:r>
+          </a:p>
+          <a:p>
+            <a:pPr marL="0" indent="0">
+              <a:spcBef>
+                <a:spcPts val="20"/>
+              </a:spcBef>
+              <a:spcAft>
+                <a:spcPts val="0"/>
+              </a:spcAft>
+              <a:buNone/>
+            </a:pPr>
             <a:endParaRPr lang="en-US">
               <a:latin typeface="Times New Roman Regular" panose="02020603050405020304" charset="0"/>
               <a:cs typeface="Times New Roman Regular" panose="02020603050405020304" charset="0"/>
             </a:endParaRPr>
           </a:p>
           <a:p>
-            <a:pPr marL="0" indent="0" algn="just">
+            <a:pPr marL="0" indent="0">
+              <a:spcBef>
+                <a:spcPts val="20"/>
+              </a:spcBef>
+              <a:spcAft>
+                <a:spcPts val="0"/>
+              </a:spcAft>
+              <a:buNone/>
+            </a:pPr>
+            <a:endParaRPr lang="en-US">
+              <a:latin typeface="Times New Roman Regular" panose="02020603050405020304" charset="0"/>
+              <a:cs typeface="Times New Roman Regular" panose="02020603050405020304" charset="0"/>
+            </a:endParaRPr>
+          </a:p>
+          <a:p>
+            <a:pPr marL="0" indent="0">
+              <a:spcBef>
+                <a:spcPts val="20"/>
+              </a:spcBef>
+              <a:spcAft>
+                <a:spcPts val="0"/>
+              </a:spcAft>
+              <a:buNone/>
+            </a:pPr>
+            <a:r>
+              <a:rPr lang="en-US">
+                <a:latin typeface="Times New Roman Regular" panose="02020603050405020304" charset="0"/>
+                <a:cs typeface="Times New Roman Regular" panose="02020603050405020304" charset="0"/>
+                <a:sym typeface="+mn-ea"/>
+              </a:rPr>
+              <a:t>The clustering models that are involved in this are  Density based spatial clustering of applications with Noise (DBSCAN) and k-Means.</a:t>
+            </a:r>
+            <a:endParaRPr lang="en-US">
+              <a:latin typeface="Times New Roman Regular" panose="02020603050405020304" charset="0"/>
+              <a:cs typeface="Times New Roman Regular" panose="02020603050405020304" charset="0"/>
+            </a:endParaRPr>
+          </a:p>
+          <a:p>
+            <a:pPr marL="0" indent="0">
               <a:buNone/>
             </a:pPr>
             <a:endParaRPr lang="en-US"/>
           </a:p>
           <a:p>
-            <a:pPr marL="0" indent="0" algn="just">
+            <a:pPr marL="0" indent="0">
               <a:buNone/>
             </a:pPr>
             <a:endParaRPr lang="en-US"/>
           </a:p>
           <a:p>
-            <a:pPr marL="0" indent="0" algn="just">
-              <a:buNone/>
-            </a:pPr>
-            <a:endParaRPr lang="en-US"/>
-          </a:p>
-          <a:p>
-            <a:pPr marL="0" indent="0" algn="just">
+            <a:pPr marL="0" indent="0">
               <a:buNone/>
             </a:pPr>
             <a:endParaRPr lang="en-US"/>
@@ -3544,7 +6963,14 @@
         <p:cNvGrpSpPr/>
         <p:nvPr/>
       </p:nvGrpSpPr>
-      <p:grpSpPr/>
+      <p:grpSpPr>
+        <a:xfrm>
+          <a:off x="0" y="0"/>
+          <a:ext cx="0" cy="0"/>
+          <a:chOff x="0" y="0"/>
+          <a:chExt cx="0" cy="0"/>
+        </a:xfrm>
+      </p:grpSpPr>
       <p:sp>
         <p:nvSpPr>
           <p:cNvPr id="2" name="Title 1"/>
@@ -3560,6 +6986,7 @@
           <a:bodyPr>
             <a:normAutofit fontScale="90000"/>
           </a:bodyPr>
+          <a:lstStyle/>
           <a:p>
             <a:r>
               <a:rPr lang="en-US">
@@ -3588,7 +7015,7 @@
         </p:nvSpPr>
         <p:spPr>
           <a:xfrm>
-            <a:off x="838200" y="1130935"/>
+            <a:off x="645460" y="1409353"/>
             <a:ext cx="10515600" cy="5046345"/>
           </a:xfrm>
         </p:spPr>
@@ -3596,6 +7023,7 @@
           <a:bodyPr>
             <a:normAutofit lnSpcReduction="10000"/>
           </a:bodyPr>
+          <a:lstStyle/>
           <a:p>
             <a:pPr marL="0" indent="0" algn="just">
               <a:lnSpc>
@@ -3610,10 +7038,6 @@
               </a:rPr>
               <a:t>Density-Based Spatial Clustering of Applications with Noise is a density-based clustering algorithm used in machine learning for grouping points in a dataset based on their spatial density. It's particularly effective at identifying clusters of arbitrary shapes and handling noise within the data.</a:t>
             </a:r>
-            <a:endParaRPr lang="en-US">
-              <a:latin typeface="Times New Roman Regular" panose="02020603050405020304" charset="0"/>
-              <a:cs typeface="Times New Roman Regular" panose="02020603050405020304" charset="0"/>
-            </a:endParaRPr>
           </a:p>
           <a:p>
             <a:pPr algn="just">
@@ -3637,7 +7061,7 @@
           <p:nvPr/>
         </p:nvPicPr>
         <p:blipFill>
-          <a:blip r:embed="rId1"/>
+          <a:blip r:embed="rId2"/>
           <a:stretch>
             <a:fillRect/>
           </a:stretch>
@@ -3669,7 +7093,14 @@
         <p:cNvGrpSpPr/>
         <p:nvPr/>
       </p:nvGrpSpPr>
-      <p:grpSpPr/>
+      <p:grpSpPr>
+        <a:xfrm>
+          <a:off x="0" y="0"/>
+          <a:ext cx="0" cy="0"/>
+          <a:chOff x="0" y="0"/>
+          <a:chExt cx="0" cy="0"/>
+        </a:xfrm>
+      </p:grpSpPr>
       <p:sp>
         <p:nvSpPr>
           <p:cNvPr id="2" name="Title 1"/>
@@ -3683,6 +7114,7 @@
         <p:spPr/>
         <p:txBody>
           <a:bodyPr/>
+          <a:lstStyle/>
           <a:p>
             <a:r>
               <a:rPr lang="en-US">
@@ -3695,7 +7127,6 @@
               <a:rPr lang="en-US"/>
               <a:t>:</a:t>
             </a:r>
-            <a:endParaRPr lang="en-US"/>
           </a:p>
         </p:txBody>
       </p:sp>
@@ -3711,12 +7142,13 @@
         </p:nvSpPr>
         <p:spPr>
           <a:xfrm>
-            <a:off x="838200" y="1469390"/>
+            <a:off x="644106" y="1491998"/>
             <a:ext cx="10515600" cy="4707890"/>
           </a:xfrm>
         </p:spPr>
         <p:txBody>
           <a:bodyPr/>
+          <a:lstStyle/>
           <a:p>
             <a:pPr marL="0" indent="0" algn="just">
               <a:buNone/>
@@ -3728,10 +7160,6 @@
               </a:rPr>
               <a:t>k-means clustering aims to partition data into k clusters by iteratively updating centroids and assigning data points to the nearest centroid until convergence, providing insights into the inherent structure of the data.</a:t>
             </a:r>
-            <a:endParaRPr lang="en-US">
-              <a:latin typeface="Times New Roman Regular" panose="02020603050405020304" charset="0"/>
-              <a:cs typeface="Times New Roman Regular" panose="02020603050405020304" charset="0"/>
-            </a:endParaRPr>
           </a:p>
         </p:txBody>
       </p:sp>
@@ -3744,7 +7172,7 @@
           <p:nvPr/>
         </p:nvPicPr>
         <p:blipFill>
-          <a:blip r:embed="rId1"/>
+          <a:blip r:embed="rId2"/>
           <a:stretch>
             <a:fillRect/>
           </a:stretch>
@@ -3770,60 +7198,30 @@
 <file path=ppt/slides/slide15.xml><?xml version="1.0" encoding="utf-8"?>
 <p:sld xmlns:a="http://schemas.openxmlformats.org/drawingml/2006/main" xmlns:r="http://schemas.openxmlformats.org/officeDocument/2006/relationships" xmlns:p="http://schemas.openxmlformats.org/presentationml/2006/main">
   <p:cSld>
-    <p:spTree>
-      <p:nvGrpSpPr>
-        <p:cNvPr id="1" name=""/>
-        <p:cNvGrpSpPr/>
-        <p:nvPr/>
-      </p:nvGrpSpPr>
-      <p:grpSpPr/>
-      <p:sp>
-        <p:nvSpPr>
-          <p:cNvPr id="2" name="Title 1"/>
-          <p:cNvSpPr>
-            <a:spLocks noGrp="1"/>
-          </p:cNvSpPr>
-          <p:nvPr>
-            <p:ph type="title"/>
-          </p:nvPr>
-        </p:nvSpPr>
-        <p:spPr/>
-        <p:txBody>
-          <a:bodyPr/>
-          <a:p>
-            <a:endParaRPr lang="en-US"/>
-          </a:p>
-        </p:txBody>
-      </p:sp>
-      <p:sp>
-        <p:nvSpPr>
-          <p:cNvPr id="3" name="Content Placeholder 2"/>
-          <p:cNvSpPr>
-            <a:spLocks noGrp="1"/>
-          </p:cNvSpPr>
-          <p:nvPr>
-            <p:ph idx="1"/>
-          </p:nvPr>
-        </p:nvSpPr>
-        <p:spPr/>
-        <p:txBody>
-          <a:bodyPr/>
-          <a:p>
-            <a:endParaRPr lang="en-US"/>
-          </a:p>
-        </p:txBody>
-      </p:sp>
-    </p:spTree>
-  </p:cSld>
-  <p:clrMapOvr>
-    <a:masterClrMapping/>
-  </p:clrMapOvr>
-</p:sld>
-</file>
-
-<file path=ppt/slides/slide2.xml><?xml version="1.0" encoding="utf-8"?>
-<p:sld xmlns:a="http://schemas.openxmlformats.org/drawingml/2006/main" xmlns:r="http://schemas.openxmlformats.org/officeDocument/2006/relationships" xmlns:p="http://schemas.openxmlformats.org/presentationml/2006/main">
-  <p:cSld>
+    <p:bg>
+      <p:bgPr>
+        <a:blipFill rotWithShape="1">
+          <a:blip r:embed="rId2">
+            <a:duotone>
+              <a:schemeClr val="bg2">
+                <a:shade val="69000"/>
+                <a:hueMod val="108000"/>
+                <a:satMod val="164000"/>
+                <a:lumMod val="74000"/>
+              </a:schemeClr>
+              <a:schemeClr val="bg2">
+                <a:tint val="96000"/>
+                <a:hueMod val="88000"/>
+                <a:satMod val="140000"/>
+                <a:lumMod val="132000"/>
+              </a:schemeClr>
+            </a:duotone>
+          </a:blip>
+          <a:stretch/>
+        </a:blipFill>
+        <a:effectLst/>
+      </p:bgPr>
+    </p:bg>
     <p:spTree>
       <p:nvGrpSpPr>
         <p:cNvPr id="1" name=""/>
@@ -3840,6 +7238,66 @@
       </p:grpSpPr>
       <p:sp>
         <p:nvSpPr>
+          <p:cNvPr id="7" name="Rectangle 6">
+            <a:extLst>
+              <a:ext uri="{FF2B5EF4-FFF2-40B4-BE49-F238E27FC236}">
+                <a16:creationId xmlns:a16="http://schemas.microsoft.com/office/drawing/2014/main" id="{C8A3C342-1D03-412F-8DD3-BF519E8E0AE9}"/>
+              </a:ext>
+              <a:ext uri="{C183D7F6-B498-43B3-948B-1728B52AA6E4}">
+                <adec:decorative xmlns:adec="http://schemas.microsoft.com/office/drawing/2017/decorative" val="1"/>
+              </a:ext>
+            </a:extLst>
+          </p:cNvPr>
+          <p:cNvSpPr>
+            <a:spLocks noGrp="1" noRot="1" noChangeAspect="1" noMove="1" noResize="1" noEditPoints="1" noAdjustHandles="1" noChangeArrowheads="1" noChangeShapeType="1" noTextEdit="1"/>
+          </p:cNvSpPr>
+          <p:nvPr>
+            <p:extLst>
+              <p:ext uri="{386F3935-93C4-4BCD-93E2-E3B085C9AB24}">
+                <p16:designElem xmlns:p16="http://schemas.microsoft.com/office/powerpoint/2015/main" val="1"/>
+              </p:ext>
+            </p:extLst>
+          </p:nvPr>
+        </p:nvSpPr>
+        <p:spPr>
+          <a:xfrm>
+            <a:off x="0" y="0"/>
+            <a:ext cx="12192000" cy="6858000"/>
+          </a:xfrm>
+          <a:prstGeom prst="rect">
+            <a:avLst/>
+          </a:prstGeom>
+          <a:ln>
+            <a:noFill/>
+          </a:ln>
+        </p:spPr>
+        <p:style>
+          <a:lnRef idx="2">
+            <a:schemeClr val="accent1">
+              <a:shade val="50000"/>
+            </a:schemeClr>
+          </a:lnRef>
+          <a:fillRef idx="1003">
+            <a:schemeClr val="dk2"/>
+          </a:fillRef>
+          <a:effectRef idx="0">
+            <a:schemeClr val="accent1"/>
+          </a:effectRef>
+          <a:fontRef idx="minor">
+            <a:schemeClr val="lt1"/>
+          </a:fontRef>
+        </p:style>
+        <p:txBody>
+          <a:bodyPr rtlCol="0" anchor="ctr"/>
+          <a:lstStyle/>
+          <a:p>
+            <a:pPr algn="ctr"/>
+            <a:endParaRPr lang="en-US"/>
+          </a:p>
+        </p:txBody>
+      </p:sp>
+      <p:sp>
+        <p:nvSpPr>
           <p:cNvPr id="2" name="Title 1"/>
           <p:cNvSpPr>
             <a:spLocks noGrp="1"/>
@@ -3848,141 +7306,655 @@
             <p:ph type="title"/>
           </p:nvPr>
         </p:nvSpPr>
-        <p:spPr/>
-        <p:txBody>
-          <a:bodyPr/>
-          <a:lstStyle/>
-          <a:p>
-            <a:pPr algn="ctr"/>
-            <a:r>
-              <a:rPr lang="en-US" sz="4500">
-                <a:solidFill>
-                  <a:schemeClr val="tx1"/>
-                </a:solidFill>
-                <a:effectLst>
-                  <a:outerShdw blurRad="38100" dist="19050" dir="2700000" algn="tl" rotWithShape="0">
-                    <a:schemeClr val="dk1">
-                      <a:alpha val="40000"/>
-                      <a:alpha val="40000"/>
-                    </a:schemeClr>
-                  </a:outerShdw>
-                </a:effectLst>
-                <a:latin typeface="Times New Roman Regular" panose="02020603050405020304" charset="0"/>
-                <a:cs typeface="Times New Roman Regular" panose="02020603050405020304" charset="0"/>
-              </a:rPr>
-              <a:t>ABOUT DATA</a:t>
-            </a:r>
-            <a:endParaRPr lang="en-US" sz="4500">
-              <a:solidFill>
-                <a:schemeClr val="tx1"/>
-              </a:solidFill>
-              <a:effectLst>
-                <a:outerShdw blurRad="38100" dist="19050" dir="2700000" algn="tl" rotWithShape="0">
-                  <a:schemeClr val="dk1">
-                    <a:alpha val="40000"/>
-                    <a:alpha val="40000"/>
-                  </a:schemeClr>
-                </a:outerShdw>
-              </a:effectLst>
-              <a:latin typeface="Times New Roman Regular" panose="02020603050405020304" charset="0"/>
-              <a:cs typeface="Times New Roman Regular" panose="02020603050405020304" charset="0"/>
-            </a:endParaRPr>
-          </a:p>
-        </p:txBody>
-      </p:sp>
-      <p:sp>
-        <p:nvSpPr>
-          <p:cNvPr id="3" name="Content Placeholder 2"/>
-          <p:cNvSpPr>
-            <a:spLocks noGrp="1"/>
-          </p:cNvSpPr>
-          <p:nvPr>
-            <p:ph idx="1"/>
-          </p:nvPr>
-        </p:nvSpPr>
-        <p:spPr>
-          <a:xfrm>
-            <a:off x="838200" y="1564640"/>
-            <a:ext cx="10515600" cy="4612323"/>
+        <p:spPr>
+          <a:xfrm>
+            <a:off x="648930" y="629266"/>
+            <a:ext cx="6188190" cy="1622321"/>
           </a:xfrm>
         </p:spPr>
         <p:txBody>
           <a:bodyPr>
-            <a:normAutofit fontScale="92500" lnSpcReduction="10000"/>
+            <a:normAutofit/>
           </a:bodyPr>
           <a:lstStyle/>
           <a:p>
-            <a:pPr algn="just"/>
             <a:r>
               <a:rPr lang="en-US" dirty="0">
-                <a:latin typeface="Times New Roman Regular" panose="02020603050405020304" charset="0"/>
-                <a:cs typeface="Times New Roman Regular" panose="02020603050405020304" charset="0"/>
+                <a:solidFill>
+                  <a:srgbClr val="EBEBEB"/>
+                </a:solidFill>
               </a:rPr>
-              <a:t>The dataset encompasses shopping data from 10 distinct shopping malls in Istanbul between 2021 and 2023.</a:t>
-            </a:r>
-            <a:endParaRPr lang="en-US" dirty="0">
-              <a:latin typeface="Times New Roman Regular" panose="02020603050405020304" charset="0"/>
-              <a:cs typeface="Times New Roman Regular" panose="02020603050405020304" charset="0"/>
+              <a:t>Conclusion</a:t>
+            </a:r>
+          </a:p>
+        </p:txBody>
+      </p:sp>
+      <p:sp>
+        <p:nvSpPr>
+          <p:cNvPr id="3" name="Content Placeholder 2"/>
+          <p:cNvSpPr>
+            <a:spLocks noGrp="1"/>
+          </p:cNvSpPr>
+          <p:nvPr>
+            <p:ph idx="1"/>
+          </p:nvPr>
+        </p:nvSpPr>
+        <p:spPr>
+          <a:xfrm>
+            <a:off x="641741" y="2021457"/>
+            <a:ext cx="6188189" cy="3785419"/>
+          </a:xfrm>
+        </p:spPr>
+        <p:txBody>
+          <a:bodyPr vert="horz" lIns="91440" tIns="45720" rIns="91440" bIns="45720" rtlCol="0" anchor="t">
+            <a:noAutofit/>
+          </a:bodyPr>
+          <a:lstStyle/>
+          <a:p>
+            <a:r>
+              <a:rPr lang="en-US" sz="2500" dirty="0">
+                <a:solidFill>
+                  <a:srgbClr val="FFFFFF"/>
+                </a:solidFill>
+                <a:latin typeface="Times New Roman"/>
+                <a:ea typeface="+mj-lt"/>
+                <a:cs typeface="+mj-lt"/>
+              </a:rPr>
+              <a:t>In this data analysis and modeling process, we conducted a comprehensive exploration and manipulation of customer shopping data to derive valuable insights and build predictive models.</a:t>
+            </a:r>
+            <a:endParaRPr lang="en-US" sz="2500">
+              <a:solidFill>
+                <a:srgbClr val="FFFFFF"/>
+              </a:solidFill>
+              <a:latin typeface="Times New Roman"/>
+              <a:cs typeface="Times New Roman"/>
             </a:endParaRPr>
           </a:p>
           <a:p>
-            <a:pPr algn="just"/>
-            <a:r>
-              <a:rPr lang="en-US" dirty="0">
-                <a:latin typeface="Times New Roman Regular" panose="02020603050405020304" charset="0"/>
-                <a:cs typeface="Times New Roman Regular" panose="02020603050405020304" charset="0"/>
+            <a:pPr>
+              <a:buClr>
+                <a:srgbClr val="8AD0D6"/>
+              </a:buClr>
+            </a:pPr>
+            <a:r>
+              <a:rPr lang="en-US" sz="2500" dirty="0">
+                <a:solidFill>
+                  <a:srgbClr val="FFFFFF"/>
+                </a:solidFill>
+                <a:latin typeface="Times New Roman"/>
+                <a:ea typeface="+mj-lt"/>
+                <a:cs typeface="+mj-lt"/>
               </a:rPr>
-              <a:t>It includes information gathered from various age groups and genders to provide a comprehensive view of shopping habits in the city.</a:t>
-            </a:r>
-            <a:endParaRPr lang="en-US" dirty="0">
-              <a:latin typeface="Times New Roman Regular" panose="02020603050405020304" charset="0"/>
-              <a:cs typeface="Times New Roman Regular" panose="02020603050405020304" charset="0"/>
+              <a:t> This analysis provides a foundational understanding of customer behavior and preferences, offering actionable insights for business strategies and future research directions.</a:t>
+            </a:r>
+            <a:endParaRPr lang="en-US" sz="2500">
+              <a:solidFill>
+                <a:srgbClr val="FFFFFF"/>
+              </a:solidFill>
+              <a:latin typeface="Times New Roman"/>
+              <a:cs typeface="Times New Roman"/>
             </a:endParaRPr>
           </a:p>
           <a:p>
-            <a:pPr algn="just"/>
-            <a:r>
-              <a:rPr lang="en-US" dirty="0">
-                <a:latin typeface="Times New Roman Regular" panose="02020603050405020304" charset="0"/>
-                <a:cs typeface="Times New Roman Regular" panose="02020603050405020304" charset="0"/>
-              </a:rPr>
-              <a:t>Key data points within the dataset consist of invoice numbers, customer IDs, age groups, genders, payment methods, product categories, quantities, prices, order dates, and shopping mall locations.</a:t>
-            </a:r>
-            <a:endParaRPr lang="en-US" dirty="0">
-              <a:latin typeface="Times New Roman Regular" panose="02020603050405020304" charset="0"/>
-              <a:cs typeface="Times New Roman Regular" panose="02020603050405020304" charset="0"/>
+            <a:pPr>
+              <a:buClr>
+                <a:srgbClr val="8AD0D6"/>
+              </a:buClr>
+            </a:pPr>
+            <a:endParaRPr lang="en-US">
+              <a:solidFill>
+                <a:srgbClr val="FFFFFF"/>
+              </a:solidFill>
             </a:endParaRPr>
           </a:p>
-          <a:p>
-            <a:pPr algn="just"/>
-            <a:r>
-              <a:rPr lang="en-US" dirty="0">
-                <a:latin typeface="Times New Roman Regular" panose="02020603050405020304" charset="0"/>
-                <a:cs typeface="Times New Roman Regular" panose="02020603050405020304" charset="0"/>
-              </a:rPr>
-              <a:t>This dataset is aimed at serving as a valuable resource for researchers, data analysts, and machine learning enthusiasts interested in exploring shopping trends and patterns specific to Istanbul.</a:t>
-            </a:r>
-            <a:endParaRPr lang="en-US" dirty="0">
-              <a:latin typeface="Times New Roman Regular" panose="02020603050405020304" charset="0"/>
-              <a:cs typeface="Times New Roman Regular" panose="02020603050405020304" charset="0"/>
-            </a:endParaRPr>
-          </a:p>
-          <a:p>
-            <a:pPr algn="just"/>
-            <a:r>
-              <a:rPr lang="en-US" dirty="0">
-                <a:latin typeface="Times New Roman Regular" panose="02020603050405020304" charset="0"/>
-                <a:cs typeface="Times New Roman Regular" panose="02020603050405020304" charset="0"/>
-              </a:rPr>
-              <a:t>Researchers and analysts can leverage this dataset to gain insights into the diverse shopping behaviors prevalent in Istanbul over the specified period.</a:t>
-            </a:r>
-            <a:endParaRPr lang="en-US" dirty="0">
-              <a:latin typeface="Times New Roman Regular" panose="02020603050405020304" charset="0"/>
-              <a:cs typeface="Times New Roman Regular" panose="02020603050405020304" charset="0"/>
-            </a:endParaRPr>
-          </a:p>
-        </p:txBody>
-      </p:sp>
+        </p:txBody>
+      </p:sp>
+      <p:sp>
+        <p:nvSpPr>
+          <p:cNvPr id="8" name="Freeform 31">
+            <a:extLst>
+              <a:ext uri="{FF2B5EF4-FFF2-40B4-BE49-F238E27FC236}">
+                <a16:creationId xmlns:a16="http://schemas.microsoft.com/office/drawing/2014/main" id="{81CC9B02-E087-4350-AEBD-2C3CF001AF01}"/>
+              </a:ext>
+              <a:ext uri="{C183D7F6-B498-43B3-948B-1728B52AA6E4}">
+                <adec:decorative xmlns:adec="http://schemas.microsoft.com/office/drawing/2017/decorative" val="1"/>
+              </a:ext>
+            </a:extLst>
+          </p:cNvPr>
+          <p:cNvSpPr>
+            <a:spLocks noGrp="1" noRot="1" noChangeAspect="1" noMove="1" noResize="1" noEditPoints="1" noAdjustHandles="1" noChangeArrowheads="1" noChangeShapeType="1" noTextEdit="1"/>
+          </p:cNvSpPr>
+          <p:nvPr>
+            <p:extLst>
+              <p:ext uri="{386F3935-93C4-4BCD-93E2-E3B085C9AB24}">
+                <p16:designElem xmlns:p16="http://schemas.microsoft.com/office/powerpoint/2015/main" val="1"/>
+              </p:ext>
+            </p:extLst>
+          </p:nvPr>
+        </p:nvSpPr>
+        <p:spPr>
+          <a:xfrm>
+            <a:off x="7015974" y="-1"/>
+            <a:ext cx="559472" cy="3709642"/>
+          </a:xfrm>
+          <a:custGeom>
+            <a:avLst/>
+            <a:gdLst>
+              <a:gd name="connsiteX0" fmla="*/ 0 w 559472"/>
+              <a:gd name="connsiteY0" fmla="*/ 0 h 3709642"/>
+              <a:gd name="connsiteX1" fmla="*/ 473952 w 559472"/>
+              <a:gd name="connsiteY1" fmla="*/ 0 h 3709642"/>
+              <a:gd name="connsiteX2" fmla="*/ 485840 w 559472"/>
+              <a:gd name="connsiteY2" fmla="*/ 161194 h 3709642"/>
+              <a:gd name="connsiteX3" fmla="*/ 523949 w 559472"/>
+              <a:gd name="connsiteY3" fmla="*/ 3672197 h 3709642"/>
+              <a:gd name="connsiteX4" fmla="*/ 454748 w 559472"/>
+              <a:gd name="connsiteY4" fmla="*/ 3709642 h 3709642"/>
+              <a:gd name="connsiteX5" fmla="*/ 448224 w 559472"/>
+              <a:gd name="connsiteY5" fmla="*/ 3510471 h 3709642"/>
+              <a:gd name="connsiteX6" fmla="*/ 443564 w 559472"/>
+              <a:gd name="connsiteY6" fmla="*/ 3408563 h 3709642"/>
+              <a:gd name="connsiteX7" fmla="*/ 438902 w 559472"/>
+              <a:gd name="connsiteY7" fmla="*/ 3304407 h 3709642"/>
+              <a:gd name="connsiteX8" fmla="*/ 433941 w 559472"/>
+              <a:gd name="connsiteY8" fmla="*/ 3198777 h 3709642"/>
+              <a:gd name="connsiteX9" fmla="*/ 427584 w 559472"/>
+              <a:gd name="connsiteY9" fmla="*/ 3092510 h 3709642"/>
+              <a:gd name="connsiteX10" fmla="*/ 420988 w 559472"/>
+              <a:gd name="connsiteY10" fmla="*/ 2984390 h 3709642"/>
+              <a:gd name="connsiteX11" fmla="*/ 414330 w 559472"/>
+              <a:gd name="connsiteY11" fmla="*/ 2874401 h 3709642"/>
+              <a:gd name="connsiteX12" fmla="*/ 406840 w 559472"/>
+              <a:gd name="connsiteY12" fmla="*/ 2762980 h 3709642"/>
+              <a:gd name="connsiteX13" fmla="*/ 397745 w 559472"/>
+              <a:gd name="connsiteY13" fmla="*/ 2650566 h 3709642"/>
+              <a:gd name="connsiteX14" fmla="*/ 389154 w 559472"/>
+              <a:gd name="connsiteY14" fmla="*/ 2536612 h 3709642"/>
+              <a:gd name="connsiteX15" fmla="*/ 379225 w 559472"/>
+              <a:gd name="connsiteY15" fmla="*/ 2421642 h 3709642"/>
+              <a:gd name="connsiteX16" fmla="*/ 368316 w 559472"/>
+              <a:gd name="connsiteY16" fmla="*/ 2305627 h 3709642"/>
+              <a:gd name="connsiteX17" fmla="*/ 357466 w 559472"/>
+              <a:gd name="connsiteY17" fmla="*/ 2189233 h 3709642"/>
+              <a:gd name="connsiteX18" fmla="*/ 344982 w 559472"/>
+              <a:gd name="connsiteY18" fmla="*/ 2071473 h 3709642"/>
+              <a:gd name="connsiteX19" fmla="*/ 332466 w 559472"/>
+              <a:gd name="connsiteY19" fmla="*/ 1952216 h 3709642"/>
+              <a:gd name="connsiteX20" fmla="*/ 319121 w 559472"/>
+              <a:gd name="connsiteY20" fmla="*/ 1833776 h 3709642"/>
+              <a:gd name="connsiteX21" fmla="*/ 304408 w 559472"/>
+              <a:gd name="connsiteY21" fmla="*/ 1713948 h 3709642"/>
+              <a:gd name="connsiteX22" fmla="*/ 288685 w 559472"/>
+              <a:gd name="connsiteY22" fmla="*/ 1592703 h 3709642"/>
+              <a:gd name="connsiteX23" fmla="*/ 273050 w 559472"/>
+              <a:gd name="connsiteY23" fmla="*/ 1471451 h 3709642"/>
+              <a:gd name="connsiteX24" fmla="*/ 255813 w 559472"/>
+              <a:gd name="connsiteY24" fmla="*/ 1350328 h 3709642"/>
+              <a:gd name="connsiteX25" fmla="*/ 237060 w 559472"/>
+              <a:gd name="connsiteY25" fmla="*/ 1227080 h 3709642"/>
+              <a:gd name="connsiteX26" fmla="*/ 218488 w 559472"/>
+              <a:gd name="connsiteY26" fmla="*/ 1106065 h 3709642"/>
+              <a:gd name="connsiteX27" fmla="*/ 198221 w 559472"/>
+              <a:gd name="connsiteY27" fmla="*/ 982940 h 3709642"/>
+              <a:gd name="connsiteX28" fmla="*/ 177152 w 559472"/>
+              <a:gd name="connsiteY28" fmla="*/ 858755 h 3709642"/>
+              <a:gd name="connsiteX29" fmla="*/ 155551 w 559472"/>
+              <a:gd name="connsiteY29" fmla="*/ 736861 h 3709642"/>
+              <a:gd name="connsiteX30" fmla="*/ 131782 w 559472"/>
+              <a:gd name="connsiteY30" fmla="*/ 613645 h 3709642"/>
+              <a:gd name="connsiteX31" fmla="*/ 107123 w 559472"/>
+              <a:gd name="connsiteY31" fmla="*/ 490500 h 3709642"/>
+              <a:gd name="connsiteX32" fmla="*/ 82552 w 559472"/>
+              <a:gd name="connsiteY32" fmla="*/ 367348 h 3709642"/>
+              <a:gd name="connsiteX33" fmla="*/ 55608 w 559472"/>
+              <a:gd name="connsiteY33" fmla="*/ 244762 h 3709642"/>
+              <a:gd name="connsiteX34" fmla="*/ 28130 w 559472"/>
+              <a:gd name="connsiteY34" fmla="*/ 122220 h 3709642"/>
+              <a:gd name="connsiteX35" fmla="*/ 0 w 559472"/>
+              <a:gd name="connsiteY35" fmla="*/ 0 h 3709642"/>
+            </a:gdLst>
+            <a:ahLst/>
+            <a:cxnLst>
+              <a:cxn ang="0">
+                <a:pos x="connsiteX0" y="connsiteY0"/>
+              </a:cxn>
+              <a:cxn ang="0">
+                <a:pos x="connsiteX1" y="connsiteY1"/>
+              </a:cxn>
+              <a:cxn ang="0">
+                <a:pos x="connsiteX2" y="connsiteY2"/>
+              </a:cxn>
+              <a:cxn ang="0">
+                <a:pos x="connsiteX3" y="connsiteY3"/>
+              </a:cxn>
+              <a:cxn ang="0">
+                <a:pos x="connsiteX4" y="connsiteY4"/>
+              </a:cxn>
+              <a:cxn ang="0">
+                <a:pos x="connsiteX5" y="connsiteY5"/>
+              </a:cxn>
+              <a:cxn ang="0">
+                <a:pos x="connsiteX6" y="connsiteY6"/>
+              </a:cxn>
+              <a:cxn ang="0">
+                <a:pos x="connsiteX7" y="connsiteY7"/>
+              </a:cxn>
+              <a:cxn ang="0">
+                <a:pos x="connsiteX8" y="connsiteY8"/>
+              </a:cxn>
+              <a:cxn ang="0">
+                <a:pos x="connsiteX9" y="connsiteY9"/>
+              </a:cxn>
+              <a:cxn ang="0">
+                <a:pos x="connsiteX10" y="connsiteY10"/>
+              </a:cxn>
+              <a:cxn ang="0">
+                <a:pos x="connsiteX11" y="connsiteY11"/>
+              </a:cxn>
+              <a:cxn ang="0">
+                <a:pos x="connsiteX12" y="connsiteY12"/>
+              </a:cxn>
+              <a:cxn ang="0">
+                <a:pos x="connsiteX13" y="connsiteY13"/>
+              </a:cxn>
+              <a:cxn ang="0">
+                <a:pos x="connsiteX14" y="connsiteY14"/>
+              </a:cxn>
+              <a:cxn ang="0">
+                <a:pos x="connsiteX15" y="connsiteY15"/>
+              </a:cxn>
+              <a:cxn ang="0">
+                <a:pos x="connsiteX16" y="connsiteY16"/>
+              </a:cxn>
+              <a:cxn ang="0">
+                <a:pos x="connsiteX17" y="connsiteY17"/>
+              </a:cxn>
+              <a:cxn ang="0">
+                <a:pos x="connsiteX18" y="connsiteY18"/>
+              </a:cxn>
+              <a:cxn ang="0">
+                <a:pos x="connsiteX19" y="connsiteY19"/>
+              </a:cxn>
+              <a:cxn ang="0">
+                <a:pos x="connsiteX20" y="connsiteY20"/>
+              </a:cxn>
+              <a:cxn ang="0">
+                <a:pos x="connsiteX21" y="connsiteY21"/>
+              </a:cxn>
+              <a:cxn ang="0">
+                <a:pos x="connsiteX22" y="connsiteY22"/>
+              </a:cxn>
+              <a:cxn ang="0">
+                <a:pos x="connsiteX23" y="connsiteY23"/>
+              </a:cxn>
+              <a:cxn ang="0">
+                <a:pos x="connsiteX24" y="connsiteY24"/>
+              </a:cxn>
+              <a:cxn ang="0">
+                <a:pos x="connsiteX25" y="connsiteY25"/>
+              </a:cxn>
+              <a:cxn ang="0">
+                <a:pos x="connsiteX26" y="connsiteY26"/>
+              </a:cxn>
+              <a:cxn ang="0">
+                <a:pos x="connsiteX27" y="connsiteY27"/>
+              </a:cxn>
+              <a:cxn ang="0">
+                <a:pos x="connsiteX28" y="connsiteY28"/>
+              </a:cxn>
+              <a:cxn ang="0">
+                <a:pos x="connsiteX29" y="connsiteY29"/>
+              </a:cxn>
+              <a:cxn ang="0">
+                <a:pos x="connsiteX30" y="connsiteY30"/>
+              </a:cxn>
+              <a:cxn ang="0">
+                <a:pos x="connsiteX31" y="connsiteY31"/>
+              </a:cxn>
+              <a:cxn ang="0">
+                <a:pos x="connsiteX32" y="connsiteY32"/>
+              </a:cxn>
+              <a:cxn ang="0">
+                <a:pos x="connsiteX33" y="connsiteY33"/>
+              </a:cxn>
+              <a:cxn ang="0">
+                <a:pos x="connsiteX34" y="connsiteY34"/>
+              </a:cxn>
+              <a:cxn ang="0">
+                <a:pos x="connsiteX35" y="connsiteY35"/>
+              </a:cxn>
+            </a:cxnLst>
+            <a:rect l="l" t="t" r="r" b="b"/>
+            <a:pathLst>
+              <a:path w="559472" h="3709642">
+                <a:moveTo>
+                  <a:pt x="0" y="0"/>
+                </a:moveTo>
+                <a:lnTo>
+                  <a:pt x="473952" y="0"/>
+                </a:lnTo>
+                <a:lnTo>
+                  <a:pt x="485840" y="161194"/>
+                </a:lnTo>
+                <a:cubicBezTo>
+                  <a:pt x="552063" y="1147770"/>
+                  <a:pt x="592441" y="3086737"/>
+                  <a:pt x="523949" y="3672197"/>
+                </a:cubicBezTo>
+                <a:cubicBezTo>
+                  <a:pt x="500842" y="3684557"/>
+                  <a:pt x="477855" y="3697282"/>
+                  <a:pt x="454748" y="3709642"/>
+                </a:cubicBezTo>
+                <a:lnTo>
+                  <a:pt x="448224" y="3510471"/>
+                </a:lnTo>
+                <a:lnTo>
+                  <a:pt x="443564" y="3408563"/>
+                </a:lnTo>
+                <a:lnTo>
+                  <a:pt x="438902" y="3304407"/>
+                </a:lnTo>
+                <a:lnTo>
+                  <a:pt x="433941" y="3198777"/>
+                </a:lnTo>
+                <a:lnTo>
+                  <a:pt x="427584" y="3092510"/>
+                </a:lnTo>
+                <a:lnTo>
+                  <a:pt x="420988" y="2984390"/>
+                </a:lnTo>
+                <a:lnTo>
+                  <a:pt x="414330" y="2874401"/>
+                </a:lnTo>
+                <a:lnTo>
+                  <a:pt x="406840" y="2762980"/>
+                </a:lnTo>
+                <a:lnTo>
+                  <a:pt x="397745" y="2650566"/>
+                </a:lnTo>
+                <a:lnTo>
+                  <a:pt x="389154" y="2536612"/>
+                </a:lnTo>
+                <a:lnTo>
+                  <a:pt x="379225" y="2421642"/>
+                </a:lnTo>
+                <a:lnTo>
+                  <a:pt x="368316" y="2305627"/>
+                </a:lnTo>
+                <a:lnTo>
+                  <a:pt x="357466" y="2189233"/>
+                </a:lnTo>
+                <a:lnTo>
+                  <a:pt x="344982" y="2071473"/>
+                </a:lnTo>
+                <a:lnTo>
+                  <a:pt x="332466" y="1952216"/>
+                </a:lnTo>
+                <a:lnTo>
+                  <a:pt x="319121" y="1833776"/>
+                </a:lnTo>
+                <a:lnTo>
+                  <a:pt x="304408" y="1713948"/>
+                </a:lnTo>
+                <a:lnTo>
+                  <a:pt x="288685" y="1592703"/>
+                </a:lnTo>
+                <a:lnTo>
+                  <a:pt x="273050" y="1471451"/>
+                </a:lnTo>
+                <a:lnTo>
+                  <a:pt x="255813" y="1350328"/>
+                </a:lnTo>
+                <a:lnTo>
+                  <a:pt x="237060" y="1227080"/>
+                </a:lnTo>
+                <a:lnTo>
+                  <a:pt x="218488" y="1106065"/>
+                </a:lnTo>
+                <a:lnTo>
+                  <a:pt x="198221" y="982940"/>
+                </a:lnTo>
+                <a:lnTo>
+                  <a:pt x="177152" y="858755"/>
+                </a:lnTo>
+                <a:lnTo>
+                  <a:pt x="155551" y="736861"/>
+                </a:lnTo>
+                <a:lnTo>
+                  <a:pt x="131782" y="613645"/>
+                </a:lnTo>
+                <a:lnTo>
+                  <a:pt x="107123" y="490500"/>
+                </a:lnTo>
+                <a:lnTo>
+                  <a:pt x="82552" y="367348"/>
+                </a:lnTo>
+                <a:lnTo>
+                  <a:pt x="55608" y="244762"/>
+                </a:lnTo>
+                <a:lnTo>
+                  <a:pt x="28130" y="122220"/>
+                </a:lnTo>
+                <a:lnTo>
+                  <a:pt x="0" y="0"/>
+                </a:lnTo>
+                <a:close/>
+              </a:path>
+            </a:pathLst>
+          </a:custGeom>
+          <a:solidFill>
+            <a:schemeClr val="tx1">
+              <a:alpha val="20000"/>
+            </a:schemeClr>
+          </a:solidFill>
+          <a:ln>
+            <a:noFill/>
+          </a:ln>
+        </p:spPr>
+        <p:txBody>
+          <a:bodyPr rtlCol="0" anchor="ctr"/>
+          <a:lstStyle/>
+          <a:p>
+            <a:pPr algn="ctr"/>
+            <a:endParaRPr lang="en-US"/>
+          </a:p>
+        </p:txBody>
+      </p:sp>
+      <p:pic>
+        <p:nvPicPr>
+          <p:cNvPr id="5" name="Picture 4" descr="Graph on document with pen">
+            <a:extLst>
+              <a:ext uri="{FF2B5EF4-FFF2-40B4-BE49-F238E27FC236}">
+                <a16:creationId xmlns:a16="http://schemas.microsoft.com/office/drawing/2014/main" id="{CE393F3F-289B-2ABA-3CE7-F09BB82DA780}"/>
+              </a:ext>
+            </a:extLst>
+          </p:cNvPr>
+          <p:cNvPicPr>
+            <a:picLocks noChangeAspect="1"/>
+          </p:cNvPicPr>
+          <p:nvPr/>
+        </p:nvPicPr>
+        <p:blipFill rotWithShape="1">
+          <a:blip r:embed="rId3"/>
+          <a:srcRect l="32621" r="19070" b="-2"/>
+          <a:stretch/>
+        </p:blipFill>
+        <p:spPr>
+          <a:xfrm>
+            <a:off x="7229175" y="1"/>
+            <a:ext cx="4963245" cy="6858001"/>
+          </a:xfrm>
+          <a:custGeom>
+            <a:avLst/>
+            <a:gdLst/>
+            <a:ahLst/>
+            <a:cxnLst/>
+            <a:rect l="l" t="t" r="r" b="b"/>
+            <a:pathLst>
+              <a:path w="4963245" h="6858001">
+                <a:moveTo>
+                  <a:pt x="1177" y="0"/>
+                </a:moveTo>
+                <a:lnTo>
+                  <a:pt x="1344715" y="0"/>
+                </a:lnTo>
+                <a:lnTo>
+                  <a:pt x="1344715" y="1"/>
+                </a:lnTo>
+                <a:lnTo>
+                  <a:pt x="4963245" y="1"/>
+                </a:lnTo>
+                <a:lnTo>
+                  <a:pt x="4963244" y="6858001"/>
+                </a:lnTo>
+                <a:lnTo>
+                  <a:pt x="900697" y="6858001"/>
+                </a:lnTo>
+                <a:lnTo>
+                  <a:pt x="900697" y="6858000"/>
+                </a:lnTo>
+                <a:lnTo>
+                  <a:pt x="0" y="6858000"/>
+                </a:lnTo>
+                <a:lnTo>
+                  <a:pt x="5883" y="6817538"/>
+                </a:lnTo>
+                <a:lnTo>
+                  <a:pt x="23196" y="6698894"/>
+                </a:lnTo>
+                <a:lnTo>
+                  <a:pt x="35299" y="6612483"/>
+                </a:lnTo>
+                <a:lnTo>
+                  <a:pt x="48073" y="6509613"/>
+                </a:lnTo>
+                <a:lnTo>
+                  <a:pt x="63369" y="6387541"/>
+                </a:lnTo>
+                <a:lnTo>
+                  <a:pt x="79506" y="6252438"/>
+                </a:lnTo>
+                <a:lnTo>
+                  <a:pt x="96483" y="6100191"/>
+                </a:lnTo>
+                <a:lnTo>
+                  <a:pt x="114469" y="5934227"/>
+                </a:lnTo>
+                <a:lnTo>
+                  <a:pt x="132454" y="5753862"/>
+                </a:lnTo>
+                <a:lnTo>
+                  <a:pt x="150776" y="5561838"/>
+                </a:lnTo>
+                <a:lnTo>
+                  <a:pt x="167753" y="5354726"/>
+                </a:lnTo>
+                <a:lnTo>
+                  <a:pt x="184058" y="5138013"/>
+                </a:lnTo>
+                <a:lnTo>
+                  <a:pt x="198849" y="4908956"/>
+                </a:lnTo>
+                <a:lnTo>
+                  <a:pt x="212969" y="4670298"/>
+                </a:lnTo>
+                <a:lnTo>
+                  <a:pt x="226248" y="4421352"/>
+                </a:lnTo>
+                <a:lnTo>
+                  <a:pt x="230955" y="4293793"/>
+                </a:lnTo>
+                <a:lnTo>
+                  <a:pt x="236165" y="4163492"/>
+                </a:lnTo>
+                <a:lnTo>
+                  <a:pt x="241040" y="4031133"/>
+                </a:lnTo>
+                <a:lnTo>
+                  <a:pt x="244234" y="3898087"/>
+                </a:lnTo>
+                <a:lnTo>
+                  <a:pt x="247091" y="3762299"/>
+                </a:lnTo>
+                <a:lnTo>
+                  <a:pt x="250117" y="3625139"/>
+                </a:lnTo>
+                <a:lnTo>
+                  <a:pt x="252134" y="3485236"/>
+                </a:lnTo>
+                <a:lnTo>
+                  <a:pt x="252134" y="3343961"/>
+                </a:lnTo>
+                <a:lnTo>
+                  <a:pt x="253142" y="3201315"/>
+                </a:lnTo>
+                <a:lnTo>
+                  <a:pt x="252134" y="3057297"/>
+                </a:lnTo>
+                <a:lnTo>
+                  <a:pt x="250117" y="2911221"/>
+                </a:lnTo>
+                <a:lnTo>
+                  <a:pt x="248268" y="2765146"/>
+                </a:lnTo>
+                <a:lnTo>
+                  <a:pt x="244234" y="2617013"/>
+                </a:lnTo>
+                <a:lnTo>
+                  <a:pt x="240032" y="2467509"/>
+                </a:lnTo>
+                <a:lnTo>
+                  <a:pt x="235157" y="2318004"/>
+                </a:lnTo>
+                <a:lnTo>
+                  <a:pt x="228266" y="2167128"/>
+                </a:lnTo>
+                <a:lnTo>
+                  <a:pt x="220029" y="2014881"/>
+                </a:lnTo>
+                <a:lnTo>
+                  <a:pt x="212129" y="1861947"/>
+                </a:lnTo>
+                <a:lnTo>
+                  <a:pt x="202044" y="1709014"/>
+                </a:lnTo>
+                <a:lnTo>
+                  <a:pt x="189941" y="1554023"/>
+                </a:lnTo>
+                <a:lnTo>
+                  <a:pt x="177839" y="1401090"/>
+                </a:lnTo>
+                <a:lnTo>
+                  <a:pt x="163887" y="1245413"/>
+                </a:lnTo>
+                <a:lnTo>
+                  <a:pt x="148591" y="1089051"/>
+                </a:lnTo>
+                <a:lnTo>
+                  <a:pt x="132455" y="934746"/>
+                </a:lnTo>
+                <a:lnTo>
+                  <a:pt x="113629" y="778383"/>
+                </a:lnTo>
+                <a:lnTo>
+                  <a:pt x="93458" y="622707"/>
+                </a:lnTo>
+                <a:lnTo>
+                  <a:pt x="73455" y="466344"/>
+                </a:lnTo>
+                <a:lnTo>
+                  <a:pt x="50091" y="310668"/>
+                </a:lnTo>
+                <a:lnTo>
+                  <a:pt x="26222" y="155677"/>
+                </a:lnTo>
+                <a:close/>
+              </a:path>
+            </a:pathLst>
+          </a:custGeom>
+        </p:spPr>
+      </p:pic>
     </p:spTree>
   </p:cSld>
   <p:clrMapOvr>
@@ -3991,9 +7963,17 @@
 </p:sld>
 </file>
 
-<file path=ppt/slides/slide3.xml><?xml version="1.0" encoding="utf-8"?>
+<file path=ppt/slides/slide16.xml><?xml version="1.0" encoding="utf-8"?>
 <p:sld xmlns:a="http://schemas.openxmlformats.org/drawingml/2006/main" xmlns:r="http://schemas.openxmlformats.org/officeDocument/2006/relationships" xmlns:p="http://schemas.openxmlformats.org/presentationml/2006/main">
   <p:cSld>
+    <p:bg>
+      <p:bgPr>
+        <a:solidFill>
+          <a:schemeClr val="bg1"/>
+        </a:solidFill>
+        <a:effectLst/>
+      </p:bgPr>
+    </p:bg>
     <p:spTree>
       <p:nvGrpSpPr>
         <p:cNvPr id="1" name=""/>
@@ -4008,6 +7988,212 @@
           <a:chExt cx="0" cy="0"/>
         </a:xfrm>
       </p:grpSpPr>
+      <p:sp useBgFill="1">
+        <p:nvSpPr>
+          <p:cNvPr id="11" name="Rectangle 10">
+            <a:extLst>
+              <a:ext uri="{FF2B5EF4-FFF2-40B4-BE49-F238E27FC236}">
+                <a16:creationId xmlns:a16="http://schemas.microsoft.com/office/drawing/2014/main" id="{29787B81-C7DF-412B-A405-EF4454012DEE}"/>
+              </a:ext>
+              <a:ext uri="{C183D7F6-B498-43B3-948B-1728B52AA6E4}">
+                <adec:decorative xmlns:adec="http://schemas.microsoft.com/office/drawing/2017/decorative" val="1"/>
+              </a:ext>
+            </a:extLst>
+          </p:cNvPr>
+          <p:cNvSpPr>
+            <a:spLocks noGrp="1" noRot="1" noChangeAspect="1" noMove="1" noResize="1" noEditPoints="1" noAdjustHandles="1" noChangeArrowheads="1" noChangeShapeType="1" noTextEdit="1"/>
+          </p:cNvSpPr>
+          <p:nvPr>
+            <p:extLst>
+              <p:ext uri="{386F3935-93C4-4BCD-93E2-E3B085C9AB24}">
+                <p16:designElem xmlns:p16="http://schemas.microsoft.com/office/powerpoint/2015/main" val="1"/>
+              </p:ext>
+            </p:extLst>
+          </p:nvPr>
+        </p:nvSpPr>
+        <p:spPr>
+          <a:xfrm>
+            <a:off x="0" y="0"/>
+            <a:ext cx="12192000" cy="6858000"/>
+          </a:xfrm>
+          <a:prstGeom prst="rect">
+            <a:avLst/>
+          </a:prstGeom>
+          <a:ln>
+            <a:noFill/>
+          </a:ln>
+        </p:spPr>
+        <p:style>
+          <a:lnRef idx="2">
+            <a:schemeClr val="accent1">
+              <a:shade val="50000"/>
+            </a:schemeClr>
+          </a:lnRef>
+          <a:fillRef idx="1">
+            <a:schemeClr val="accent1"/>
+          </a:fillRef>
+          <a:effectRef idx="0">
+            <a:schemeClr val="accent1"/>
+          </a:effectRef>
+          <a:fontRef idx="minor">
+            <a:schemeClr val="lt1"/>
+          </a:fontRef>
+        </p:style>
+        <p:txBody>
+          <a:bodyPr rtlCol="0" anchor="ctr"/>
+          <a:lstStyle/>
+          <a:p>
+            <a:pPr algn="ctr"/>
+            <a:endParaRPr lang="en-US"/>
+          </a:p>
+        </p:txBody>
+      </p:sp>
+      <p:pic>
+        <p:nvPicPr>
+          <p:cNvPr id="4" name="Content Placeholder 3" descr="Thank you tag cloud in many languages – Team PHenomenal Hope">
+            <a:extLst>
+              <a:ext uri="{FF2B5EF4-FFF2-40B4-BE49-F238E27FC236}">
+                <a16:creationId xmlns:a16="http://schemas.microsoft.com/office/drawing/2014/main" id="{ACAA1BBC-1A54-FE05-D77B-90F2BDC3C801}"/>
+              </a:ext>
+            </a:extLst>
+          </p:cNvPr>
+          <p:cNvPicPr>
+            <a:picLocks noChangeAspect="1"/>
+          </p:cNvPicPr>
+          <p:nvPr/>
+        </p:nvPicPr>
+        <p:blipFill rotWithShape="1">
+          <a:blip r:embed="rId2">
+            <a:alphaModFix amt="35000"/>
+          </a:blip>
+          <a:srcRect t="21196" b="22554"/>
+          <a:stretch/>
+        </p:blipFill>
+        <p:spPr>
+          <a:xfrm>
+            <a:off x="20" y="-1"/>
+            <a:ext cx="12191980" cy="6858000"/>
+          </a:xfrm>
+          <a:prstGeom prst="rect">
+            <a:avLst/>
+          </a:prstGeom>
+        </p:spPr>
+      </p:pic>
+      <p:sp>
+        <p:nvSpPr>
+          <p:cNvPr id="2" name="Title 1">
+            <a:extLst>
+              <a:ext uri="{FF2B5EF4-FFF2-40B4-BE49-F238E27FC236}">
+                <a16:creationId xmlns:a16="http://schemas.microsoft.com/office/drawing/2014/main" id="{272CAA10-09AE-C22F-3F8C-425576631D07}"/>
+              </a:ext>
+            </a:extLst>
+          </p:cNvPr>
+          <p:cNvSpPr>
+            <a:spLocks noGrp="1"/>
+          </p:cNvSpPr>
+          <p:nvPr>
+            <p:ph type="title"/>
+          </p:nvPr>
+        </p:nvSpPr>
+        <p:spPr>
+          <a:xfrm>
+            <a:off x="646111" y="452718"/>
+            <a:ext cx="9404723" cy="1400530"/>
+          </a:xfrm>
+        </p:spPr>
+        <p:txBody>
+          <a:bodyPr>
+            <a:normAutofit/>
+          </a:bodyPr>
+          <a:lstStyle/>
+          <a:p>
+            <a:endParaRPr lang="en-US" dirty="0"/>
+          </a:p>
+        </p:txBody>
+      </p:sp>
+      <p:pic>
+        <p:nvPicPr>
+          <p:cNvPr id="6" name="Content Placeholder 5" descr="Thank You Desi Greeting Card Folded Indian Wedding Thank You - Etsy">
+            <a:extLst>
+              <a:ext uri="{FF2B5EF4-FFF2-40B4-BE49-F238E27FC236}">
+                <a16:creationId xmlns:a16="http://schemas.microsoft.com/office/drawing/2014/main" id="{CBAE0572-F33D-0B9F-5F04-A2198E8F3361}"/>
+              </a:ext>
+            </a:extLst>
+          </p:cNvPr>
+          <p:cNvPicPr>
+            <a:picLocks noGrp="1" noChangeAspect="1"/>
+          </p:cNvPicPr>
+          <p:nvPr>
+            <p:ph idx="1"/>
+          </p:nvPr>
+        </p:nvPicPr>
+        <p:blipFill>
+          <a:blip r:embed="rId3"/>
+          <a:stretch>
+            <a:fillRect/>
+          </a:stretch>
+        </p:blipFill>
+        <p:spPr>
+          <a:xfrm>
+            <a:off x="330366" y="327355"/>
+            <a:ext cx="1643781" cy="1650970"/>
+          </a:xfrm>
+        </p:spPr>
+      </p:pic>
+    </p:spTree>
+    <p:extLst>
+      <p:ext uri="{BB962C8B-B14F-4D97-AF65-F5344CB8AC3E}">
+        <p14:creationId xmlns:p14="http://schemas.microsoft.com/office/powerpoint/2010/main" val="827992679"/>
+      </p:ext>
+    </p:extLst>
+  </p:cSld>
+  <p:clrMapOvr>
+    <a:masterClrMapping/>
+  </p:clrMapOvr>
+</p:sld>
+</file>
+
+<file path=ppt/slides/slide2.xml><?xml version="1.0" encoding="utf-8"?>
+<p:sld xmlns:a="http://schemas.openxmlformats.org/drawingml/2006/main" xmlns:r="http://schemas.openxmlformats.org/officeDocument/2006/relationships" xmlns:p="http://schemas.openxmlformats.org/presentationml/2006/main">
+  <p:cSld>
+    <p:bg>
+      <p:bgPr>
+        <a:blipFill rotWithShape="1">
+          <a:blip r:embed="rId2">
+            <a:duotone>
+              <a:schemeClr val="bg2">
+                <a:shade val="69000"/>
+                <a:hueMod val="108000"/>
+                <a:satMod val="164000"/>
+                <a:lumMod val="74000"/>
+              </a:schemeClr>
+              <a:schemeClr val="bg2">
+                <a:tint val="96000"/>
+                <a:hueMod val="88000"/>
+                <a:satMod val="140000"/>
+                <a:lumMod val="132000"/>
+              </a:schemeClr>
+            </a:duotone>
+          </a:blip>
+          <a:stretch/>
+        </a:blipFill>
+        <a:effectLst/>
+      </p:bgPr>
+    </p:bg>
+    <p:spTree>
+      <p:nvGrpSpPr>
+        <p:cNvPr id="1" name=""/>
+        <p:cNvGrpSpPr/>
+        <p:nvPr/>
+      </p:nvGrpSpPr>
+      <p:grpSpPr>
+        <a:xfrm>
+          <a:off x="0" y="0"/>
+          <a:ext cx="0" cy="0"/>
+          <a:chOff x="0" y="0"/>
+          <a:chExt cx="0" cy="0"/>
+        </a:xfrm>
+      </p:grpSpPr>
       <p:sp>
         <p:nvSpPr>
           <p:cNvPr id="2" name="Title 1"/>
@@ -4018,17 +8204,20 @@
             <p:ph type="title"/>
           </p:nvPr>
         </p:nvSpPr>
-        <p:spPr/>
-        <p:txBody>
-          <a:bodyPr/>
+        <p:spPr>
+          <a:xfrm>
+            <a:off x="5555551" y="327341"/>
+            <a:ext cx="4767471" cy="1641986"/>
+          </a:xfrm>
+        </p:spPr>
+        <p:txBody>
+          <a:bodyPr>
+            <a:normAutofit/>
+          </a:bodyPr>
           <a:lstStyle/>
           <a:p>
-            <a:pPr algn="ctr"/>
-            <a:r>
-              <a:rPr lang="en-US" sz="4500">
-                <a:solidFill>
-                  <a:schemeClr val="tx1"/>
-                </a:solidFill>
+            <a:r>
+              <a:rPr lang="en-US">
                 <a:effectLst>
                   <a:outerShdw blurRad="38100" dist="19050" dir="2700000" algn="tl" rotWithShape="0">
                     <a:schemeClr val="dk1">
@@ -4040,26 +8229,562 @@
                 <a:latin typeface="Times New Roman Regular" panose="02020603050405020304" charset="0"/>
                 <a:cs typeface="Times New Roman Regular" panose="02020603050405020304" charset="0"/>
               </a:rPr>
+              <a:t>ABOUT DATA</a:t>
+            </a:r>
+          </a:p>
+        </p:txBody>
+      </p:sp>
+      <p:pic>
+        <p:nvPicPr>
+          <p:cNvPr id="5" name="Picture 4" descr="Programming data on computer monitor">
+            <a:extLst>
+              <a:ext uri="{FF2B5EF4-FFF2-40B4-BE49-F238E27FC236}">
+                <a16:creationId xmlns:a16="http://schemas.microsoft.com/office/drawing/2014/main" id="{D2326048-6C8E-E654-1DB5-EF5D497858D0}"/>
+              </a:ext>
+            </a:extLst>
+          </p:cNvPr>
+          <p:cNvPicPr>
+            <a:picLocks noChangeAspect="1"/>
+          </p:cNvPicPr>
+          <p:nvPr/>
+        </p:nvPicPr>
+        <p:blipFill rotWithShape="1">
+          <a:blip r:embed="rId3"/>
+          <a:srcRect l="45695" r="9261" b="-3"/>
+          <a:stretch/>
+        </p:blipFill>
+        <p:spPr>
+          <a:xfrm>
+            <a:off x="-1" y="10"/>
+            <a:ext cx="4634680" cy="6857990"/>
+          </a:xfrm>
+          <a:prstGeom prst="rect">
+            <a:avLst/>
+          </a:prstGeom>
+        </p:spPr>
+      </p:pic>
+      <p:sp>
+        <p:nvSpPr>
+          <p:cNvPr id="3" name="Content Placeholder 2"/>
+          <p:cNvSpPr>
+            <a:spLocks noGrp="1"/>
+          </p:cNvSpPr>
+          <p:nvPr>
+            <p:ph idx="1"/>
+          </p:nvPr>
+        </p:nvSpPr>
+        <p:spPr>
+          <a:xfrm>
+            <a:off x="5282381" y="1920815"/>
+            <a:ext cx="4767471" cy="3809999"/>
+          </a:xfrm>
+        </p:spPr>
+        <p:txBody>
+          <a:bodyPr vert="horz" lIns="91440" tIns="45720" rIns="91440" bIns="45720" rtlCol="0" anchor="t">
+            <a:noAutofit/>
+          </a:bodyPr>
+          <a:lstStyle/>
+          <a:p>
+            <a:pPr>
+              <a:lnSpc>
+                <a:spcPct val="90000"/>
+              </a:lnSpc>
+            </a:pPr>
+            <a:r>
+              <a:rPr lang="en-US" sz="1500" dirty="0">
+                <a:latin typeface="Times New Roman Regular"/>
+                <a:cs typeface="Times New Roman Regular" panose="02020603050405020304" charset="0"/>
+              </a:rPr>
+              <a:t>The dataset encompasses shopping data from 10 distinct shopping malls in Istanbul between 2021 and 2023.</a:t>
+            </a:r>
+          </a:p>
+          <a:p>
+            <a:pPr>
+              <a:lnSpc>
+                <a:spcPct val="90000"/>
+              </a:lnSpc>
+            </a:pPr>
+            <a:r>
+              <a:rPr lang="en-US" sz="1500" dirty="0">
+                <a:latin typeface="Times New Roman Regular"/>
+                <a:cs typeface="Times New Roman Regular" panose="02020603050405020304" charset="0"/>
+              </a:rPr>
+              <a:t>It includes information gathered from various age groups and genders to provide a comprehensive view of shopping habits in the city.</a:t>
+            </a:r>
+          </a:p>
+          <a:p>
+            <a:pPr>
+              <a:lnSpc>
+                <a:spcPct val="90000"/>
+              </a:lnSpc>
+            </a:pPr>
+            <a:r>
+              <a:rPr lang="en-US" sz="1500" dirty="0">
+                <a:latin typeface="Times New Roman Regular"/>
+                <a:cs typeface="Times New Roman Regular" panose="02020603050405020304" charset="0"/>
+              </a:rPr>
+              <a:t>Key data points within the dataset consist of invoice numbers, customer IDs, age groups, genders, payment methods, product categories, quantities, prices, order dates, and shopping mall locations.</a:t>
+            </a:r>
+          </a:p>
+          <a:p>
+            <a:pPr>
+              <a:lnSpc>
+                <a:spcPct val="90000"/>
+              </a:lnSpc>
+            </a:pPr>
+            <a:r>
+              <a:rPr lang="en-US" sz="1500" dirty="0">
+                <a:latin typeface="Times New Roman Regular"/>
+                <a:cs typeface="Times New Roman Regular" panose="02020603050405020304" charset="0"/>
+              </a:rPr>
+              <a:t>This dataset is aimed at serving as a valuable resource for researchers, data analysts, and machine learning enthusiasts interested in exploring shopping trends and patterns specific to Istanbul.</a:t>
+            </a:r>
+          </a:p>
+          <a:p>
+            <a:pPr>
+              <a:lnSpc>
+                <a:spcPct val="90000"/>
+              </a:lnSpc>
+            </a:pPr>
+            <a:r>
+              <a:rPr lang="en-US" sz="1500" dirty="0">
+                <a:latin typeface="Times New Roman Regular"/>
+                <a:cs typeface="Times New Roman Regular" panose="02020603050405020304" charset="0"/>
+              </a:rPr>
+              <a:t>Researchers and analysts can leverage this dataset to gain insights into the diverse shopping behaviors prevalent in Istanbul over the specified period.</a:t>
+            </a:r>
+          </a:p>
+        </p:txBody>
+      </p:sp>
+    </p:spTree>
+  </p:cSld>
+  <p:clrMapOvr>
+    <a:masterClrMapping/>
+  </p:clrMapOvr>
+</p:sld>
+</file>
+
+<file path=ppt/slides/slide3.xml><?xml version="1.0" encoding="utf-8"?>
+<p:sld xmlns:a="http://schemas.openxmlformats.org/drawingml/2006/main" xmlns:r="http://schemas.openxmlformats.org/officeDocument/2006/relationships" xmlns:p="http://schemas.openxmlformats.org/presentationml/2006/main">
+  <p:cSld>
+    <p:bg>
+      <p:bgPr>
+        <a:blipFill rotWithShape="1">
+          <a:blip r:embed="rId2">
+            <a:duotone>
+              <a:schemeClr val="bg2">
+                <a:shade val="69000"/>
+                <a:hueMod val="108000"/>
+                <a:satMod val="164000"/>
+                <a:lumMod val="74000"/>
+              </a:schemeClr>
+              <a:schemeClr val="bg2">
+                <a:tint val="96000"/>
+                <a:hueMod val="88000"/>
+                <a:satMod val="140000"/>
+                <a:lumMod val="132000"/>
+              </a:schemeClr>
+            </a:duotone>
+          </a:blip>
+          <a:stretch/>
+        </a:blipFill>
+        <a:effectLst/>
+      </p:bgPr>
+    </p:bg>
+    <p:spTree>
+      <p:nvGrpSpPr>
+        <p:cNvPr id="1" name=""/>
+        <p:cNvGrpSpPr/>
+        <p:nvPr/>
+      </p:nvGrpSpPr>
+      <p:grpSpPr>
+        <a:xfrm>
+          <a:off x="0" y="0"/>
+          <a:ext cx="0" cy="0"/>
+          <a:chOff x="0" y="0"/>
+          <a:chExt cx="0" cy="0"/>
+        </a:xfrm>
+      </p:grpSpPr>
+      <p:pic>
+        <p:nvPicPr>
+          <p:cNvPr id="10" name="Picture 9">
+            <a:extLst>
+              <a:ext uri="{FF2B5EF4-FFF2-40B4-BE49-F238E27FC236}">
+                <a16:creationId xmlns:a16="http://schemas.microsoft.com/office/drawing/2014/main" id="{412E3267-7ABE-412B-8580-47EC0D1F61FE}"/>
+              </a:ext>
+              <a:ext uri="{C183D7F6-B498-43B3-948B-1728B52AA6E4}">
+                <adec:decorative xmlns:adec="http://schemas.microsoft.com/office/drawing/2017/decorative" val="1"/>
+              </a:ext>
+            </a:extLst>
+          </p:cNvPr>
+          <p:cNvPicPr>
+            <a:picLocks noGrp="1" noRot="1" noChangeAspect="1" noMove="1" noResize="1" noEditPoints="1" noAdjustHandles="1" noChangeArrowheads="1" noChangeShapeType="1" noCrop="1"/>
+          </p:cNvPicPr>
+          <p:nvPr>
+            <p:extLst>
+              <p:ext uri="{386F3935-93C4-4BCD-93E2-E3B085C9AB24}">
+                <p16:designElem xmlns:p16="http://schemas.microsoft.com/office/powerpoint/2015/main" val="1"/>
+              </p:ext>
+            </p:extLst>
+          </p:nvPr>
+        </p:nvPicPr>
+        <p:blipFill rotWithShape="1">
+          <a:blip r:embed="rId3">
+            <a:extLst>
+              <a:ext uri="{28A0092B-C50C-407E-A947-70E740481C1C}">
+                <a14:useLocalDpi xmlns:a14="http://schemas.microsoft.com/office/drawing/2010/main" val="0"/>
+              </a:ext>
+            </a:extLst>
+          </a:blip>
+          <a:srcRect l="3613"/>
+          <a:stretch/>
+        </p:blipFill>
+        <p:spPr>
+          <a:xfrm>
+            <a:off x="0" y="2669685"/>
+            <a:ext cx="4037012" cy="4188315"/>
+          </a:xfrm>
+          <a:prstGeom prst="rect">
+            <a:avLst/>
+          </a:prstGeom>
+        </p:spPr>
+      </p:pic>
+      <p:pic>
+        <p:nvPicPr>
+          <p:cNvPr id="12" name="Picture 11">
+            <a:extLst>
+              <a:ext uri="{FF2B5EF4-FFF2-40B4-BE49-F238E27FC236}">
+                <a16:creationId xmlns:a16="http://schemas.microsoft.com/office/drawing/2014/main" id="{20B62C5A-2250-4380-AB23-DB87446CCED0}"/>
+              </a:ext>
+              <a:ext uri="{C183D7F6-B498-43B3-948B-1728B52AA6E4}">
+                <adec:decorative xmlns:adec="http://schemas.microsoft.com/office/drawing/2017/decorative" val="1"/>
+              </a:ext>
+            </a:extLst>
+          </p:cNvPr>
+          <p:cNvPicPr>
+            <a:picLocks noGrp="1" noRot="1" noChangeAspect="1" noMove="1" noResize="1" noEditPoints="1" noAdjustHandles="1" noChangeArrowheads="1" noChangeShapeType="1" noCrop="1"/>
+          </p:cNvPicPr>
+          <p:nvPr>
+            <p:extLst>
+              <p:ext uri="{386F3935-93C4-4BCD-93E2-E3B085C9AB24}">
+                <p16:designElem xmlns:p16="http://schemas.microsoft.com/office/powerpoint/2015/main" val="1"/>
+              </p:ext>
+            </p:extLst>
+          </p:nvPr>
+        </p:nvPicPr>
+        <p:blipFill rotWithShape="1">
+          <a:blip r:embed="rId4">
+            <a:extLst>
+              <a:ext uri="{28A0092B-C50C-407E-A947-70E740481C1C}">
+                <a14:useLocalDpi xmlns:a14="http://schemas.microsoft.com/office/drawing/2010/main" val="0"/>
+              </a:ext>
+            </a:extLst>
+          </a:blip>
+          <a:srcRect l="35640"/>
+          <a:stretch/>
+        </p:blipFill>
+        <p:spPr>
+          <a:xfrm>
+            <a:off x="0" y="2892347"/>
+            <a:ext cx="1522412" cy="2365453"/>
+          </a:xfrm>
+          <a:prstGeom prst="rect">
+            <a:avLst/>
+          </a:prstGeom>
+        </p:spPr>
+      </p:pic>
+      <p:sp>
+        <p:nvSpPr>
+          <p:cNvPr id="14" name="Oval 13">
+            <a:extLst>
+              <a:ext uri="{FF2B5EF4-FFF2-40B4-BE49-F238E27FC236}">
+                <a16:creationId xmlns:a16="http://schemas.microsoft.com/office/drawing/2014/main" id="{D42CF425-7213-4F89-B0FF-4C2BDDD9C680}"/>
+              </a:ext>
+              <a:ext uri="{C183D7F6-B498-43B3-948B-1728B52AA6E4}">
+                <adec:decorative xmlns:adec="http://schemas.microsoft.com/office/drawing/2017/decorative" val="1"/>
+              </a:ext>
+            </a:extLst>
+          </p:cNvPr>
+          <p:cNvSpPr>
+            <a:spLocks noGrp="1" noRot="1" noChangeAspect="1" noMove="1" noResize="1" noEditPoints="1" noAdjustHandles="1" noChangeArrowheads="1" noChangeShapeType="1" noTextEdit="1"/>
+          </p:cNvSpPr>
+          <p:nvPr>
+            <p:extLst>
+              <p:ext uri="{386F3935-93C4-4BCD-93E2-E3B085C9AB24}">
+                <p16:designElem xmlns:p16="http://schemas.microsoft.com/office/powerpoint/2015/main" val="1"/>
+              </p:ext>
+            </p:extLst>
+          </p:nvPr>
+        </p:nvSpPr>
+        <p:spPr>
+          <a:xfrm>
+            <a:off x="8609012" y="1676400"/>
+            <a:ext cx="2819400" cy="2819400"/>
+          </a:xfrm>
+          <a:prstGeom prst="ellipse">
+            <a:avLst/>
+          </a:prstGeom>
+          <a:gradFill flip="none" rotWithShape="1">
+            <a:gsLst>
+              <a:gs pos="0">
+                <a:schemeClr val="bg2">
+                  <a:lumMod val="60000"/>
+                  <a:lumOff val="40000"/>
+                  <a:alpha val="7000"/>
+                </a:schemeClr>
+              </a:gs>
+              <a:gs pos="69000">
+                <a:schemeClr val="bg2">
+                  <a:lumMod val="60000"/>
+                  <a:lumOff val="40000"/>
+                  <a:alpha val="0"/>
+                </a:schemeClr>
+              </a:gs>
+              <a:gs pos="36000">
+                <a:schemeClr val="bg2">
+                  <a:lumMod val="60000"/>
+                  <a:lumOff val="40000"/>
+                  <a:alpha val="6000"/>
+                </a:schemeClr>
+              </a:gs>
+            </a:gsLst>
+            <a:path path="circle">
+              <a:fillToRect l="50000" t="50000" r="50000" b="50000"/>
+            </a:path>
+            <a:tileRect/>
+          </a:gradFill>
+          <a:ln>
+            <a:noFill/>
+          </a:ln>
+          <a:effectLst/>
+        </p:spPr>
+        <p:style>
+          <a:lnRef idx="1">
+            <a:schemeClr val="accent1"/>
+          </a:lnRef>
+          <a:fillRef idx="3">
+            <a:schemeClr val="accent1"/>
+          </a:fillRef>
+          <a:effectRef idx="2">
+            <a:schemeClr val="accent1"/>
+          </a:effectRef>
+          <a:fontRef idx="minor">
+            <a:schemeClr val="lt1"/>
+          </a:fontRef>
+        </p:style>
+      </p:sp>
+      <p:pic>
+        <p:nvPicPr>
+          <p:cNvPr id="16" name="Picture 15">
+            <a:extLst>
+              <a:ext uri="{FF2B5EF4-FFF2-40B4-BE49-F238E27FC236}">
+                <a16:creationId xmlns:a16="http://schemas.microsoft.com/office/drawing/2014/main" id="{D35DA97D-88F8-4249-B650-4FC9FD50A382}"/>
+              </a:ext>
+              <a:ext uri="{C183D7F6-B498-43B3-948B-1728B52AA6E4}">
+                <adec:decorative xmlns:adec="http://schemas.microsoft.com/office/drawing/2017/decorative" val="1"/>
+              </a:ext>
+            </a:extLst>
+          </p:cNvPr>
+          <p:cNvPicPr>
+            <a:picLocks noGrp="1" noRot="1" noChangeAspect="1" noMove="1" noResize="1" noEditPoints="1" noAdjustHandles="1" noChangeArrowheads="1" noChangeShapeType="1" noCrop="1"/>
+          </p:cNvPicPr>
+          <p:nvPr>
+            <p:extLst>
+              <p:ext uri="{386F3935-93C4-4BCD-93E2-E3B085C9AB24}">
+                <p16:designElem xmlns:p16="http://schemas.microsoft.com/office/powerpoint/2015/main" val="1"/>
+              </p:ext>
+            </p:extLst>
+          </p:nvPr>
+        </p:nvPicPr>
+        <p:blipFill rotWithShape="1">
+          <a:blip r:embed="rId5">
+            <a:extLst>
+              <a:ext uri="{28A0092B-C50C-407E-A947-70E740481C1C}">
+                <a14:useLocalDpi xmlns:a14="http://schemas.microsoft.com/office/drawing/2010/main" val="0"/>
+              </a:ext>
+            </a:extLst>
+          </a:blip>
+          <a:srcRect t="28813"/>
+          <a:stretch/>
+        </p:blipFill>
+        <p:spPr>
+          <a:xfrm>
+            <a:off x="7999412" y="0"/>
+            <a:ext cx="1603387" cy="1141407"/>
+          </a:xfrm>
+          <a:prstGeom prst="rect">
+            <a:avLst/>
+          </a:prstGeom>
+        </p:spPr>
+      </p:pic>
+      <p:pic>
+        <p:nvPicPr>
+          <p:cNvPr id="18" name="Picture 17">
+            <a:extLst>
+              <a:ext uri="{FF2B5EF4-FFF2-40B4-BE49-F238E27FC236}">
+                <a16:creationId xmlns:a16="http://schemas.microsoft.com/office/drawing/2014/main" id="{43F38673-6E30-4BAE-AC67-0B283EBF4291}"/>
+              </a:ext>
+              <a:ext uri="{C183D7F6-B498-43B3-948B-1728B52AA6E4}">
+                <adec:decorative xmlns:adec="http://schemas.microsoft.com/office/drawing/2017/decorative" val="1"/>
+              </a:ext>
+            </a:extLst>
+          </p:cNvPr>
+          <p:cNvPicPr>
+            <a:picLocks noGrp="1" noRot="1" noChangeAspect="1" noMove="1" noResize="1" noEditPoints="1" noAdjustHandles="1" noChangeArrowheads="1" noChangeShapeType="1" noCrop="1"/>
+          </p:cNvPicPr>
+          <p:nvPr>
+            <p:extLst>
+              <p:ext uri="{386F3935-93C4-4BCD-93E2-E3B085C9AB24}">
+                <p16:designElem xmlns:p16="http://schemas.microsoft.com/office/powerpoint/2015/main" val="1"/>
+              </p:ext>
+            </p:extLst>
+          </p:nvPr>
+        </p:nvPicPr>
+        <p:blipFill rotWithShape="1">
+          <a:blip r:embed="rId6">
+            <a:extLst>
+              <a:ext uri="{28A0092B-C50C-407E-A947-70E740481C1C}">
+                <a14:useLocalDpi xmlns:a14="http://schemas.microsoft.com/office/drawing/2010/main" val="0"/>
+              </a:ext>
+            </a:extLst>
+          </a:blip>
+          <a:srcRect b="23320"/>
+          <a:stretch/>
+        </p:blipFill>
+        <p:spPr>
+          <a:xfrm>
+            <a:off x="8605878" y="6096000"/>
+            <a:ext cx="993734" cy="762000"/>
+          </a:xfrm>
+          <a:prstGeom prst="rect">
+            <a:avLst/>
+          </a:prstGeom>
+        </p:spPr>
+      </p:pic>
+      <p:sp>
+        <p:nvSpPr>
+          <p:cNvPr id="20" name="Rectangle 19">
+            <a:extLst>
+              <a:ext uri="{FF2B5EF4-FFF2-40B4-BE49-F238E27FC236}">
+                <a16:creationId xmlns:a16="http://schemas.microsoft.com/office/drawing/2014/main" id="{202A25CB-1ED1-4C87-AB49-8D3BC684D1CE}"/>
+              </a:ext>
+              <a:ext uri="{C183D7F6-B498-43B3-948B-1728B52AA6E4}">
+                <adec:decorative xmlns:adec="http://schemas.microsoft.com/office/drawing/2017/decorative" val="1"/>
+              </a:ext>
+            </a:extLst>
+          </p:cNvPr>
+          <p:cNvSpPr>
+            <a:spLocks noGrp="1" noRot="1" noChangeAspect="1" noMove="1" noResize="1" noEditPoints="1" noAdjustHandles="1" noChangeArrowheads="1" noChangeShapeType="1" noTextEdit="1"/>
+          </p:cNvSpPr>
+          <p:nvPr>
+            <p:extLst>
+              <p:ext uri="{386F3935-93C4-4BCD-93E2-E3B085C9AB24}">
+                <p16:designElem xmlns:p16="http://schemas.microsoft.com/office/powerpoint/2015/main" val="1"/>
+              </p:ext>
+            </p:extLst>
+          </p:nvPr>
+        </p:nvSpPr>
+        <p:spPr>
+          <a:xfrm>
+            <a:off x="10437812" y="0"/>
+            <a:ext cx="685800" cy="1143000"/>
+          </a:xfrm>
+          <a:prstGeom prst="rect">
+            <a:avLst/>
+          </a:prstGeom>
+          <a:solidFill>
+            <a:schemeClr val="accent1"/>
+          </a:solidFill>
+          <a:ln>
+            <a:noFill/>
+          </a:ln>
+        </p:spPr>
+        <p:style>
+          <a:lnRef idx="1">
+            <a:schemeClr val="accent1"/>
+          </a:lnRef>
+          <a:fillRef idx="3">
+            <a:schemeClr val="accent1"/>
+          </a:fillRef>
+          <a:effectRef idx="2">
+            <a:schemeClr val="accent1"/>
+          </a:effectRef>
+          <a:fontRef idx="minor">
+            <a:schemeClr val="lt1"/>
+          </a:fontRef>
+        </p:style>
+      </p:sp>
+      <p:sp>
+        <p:nvSpPr>
+          <p:cNvPr id="2" name="Title 1"/>
+          <p:cNvSpPr>
+            <a:spLocks noGrp="1"/>
+          </p:cNvSpPr>
+          <p:nvPr>
+            <p:ph type="title"/>
+          </p:nvPr>
+        </p:nvSpPr>
+        <p:spPr>
+          <a:xfrm>
+            <a:off x="635458" y="4542502"/>
+            <a:ext cx="9181185" cy="1189985"/>
+          </a:xfrm>
+        </p:spPr>
+        <p:txBody>
+          <a:bodyPr vert="horz" lIns="91440" tIns="45720" rIns="91440" bIns="45720" rtlCol="0" anchor="b">
+            <a:normAutofit/>
+          </a:bodyPr>
+          <a:lstStyle/>
+          <a:p>
+            <a:r>
+              <a:rPr lang="en-US" sz="6000">
+                <a:effectLst>
+                  <a:outerShdw blurRad="38100" dist="19050" dir="2700000" algn="tl" rotWithShape="0">
+                    <a:schemeClr val="dk1">
+                      <a:alpha val="40000"/>
+                      <a:alpha val="40000"/>
+                    </a:schemeClr>
+                  </a:outerShdw>
+                </a:effectLst>
+              </a:rPr>
               <a:t>DATA EXPLORATION</a:t>
             </a:r>
-            <a:endParaRPr lang="en-US" sz="4500">
-              <a:solidFill>
-                <a:schemeClr val="tx1"/>
-              </a:solidFill>
-              <a:effectLst>
-                <a:outerShdw blurRad="38100" dist="19050" dir="2700000" algn="tl" rotWithShape="0">
-                  <a:schemeClr val="dk1">
-                    <a:alpha val="40000"/>
-                    <a:alpha val="40000"/>
-                  </a:schemeClr>
-                </a:outerShdw>
-              </a:effectLst>
-              <a:latin typeface="Times New Roman Regular" panose="02020603050405020304" charset="0"/>
-              <a:cs typeface="Times New Roman Regular" panose="02020603050405020304" charset="0"/>
-            </a:endParaRPr>
-          </a:p>
-        </p:txBody>
-      </p:sp>
+          </a:p>
+        </p:txBody>
+      </p:sp>
+      <p:pic>
+        <p:nvPicPr>
+          <p:cNvPr id="4" name="Content Placeholder 3" descr="Screenshot 2023-12-05 at 2.15.47 PM"/>
+          <p:cNvPicPr>
+            <a:picLocks noGrp="1" noChangeAspect="1"/>
+          </p:cNvPicPr>
+          <p:nvPr>
+            <p:ph idx="1"/>
+          </p:nvPr>
+        </p:nvPicPr>
+        <p:blipFill>
+          <a:blip r:embed="rId7"/>
+          <a:stretch>
+            <a:fillRect/>
+          </a:stretch>
+        </p:blipFill>
+        <p:spPr>
+          <a:xfrm>
+            <a:off x="635457" y="908751"/>
+            <a:ext cx="4426563" cy="3065393"/>
+          </a:xfrm>
+          <a:prstGeom prst="rect">
+            <a:avLst/>
+          </a:prstGeom>
+          <a:effectLst>
+            <a:outerShdw blurRad="50800" dist="38100" dir="5400000" algn="t" rotWithShape="0">
+              <a:prstClr val="black">
+                <a:alpha val="43000"/>
+              </a:prstClr>
+            </a:outerShdw>
+          </a:effectLst>
+        </p:spPr>
+      </p:pic>
       <p:pic>
         <p:nvPicPr>
           <p:cNvPr id="5" name="Picture 4" descr="Screenshot 2023-12-05 at 2.17.03 PM"/>
@@ -4069,45 +8794,26 @@
           <p:nvPr/>
         </p:nvPicPr>
         <p:blipFill>
-          <a:blip r:embed="rId1"/>
+          <a:blip r:embed="rId8"/>
           <a:stretch>
             <a:fillRect/>
           </a:stretch>
         </p:blipFill>
         <p:spPr>
           <a:xfrm>
-            <a:off x="5871210" y="1806575"/>
-            <a:ext cx="5604510" cy="3724910"/>
+            <a:off x="5383754" y="944435"/>
+            <a:ext cx="4426563" cy="2987929"/>
           </a:xfrm>
           <a:prstGeom prst="rect">
             <a:avLst/>
           </a:prstGeom>
-        </p:spPr>
-      </p:pic>
-      <p:pic>
-        <p:nvPicPr>
-          <p:cNvPr id="4" name="Content Placeholder 3" descr="Screenshot 2023-12-05 at 2.15.47 PM"/>
-          <p:cNvPicPr>
-            <a:picLocks noGrp="1" noChangeAspect="1"/>
-          </p:cNvPicPr>
-          <p:nvPr>
-            <p:ph idx="1"/>
-          </p:nvPr>
-        </p:nvPicPr>
-        <p:blipFill>
-          <a:blip r:embed="rId2"/>
-          <a:stretch>
-            <a:fillRect/>
-          </a:stretch>
-        </p:blipFill>
-        <p:spPr>
-          <a:xfrm>
-            <a:off x="237490" y="1806575"/>
-            <a:ext cx="6013450" cy="4168775"/>
-          </a:xfrm>
-          <a:prstGeom prst="rect">
-            <a:avLst/>
-          </a:prstGeom>
+          <a:effectLst>
+            <a:outerShdw blurRad="50800" dist="38100" dir="5400000" algn="t" rotWithShape="0">
+              <a:prstClr val="black">
+                <a:alpha val="43000"/>
+              </a:prstClr>
+            </a:outerShdw>
+          </a:effectLst>
         </p:spPr>
       </p:pic>
     </p:spTree>
@@ -4182,7 +8888,7 @@
           </p:nvPr>
         </p:nvPicPr>
         <p:blipFill>
-          <a:blip r:embed="rId1"/>
+          <a:blip r:embed="rId2"/>
           <a:stretch>
             <a:fillRect/>
           </a:stretch>
@@ -4206,15 +8912,15 @@
           <p:nvPr/>
         </p:nvPicPr>
         <p:blipFill>
-          <a:blip r:embed="rId2"/>
+          <a:blip r:embed="rId3"/>
           <a:stretch>
             <a:fillRect/>
           </a:stretch>
         </p:blipFill>
         <p:spPr>
           <a:xfrm>
-            <a:off x="6231255" y="1896745"/>
-            <a:ext cx="5122545" cy="3192145"/>
+            <a:off x="6323965" y="1896745"/>
+            <a:ext cx="5567045" cy="3659505"/>
           </a:xfrm>
           <a:prstGeom prst="rect">
             <a:avLst/>
@@ -4287,21 +8993,6 @@
               </a:rPr>
               <a:t>   ASSOCIATION RULE</a:t>
             </a:r>
-            <a:endParaRPr lang="en-US" sz="4500" dirty="0">
-              <a:solidFill>
-                <a:schemeClr val="tx1"/>
-              </a:solidFill>
-              <a:effectLst>
-                <a:outerShdw blurRad="38100" dist="19050" dir="2700000" algn="tl" rotWithShape="0">
-                  <a:schemeClr val="dk1">
-                    <a:alpha val="40000"/>
-                    <a:alpha val="40000"/>
-                  </a:schemeClr>
-                </a:outerShdw>
-              </a:effectLst>
-              <a:latin typeface="Times New Roman Regular" panose="02020603050405020304" charset="0"/>
-              <a:cs typeface="Times New Roman Regular" panose="02020603050405020304" charset="0"/>
-            </a:endParaRPr>
           </a:p>
         </p:txBody>
       </p:sp>
@@ -4312,7 +9003,7 @@
             <a:spLocks noGrp="1"/>
           </p:cNvSpPr>
           <p:nvPr>
-            <p:ph sz="half" idx="2"/>
+            <p:ph sz="half" idx="1"/>
           </p:nvPr>
         </p:nvSpPr>
         <p:spPr>
@@ -4370,10 +9061,6 @@
               </a:rPr>
               <a:t>, and Mall of Istanbul show significant connections with customers buying clothing items.</a:t>
             </a:r>
-            <a:endParaRPr lang="en-US" sz="1800" dirty="0">
-              <a:latin typeface="Times New Roman" panose="02020603050405020304" pitchFamily="18" charset="0"/>
-              <a:cs typeface="Times New Roman" panose="02020603050405020304" pitchFamily="18" charset="0"/>
-            </a:endParaRPr>
           </a:p>
           <a:p>
             <a:pPr algn="just"/>
@@ -4405,10 +9092,6 @@
               </a:rPr>
               <a:t>There's a notable preference for payment methods when purchasing clothing. Debit cards emerge as a favored payment mode among customers.</a:t>
             </a:r>
-            <a:endParaRPr lang="en-US" sz="1800" dirty="0">
-              <a:latin typeface="Times New Roman" panose="02020603050405020304" pitchFamily="18" charset="0"/>
-              <a:cs typeface="Times New Roman" panose="02020603050405020304" pitchFamily="18" charset="0"/>
-            </a:endParaRPr>
           </a:p>
           <a:p>
             <a:pPr algn="just"/>
@@ -4426,10 +9109,6 @@
               </a:rPr>
               <a:t>: Patterns in the quantity of clothing items bought (e.g., 1-2 items) and their price ranges (e.g., $81.3 to $900) shed light on customer preferences and spending habits.</a:t>
             </a:r>
-            <a:endParaRPr lang="en-US" sz="1800" dirty="0">
-              <a:latin typeface="Times New Roman" panose="02020603050405020304" pitchFamily="18" charset="0"/>
-              <a:cs typeface="Times New Roman" panose="02020603050405020304" pitchFamily="18" charset="0"/>
-            </a:endParaRPr>
           </a:p>
         </p:txBody>
       </p:sp>
@@ -4442,7 +9121,7 @@
           <p:nvPr/>
         </p:nvPicPr>
         <p:blipFill>
-          <a:blip r:embed="rId1"/>
+          <a:blip r:embed="rId2"/>
           <a:stretch>
             <a:fillRect/>
           </a:stretch>
@@ -4493,10 +9172,6 @@
               </a:rPr>
               <a:t>          Maximal Rules associated with Clothing category</a:t>
             </a:r>
-            <a:endParaRPr lang="en-US" b="1" dirty="0">
-              <a:latin typeface="Times New Roman Bold" panose="02020603050405020304" charset="0"/>
-              <a:cs typeface="Times New Roman Bold" panose="02020603050405020304" charset="0"/>
-            </a:endParaRPr>
           </a:p>
         </p:txBody>
       </p:sp>
@@ -4545,6 +9220,7 @@
           <a:bodyPr>
             <a:normAutofit fontScale="90000"/>
           </a:bodyPr>
+          <a:lstStyle/>
           <a:p>
             <a:pPr algn="ctr"/>
             <a:r>
@@ -4596,8 +9272,8 @@
         </p:nvSpPr>
         <p:spPr>
           <a:xfrm>
-            <a:off x="6194425" y="1866265"/>
-            <a:ext cx="4912360" cy="4718050"/>
+            <a:off x="6647671" y="1866900"/>
+            <a:ext cx="4911725" cy="4718050"/>
           </a:xfrm>
         </p:spPr>
         <p:txBody>
@@ -4649,10 +9325,6 @@
               </a:rPr>
               <a:t> Park, and Metropol AVM indicate a significant correlation with female shoppers, portraying preferences among this demographic for these malls.</a:t>
             </a:r>
-            <a:endParaRPr lang="en-US" sz="1800" dirty="0">
-              <a:latin typeface="Times New Roman" panose="02020603050405020304" pitchFamily="18" charset="0"/>
-              <a:cs typeface="Times New Roman" panose="02020603050405020304" pitchFamily="18" charset="0"/>
-            </a:endParaRPr>
           </a:p>
           <a:p>
             <a:pPr algn="just"/>
@@ -4670,10 +9342,6 @@
               </a:rPr>
               <a:t>: Female customers exhibit a distinct preference for payment methods. Debit cards emerge prominently as the favored payment mode among female shoppers.</a:t>
             </a:r>
-            <a:endParaRPr lang="en-US" sz="1800" dirty="0">
-              <a:latin typeface="Times New Roman" panose="02020603050405020304" pitchFamily="18" charset="0"/>
-              <a:cs typeface="Times New Roman" panose="02020603050405020304" pitchFamily="18" charset="0"/>
-            </a:endParaRPr>
           </a:p>
           <a:p>
             <a:pPr algn="just"/>
@@ -4691,10 +9359,6 @@
               </a:rPr>
               <a:t>: The analysis highlights particular age groups within females that show consistent associations with shopping patterns. Females between 18-35, 35-52, and 52-69 exhibit diverse preferences in purchasing behavior, especially in terms of item categories and price ranges.</a:t>
             </a:r>
-            <a:endParaRPr lang="en-US" sz="1800" dirty="0">
-              <a:latin typeface="Times New Roman" panose="02020603050405020304" pitchFamily="18" charset="0"/>
-              <a:cs typeface="Times New Roman" panose="02020603050405020304" pitchFamily="18" charset="0"/>
-            </a:endParaRPr>
           </a:p>
           <a:p>
             <a:pPr algn="just"/>
@@ -4712,10 +9376,6 @@
               </a:rPr>
               <a:t>: Female shoppers exhibit strong associations with specific categories such as Clothing, Shoes, Toys, Cosmetics, and Food &amp; Beverage, showcasing distinct preferences for these product categories.</a:t>
             </a:r>
-            <a:endParaRPr lang="en-US" sz="1800" dirty="0">
-              <a:latin typeface="Times New Roman" panose="02020603050405020304" pitchFamily="18" charset="0"/>
-              <a:cs typeface="Times New Roman" panose="02020603050405020304" pitchFamily="18" charset="0"/>
-            </a:endParaRPr>
           </a:p>
         </p:txBody>
       </p:sp>
@@ -4728,7 +9388,7 @@
           <p:nvPr/>
         </p:nvPicPr>
         <p:blipFill>
-          <a:blip r:embed="rId1"/>
+          <a:blip r:embed="rId2"/>
           <a:stretch>
             <a:fillRect/>
           </a:stretch>
@@ -4763,6 +9423,7 @@
           <a:bodyPr wrap="none" rtlCol="0">
             <a:spAutoFit/>
           </a:bodyPr>
+          <a:lstStyle/>
           <a:p>
             <a:pPr algn="l"/>
             <a:r>
@@ -4826,6 +9487,7 @@
               <a:lightRig rig="threePt" dir="t"/>
             </a:scene3d>
           </a:bodyPr>
+          <a:lstStyle/>
           <a:p>
             <a:pPr algn="ctr"/>
             <a:r>
@@ -4897,7 +9559,7 @@
         </p:nvSpPr>
         <p:spPr>
           <a:xfrm>
-            <a:off x="6243320" y="2013585"/>
+            <a:off x="6236131" y="1641942"/>
             <a:ext cx="5110480" cy="4258310"/>
           </a:xfrm>
         </p:spPr>
@@ -4922,10 +9584,6 @@
               </a:rPr>
               <a:t>Certain categories like Books, Technology, and Souvenir are associated with specific price ranges (e.g., Books tend to be within the price range of 5.23 to 81.3)</a:t>
             </a:r>
-            <a:endParaRPr lang="en-US" sz="1500" dirty="0">
-              <a:latin typeface="Times New Roman" panose="02020603050405020304" pitchFamily="18" charset="0"/>
-              <a:cs typeface="Times New Roman" panose="02020603050405020304" pitchFamily="18" charset="0"/>
-            </a:endParaRPr>
           </a:p>
           <a:p>
             <a:pPr algn="just"/>
@@ -4957,10 +9615,6 @@
               </a:rPr>
               <a:t> Park, there's a higher tendency for female shoppers.</a:t>
             </a:r>
-            <a:endParaRPr lang="en-US" sz="1500" dirty="0">
-              <a:latin typeface="Times New Roman" panose="02020603050405020304" pitchFamily="18" charset="0"/>
-              <a:cs typeface="Times New Roman" panose="02020603050405020304" pitchFamily="18" charset="0"/>
-            </a:endParaRPr>
           </a:p>
           <a:p>
             <a:pPr algn="just"/>
@@ -4978,10 +9632,6 @@
               </a:rPr>
               <a:t>Shoes and Toys categories have associations with price ranges and gender. Females tend to purchase Shoes within the price range of 900 to 5250 and Toys within the price range of 81.3 to 900</a:t>
             </a:r>
-            <a:endParaRPr lang="en-US" sz="1500" dirty="0">
-              <a:latin typeface="Times New Roman" panose="02020603050405020304" pitchFamily="18" charset="0"/>
-              <a:cs typeface="Times New Roman" panose="02020603050405020304" pitchFamily="18" charset="0"/>
-            </a:endParaRPr>
           </a:p>
           <a:p>
             <a:pPr algn="just"/>
@@ -4999,10 +9649,6 @@
               </a:rPr>
               <a:t>Different age groups exhibit distinct shopping patterns. For instance, individuals aged 18 to 35 are inclined towards Clothing within the price range of 900 to 5250, while those aged 52 to 69 exhibit a similar preference but with a wider price range of 81.3 to 900. Moreover, certain age groups, like 35 to 52, exhibit preferences for Food &amp; Beverage within a specific price range.</a:t>
             </a:r>
-            <a:endParaRPr lang="en-US" sz="1500" dirty="0">
-              <a:latin typeface="Times New Roman" panose="02020603050405020304" pitchFamily="18" charset="0"/>
-              <a:cs typeface="Times New Roman" panose="02020603050405020304" pitchFamily="18" charset="0"/>
-            </a:endParaRPr>
           </a:p>
         </p:txBody>
       </p:sp>
@@ -5015,14 +9661,14 @@
           <p:nvPr/>
         </p:nvPicPr>
         <p:blipFill>
-          <a:blip r:embed="rId1"/>
+          <a:blip r:embed="rId2"/>
           <a:stretch>
             <a:fillRect/>
           </a:stretch>
         </p:blipFill>
         <p:spPr>
           <a:xfrm>
-            <a:off x="508635" y="2013585"/>
+            <a:off x="526415" y="2013585"/>
             <a:ext cx="5348605" cy="3975100"/>
           </a:xfrm>
           <a:prstGeom prst="rect">
@@ -5050,6 +9696,7 @@
           <a:bodyPr wrap="none" rtlCol="0">
             <a:spAutoFit/>
           </a:bodyPr>
+          <a:lstStyle/>
           <a:p>
             <a:pPr algn="l"/>
             <a:r>
@@ -5060,11 +9707,6 @@
               </a:rPr>
               <a:t>Top Association rules mined using Apriori Algorithm </a:t>
             </a:r>
-            <a:endParaRPr lang="en-US" b="1" dirty="0">
-              <a:latin typeface="Times New Roman Bold" panose="02020603050405020304" charset="0"/>
-              <a:cs typeface="Times New Roman Bold" panose="02020603050405020304" charset="0"/>
-              <a:sym typeface="+mn-ea"/>
-            </a:endParaRPr>
           </a:p>
         </p:txBody>
       </p:sp>
@@ -5111,6 +9753,7 @@
         </p:spPr>
         <p:txBody>
           <a:bodyPr/>
+          <a:lstStyle/>
           <a:p>
             <a:pPr algn="ctr"/>
             <a:r>
@@ -5150,93 +9793,77 @@
           </a:xfrm>
         </p:spPr>
         <p:txBody>
-          <a:bodyPr>
-            <a:normAutofit fontScale="92500" lnSpcReduction="20000"/>
+          <a:bodyPr vert="horz" lIns="91440" tIns="45720" rIns="91440" bIns="45720" rtlCol="0" anchor="t">
+            <a:noAutofit/>
           </a:bodyPr>
           <a:lstStyle/>
           <a:p>
             <a:pPr algn="just"/>
             <a:r>
-              <a:rPr lang="en-US" sz="1800" b="1" dirty="0">
-                <a:latin typeface="Times New Roman" panose="02020603050405020304" pitchFamily="18" charset="0"/>
-                <a:cs typeface="Times New Roman" panose="02020603050405020304" pitchFamily="18" charset="0"/>
+              <a:rPr lang="en-US" sz="1300" b="1" dirty="0">
+                <a:latin typeface="Times New Roman"/>
+                <a:cs typeface="Times New Roman"/>
               </a:rPr>
               <a:t>Category-Price Range Associations</a:t>
             </a:r>
             <a:r>
-              <a:rPr lang="en-US" sz="1800" dirty="0">
-                <a:latin typeface="Times New Roman" panose="02020603050405020304" pitchFamily="18" charset="0"/>
-                <a:cs typeface="Times New Roman" panose="02020603050405020304" pitchFamily="18" charset="0"/>
+              <a:rPr lang="en-US" sz="1300" dirty="0">
+                <a:latin typeface="Times New Roman"/>
+                <a:cs typeface="Times New Roman"/>
               </a:rPr>
               <a:t>: Books, Technology, Souvenir, and Food &amp; Beverage categories exhibit associations with specific price ranges. For instance, Books are typically priced between 5.23 to 81.3 units, while Technology items are commonly within the price range of 900 to 5250 units.</a:t>
             </a:r>
-            <a:endParaRPr lang="en-US" sz="1800" dirty="0">
-              <a:latin typeface="Times New Roman" panose="02020603050405020304" pitchFamily="18" charset="0"/>
-              <a:cs typeface="Times New Roman" panose="02020603050405020304" pitchFamily="18" charset="0"/>
-            </a:endParaRPr>
           </a:p>
           <a:p>
             <a:pPr algn="just"/>
             <a:r>
-              <a:rPr lang="en-US" sz="1800" b="1" dirty="0">
-                <a:latin typeface="Times New Roman" panose="02020603050405020304" pitchFamily="18" charset="0"/>
-                <a:cs typeface="Times New Roman" panose="02020603050405020304" pitchFamily="18" charset="0"/>
+              <a:rPr lang="en-US" sz="1300" b="1" dirty="0">
+                <a:latin typeface="Times New Roman"/>
+                <a:cs typeface="Times New Roman"/>
               </a:rPr>
               <a:t>Gender-Category Associations:</a:t>
             </a:r>
             <a:r>
-              <a:rPr lang="en-US" sz="1800" dirty="0">
-                <a:latin typeface="Times New Roman" panose="02020603050405020304" pitchFamily="18" charset="0"/>
-                <a:cs typeface="Times New Roman" panose="02020603050405020304" pitchFamily="18" charset="0"/>
+              <a:rPr lang="en-US" sz="1300" dirty="0">
+                <a:latin typeface="Times New Roman"/>
+                <a:cs typeface="Times New Roman"/>
               </a:rPr>
               <a:t> There are gender-specific preferences observed within certain product categories. For instance, there's a clear association between Female shoppers and categories like Food &amp; Beverage, Clothing, Cosmetics, and Toys within various price ranges.</a:t>
             </a:r>
-            <a:endParaRPr lang="en-US" sz="1800" dirty="0">
-              <a:latin typeface="Times New Roman" panose="02020603050405020304" pitchFamily="18" charset="0"/>
-              <a:cs typeface="Times New Roman" panose="02020603050405020304" pitchFamily="18" charset="0"/>
-            </a:endParaRPr>
           </a:p>
           <a:p>
             <a:pPr algn="just"/>
             <a:r>
-              <a:rPr lang="en-US" sz="1800" b="1" dirty="0">
-                <a:latin typeface="Times New Roman" panose="02020603050405020304" pitchFamily="18" charset="0"/>
-                <a:cs typeface="Times New Roman" panose="02020603050405020304" pitchFamily="18" charset="0"/>
+              <a:rPr lang="en-US" sz="1300" b="1" dirty="0">
+                <a:latin typeface="Times New Roman"/>
+                <a:cs typeface="Times New Roman"/>
               </a:rPr>
               <a:t>Age Group Preferences and Categories</a:t>
             </a:r>
             <a:r>
-              <a:rPr lang="en-US" sz="1800" dirty="0">
-                <a:latin typeface="Times New Roman" panose="02020603050405020304" pitchFamily="18" charset="0"/>
-                <a:cs typeface="Times New Roman" panose="02020603050405020304" pitchFamily="18" charset="0"/>
+              <a:rPr lang="en-US" sz="1300" dirty="0">
+                <a:latin typeface="Times New Roman"/>
+                <a:cs typeface="Times New Roman"/>
               </a:rPr>
               <a:t>: Different age groups show distinct preferences for specific categories. For instance, individuals aged 52 to 69 tend to favor Clothing items priced between 900 to 5250 units, whereas those aged 18 to 35 exhibit preferences for Clothing within a wider price range of 81.3 to 900 units.</a:t>
             </a:r>
-            <a:endParaRPr lang="en-US" sz="1800" dirty="0">
-              <a:latin typeface="Times New Roman" panose="02020603050405020304" pitchFamily="18" charset="0"/>
-              <a:cs typeface="Times New Roman" panose="02020603050405020304" pitchFamily="18" charset="0"/>
-            </a:endParaRPr>
           </a:p>
           <a:p>
             <a:pPr algn="just"/>
             <a:r>
-              <a:rPr lang="en-US" sz="1800" b="1" dirty="0">
-                <a:latin typeface="Times New Roman" panose="02020603050405020304" pitchFamily="18" charset="0"/>
-                <a:cs typeface="Times New Roman" panose="02020603050405020304" pitchFamily="18" charset="0"/>
+              <a:rPr lang="en-US" sz="1300" b="1" dirty="0">
+                <a:latin typeface="Times New Roman"/>
+                <a:cs typeface="Times New Roman"/>
               </a:rPr>
               <a:t>Payment Method and Gender Associations</a:t>
             </a:r>
             <a:r>
-              <a:rPr lang="en-US" sz="1800" dirty="0">
-                <a:latin typeface="Times New Roman" panose="02020603050405020304" pitchFamily="18" charset="0"/>
-                <a:cs typeface="Times New Roman" panose="02020603050405020304" pitchFamily="18" charset="0"/>
+              <a:rPr lang="en-US" sz="1300" dirty="0">
+                <a:latin typeface="Times New Roman"/>
+                <a:cs typeface="Times New Roman"/>
               </a:rPr>
               <a:t>: There's a discernible relationship between payment methods and gender. Female shoppers tend to use specific payment methods, such as Cash or Credit Card, for certain categories like Clothing, Cosmetics, and Food &amp; Beverage across varied price ranges.</a:t>
             </a:r>
-            <a:endParaRPr lang="en-US" sz="1800" dirty="0">
-              <a:latin typeface="Times New Roman" panose="02020603050405020304" pitchFamily="18" charset="0"/>
-              <a:cs typeface="Times New Roman" panose="02020603050405020304" pitchFamily="18" charset="0"/>
-            </a:endParaRPr>
           </a:p>
         </p:txBody>
       </p:sp>
@@ -5249,7 +9876,7 @@
           <p:nvPr/>
         </p:nvPicPr>
         <p:blipFill>
-          <a:blip r:embed="rId1"/>
+          <a:blip r:embed="rId2"/>
           <a:stretch>
             <a:fillRect/>
           </a:stretch>
@@ -5284,6 +9911,7 @@
           <a:bodyPr wrap="none" rtlCol="0">
             <a:spAutoFit/>
           </a:bodyPr>
+          <a:lstStyle/>
           <a:p>
             <a:pPr algn="l"/>
             <a:r>
@@ -5293,10 +9921,6 @@
               </a:rPr>
               <a:t>Top association rules mined using Eclat Algorithm</a:t>
             </a:r>
-            <a:endParaRPr lang="en-US" b="1">
-              <a:latin typeface="Times New Roman Bold" panose="02020603050405020304" charset="0"/>
-              <a:cs typeface="Times New Roman Bold" panose="02020603050405020304" charset="0"/>
-            </a:endParaRPr>
           </a:p>
         </p:txBody>
       </p:sp>
@@ -5428,10 +10052,6 @@
               </a:rPr>
               <a:t>Classification refers to the process of categorizing data into classes or groups based on certain features or attributes. It's a fundamental task in data analysis and machine learning where the goal is to predict the category or class of a given dataset based on its characteristics.</a:t>
             </a:r>
-            <a:endParaRPr lang="en-US" sz="2300" dirty="0">
-              <a:latin typeface="Times New Roman Regular" panose="02020603050405020304" charset="0"/>
-              <a:cs typeface="Times New Roman Regular" panose="02020603050405020304" charset="0"/>
-            </a:endParaRPr>
           </a:p>
           <a:p>
             <a:pPr algn="just"/>
@@ -5463,10 +10083,6 @@
               </a:rPr>
               <a:t>Naive Bayes model.</a:t>
             </a:r>
-            <a:endParaRPr lang="en-US" sz="2300" b="1" dirty="0">
-              <a:latin typeface="Times New Roman Regular" panose="02020603050405020304" charset="0"/>
-              <a:cs typeface="Times New Roman Regular" panose="02020603050405020304" charset="0"/>
-            </a:endParaRPr>
           </a:p>
           <a:p>
             <a:pPr algn="just"/>
@@ -5484,7 +10100,7 @@
                 <a:cs typeface="Times New Roman Regular" panose="02020603050405020304" charset="0"/>
                 <a:sym typeface="+mn-ea"/>
               </a:rPr>
-              <a:t>Random Forest is an ensemble learning method that constructs multiple decision trees during training and outputs the mode of the classes (classification) or the mean prediction (regression) of the individual trees.</a:t>
+              <a:t>Random Forest is an ensemble learning method that constructs multiple decision trees during training and outputs the mode of the classes (classification) of the individual trees.</a:t>
             </a:r>
             <a:endParaRPr lang="en-US" sz="2300" dirty="0">
               <a:latin typeface="Times New Roman Regular" panose="02020603050405020304" charset="0"/>
@@ -5556,9 +10172,9 @@
 </file>
 
 <file path=ppt/theme/theme1.xml><?xml version="1.0" encoding="utf-8"?>
-<a:theme xmlns:a="http://schemas.openxmlformats.org/drawingml/2006/main" name="Office Theme">
+<a:theme xmlns:a="http://schemas.openxmlformats.org/drawingml/2006/main" name="Ion">
   <a:themeElements>
-    <a:clrScheme name="Office">
+    <a:clrScheme name="Ion">
       <a:dk1>
         <a:sysClr val="windowText" lastClr="000000"/>
       </a:dk1>
@@ -5566,42 +10182,42 @@
         <a:sysClr val="window" lastClr="FFFFFF"/>
       </a:lt1>
       <a:dk2>
-        <a:srgbClr val="44546A"/>
+        <a:srgbClr val="1E5155"/>
       </a:dk2>
       <a:lt2>
-        <a:srgbClr val="E7E6E6"/>
+        <a:srgbClr val="EBEBEB"/>
       </a:lt2>
       <a:accent1>
-        <a:srgbClr val="5B9BD5"/>
+        <a:srgbClr val="B01513"/>
       </a:accent1>
       <a:accent2>
-        <a:srgbClr val="ED7D31"/>
+        <a:srgbClr val="EA6312"/>
       </a:accent2>
       <a:accent3>
-        <a:srgbClr val="A5A5A5"/>
+        <a:srgbClr val="E6B729"/>
       </a:accent3>
       <a:accent4>
-        <a:srgbClr val="FFC000"/>
+        <a:srgbClr val="6AAC90"/>
       </a:accent4>
       <a:accent5>
-        <a:srgbClr val="4472C4"/>
+        <a:srgbClr val="54849A"/>
       </a:accent5>
       <a:accent6>
-        <a:srgbClr val="70AD47"/>
+        <a:srgbClr val="9E5E9B"/>
       </a:accent6>
       <a:hlink>
-        <a:srgbClr val="0563C1"/>
+        <a:srgbClr val="58C1BA"/>
       </a:hlink>
       <a:folHlink>
-        <a:srgbClr val="954F72"/>
+        <a:srgbClr val="9DFFCB"/>
       </a:folHlink>
     </a:clrScheme>
-    <a:fontScheme name="Office">
+    <a:fontScheme name="Ion">
       <a:majorFont>
-        <a:latin typeface="Calibri Light"/>
+        <a:latin typeface="Century Gothic" panose="020B0502020202020204"/>
         <a:ea typeface=""/>
         <a:cs typeface=""/>
-        <a:font script="Jpan" typeface="ＭＳ Ｐゴシック"/>
+        <a:font script="Jpan" typeface="メイリオ"/>
         <a:font script="Hang" typeface="맑은 고딕"/>
         <a:font script="Hans" typeface="宋体"/>
         <a:font script="Hant" typeface="新細明體"/>
@@ -5633,10 +10249,10 @@
         <a:font script="Geor" typeface="Sylfaen"/>
       </a:majorFont>
       <a:minorFont>
-        <a:latin typeface="Calibri"/>
+        <a:latin typeface="Century Gothic" panose="020B0502020202020204"/>
         <a:ea typeface=""/>
         <a:cs typeface=""/>
-        <a:font script="Jpan" typeface="ＭＳ Ｐゴシック"/>
+        <a:font script="Jpan" typeface="メイリオ"/>
         <a:font script="Hang" typeface="맑은 고딕"/>
         <a:font script="Hans" typeface="宋体"/>
         <a:font script="Hant" typeface="新細明體"/>
@@ -5668,7 +10284,7 @@
         <a:font script="Geor" typeface="Sylfaen"/>
       </a:minorFont>
     </a:fontScheme>
-    <a:fmtScheme name="Office">
+    <a:fmtScheme name="Ion">
       <a:fillStyleLst>
         <a:solidFill>
           <a:schemeClr val="phClr"/>
@@ -5677,23 +10293,15 @@
           <a:gsLst>
             <a:gs pos="0">
               <a:schemeClr val="phClr">
-                <a:lumMod val="110000"/>
-                <a:satMod val="105000"/>
-                <a:tint val="67000"/>
-              </a:schemeClr>
-            </a:gs>
-            <a:gs pos="50000">
-              <a:schemeClr val="phClr">
-                <a:lumMod val="105000"/>
-                <a:satMod val="103000"/>
-                <a:tint val="73000"/>
+                <a:tint val="64000"/>
+                <a:lumMod val="118000"/>
               </a:schemeClr>
             </a:gs>
             <a:gs pos="100000">
               <a:schemeClr val="phClr">
-                <a:lumMod val="105000"/>
-                <a:satMod val="109000"/>
-                <a:tint val="81000"/>
+                <a:tint val="92000"/>
+                <a:alpha val="100000"/>
+                <a:lumMod val="110000"/>
               </a:schemeClr>
             </a:gs>
           </a:gsLst>
@@ -5703,23 +10311,14 @@
           <a:gsLst>
             <a:gs pos="0">
               <a:schemeClr val="phClr">
-                <a:satMod val="103000"/>
-                <a:lumMod val="102000"/>
-                <a:tint val="94000"/>
-              </a:schemeClr>
-            </a:gs>
-            <a:gs pos="50000">
-              <a:schemeClr val="phClr">
-                <a:satMod val="110000"/>
-                <a:lumMod val="100000"/>
-                <a:shade val="100000"/>
+                <a:tint val="98000"/>
+                <a:lumMod val="114000"/>
               </a:schemeClr>
             </a:gs>
             <a:gs pos="100000">
               <a:schemeClr val="phClr">
-                <a:lumMod val="99000"/>
-                <a:satMod val="120000"/>
-                <a:shade val="78000"/>
+                <a:shade val="90000"/>
+                <a:lumMod val="84000"/>
               </a:schemeClr>
             </a:gs>
           </a:gsLst>
@@ -5727,26 +10326,23 @@
         </a:gradFill>
       </a:fillStyleLst>
       <a:lnStyleLst>
-        <a:ln w="6350" cap="flat" cmpd="sng" algn="ctr">
+        <a:ln w="9525" cap="rnd" cmpd="sng" algn="ctr">
           <a:solidFill>
             <a:schemeClr val="phClr"/>
           </a:solidFill>
           <a:prstDash val="solid"/>
-          <a:miter lim="800000"/>
         </a:ln>
-        <a:ln w="12700" cap="flat" cmpd="sng" algn="ctr">
+        <a:ln w="19050" cap="rnd" cmpd="sng" algn="ctr">
           <a:solidFill>
             <a:schemeClr val="phClr"/>
           </a:solidFill>
           <a:prstDash val="solid"/>
-          <a:miter lim="800000"/>
         </a:ln>
-        <a:ln w="19050" cap="flat" cmpd="sng" algn="ctr">
+        <a:ln w="28575" cap="rnd" cmpd="sng" algn="ctr">
           <a:solidFill>
             <a:schemeClr val="phClr"/>
           </a:solidFill>
           <a:prstDash val="solid"/>
-          <a:miter lim="800000"/>
         </a:ln>
       </a:lnStyleLst>
       <a:effectStyleLst>
@@ -5754,61 +10350,88 @@
           <a:effectLst/>
         </a:effectStyle>
         <a:effectStyle>
-          <a:effectLst/>
+          <a:effectLst>
+            <a:outerShdw blurRad="38100" dist="25400" dir="5400000" rotWithShape="0">
+              <a:srgbClr val="000000">
+                <a:alpha val="45000"/>
+              </a:srgbClr>
+            </a:outerShdw>
+          </a:effectLst>
         </a:effectStyle>
         <a:effectStyle>
           <a:effectLst>
-            <a:outerShdw blurRad="57150" dist="19050" dir="5400000" algn="ctr" rotWithShape="0">
+            <a:outerShdw blurRad="63500" dist="38100" dir="5400000" rotWithShape="0">
               <a:srgbClr val="000000">
-                <a:alpha val="63000"/>
+                <a:alpha val="60000"/>
               </a:srgbClr>
             </a:outerShdw>
           </a:effectLst>
+          <a:scene3d>
+            <a:camera prst="orthographicFront">
+              <a:rot lat="0" lon="0" rev="0"/>
+            </a:camera>
+            <a:lightRig rig="threePt" dir="tl"/>
+          </a:scene3d>
+          <a:sp3d prstMaterial="plastic">
+            <a:bevelT w="0" h="0"/>
+          </a:sp3d>
         </a:effectStyle>
       </a:effectStyleLst>
       <a:bgFillStyleLst>
         <a:solidFill>
           <a:schemeClr val="phClr"/>
         </a:solidFill>
-        <a:solidFill>
-          <a:schemeClr val="phClr">
-            <a:tint val="95000"/>
-            <a:satMod val="170000"/>
-          </a:schemeClr>
-        </a:solidFill>
         <a:gradFill rotWithShape="1">
           <a:gsLst>
             <a:gs pos="0">
               <a:schemeClr val="phClr">
-                <a:tint val="93000"/>
-                <a:satMod val="150000"/>
-                <a:shade val="98000"/>
-                <a:lumMod val="102000"/>
-              </a:schemeClr>
-            </a:gs>
-            <a:gs pos="50000">
-              <a:schemeClr val="phClr">
-                <a:tint val="98000"/>
+                <a:tint val="97000"/>
+                <a:hueMod val="88000"/>
                 <a:satMod val="130000"/>
-                <a:shade val="90000"/>
-                <a:lumMod val="103000"/>
+                <a:lumMod val="124000"/>
               </a:schemeClr>
             </a:gs>
             <a:gs pos="100000">
               <a:schemeClr val="phClr">
-                <a:shade val="63000"/>
-                <a:satMod val="120000"/>
+                <a:tint val="96000"/>
+                <a:shade val="88000"/>
+                <a:hueMod val="108000"/>
+                <a:satMod val="164000"/>
+                <a:lumMod val="76000"/>
               </a:schemeClr>
             </a:gs>
           </a:gsLst>
-          <a:lin ang="5400000" scaled="0"/>
+          <a:path path="circle">
+            <a:fillToRect l="45000" t="65000" r="125000" b="100000"/>
+          </a:path>
         </a:gradFill>
+        <a:blipFill rotWithShape="1">
+          <a:blip xmlns:r="http://schemas.openxmlformats.org/officeDocument/2006/relationships" r:embed="rId1">
+            <a:duotone>
+              <a:schemeClr val="phClr">
+                <a:shade val="69000"/>
+                <a:hueMod val="108000"/>
+                <a:satMod val="164000"/>
+                <a:lumMod val="74000"/>
+              </a:schemeClr>
+              <a:schemeClr val="phClr">
+                <a:tint val="96000"/>
+                <a:hueMod val="88000"/>
+                <a:satMod val="140000"/>
+                <a:lumMod val="132000"/>
+              </a:schemeClr>
+            </a:duotone>
+          </a:blip>
+          <a:stretch/>
+        </a:blipFill>
       </a:bgFillStyleLst>
     </a:fmtScheme>
   </a:themeElements>
+  <a:objectDefaults/>
+  <a:extraClrSchemeLst/>
   <a:extLst>
     <a:ext uri="{05A4C25C-085E-4340-85A3-A5531E510DB2}">
-      <thm15:themeFamily xmlns:thm15="http://schemas.microsoft.com/office/thememl/2012/main" name="Office Theme" id="{62F939B6-93AF-4DB8-9C6B-D6C7DFDC589F}" vid="{4A3C46E8-61CC-4603-A589-7422A47A8E4A}"/>
+      <thm15:themeFamily xmlns:thm15="http://schemas.microsoft.com/office/thememl/2012/main" name="Ion" id="{B8441ADB-2E43-4AF7-B97A-BD870242C6A8}" vid="{292E63A9-BB86-4E3D-B92A-7223C6510D2E}"/>
     </a:ext>
   </a:extLst>
 </a:theme>

--- a/Group4-Presentation.pptx
+++ b/Group4-Presentation.pptx
@@ -6214,12 +6214,12 @@
               </a:lnSpc>
             </a:pPr>
             <a:r>
-              <a:rPr lang="en-US" sz="500" b="0" i="0" dirty="0">
+              <a:rPr lang="en-US" sz="2500" b="0" i="0">
                 <a:effectLst/>
                 <a:latin typeface="Times New Roman"/>
                 <a:cs typeface="Times New Roman"/>
               </a:rPr>
-              <a:t>A </a:t>
+              <a:t>Comprehensive </a:t>
             </a:r>
             <a:r>
               <a:rPr lang="en-US" sz="2500" b="0" i="0" dirty="0">
@@ -6227,9 +6227,9 @@
                 <a:latin typeface="Times New Roman"/>
                 <a:cs typeface="Times New Roman"/>
               </a:rPr>
-              <a:t>Comprehensive Exploration of Shopping Patterns from 2021 to 2023 by Age, Gender, and Location</a:t>
-            </a:r>
-            <a:endParaRPr lang="en-US">
+              <a:t>Exploration of Shopping Patterns from 2021 to 2023 by Age, Gender, and Location</a:t>
+            </a:r>
+            <a:endParaRPr lang="en-US" dirty="0">
               <a:latin typeface="Times New Roman"/>
               <a:cs typeface="Times New Roman"/>
             </a:endParaRPr>
@@ -6293,30 +6293,12 @@
               </a:lnSpc>
             </a:pPr>
             <a:r>
-              <a:rPr lang="en-US" sz="2500" err="1">
-                <a:latin typeface="Times New Roman"/>
-                <a:cs typeface="Times New Roman"/>
-              </a:rPr>
-              <a:t>Jothish</a:t>
-            </a:r>
-            <a:r>
               <a:rPr lang="en-US" sz="2500" dirty="0">
                 <a:latin typeface="Times New Roman"/>
                 <a:cs typeface="Times New Roman"/>
               </a:rPr>
-              <a:t> Kumar </a:t>
-            </a:r>
-            <a:r>
-              <a:rPr lang="en-US" sz="2500" err="1">
-                <a:latin typeface="Times New Roman"/>
-                <a:cs typeface="Times New Roman"/>
-              </a:rPr>
-              <a:t>Polaki</a:t>
-            </a:r>
-            <a:endParaRPr lang="en-US" sz="2500">
-              <a:latin typeface="Times New Roman"/>
-              <a:cs typeface="Times New Roman"/>
-            </a:endParaRPr>
+              <a:t>Jothish Kumar Polaki</a:t>
+            </a:r>
           </a:p>
           <a:p>
             <a:pPr algn="ctr">
@@ -6332,7 +6314,7 @@
               <a:t>Rohit </a:t>
             </a:r>
             <a:r>
-              <a:rPr lang="en-US" sz="2500" err="1">
+              <a:rPr lang="en-US" sz="2500" dirty="0" err="1">
                 <a:latin typeface="Times New Roman"/>
                 <a:cs typeface="Times New Roman"/>
               </a:rPr>
@@ -6353,7 +6335,7 @@
               </a:lnSpc>
             </a:pPr>
             <a:r>
-              <a:rPr lang="en-US" sz="2500" err="1">
+              <a:rPr lang="en-US" sz="2500" dirty="0" err="1">
                 <a:latin typeface="Times New Roman"/>
                 <a:cs typeface="Times New Roman"/>
               </a:rPr>
@@ -6367,13 +6349,13 @@
               <a:t> </a:t>
             </a:r>
             <a:r>
-              <a:rPr lang="en-US" sz="2500" err="1">
+              <a:rPr lang="en-US" sz="2500" dirty="0" err="1">
                 <a:latin typeface="Times New Roman"/>
                 <a:cs typeface="Times New Roman"/>
               </a:rPr>
               <a:t>Sivashanmugam</a:t>
             </a:r>
-            <a:endParaRPr lang="en-US" sz="2500">
+            <a:endParaRPr lang="en-US" sz="2500" dirty="0">
               <a:latin typeface="Times New Roman"/>
               <a:cs typeface="Times New Roman"/>
             </a:endParaRPr>
@@ -6384,7 +6366,7 @@
                 <a:spcPct val="90000"/>
               </a:lnSpc>
             </a:pPr>
-            <a:endParaRPr lang="en-US" sz="500">
+            <a:endParaRPr lang="en-US" sz="500" dirty="0">
               <a:latin typeface="Times New Roman" panose="02020603050405020304" pitchFamily="18" charset="0"/>
               <a:cs typeface="Times New Roman" panose="02020603050405020304" pitchFamily="18" charset="0"/>
             </a:endParaRPr>
@@ -6443,6 +6425,13 @@
             <a:schemeClr val="lt1"/>
           </a:fontRef>
         </p:style>
+        <p:txBody>
+          <a:bodyPr/>
+          <a:lstStyle/>
+          <a:p>
+            <a:endParaRPr lang="en-US"/>
+          </a:p>
+        </p:txBody>
       </p:sp>
     </p:spTree>
   </p:cSld>
@@ -8572,6 +8561,13 @@
             <a:schemeClr val="lt1"/>
           </a:fontRef>
         </p:style>
+        <p:txBody>
+          <a:bodyPr/>
+          <a:lstStyle/>
+          <a:p>
+            <a:endParaRPr lang="en-US"/>
+          </a:p>
+        </p:txBody>
       </p:sp>
       <p:pic>
         <p:nvPicPr>
@@ -8713,6 +8709,13 @@
             <a:schemeClr val="lt1"/>
           </a:fontRef>
         </p:style>
+        <p:txBody>
+          <a:bodyPr/>
+          <a:lstStyle/>
+          <a:p>
+            <a:endParaRPr lang="en-US"/>
+          </a:p>
+        </p:txBody>
       </p:sp>
       <p:sp>
         <p:nvSpPr>
